--- a/КВЕСТ/Kvest 2706.pptx
+++ b/КВЕСТ/Kvest 2706.pptx
@@ -5,14 +5,34 @@
     <p:sldMasterId id="2147483660" r:id="rId1"/>
   </p:sldMasterIdLst>
   <p:sldIdLst>
-    <p:sldId id="262" r:id="rId2"/>
+    <p:sldId id="293" r:id="rId2"/>
     <p:sldId id="259" r:id="rId3"/>
     <p:sldId id="260" r:id="rId4"/>
-    <p:sldId id="263" r:id="rId5"/>
-    <p:sldId id="264" r:id="rId6"/>
+    <p:sldId id="277" r:id="rId5"/>
+    <p:sldId id="276" r:id="rId6"/>
     <p:sldId id="265" r:id="rId7"/>
-    <p:sldId id="266" r:id="rId8"/>
-    <p:sldId id="267" r:id="rId9"/>
+    <p:sldId id="278" r:id="rId8"/>
+    <p:sldId id="279" r:id="rId9"/>
+    <p:sldId id="272" r:id="rId10"/>
+    <p:sldId id="270" r:id="rId11"/>
+    <p:sldId id="269" r:id="rId12"/>
+    <p:sldId id="274" r:id="rId13"/>
+    <p:sldId id="273" r:id="rId14"/>
+    <p:sldId id="268" r:id="rId15"/>
+    <p:sldId id="271" r:id="rId16"/>
+    <p:sldId id="281" r:id="rId17"/>
+    <p:sldId id="280" r:id="rId18"/>
+    <p:sldId id="282" r:id="rId19"/>
+    <p:sldId id="283" r:id="rId20"/>
+    <p:sldId id="284" r:id="rId21"/>
+    <p:sldId id="285" r:id="rId22"/>
+    <p:sldId id="286" r:id="rId23"/>
+    <p:sldId id="287" r:id="rId24"/>
+    <p:sldId id="288" r:id="rId25"/>
+    <p:sldId id="289" r:id="rId26"/>
+    <p:sldId id="291" r:id="rId27"/>
+    <p:sldId id="290" r:id="rId28"/>
+    <p:sldId id="292" r:id="rId29"/>
   </p:sldIdLst>
   <p:sldSz cx="5400675" cy="3600450"/>
   <p:notesSz cx="6858000" cy="9144000"/>
@@ -250,7 +270,7 @@
           <a:p>
             <a:fld id="{88E68176-E485-4A6B-94AE-7211FD3F8CD0}" type="datetimeFigureOut">
               <a:rPr lang="ru-RU" smtClean="0"/>
-              <a:t>18.03.2024</a:t>
+              <a:t>28.03.2024</a:t>
             </a:fld>
             <a:endParaRPr lang="ru-RU"/>
           </a:p>
@@ -420,7 +440,7 @@
           <a:p>
             <a:fld id="{88E68176-E485-4A6B-94AE-7211FD3F8CD0}" type="datetimeFigureOut">
               <a:rPr lang="ru-RU" smtClean="0"/>
-              <a:t>18.03.2024</a:t>
+              <a:t>28.03.2024</a:t>
             </a:fld>
             <a:endParaRPr lang="ru-RU"/>
           </a:p>
@@ -600,7 +620,7 @@
           <a:p>
             <a:fld id="{88E68176-E485-4A6B-94AE-7211FD3F8CD0}" type="datetimeFigureOut">
               <a:rPr lang="ru-RU" smtClean="0"/>
-              <a:t>18.03.2024</a:t>
+              <a:t>28.03.2024</a:t>
             </a:fld>
             <a:endParaRPr lang="ru-RU"/>
           </a:p>
@@ -770,7 +790,7 @@
           <a:p>
             <a:fld id="{88E68176-E485-4A6B-94AE-7211FD3F8CD0}" type="datetimeFigureOut">
               <a:rPr lang="ru-RU" smtClean="0"/>
-              <a:t>18.03.2024</a:t>
+              <a:t>28.03.2024</a:t>
             </a:fld>
             <a:endParaRPr lang="ru-RU"/>
           </a:p>
@@ -1014,7 +1034,7 @@
           <a:p>
             <a:fld id="{88E68176-E485-4A6B-94AE-7211FD3F8CD0}" type="datetimeFigureOut">
               <a:rPr lang="ru-RU" smtClean="0"/>
-              <a:t>18.03.2024</a:t>
+              <a:t>28.03.2024</a:t>
             </a:fld>
             <a:endParaRPr lang="ru-RU"/>
           </a:p>
@@ -1246,7 +1266,7 @@
           <a:p>
             <a:fld id="{88E68176-E485-4A6B-94AE-7211FD3F8CD0}" type="datetimeFigureOut">
               <a:rPr lang="ru-RU" smtClean="0"/>
-              <a:t>18.03.2024</a:t>
+              <a:t>28.03.2024</a:t>
             </a:fld>
             <a:endParaRPr lang="ru-RU"/>
           </a:p>
@@ -1613,7 +1633,7 @@
           <a:p>
             <a:fld id="{88E68176-E485-4A6B-94AE-7211FD3F8CD0}" type="datetimeFigureOut">
               <a:rPr lang="ru-RU" smtClean="0"/>
-              <a:t>18.03.2024</a:t>
+              <a:t>28.03.2024</a:t>
             </a:fld>
             <a:endParaRPr lang="ru-RU"/>
           </a:p>
@@ -1731,7 +1751,7 @@
           <a:p>
             <a:fld id="{88E68176-E485-4A6B-94AE-7211FD3F8CD0}" type="datetimeFigureOut">
               <a:rPr lang="ru-RU" smtClean="0"/>
-              <a:t>18.03.2024</a:t>
+              <a:t>28.03.2024</a:t>
             </a:fld>
             <a:endParaRPr lang="ru-RU"/>
           </a:p>
@@ -1826,7 +1846,7 @@
           <a:p>
             <a:fld id="{88E68176-E485-4A6B-94AE-7211FD3F8CD0}" type="datetimeFigureOut">
               <a:rPr lang="ru-RU" smtClean="0"/>
-              <a:t>18.03.2024</a:t>
+              <a:t>28.03.2024</a:t>
             </a:fld>
             <a:endParaRPr lang="ru-RU"/>
           </a:p>
@@ -2103,7 +2123,7 @@
           <a:p>
             <a:fld id="{88E68176-E485-4A6B-94AE-7211FD3F8CD0}" type="datetimeFigureOut">
               <a:rPr lang="ru-RU" smtClean="0"/>
-              <a:t>18.03.2024</a:t>
+              <a:t>28.03.2024</a:t>
             </a:fld>
             <a:endParaRPr lang="ru-RU"/>
           </a:p>
@@ -2360,7 +2380,7 @@
           <a:p>
             <a:fld id="{88E68176-E485-4A6B-94AE-7211FD3F8CD0}" type="datetimeFigureOut">
               <a:rPr lang="ru-RU" smtClean="0"/>
-              <a:t>18.03.2024</a:t>
+              <a:t>28.03.2024</a:t>
             </a:fld>
             <a:endParaRPr lang="ru-RU"/>
           </a:p>
@@ -2573,7 +2593,7 @@
           <a:p>
             <a:fld id="{88E68176-E485-4A6B-94AE-7211FD3F8CD0}" type="datetimeFigureOut">
               <a:rPr lang="ru-RU" smtClean="0"/>
-              <a:t>18.03.2024</a:t>
+              <a:t>28.03.2024</a:t>
             </a:fld>
             <a:endParaRPr lang="ru-RU"/>
           </a:p>
@@ -2983,20 +3003,20 @@
           <p:cNvPr id="2" name="Заголовок 1">
             <a:extLst>
               <a:ext uri="{FF2B5EF4-FFF2-40B4-BE49-F238E27FC236}">
-                <a16:creationId xmlns:a16="http://schemas.microsoft.com/office/drawing/2014/main" id="{7B81FF81-848C-E80F-A395-FE21A9FC631C}"/>
-              </a:ext>
-            </a:extLst>
-          </p:cNvPr>
-          <p:cNvSpPr>
-            <a:spLocks noGrp="1"/>
-          </p:cNvSpPr>
-          <p:nvPr>
-            <p:ph type="ctrTitle"/>
-          </p:nvPr>
-        </p:nvSpPr>
-        <p:spPr/>
-        <p:txBody>
-          <a:bodyPr anchor="ctr"/>
+                <a16:creationId xmlns:a16="http://schemas.microsoft.com/office/drawing/2014/main" id="{44D06955-5274-6786-49A2-DE607A1FF5B0}"/>
+              </a:ext>
+            </a:extLst>
+          </p:cNvPr>
+          <p:cNvSpPr>
+            <a:spLocks noGrp="1"/>
+          </p:cNvSpPr>
+          <p:nvPr>
+            <p:ph type="title"/>
+          </p:nvPr>
+        </p:nvSpPr>
+        <p:spPr/>
+        <p:txBody>
+          <a:bodyPr/>
           <a:lstStyle/>
           <a:p>
             <a:r>
@@ -3008,41 +3028,80 @@
       </p:sp>
       <p:sp>
         <p:nvSpPr>
-          <p:cNvPr id="3" name="Подзаголовок 2">
-            <a:extLst>
-              <a:ext uri="{FF2B5EF4-FFF2-40B4-BE49-F238E27FC236}">
-                <a16:creationId xmlns:a16="http://schemas.microsoft.com/office/drawing/2014/main" id="{5960ED07-2094-F46D-BB58-C61686CD7BA7}"/>
-              </a:ext>
-            </a:extLst>
-          </p:cNvPr>
-          <p:cNvSpPr>
-            <a:spLocks noGrp="1"/>
-          </p:cNvSpPr>
-          <p:nvPr>
-            <p:ph type="subTitle" idx="1"/>
-          </p:nvPr>
-        </p:nvSpPr>
-        <p:spPr/>
-        <p:txBody>
-          <a:bodyPr anchor="ctr">
-            <a:normAutofit fontScale="62500" lnSpcReduction="20000"/>
-          </a:bodyPr>
-          <a:lstStyle/>
-          <a:p>
-            <a:r>
-              <a:rPr lang="ru-RU" sz="3190" dirty="0"/>
+          <p:cNvPr id="3" name="Объект 2">
+            <a:extLst>
+              <a:ext uri="{FF2B5EF4-FFF2-40B4-BE49-F238E27FC236}">
+                <a16:creationId xmlns:a16="http://schemas.microsoft.com/office/drawing/2014/main" id="{79408731-8657-A67C-2368-515383965F10}"/>
+              </a:ext>
+            </a:extLst>
+          </p:cNvPr>
+          <p:cNvSpPr>
+            <a:spLocks noGrp="1"/>
+          </p:cNvSpPr>
+          <p:nvPr>
+            <p:ph sz="half" idx="1"/>
+          </p:nvPr>
+        </p:nvSpPr>
+        <p:spPr/>
+        <p:txBody>
+          <a:bodyPr/>
+          <a:lstStyle/>
+          <a:p>
+            <a:r>
+              <a:rPr lang="ru-RU" sz="1600" dirty="0"/>
               <a:t>Соберите </a:t>
             </a:r>
             <a:r>
-              <a:rPr lang="ru-RU" sz="3190" dirty="0" err="1"/>
+              <a:rPr lang="ru-RU" sz="1600" dirty="0" err="1"/>
               <a:t>пазл</a:t>
             </a:r>
-            <a:endParaRPr lang="ru-RU" sz="3190" dirty="0"/>
-          </a:p>
-          <a:p>
-            <a:r>
-              <a:rPr lang="ru-RU" sz="3190" dirty="0"/>
-              <a:t>Введите 4-ю букву имени артиста</a:t>
+            <a:endParaRPr lang="ru-RU" sz="1600" dirty="0"/>
+          </a:p>
+          <a:p>
+            <a:r>
+              <a:rPr lang="ru-RU" sz="1600" dirty="0"/>
+              <a:t>Угадайте артиста</a:t>
+            </a:r>
+          </a:p>
+          <a:p>
+            <a:endParaRPr lang="ru-RU" dirty="0"/>
+          </a:p>
+        </p:txBody>
+      </p:sp>
+      <p:sp>
+        <p:nvSpPr>
+          <p:cNvPr id="4" name="Объект 3">
+            <a:extLst>
+              <a:ext uri="{FF2B5EF4-FFF2-40B4-BE49-F238E27FC236}">
+                <a16:creationId xmlns:a16="http://schemas.microsoft.com/office/drawing/2014/main" id="{2DC7F717-A7FF-E8EB-48BA-77329A72BE2F}"/>
+              </a:ext>
+            </a:extLst>
+          </p:cNvPr>
+          <p:cNvSpPr>
+            <a:spLocks noGrp="1"/>
+          </p:cNvSpPr>
+          <p:nvPr>
+            <p:ph sz="half" idx="2"/>
+          </p:nvPr>
+        </p:nvSpPr>
+        <p:spPr/>
+        <p:txBody>
+          <a:bodyPr/>
+          <a:lstStyle/>
+          <a:p>
+            <a:r>
+              <a:rPr lang="ru-RU" dirty="0">
+                <a:solidFill>
+                  <a:srgbClr val="002060"/>
+                </a:solidFill>
+              </a:rPr>
+              <a:t>Введите 4-ю букву:</a:t>
+            </a:r>
+          </a:p>
+          <a:p>
+            <a:r>
+              <a:rPr lang="ru-RU" dirty="0"/>
+              <a:t>Верный ответ: Т</a:t>
             </a:r>
           </a:p>
         </p:txBody>
@@ -3050,7 +3109,1627 @@
     </p:spTree>
     <p:extLst>
       <p:ext uri="{BB962C8B-B14F-4D97-AF65-F5344CB8AC3E}">
-        <p14:creationId xmlns:p14="http://schemas.microsoft.com/office/powerpoint/2010/main" val="48291056"/>
+        <p14:creationId xmlns:p14="http://schemas.microsoft.com/office/powerpoint/2010/main" val="4086657486"/>
+      </p:ext>
+    </p:extLst>
+  </p:cSld>
+  <p:clrMapOvr>
+    <a:masterClrMapping/>
+  </p:clrMapOvr>
+</p:sld>
+</file>
+
+<file path=ppt/slides/slide10.xml><?xml version="1.0" encoding="utf-8"?>
+<p:sld xmlns:a="http://schemas.openxmlformats.org/drawingml/2006/main" xmlns:r="http://schemas.openxmlformats.org/officeDocument/2006/relationships" xmlns:p="http://schemas.openxmlformats.org/presentationml/2006/main">
+  <p:cSld>
+    <p:spTree>
+      <p:nvGrpSpPr>
+        <p:cNvPr id="1" name=""/>
+        <p:cNvGrpSpPr/>
+        <p:nvPr/>
+      </p:nvGrpSpPr>
+      <p:grpSpPr>
+        <a:xfrm>
+          <a:off x="0" y="0"/>
+          <a:ext cx="0" cy="0"/>
+          <a:chOff x="0" y="0"/>
+          <a:chExt cx="0" cy="0"/>
+        </a:xfrm>
+      </p:grpSpPr>
+      <p:sp>
+        <p:nvSpPr>
+          <p:cNvPr id="2" name="Заголовок 1">
+            <a:extLst>
+              <a:ext uri="{FF2B5EF4-FFF2-40B4-BE49-F238E27FC236}">
+                <a16:creationId xmlns:a16="http://schemas.microsoft.com/office/drawing/2014/main" id="{742C4D59-4F87-BD7F-CC5D-82AAAB87EA59}"/>
+              </a:ext>
+            </a:extLst>
+          </p:cNvPr>
+          <p:cNvSpPr>
+            <a:spLocks noGrp="1"/>
+          </p:cNvSpPr>
+          <p:nvPr>
+            <p:ph type="title"/>
+          </p:nvPr>
+        </p:nvSpPr>
+        <p:spPr/>
+        <p:txBody>
+          <a:bodyPr/>
+          <a:lstStyle/>
+          <a:p>
+            <a:r>
+              <a:rPr lang="ru-RU" dirty="0"/>
+              <a:t>2.6. Сколько звуков в слове</a:t>
+            </a:r>
+          </a:p>
+        </p:txBody>
+      </p:sp>
+      <p:sp>
+        <p:nvSpPr>
+          <p:cNvPr id="3" name="Объект 2">
+            <a:extLst>
+              <a:ext uri="{FF2B5EF4-FFF2-40B4-BE49-F238E27FC236}">
+                <a16:creationId xmlns:a16="http://schemas.microsoft.com/office/drawing/2014/main" id="{E5866384-C420-4BD2-F6F6-8CBCEE0E7326}"/>
+              </a:ext>
+            </a:extLst>
+          </p:cNvPr>
+          <p:cNvSpPr>
+            <a:spLocks noGrp="1"/>
+          </p:cNvSpPr>
+          <p:nvPr>
+            <p:ph sz="half" idx="1"/>
+          </p:nvPr>
+        </p:nvSpPr>
+        <p:spPr>
+          <a:xfrm>
+            <a:off x="65315" y="958453"/>
+            <a:ext cx="2601270" cy="2284452"/>
+          </a:xfrm>
+        </p:spPr>
+        <p:txBody>
+          <a:bodyPr anchor="ctr">
+            <a:normAutofit/>
+          </a:bodyPr>
+          <a:lstStyle/>
+          <a:p>
+            <a:pPr marL="720092" lvl="3" indent="0">
+              <a:buNone/>
+            </a:pPr>
+            <a:r>
+              <a:rPr lang="ru-RU" sz="5000" dirty="0"/>
+              <a:t>СИЯЮ</a:t>
+            </a:r>
+          </a:p>
+        </p:txBody>
+      </p:sp>
+      <p:sp>
+        <p:nvSpPr>
+          <p:cNvPr id="4" name="Объект 3">
+            <a:extLst>
+              <a:ext uri="{FF2B5EF4-FFF2-40B4-BE49-F238E27FC236}">
+                <a16:creationId xmlns:a16="http://schemas.microsoft.com/office/drawing/2014/main" id="{F90AFAA8-D1F0-C2AB-B119-7786975C4D77}"/>
+              </a:ext>
+            </a:extLst>
+          </p:cNvPr>
+          <p:cNvSpPr>
+            <a:spLocks noGrp="1"/>
+          </p:cNvSpPr>
+          <p:nvPr>
+            <p:ph sz="half" idx="2"/>
+          </p:nvPr>
+        </p:nvSpPr>
+        <p:spPr/>
+        <p:txBody>
+          <a:bodyPr/>
+          <a:lstStyle/>
+          <a:p>
+            <a:r>
+              <a:rPr lang="ru-RU" dirty="0">
+                <a:solidFill>
+                  <a:srgbClr val="002060"/>
+                </a:solidFill>
+              </a:rPr>
+              <a:t>Введите кол-во:</a:t>
+            </a:r>
+          </a:p>
+          <a:p>
+            <a:r>
+              <a:rPr lang="ru-RU" dirty="0"/>
+              <a:t>Верный ответ: 6</a:t>
+            </a:r>
+          </a:p>
+        </p:txBody>
+      </p:sp>
+    </p:spTree>
+    <p:extLst>
+      <p:ext uri="{BB962C8B-B14F-4D97-AF65-F5344CB8AC3E}">
+        <p14:creationId xmlns:p14="http://schemas.microsoft.com/office/powerpoint/2010/main" val="3320051594"/>
+      </p:ext>
+    </p:extLst>
+  </p:cSld>
+  <p:clrMapOvr>
+    <a:masterClrMapping/>
+  </p:clrMapOvr>
+</p:sld>
+</file>
+
+<file path=ppt/slides/slide11.xml><?xml version="1.0" encoding="utf-8"?>
+<p:sld xmlns:a="http://schemas.openxmlformats.org/drawingml/2006/main" xmlns:r="http://schemas.openxmlformats.org/officeDocument/2006/relationships" xmlns:p="http://schemas.openxmlformats.org/presentationml/2006/main">
+  <p:cSld>
+    <p:spTree>
+      <p:nvGrpSpPr>
+        <p:cNvPr id="1" name=""/>
+        <p:cNvGrpSpPr/>
+        <p:nvPr/>
+      </p:nvGrpSpPr>
+      <p:grpSpPr>
+        <a:xfrm>
+          <a:off x="0" y="0"/>
+          <a:ext cx="0" cy="0"/>
+          <a:chOff x="0" y="0"/>
+          <a:chExt cx="0" cy="0"/>
+        </a:xfrm>
+      </p:grpSpPr>
+      <p:sp>
+        <p:nvSpPr>
+          <p:cNvPr id="2" name="Заголовок 1">
+            <a:extLst>
+              <a:ext uri="{FF2B5EF4-FFF2-40B4-BE49-F238E27FC236}">
+                <a16:creationId xmlns:a16="http://schemas.microsoft.com/office/drawing/2014/main" id="{D775FF07-F1A7-7804-270D-92C9C229EC40}"/>
+              </a:ext>
+            </a:extLst>
+          </p:cNvPr>
+          <p:cNvSpPr>
+            <a:spLocks noGrp="1"/>
+          </p:cNvSpPr>
+          <p:nvPr>
+            <p:ph type="title"/>
+          </p:nvPr>
+        </p:nvSpPr>
+        <p:spPr/>
+        <p:txBody>
+          <a:bodyPr>
+            <a:normAutofit/>
+          </a:bodyPr>
+          <a:lstStyle/>
+          <a:p>
+            <a:r>
+              <a:rPr lang="ru-RU" dirty="0"/>
+              <a:t>2.7. Балет</a:t>
+            </a:r>
+          </a:p>
+        </p:txBody>
+      </p:sp>
+      <p:sp>
+        <p:nvSpPr>
+          <p:cNvPr id="3" name="Объект 2">
+            <a:extLst>
+              <a:ext uri="{FF2B5EF4-FFF2-40B4-BE49-F238E27FC236}">
+                <a16:creationId xmlns:a16="http://schemas.microsoft.com/office/drawing/2014/main" id="{9F5164B1-53AA-71C7-F09A-4667C10FE0B8}"/>
+              </a:ext>
+            </a:extLst>
+          </p:cNvPr>
+          <p:cNvSpPr>
+            <a:spLocks noGrp="1"/>
+          </p:cNvSpPr>
+          <p:nvPr>
+            <p:ph sz="half" idx="1"/>
+          </p:nvPr>
+        </p:nvSpPr>
+        <p:spPr>
+          <a:xfrm>
+            <a:off x="371297" y="958453"/>
+            <a:ext cx="2542725" cy="2284452"/>
+          </a:xfrm>
+        </p:spPr>
+        <p:txBody>
+          <a:bodyPr>
+            <a:normAutofit lnSpcReduction="10000"/>
+          </a:bodyPr>
+          <a:lstStyle/>
+          <a:p>
+            <a:r>
+              <a:rPr lang="ru-RU" dirty="0"/>
+              <a:t>Из перечисленных произведений П.И. Чайковского выберите балет:</a:t>
+            </a:r>
+          </a:p>
+          <a:p>
+            <a:r>
+              <a:rPr lang="ru-RU" dirty="0"/>
+              <a:t>Лебединое озеро</a:t>
+            </a:r>
+          </a:p>
+          <a:p>
+            <a:r>
+              <a:rPr lang="ru-RU" dirty="0"/>
+              <a:t>Баядерка</a:t>
+            </a:r>
+          </a:p>
+          <a:p>
+            <a:r>
+              <a:rPr lang="ru-RU" dirty="0"/>
+              <a:t>Спящая красавица</a:t>
+            </a:r>
+          </a:p>
+          <a:p>
+            <a:r>
+              <a:rPr lang="ru-RU" dirty="0"/>
+              <a:t>Жизель</a:t>
+            </a:r>
+          </a:p>
+          <a:p>
+            <a:r>
+              <a:rPr lang="ru-RU" dirty="0"/>
+              <a:t>Дон Кихот</a:t>
+            </a:r>
+          </a:p>
+          <a:p>
+            <a:r>
+              <a:rPr lang="ru-RU" dirty="0"/>
+              <a:t>Щелкунчик</a:t>
+            </a:r>
+          </a:p>
+        </p:txBody>
+      </p:sp>
+      <p:sp>
+        <p:nvSpPr>
+          <p:cNvPr id="4" name="Объект 3">
+            <a:extLst>
+              <a:ext uri="{FF2B5EF4-FFF2-40B4-BE49-F238E27FC236}">
+                <a16:creationId xmlns:a16="http://schemas.microsoft.com/office/drawing/2014/main" id="{4FE7E4F3-EF1B-4475-E569-F68B145002E1}"/>
+              </a:ext>
+            </a:extLst>
+          </p:cNvPr>
+          <p:cNvSpPr>
+            <a:spLocks noGrp="1"/>
+          </p:cNvSpPr>
+          <p:nvPr>
+            <p:ph sz="half" idx="2"/>
+          </p:nvPr>
+        </p:nvSpPr>
+        <p:spPr/>
+        <p:txBody>
+          <a:bodyPr>
+            <a:normAutofit lnSpcReduction="10000"/>
+          </a:bodyPr>
+          <a:lstStyle/>
+          <a:p>
+            <a:r>
+              <a:rPr lang="ru-RU" dirty="0"/>
+              <a:t>Введите кол-во</a:t>
+            </a:r>
+          </a:p>
+          <a:p>
+            <a:r>
+              <a:rPr lang="ru-RU" dirty="0"/>
+              <a:t>Верный ответ: 3</a:t>
+            </a:r>
+          </a:p>
+        </p:txBody>
+      </p:sp>
+    </p:spTree>
+    <p:extLst>
+      <p:ext uri="{BB962C8B-B14F-4D97-AF65-F5344CB8AC3E}">
+        <p14:creationId xmlns:p14="http://schemas.microsoft.com/office/powerpoint/2010/main" val="3804728160"/>
+      </p:ext>
+    </p:extLst>
+  </p:cSld>
+  <p:clrMapOvr>
+    <a:masterClrMapping/>
+  </p:clrMapOvr>
+</p:sld>
+</file>
+
+<file path=ppt/slides/slide12.xml><?xml version="1.0" encoding="utf-8"?>
+<p:sld xmlns:a="http://schemas.openxmlformats.org/drawingml/2006/main" xmlns:r="http://schemas.openxmlformats.org/officeDocument/2006/relationships" xmlns:p="http://schemas.openxmlformats.org/presentationml/2006/main">
+  <p:cSld>
+    <p:spTree>
+      <p:nvGrpSpPr>
+        <p:cNvPr id="1" name=""/>
+        <p:cNvGrpSpPr/>
+        <p:nvPr/>
+      </p:nvGrpSpPr>
+      <p:grpSpPr>
+        <a:xfrm>
+          <a:off x="0" y="0"/>
+          <a:ext cx="0" cy="0"/>
+          <a:chOff x="0" y="0"/>
+          <a:chExt cx="0" cy="0"/>
+        </a:xfrm>
+      </p:grpSpPr>
+      <p:sp>
+        <p:nvSpPr>
+          <p:cNvPr id="2" name="Заголовок 1">
+            <a:extLst>
+              <a:ext uri="{FF2B5EF4-FFF2-40B4-BE49-F238E27FC236}">
+                <a16:creationId xmlns:a16="http://schemas.microsoft.com/office/drawing/2014/main" id="{4157B1EF-3FC6-D7AD-A149-0444E8487B48}"/>
+              </a:ext>
+            </a:extLst>
+          </p:cNvPr>
+          <p:cNvSpPr>
+            <a:spLocks noGrp="1"/>
+          </p:cNvSpPr>
+          <p:nvPr>
+            <p:ph type="title"/>
+          </p:nvPr>
+        </p:nvSpPr>
+        <p:spPr/>
+        <p:txBody>
+          <a:bodyPr/>
+          <a:lstStyle/>
+          <a:p>
+            <a:r>
+              <a:rPr lang="ru-RU" dirty="0"/>
+              <a:t>2.8. Сколько</a:t>
+            </a:r>
+          </a:p>
+        </p:txBody>
+      </p:sp>
+      <p:sp>
+        <p:nvSpPr>
+          <p:cNvPr id="3" name="Объект 2">
+            <a:extLst>
+              <a:ext uri="{FF2B5EF4-FFF2-40B4-BE49-F238E27FC236}">
+                <a16:creationId xmlns:a16="http://schemas.microsoft.com/office/drawing/2014/main" id="{D8A2390B-E756-B0AE-82F3-AF453C7D84EA}"/>
+              </a:ext>
+            </a:extLst>
+          </p:cNvPr>
+          <p:cNvSpPr>
+            <a:spLocks noGrp="1"/>
+          </p:cNvSpPr>
+          <p:nvPr>
+            <p:ph sz="half" idx="1"/>
+          </p:nvPr>
+        </p:nvSpPr>
+        <p:spPr/>
+        <p:txBody>
+          <a:bodyPr/>
+          <a:lstStyle/>
+          <a:p>
+            <a:r>
+              <a:rPr lang="ru-RU" dirty="0"/>
+              <a:t>Сколько у Москвы холмов?</a:t>
+            </a:r>
+          </a:p>
+          <a:p>
+            <a:r>
+              <a:rPr lang="ru-RU" dirty="0"/>
+              <a:t>Сколько чудес света?</a:t>
+            </a:r>
+          </a:p>
+          <a:p>
+            <a:r>
+              <a:rPr lang="ru-RU" dirty="0"/>
+              <a:t>Сколько цветов радуги?</a:t>
+            </a:r>
+          </a:p>
+        </p:txBody>
+      </p:sp>
+      <p:sp>
+        <p:nvSpPr>
+          <p:cNvPr id="4" name="Объект 3">
+            <a:extLst>
+              <a:ext uri="{FF2B5EF4-FFF2-40B4-BE49-F238E27FC236}">
+                <a16:creationId xmlns:a16="http://schemas.microsoft.com/office/drawing/2014/main" id="{BE3A2E8A-AFC1-1FF2-F1C2-BAC6ACA197A6}"/>
+              </a:ext>
+            </a:extLst>
+          </p:cNvPr>
+          <p:cNvSpPr>
+            <a:spLocks noGrp="1"/>
+          </p:cNvSpPr>
+          <p:nvPr>
+            <p:ph sz="half" idx="2"/>
+          </p:nvPr>
+        </p:nvSpPr>
+        <p:spPr/>
+        <p:txBody>
+          <a:bodyPr/>
+          <a:lstStyle/>
+          <a:p>
+            <a:r>
+              <a:rPr lang="ru-RU" dirty="0"/>
+              <a:t>Введите цифру:</a:t>
+            </a:r>
+          </a:p>
+          <a:p>
+            <a:r>
+              <a:rPr lang="ru-RU" dirty="0"/>
+              <a:t>Верный ответ: 7</a:t>
+            </a:r>
+          </a:p>
+        </p:txBody>
+      </p:sp>
+    </p:spTree>
+    <p:extLst>
+      <p:ext uri="{BB962C8B-B14F-4D97-AF65-F5344CB8AC3E}">
+        <p14:creationId xmlns:p14="http://schemas.microsoft.com/office/powerpoint/2010/main" val="851878456"/>
+      </p:ext>
+    </p:extLst>
+  </p:cSld>
+  <p:clrMapOvr>
+    <a:masterClrMapping/>
+  </p:clrMapOvr>
+</p:sld>
+</file>
+
+<file path=ppt/slides/slide13.xml><?xml version="1.0" encoding="utf-8"?>
+<p:sld xmlns:a="http://schemas.openxmlformats.org/drawingml/2006/main" xmlns:r="http://schemas.openxmlformats.org/officeDocument/2006/relationships" xmlns:p="http://schemas.openxmlformats.org/presentationml/2006/main">
+  <p:cSld>
+    <p:spTree>
+      <p:nvGrpSpPr>
+        <p:cNvPr id="1" name=""/>
+        <p:cNvGrpSpPr/>
+        <p:nvPr/>
+      </p:nvGrpSpPr>
+      <p:grpSpPr>
+        <a:xfrm>
+          <a:off x="0" y="0"/>
+          <a:ext cx="0" cy="0"/>
+          <a:chOff x="0" y="0"/>
+          <a:chExt cx="0" cy="0"/>
+        </a:xfrm>
+      </p:grpSpPr>
+      <p:sp>
+        <p:nvSpPr>
+          <p:cNvPr id="2" name="Заголовок 1">
+            <a:extLst>
+              <a:ext uri="{FF2B5EF4-FFF2-40B4-BE49-F238E27FC236}">
+                <a16:creationId xmlns:a16="http://schemas.microsoft.com/office/drawing/2014/main" id="{8BB7E218-11B9-0858-A23B-9E4C1A85DA05}"/>
+              </a:ext>
+            </a:extLst>
+          </p:cNvPr>
+          <p:cNvSpPr>
+            <a:spLocks noGrp="1"/>
+          </p:cNvSpPr>
+          <p:nvPr>
+            <p:ph type="title"/>
+          </p:nvPr>
+        </p:nvSpPr>
+        <p:spPr/>
+        <p:txBody>
+          <a:bodyPr/>
+          <a:lstStyle/>
+          <a:p>
+            <a:r>
+              <a:rPr lang="ru-RU" dirty="0"/>
+              <a:t>2.9. Какая цифра пропущена?</a:t>
+            </a:r>
+          </a:p>
+        </p:txBody>
+      </p:sp>
+      <p:pic>
+        <p:nvPicPr>
+          <p:cNvPr id="6" name="Объект 5">
+            <a:extLst>
+              <a:ext uri="{FF2B5EF4-FFF2-40B4-BE49-F238E27FC236}">
+                <a16:creationId xmlns:a16="http://schemas.microsoft.com/office/drawing/2014/main" id="{2359EFFD-704B-3003-B445-8CF9AB5E7C81}"/>
+              </a:ext>
+            </a:extLst>
+          </p:cNvPr>
+          <p:cNvPicPr>
+            <a:picLocks noGrp="1" noChangeAspect="1"/>
+          </p:cNvPicPr>
+          <p:nvPr>
+            <p:ph sz="half" idx="1"/>
+          </p:nvPr>
+        </p:nvPicPr>
+        <p:blipFill>
+          <a:blip r:embed="rId2" cstate="print">
+            <a:extLst>
+              <a:ext uri="{28A0092B-C50C-407E-A947-70E740481C1C}">
+                <a14:useLocalDpi xmlns:a14="http://schemas.microsoft.com/office/drawing/2010/main" val="0"/>
+              </a:ext>
+            </a:extLst>
+          </a:blip>
+          <a:stretch>
+            <a:fillRect/>
+          </a:stretch>
+        </p:blipFill>
+        <p:spPr>
+          <a:xfrm>
+            <a:off x="371475" y="1040920"/>
+            <a:ext cx="2295525" cy="2120272"/>
+          </a:xfrm>
+        </p:spPr>
+      </p:pic>
+      <p:sp>
+        <p:nvSpPr>
+          <p:cNvPr id="4" name="Объект 3">
+            <a:extLst>
+              <a:ext uri="{FF2B5EF4-FFF2-40B4-BE49-F238E27FC236}">
+                <a16:creationId xmlns:a16="http://schemas.microsoft.com/office/drawing/2014/main" id="{843E6741-FC8F-01E6-C0C4-2247D05C3CF5}"/>
+              </a:ext>
+            </a:extLst>
+          </p:cNvPr>
+          <p:cNvSpPr>
+            <a:spLocks noGrp="1"/>
+          </p:cNvSpPr>
+          <p:nvPr>
+            <p:ph sz="half" idx="2"/>
+          </p:nvPr>
+        </p:nvSpPr>
+        <p:spPr/>
+        <p:txBody>
+          <a:bodyPr/>
+          <a:lstStyle/>
+          <a:p>
+            <a:r>
+              <a:rPr lang="ru-RU" dirty="0">
+                <a:solidFill>
+                  <a:srgbClr val="002060"/>
+                </a:solidFill>
+              </a:rPr>
+              <a:t>Введите цифру:</a:t>
+            </a:r>
+          </a:p>
+          <a:p>
+            <a:r>
+              <a:rPr lang="ru-RU" dirty="0"/>
+              <a:t>Верный ответ: 6</a:t>
+            </a:r>
+          </a:p>
+          <a:p>
+            <a:endParaRPr lang="ru-RU" dirty="0"/>
+          </a:p>
+          <a:p>
+            <a:endParaRPr lang="ru-RU" dirty="0"/>
+          </a:p>
+          <a:p>
+            <a:r>
+              <a:rPr lang="ru-RU" dirty="0"/>
+              <a:t>Фото 2.9</a:t>
+            </a:r>
+          </a:p>
+        </p:txBody>
+      </p:sp>
+    </p:spTree>
+    <p:extLst>
+      <p:ext uri="{BB962C8B-B14F-4D97-AF65-F5344CB8AC3E}">
+        <p14:creationId xmlns:p14="http://schemas.microsoft.com/office/powerpoint/2010/main" val="2892399004"/>
+      </p:ext>
+    </p:extLst>
+  </p:cSld>
+  <p:clrMapOvr>
+    <a:masterClrMapping/>
+  </p:clrMapOvr>
+</p:sld>
+</file>
+
+<file path=ppt/slides/slide14.xml><?xml version="1.0" encoding="utf-8"?>
+<p:sld xmlns:a="http://schemas.openxmlformats.org/drawingml/2006/main" xmlns:r="http://schemas.openxmlformats.org/officeDocument/2006/relationships" xmlns:p="http://schemas.openxmlformats.org/presentationml/2006/main">
+  <p:cSld>
+    <p:spTree>
+      <p:nvGrpSpPr>
+        <p:cNvPr id="1" name=""/>
+        <p:cNvGrpSpPr/>
+        <p:nvPr/>
+      </p:nvGrpSpPr>
+      <p:grpSpPr>
+        <a:xfrm>
+          <a:off x="0" y="0"/>
+          <a:ext cx="0" cy="0"/>
+          <a:chOff x="0" y="0"/>
+          <a:chExt cx="0" cy="0"/>
+        </a:xfrm>
+      </p:grpSpPr>
+      <p:sp>
+        <p:nvSpPr>
+          <p:cNvPr id="2" name="Заголовок 1">
+            <a:extLst>
+              <a:ext uri="{FF2B5EF4-FFF2-40B4-BE49-F238E27FC236}">
+                <a16:creationId xmlns:a16="http://schemas.microsoft.com/office/drawing/2014/main" id="{1D430A16-A4B6-BCB3-AAF6-1E3ABD92BEBC}"/>
+              </a:ext>
+            </a:extLst>
+          </p:cNvPr>
+          <p:cNvSpPr>
+            <a:spLocks noGrp="1"/>
+          </p:cNvSpPr>
+          <p:nvPr>
+            <p:ph type="title"/>
+          </p:nvPr>
+        </p:nvSpPr>
+        <p:spPr/>
+        <p:txBody>
+          <a:bodyPr/>
+          <a:lstStyle/>
+          <a:p>
+            <a:r>
+              <a:rPr lang="ru-RU" dirty="0"/>
+              <a:t>2.10. Фильм</a:t>
+            </a:r>
+          </a:p>
+        </p:txBody>
+      </p:sp>
+      <p:pic>
+        <p:nvPicPr>
+          <p:cNvPr id="6" name="Объект 5">
+            <a:extLst>
+              <a:ext uri="{FF2B5EF4-FFF2-40B4-BE49-F238E27FC236}">
+                <a16:creationId xmlns:a16="http://schemas.microsoft.com/office/drawing/2014/main" id="{07A692D3-B2E9-5FD5-1782-15C7574D311C}"/>
+              </a:ext>
+            </a:extLst>
+          </p:cNvPr>
+          <p:cNvPicPr>
+            <a:picLocks noGrp="1" noChangeAspect="1"/>
+          </p:cNvPicPr>
+          <p:nvPr>
+            <p:ph sz="half" idx="1"/>
+          </p:nvPr>
+        </p:nvPicPr>
+        <p:blipFill>
+          <a:blip r:embed="rId2" cstate="print">
+            <a:extLst>
+              <a:ext uri="{28A0092B-C50C-407E-A947-70E740481C1C}">
+                <a14:useLocalDpi xmlns:a14="http://schemas.microsoft.com/office/drawing/2010/main" val="0"/>
+              </a:ext>
+            </a:extLst>
+          </a:blip>
+          <a:stretch>
+            <a:fillRect/>
+          </a:stretch>
+        </p:blipFill>
+        <p:spPr>
+          <a:xfrm>
+            <a:off x="371475" y="1045029"/>
+            <a:ext cx="2200903" cy="1875857"/>
+          </a:xfrm>
+        </p:spPr>
+      </p:pic>
+      <p:sp>
+        <p:nvSpPr>
+          <p:cNvPr id="4" name="Объект 3">
+            <a:extLst>
+              <a:ext uri="{FF2B5EF4-FFF2-40B4-BE49-F238E27FC236}">
+                <a16:creationId xmlns:a16="http://schemas.microsoft.com/office/drawing/2014/main" id="{7ED3838D-50F1-99E9-81E3-8A92756C7ADB}"/>
+              </a:ext>
+            </a:extLst>
+          </p:cNvPr>
+          <p:cNvSpPr>
+            <a:spLocks noGrp="1"/>
+          </p:cNvSpPr>
+          <p:nvPr>
+            <p:ph sz="half" idx="2"/>
+          </p:nvPr>
+        </p:nvSpPr>
+        <p:spPr/>
+        <p:txBody>
+          <a:bodyPr/>
+          <a:lstStyle/>
+          <a:p>
+            <a:r>
+              <a:rPr lang="ru-RU" dirty="0">
+                <a:solidFill>
+                  <a:srgbClr val="002060"/>
+                </a:solidFill>
+              </a:rPr>
+              <a:t>Введите цифру</a:t>
+            </a:r>
+          </a:p>
+          <a:p>
+            <a:r>
+              <a:rPr lang="ru-RU" dirty="0"/>
+              <a:t>Ответ: 9</a:t>
+            </a:r>
+          </a:p>
+          <a:p>
+            <a:endParaRPr lang="ru-RU" dirty="0"/>
+          </a:p>
+          <a:p>
+            <a:endParaRPr lang="ru-RU" dirty="0"/>
+          </a:p>
+          <a:p>
+            <a:endParaRPr lang="ru-RU" dirty="0"/>
+          </a:p>
+          <a:p>
+            <a:r>
+              <a:rPr lang="ru-RU" dirty="0"/>
+              <a:t>Фото 2.10</a:t>
+            </a:r>
+          </a:p>
+        </p:txBody>
+      </p:sp>
+    </p:spTree>
+    <p:extLst>
+      <p:ext uri="{BB962C8B-B14F-4D97-AF65-F5344CB8AC3E}">
+        <p14:creationId xmlns:p14="http://schemas.microsoft.com/office/powerpoint/2010/main" val="1610535775"/>
+      </p:ext>
+    </p:extLst>
+  </p:cSld>
+  <p:clrMapOvr>
+    <a:masterClrMapping/>
+  </p:clrMapOvr>
+</p:sld>
+</file>
+
+<file path=ppt/slides/slide15.xml><?xml version="1.0" encoding="utf-8"?>
+<p:sld xmlns:a="http://schemas.openxmlformats.org/drawingml/2006/main" xmlns:r="http://schemas.openxmlformats.org/officeDocument/2006/relationships" xmlns:p="http://schemas.openxmlformats.org/presentationml/2006/main">
+  <p:cSld>
+    <p:spTree>
+      <p:nvGrpSpPr>
+        <p:cNvPr id="1" name=""/>
+        <p:cNvGrpSpPr/>
+        <p:nvPr/>
+      </p:nvGrpSpPr>
+      <p:grpSpPr>
+        <a:xfrm>
+          <a:off x="0" y="0"/>
+          <a:ext cx="0" cy="0"/>
+          <a:chOff x="0" y="0"/>
+          <a:chExt cx="0" cy="0"/>
+        </a:xfrm>
+      </p:grpSpPr>
+      <p:sp>
+        <p:nvSpPr>
+          <p:cNvPr id="2" name="Заголовок 1">
+            <a:extLst>
+              <a:ext uri="{FF2B5EF4-FFF2-40B4-BE49-F238E27FC236}">
+                <a16:creationId xmlns:a16="http://schemas.microsoft.com/office/drawing/2014/main" id="{B23D2FCE-923F-90EA-2B4C-20940DFCB333}"/>
+              </a:ext>
+            </a:extLst>
+          </p:cNvPr>
+          <p:cNvSpPr>
+            <a:spLocks noGrp="1"/>
+          </p:cNvSpPr>
+          <p:nvPr>
+            <p:ph type="title"/>
+          </p:nvPr>
+        </p:nvSpPr>
+        <p:spPr/>
+        <p:txBody>
+          <a:bodyPr>
+            <a:normAutofit/>
+          </a:bodyPr>
+          <a:lstStyle/>
+          <a:p>
+            <a:r>
+              <a:rPr lang="ru-RU" dirty="0"/>
+              <a:t>2.11 Глаз</a:t>
+            </a:r>
+          </a:p>
+        </p:txBody>
+      </p:sp>
+      <p:sp>
+        <p:nvSpPr>
+          <p:cNvPr id="3" name="Объект 2">
+            <a:extLst>
+              <a:ext uri="{FF2B5EF4-FFF2-40B4-BE49-F238E27FC236}">
+                <a16:creationId xmlns:a16="http://schemas.microsoft.com/office/drawing/2014/main" id="{844EA21F-DF3F-EC6A-5835-FBA71BF671AF}"/>
+              </a:ext>
+            </a:extLst>
+          </p:cNvPr>
+          <p:cNvSpPr>
+            <a:spLocks noGrp="1"/>
+          </p:cNvSpPr>
+          <p:nvPr>
+            <p:ph sz="half" idx="1"/>
+          </p:nvPr>
+        </p:nvSpPr>
+        <p:spPr/>
+        <p:txBody>
+          <a:bodyPr/>
+          <a:lstStyle/>
+          <a:p>
+            <a:r>
+              <a:rPr lang="ru-RU" dirty="0"/>
+              <a:t>Какой врач диагностирует и лечит органы зрения:</a:t>
+            </a:r>
+          </a:p>
+          <a:p>
+            <a:r>
+              <a:rPr lang="ru-RU" dirty="0"/>
+              <a:t>1. О</a:t>
+            </a:r>
+            <a:r>
+              <a:rPr lang="ru-RU" b="0" i="0" dirty="0">
+                <a:effectLst/>
+                <a:latin typeface="Lato" panose="020B0604020202020204" pitchFamily="34" charset="0"/>
+              </a:rPr>
+              <a:t>ториноларинголог</a:t>
+            </a:r>
+            <a:endParaRPr lang="ru-RU" dirty="0"/>
+          </a:p>
+          <a:p>
+            <a:r>
+              <a:rPr lang="ru-RU" dirty="0"/>
+              <a:t>2. Офтальмолог</a:t>
+            </a:r>
+          </a:p>
+          <a:p>
+            <a:r>
+              <a:rPr lang="ru-RU" dirty="0"/>
+              <a:t>3. Анестезиолог</a:t>
+            </a:r>
+          </a:p>
+          <a:p>
+            <a:r>
+              <a:rPr lang="ru-RU" dirty="0"/>
+              <a:t>4. Эндокринолог</a:t>
+            </a:r>
+          </a:p>
+          <a:p>
+            <a:r>
+              <a:rPr lang="ru-RU" dirty="0"/>
+              <a:t>5. Ортопед</a:t>
+            </a:r>
+          </a:p>
+        </p:txBody>
+      </p:sp>
+      <p:sp>
+        <p:nvSpPr>
+          <p:cNvPr id="4" name="Объект 3">
+            <a:extLst>
+              <a:ext uri="{FF2B5EF4-FFF2-40B4-BE49-F238E27FC236}">
+                <a16:creationId xmlns:a16="http://schemas.microsoft.com/office/drawing/2014/main" id="{D7D15E22-D590-E91F-2B16-A36093EA2000}"/>
+              </a:ext>
+            </a:extLst>
+          </p:cNvPr>
+          <p:cNvSpPr>
+            <a:spLocks noGrp="1"/>
+          </p:cNvSpPr>
+          <p:nvPr>
+            <p:ph sz="half" idx="2"/>
+          </p:nvPr>
+        </p:nvSpPr>
+        <p:spPr/>
+        <p:txBody>
+          <a:bodyPr/>
+          <a:lstStyle/>
+          <a:p>
+            <a:r>
+              <a:rPr lang="ru-RU" dirty="0">
+                <a:solidFill>
+                  <a:srgbClr val="002060"/>
+                </a:solidFill>
+              </a:rPr>
+              <a:t>Введите номер:</a:t>
+            </a:r>
+          </a:p>
+          <a:p>
+            <a:r>
+              <a:rPr lang="ru-RU" dirty="0"/>
+              <a:t>Верный ответ: 2</a:t>
+            </a:r>
+          </a:p>
+        </p:txBody>
+      </p:sp>
+    </p:spTree>
+    <p:extLst>
+      <p:ext uri="{BB962C8B-B14F-4D97-AF65-F5344CB8AC3E}">
+        <p14:creationId xmlns:p14="http://schemas.microsoft.com/office/powerpoint/2010/main" val="4278275051"/>
+      </p:ext>
+    </p:extLst>
+  </p:cSld>
+  <p:clrMapOvr>
+    <a:masterClrMapping/>
+  </p:clrMapOvr>
+</p:sld>
+</file>
+
+<file path=ppt/slides/slide16.xml><?xml version="1.0" encoding="utf-8"?>
+<p:sld xmlns:a="http://schemas.openxmlformats.org/drawingml/2006/main" xmlns:r="http://schemas.openxmlformats.org/officeDocument/2006/relationships" xmlns:p="http://schemas.openxmlformats.org/presentationml/2006/main">
+  <p:cSld>
+    <p:spTree>
+      <p:nvGrpSpPr>
+        <p:cNvPr id="1" name=""/>
+        <p:cNvGrpSpPr/>
+        <p:nvPr/>
+      </p:nvGrpSpPr>
+      <p:grpSpPr>
+        <a:xfrm>
+          <a:off x="0" y="0"/>
+          <a:ext cx="0" cy="0"/>
+          <a:chOff x="0" y="0"/>
+          <a:chExt cx="0" cy="0"/>
+        </a:xfrm>
+      </p:grpSpPr>
+      <p:sp>
+        <p:nvSpPr>
+          <p:cNvPr id="2" name="Заголовок 1">
+            <a:extLst>
+              <a:ext uri="{FF2B5EF4-FFF2-40B4-BE49-F238E27FC236}">
+                <a16:creationId xmlns:a16="http://schemas.microsoft.com/office/drawing/2014/main" id="{6B175BA9-0222-66BA-120F-22E0CB40B49B}"/>
+              </a:ext>
+            </a:extLst>
+          </p:cNvPr>
+          <p:cNvSpPr>
+            <a:spLocks noGrp="1"/>
+          </p:cNvSpPr>
+          <p:nvPr>
+            <p:ph type="title"/>
+          </p:nvPr>
+        </p:nvSpPr>
+        <p:spPr/>
+        <p:txBody>
+          <a:bodyPr/>
+          <a:lstStyle/>
+          <a:p>
+            <a:r>
+              <a:rPr lang="ru-RU" dirty="0"/>
+              <a:t>Расшифруйте ответ абонента</a:t>
+            </a:r>
+          </a:p>
+        </p:txBody>
+      </p:sp>
+      <p:sp>
+        <p:nvSpPr>
+          <p:cNvPr id="3" name="Объект 2">
+            <a:extLst>
+              <a:ext uri="{FF2B5EF4-FFF2-40B4-BE49-F238E27FC236}">
+                <a16:creationId xmlns:a16="http://schemas.microsoft.com/office/drawing/2014/main" id="{886D4AE5-D5A8-2F83-018C-71F5233B421E}"/>
+              </a:ext>
+            </a:extLst>
+          </p:cNvPr>
+          <p:cNvSpPr>
+            <a:spLocks noGrp="1"/>
+          </p:cNvSpPr>
+          <p:nvPr>
+            <p:ph sz="half" idx="1"/>
+          </p:nvPr>
+        </p:nvSpPr>
+        <p:spPr/>
+        <p:txBody>
+          <a:bodyPr/>
+          <a:lstStyle/>
+          <a:p>
+            <a:endParaRPr lang="ru-RU"/>
+          </a:p>
+        </p:txBody>
+      </p:sp>
+      <p:sp>
+        <p:nvSpPr>
+          <p:cNvPr id="4" name="Объект 3">
+            <a:extLst>
+              <a:ext uri="{FF2B5EF4-FFF2-40B4-BE49-F238E27FC236}">
+                <a16:creationId xmlns:a16="http://schemas.microsoft.com/office/drawing/2014/main" id="{1339A29E-DD21-5F8F-F04B-95D9241FF8C7}"/>
+              </a:ext>
+            </a:extLst>
+          </p:cNvPr>
+          <p:cNvSpPr>
+            <a:spLocks noGrp="1"/>
+          </p:cNvSpPr>
+          <p:nvPr>
+            <p:ph sz="half" idx="2"/>
+          </p:nvPr>
+        </p:nvSpPr>
+        <p:spPr/>
+        <p:txBody>
+          <a:bodyPr/>
+          <a:lstStyle/>
+          <a:p>
+            <a:r>
+              <a:rPr lang="ru-RU" dirty="0"/>
+              <a:t>Введите букву:</a:t>
+            </a:r>
+          </a:p>
+          <a:p>
+            <a:r>
+              <a:rPr lang="ru-RU" dirty="0"/>
+              <a:t>Верный ответ:</a:t>
+            </a:r>
+          </a:p>
+        </p:txBody>
+      </p:sp>
+    </p:spTree>
+    <p:extLst>
+      <p:ext uri="{BB962C8B-B14F-4D97-AF65-F5344CB8AC3E}">
+        <p14:creationId xmlns:p14="http://schemas.microsoft.com/office/powerpoint/2010/main" val="301932839"/>
+      </p:ext>
+    </p:extLst>
+  </p:cSld>
+  <p:clrMapOvr>
+    <a:masterClrMapping/>
+  </p:clrMapOvr>
+</p:sld>
+</file>
+
+<file path=ppt/slides/slide17.xml><?xml version="1.0" encoding="utf-8"?>
+<p:sld xmlns:a="http://schemas.openxmlformats.org/drawingml/2006/main" xmlns:r="http://schemas.openxmlformats.org/officeDocument/2006/relationships" xmlns:p="http://schemas.openxmlformats.org/presentationml/2006/main">
+  <p:cSld>
+    <p:spTree>
+      <p:nvGrpSpPr>
+        <p:cNvPr id="1" name=""/>
+        <p:cNvGrpSpPr/>
+        <p:nvPr/>
+      </p:nvGrpSpPr>
+      <p:grpSpPr>
+        <a:xfrm>
+          <a:off x="0" y="0"/>
+          <a:ext cx="0" cy="0"/>
+          <a:chOff x="0" y="0"/>
+          <a:chExt cx="0" cy="0"/>
+        </a:xfrm>
+      </p:grpSpPr>
+      <p:sp>
+        <p:nvSpPr>
+          <p:cNvPr id="2" name="Заголовок 1">
+            <a:extLst>
+              <a:ext uri="{FF2B5EF4-FFF2-40B4-BE49-F238E27FC236}">
+                <a16:creationId xmlns:a16="http://schemas.microsoft.com/office/drawing/2014/main" id="{CCA0DC0B-3616-54F1-D805-92D9C431C62B}"/>
+              </a:ext>
+            </a:extLst>
+          </p:cNvPr>
+          <p:cNvSpPr>
+            <a:spLocks noGrp="1"/>
+          </p:cNvSpPr>
+          <p:nvPr>
+            <p:ph type="title"/>
+          </p:nvPr>
+        </p:nvSpPr>
+        <p:spPr/>
+        <p:txBody>
+          <a:bodyPr/>
+          <a:lstStyle/>
+          <a:p>
+            <a:r>
+              <a:rPr lang="ru-RU" dirty="0"/>
+              <a:t>Задание 3</a:t>
+            </a:r>
+          </a:p>
+        </p:txBody>
+      </p:sp>
+      <p:sp>
+        <p:nvSpPr>
+          <p:cNvPr id="3" name="Объект 2">
+            <a:extLst>
+              <a:ext uri="{FF2B5EF4-FFF2-40B4-BE49-F238E27FC236}">
+                <a16:creationId xmlns:a16="http://schemas.microsoft.com/office/drawing/2014/main" id="{CE5E1277-E1C7-967C-4D78-BFFA3B7A7AB2}"/>
+              </a:ext>
+            </a:extLst>
+          </p:cNvPr>
+          <p:cNvSpPr>
+            <a:spLocks noGrp="1"/>
+          </p:cNvSpPr>
+          <p:nvPr>
+            <p:ph sz="half" idx="1"/>
+          </p:nvPr>
+        </p:nvSpPr>
+        <p:spPr/>
+        <p:txBody>
+          <a:bodyPr/>
+          <a:lstStyle/>
+          <a:p>
+            <a:r>
+              <a:rPr lang="ru-RU" dirty="0"/>
+              <a:t>Слов зашифровано в календаре</a:t>
+            </a:r>
+          </a:p>
+        </p:txBody>
+      </p:sp>
+      <p:sp>
+        <p:nvSpPr>
+          <p:cNvPr id="4" name="Объект 3">
+            <a:extLst>
+              <a:ext uri="{FF2B5EF4-FFF2-40B4-BE49-F238E27FC236}">
+                <a16:creationId xmlns:a16="http://schemas.microsoft.com/office/drawing/2014/main" id="{248C0495-2852-BF92-C81A-58039A679908}"/>
+              </a:ext>
+            </a:extLst>
+          </p:cNvPr>
+          <p:cNvSpPr>
+            <a:spLocks noGrp="1"/>
+          </p:cNvSpPr>
+          <p:nvPr>
+            <p:ph sz="half" idx="2"/>
+          </p:nvPr>
+        </p:nvSpPr>
+        <p:spPr/>
+        <p:txBody>
+          <a:bodyPr/>
+          <a:lstStyle/>
+          <a:p>
+            <a:r>
+              <a:rPr lang="ru-RU" dirty="0"/>
+              <a:t>Введите букву</a:t>
+            </a:r>
+          </a:p>
+        </p:txBody>
+      </p:sp>
+    </p:spTree>
+    <p:extLst>
+      <p:ext uri="{BB962C8B-B14F-4D97-AF65-F5344CB8AC3E}">
+        <p14:creationId xmlns:p14="http://schemas.microsoft.com/office/powerpoint/2010/main" val="366457574"/>
+      </p:ext>
+    </p:extLst>
+  </p:cSld>
+  <p:clrMapOvr>
+    <a:masterClrMapping/>
+  </p:clrMapOvr>
+</p:sld>
+</file>
+
+<file path=ppt/slides/slide18.xml><?xml version="1.0" encoding="utf-8"?>
+<p:sld xmlns:a="http://schemas.openxmlformats.org/drawingml/2006/main" xmlns:r="http://schemas.openxmlformats.org/officeDocument/2006/relationships" xmlns:p="http://schemas.openxmlformats.org/presentationml/2006/main">
+  <p:cSld>
+    <p:spTree>
+      <p:nvGrpSpPr>
+        <p:cNvPr id="1" name=""/>
+        <p:cNvGrpSpPr/>
+        <p:nvPr/>
+      </p:nvGrpSpPr>
+      <p:grpSpPr>
+        <a:xfrm>
+          <a:off x="0" y="0"/>
+          <a:ext cx="0" cy="0"/>
+          <a:chOff x="0" y="0"/>
+          <a:chExt cx="0" cy="0"/>
+        </a:xfrm>
+      </p:grpSpPr>
+      <p:sp>
+        <p:nvSpPr>
+          <p:cNvPr id="2" name="Заголовок 1">
+            <a:extLst>
+              <a:ext uri="{FF2B5EF4-FFF2-40B4-BE49-F238E27FC236}">
+                <a16:creationId xmlns:a16="http://schemas.microsoft.com/office/drawing/2014/main" id="{01AB8F84-4EAF-7E08-4468-1ED94AEE5CFD}"/>
+              </a:ext>
+            </a:extLst>
+          </p:cNvPr>
+          <p:cNvSpPr>
+            <a:spLocks noGrp="1"/>
+          </p:cNvSpPr>
+          <p:nvPr>
+            <p:ph type="title"/>
+          </p:nvPr>
+        </p:nvSpPr>
+        <p:spPr/>
+        <p:txBody>
+          <a:bodyPr/>
+          <a:lstStyle/>
+          <a:p>
+            <a:r>
+              <a:rPr lang="ru-RU" dirty="0"/>
+              <a:t>Задание 4</a:t>
+            </a:r>
+          </a:p>
+        </p:txBody>
+      </p:sp>
+      <p:sp>
+        <p:nvSpPr>
+          <p:cNvPr id="3" name="Объект 2">
+            <a:extLst>
+              <a:ext uri="{FF2B5EF4-FFF2-40B4-BE49-F238E27FC236}">
+                <a16:creationId xmlns:a16="http://schemas.microsoft.com/office/drawing/2014/main" id="{87D79F4E-101B-2300-0119-A8CFB44E1497}"/>
+              </a:ext>
+            </a:extLst>
+          </p:cNvPr>
+          <p:cNvSpPr>
+            <a:spLocks noGrp="1"/>
+          </p:cNvSpPr>
+          <p:nvPr>
+            <p:ph sz="half" idx="1"/>
+          </p:nvPr>
+        </p:nvSpPr>
+        <p:spPr/>
+        <p:txBody>
+          <a:bodyPr/>
+          <a:lstStyle/>
+          <a:p>
+            <a:r>
+              <a:rPr lang="ru-RU" dirty="0"/>
+              <a:t>Кто спрятался на картинке</a:t>
+            </a:r>
+          </a:p>
+          <a:p>
+            <a:endParaRPr lang="ru-RU" dirty="0"/>
+          </a:p>
+        </p:txBody>
+      </p:sp>
+      <p:sp>
+        <p:nvSpPr>
+          <p:cNvPr id="4" name="Объект 3">
+            <a:extLst>
+              <a:ext uri="{FF2B5EF4-FFF2-40B4-BE49-F238E27FC236}">
+                <a16:creationId xmlns:a16="http://schemas.microsoft.com/office/drawing/2014/main" id="{525E49E3-4299-DCA6-9F8B-375FB2902048}"/>
+              </a:ext>
+            </a:extLst>
+          </p:cNvPr>
+          <p:cNvSpPr>
+            <a:spLocks noGrp="1"/>
+          </p:cNvSpPr>
+          <p:nvPr>
+            <p:ph sz="half" idx="2"/>
+          </p:nvPr>
+        </p:nvSpPr>
+        <p:spPr/>
+        <p:txBody>
+          <a:bodyPr/>
+          <a:lstStyle/>
+          <a:p>
+            <a:r>
+              <a:rPr lang="ru-RU" dirty="0"/>
+              <a:t>Введите 2-ю букву:</a:t>
+            </a:r>
+          </a:p>
+          <a:p>
+            <a:r>
+              <a:rPr lang="ru-RU" dirty="0"/>
+              <a:t>Верный ответ: О</a:t>
+            </a:r>
+          </a:p>
+          <a:p>
+            <a:endParaRPr lang="ru-RU" dirty="0"/>
+          </a:p>
+          <a:p>
+            <a:endParaRPr lang="ru-RU" dirty="0"/>
+          </a:p>
+          <a:p>
+            <a:r>
+              <a:rPr lang="ru-RU" dirty="0"/>
+              <a:t>Фото </a:t>
+            </a:r>
+            <a:r>
+              <a:rPr lang="en-US" dirty="0" err="1"/>
+              <a:t>jj</a:t>
+            </a:r>
+            <a:endParaRPr lang="ru-RU" dirty="0"/>
+          </a:p>
+        </p:txBody>
+      </p:sp>
+      <p:sp>
+        <p:nvSpPr>
+          <p:cNvPr id="5" name="AutoShape 2" descr="Кто тут спрятался ?">
+            <a:extLst>
+              <a:ext uri="{FF2B5EF4-FFF2-40B4-BE49-F238E27FC236}">
+                <a16:creationId xmlns:a16="http://schemas.microsoft.com/office/drawing/2014/main" id="{05E661C1-AA6B-9D01-AD8F-03A63D4A8133}"/>
+              </a:ext>
+            </a:extLst>
+          </p:cNvPr>
+          <p:cNvSpPr>
+            <a:spLocks noChangeAspect="1" noChangeArrowheads="1"/>
+          </p:cNvSpPr>
+          <p:nvPr/>
+        </p:nvSpPr>
+        <p:spPr bwMode="auto">
+          <a:xfrm>
+            <a:off x="2547938" y="1647825"/>
+            <a:ext cx="304800" cy="304800"/>
+          </a:xfrm>
+          <a:prstGeom prst="rect">
+            <a:avLst/>
+          </a:prstGeom>
+          <a:noFill/>
+          <a:extLst>
+            <a:ext uri="{909E8E84-426E-40DD-AFC4-6F175D3DCCD1}">
+              <a14:hiddenFill xmlns:a14="http://schemas.microsoft.com/office/drawing/2010/main">
+                <a:solidFill>
+                  <a:srgbClr val="FFFFFF"/>
+                </a:solidFill>
+              </a14:hiddenFill>
+            </a:ext>
+          </a:extLst>
+        </p:spPr>
+        <p:txBody>
+          <a:bodyPr vert="horz" wrap="square" lIns="91440" tIns="45720" rIns="91440" bIns="45720" numCol="1" anchor="t" anchorCtr="0" compatLnSpc="1">
+            <a:prstTxWarp prst="textNoShape">
+              <a:avLst/>
+            </a:prstTxWarp>
+          </a:bodyPr>
+          <a:lstStyle/>
+          <a:p>
+            <a:endParaRPr lang="ru-RU"/>
+          </a:p>
+        </p:txBody>
+      </p:sp>
+      <p:pic>
+        <p:nvPicPr>
+          <p:cNvPr id="7" name="Рисунок 6">
+            <a:extLst>
+              <a:ext uri="{FF2B5EF4-FFF2-40B4-BE49-F238E27FC236}">
+                <a16:creationId xmlns:a16="http://schemas.microsoft.com/office/drawing/2014/main" id="{F130479B-1151-7A81-CFE6-899B8FAAA079}"/>
+              </a:ext>
+            </a:extLst>
+          </p:cNvPr>
+          <p:cNvPicPr>
+            <a:picLocks noChangeAspect="1"/>
+          </p:cNvPicPr>
+          <p:nvPr/>
+        </p:nvPicPr>
+        <p:blipFill>
+          <a:blip r:embed="rId2" cstate="print">
+            <a:extLst>
+              <a:ext uri="{28A0092B-C50C-407E-A947-70E740481C1C}">
+                <a14:useLocalDpi xmlns:a14="http://schemas.microsoft.com/office/drawing/2010/main" val="0"/>
+              </a:ext>
+            </a:extLst>
+          </a:blip>
+          <a:stretch>
+            <a:fillRect/>
+          </a:stretch>
+        </p:blipFill>
+        <p:spPr>
+          <a:xfrm>
+            <a:off x="371296" y="1511506"/>
+            <a:ext cx="2076166" cy="1897253"/>
+          </a:xfrm>
+          <a:prstGeom prst="rect">
+            <a:avLst/>
+          </a:prstGeom>
+        </p:spPr>
+      </p:pic>
+    </p:spTree>
+    <p:extLst>
+      <p:ext uri="{BB962C8B-B14F-4D97-AF65-F5344CB8AC3E}">
+        <p14:creationId xmlns:p14="http://schemas.microsoft.com/office/powerpoint/2010/main" val="571749152"/>
+      </p:ext>
+    </p:extLst>
+  </p:cSld>
+  <p:clrMapOvr>
+    <a:masterClrMapping/>
+  </p:clrMapOvr>
+</p:sld>
+</file>
+
+<file path=ppt/slides/slide19.xml><?xml version="1.0" encoding="utf-8"?>
+<p:sld xmlns:a="http://schemas.openxmlformats.org/drawingml/2006/main" xmlns:r="http://schemas.openxmlformats.org/officeDocument/2006/relationships" xmlns:p="http://schemas.openxmlformats.org/presentationml/2006/main">
+  <p:cSld>
+    <p:spTree>
+      <p:nvGrpSpPr>
+        <p:cNvPr id="1" name=""/>
+        <p:cNvGrpSpPr/>
+        <p:nvPr/>
+      </p:nvGrpSpPr>
+      <p:grpSpPr>
+        <a:xfrm>
+          <a:off x="0" y="0"/>
+          <a:ext cx="0" cy="0"/>
+          <a:chOff x="0" y="0"/>
+          <a:chExt cx="0" cy="0"/>
+        </a:xfrm>
+      </p:grpSpPr>
+      <p:sp>
+        <p:nvSpPr>
+          <p:cNvPr id="2" name="Заголовок 1">
+            <a:extLst>
+              <a:ext uri="{FF2B5EF4-FFF2-40B4-BE49-F238E27FC236}">
+                <a16:creationId xmlns:a16="http://schemas.microsoft.com/office/drawing/2014/main" id="{2BA4BD39-1BE1-F968-E4B9-72D9B02B6C7E}"/>
+              </a:ext>
+            </a:extLst>
+          </p:cNvPr>
+          <p:cNvSpPr>
+            <a:spLocks noGrp="1"/>
+          </p:cNvSpPr>
+          <p:nvPr>
+            <p:ph type="title"/>
+          </p:nvPr>
+        </p:nvSpPr>
+        <p:spPr/>
+        <p:txBody>
+          <a:bodyPr/>
+          <a:lstStyle/>
+          <a:p>
+            <a:r>
+              <a:rPr lang="ru-RU" dirty="0"/>
+              <a:t>Задание 5</a:t>
+            </a:r>
+          </a:p>
+        </p:txBody>
+      </p:sp>
+      <p:sp>
+        <p:nvSpPr>
+          <p:cNvPr id="3" name="Объект 2">
+            <a:extLst>
+              <a:ext uri="{FF2B5EF4-FFF2-40B4-BE49-F238E27FC236}">
+                <a16:creationId xmlns:a16="http://schemas.microsoft.com/office/drawing/2014/main" id="{6227E0FE-550A-6D54-500E-E31FC53454F1}"/>
+              </a:ext>
+            </a:extLst>
+          </p:cNvPr>
+          <p:cNvSpPr>
+            <a:spLocks noGrp="1"/>
+          </p:cNvSpPr>
+          <p:nvPr>
+            <p:ph sz="half" idx="1"/>
+          </p:nvPr>
+        </p:nvSpPr>
+        <p:spPr/>
+        <p:txBody>
+          <a:bodyPr>
+            <a:normAutofit fontScale="92500" lnSpcReduction="20000"/>
+          </a:bodyPr>
+          <a:lstStyle/>
+          <a:p>
+            <a:r>
+              <a:rPr lang="ru-RU" b="1" i="0" dirty="0">
+                <a:solidFill>
+                  <a:srgbClr val="000000"/>
+                </a:solidFill>
+                <a:effectLst/>
+                <a:latin typeface="Times New Roman" panose="02020603050405020304" pitchFamily="18" charset="0"/>
+              </a:rPr>
+              <a:t>Найди подсказку в </a:t>
+            </a:r>
+            <a:r>
+              <a:rPr lang="ru-RU" b="1" i="0" dirty="0" err="1">
+                <a:solidFill>
+                  <a:srgbClr val="000000"/>
+                </a:solidFill>
+                <a:effectLst/>
+                <a:latin typeface="Times New Roman" panose="02020603050405020304" pitchFamily="18" charset="0"/>
+              </a:rPr>
+              <a:t>Lounge</a:t>
+            </a:r>
+            <a:r>
+              <a:rPr lang="ru-RU" b="1" i="0" dirty="0">
+                <a:solidFill>
+                  <a:srgbClr val="000000"/>
+                </a:solidFill>
+                <a:effectLst/>
+                <a:latin typeface="Times New Roman" panose="02020603050405020304" pitchFamily="18" charset="0"/>
+              </a:rPr>
+              <a:t> зоне</a:t>
+            </a:r>
+            <a:br>
+              <a:rPr lang="ru-RU" b="1" i="0" dirty="0">
+                <a:solidFill>
+                  <a:srgbClr val="000000"/>
+                </a:solidFill>
+                <a:effectLst/>
+                <a:latin typeface="Times New Roman" panose="02020603050405020304" pitchFamily="18" charset="0"/>
+              </a:rPr>
+            </a:br>
+            <a:br>
+              <a:rPr lang="ru-RU" b="1" i="0" dirty="0">
+                <a:solidFill>
+                  <a:srgbClr val="000000"/>
+                </a:solidFill>
+                <a:effectLst/>
+                <a:latin typeface="Times New Roman" panose="02020603050405020304" pitchFamily="18" charset="0"/>
+              </a:rPr>
+            </a:br>
+            <a:r>
+              <a:rPr lang="ru-RU" b="1" i="0" dirty="0">
+                <a:solidFill>
+                  <a:srgbClr val="000000"/>
+                </a:solidFill>
+                <a:effectLst/>
+                <a:latin typeface="Times New Roman" panose="02020603050405020304" pitchFamily="18" charset="0"/>
+              </a:rPr>
+              <a:t>Из стекла или фарфора,</a:t>
+            </a:r>
+            <a:br>
+              <a:rPr lang="ru-RU" b="1" i="0" dirty="0">
+                <a:solidFill>
+                  <a:srgbClr val="000000"/>
+                </a:solidFill>
+                <a:effectLst/>
+                <a:latin typeface="Times New Roman" panose="02020603050405020304" pitchFamily="18" charset="0"/>
+              </a:rPr>
+            </a:br>
+            <a:r>
+              <a:rPr lang="ru-RU" b="1" i="0" dirty="0">
+                <a:solidFill>
+                  <a:srgbClr val="000000"/>
+                </a:solidFill>
+                <a:effectLst/>
+                <a:latin typeface="Times New Roman" panose="02020603050405020304" pitchFamily="18" charset="0"/>
+              </a:rPr>
+              <a:t>А вокруг неё приборы.</a:t>
+            </a:r>
+            <a:br>
+              <a:rPr lang="ru-RU" b="1" i="0" dirty="0">
+                <a:solidFill>
+                  <a:srgbClr val="000000"/>
+                </a:solidFill>
+                <a:effectLst/>
+                <a:latin typeface="Times New Roman" panose="02020603050405020304" pitchFamily="18" charset="0"/>
+              </a:rPr>
+            </a:br>
+            <a:r>
+              <a:rPr lang="ru-RU" b="1" i="0" dirty="0">
+                <a:solidFill>
+                  <a:srgbClr val="000000"/>
+                </a:solidFill>
+                <a:effectLst/>
+                <a:latin typeface="Times New Roman" panose="02020603050405020304" pitchFamily="18" charset="0"/>
+              </a:rPr>
+              <a:t>Она – столовая посуда,</a:t>
+            </a:r>
+            <a:br>
+              <a:rPr lang="ru-RU" b="1" i="0" dirty="0">
+                <a:solidFill>
+                  <a:srgbClr val="000000"/>
+                </a:solidFill>
+                <a:effectLst/>
+                <a:latin typeface="Times New Roman" panose="02020603050405020304" pitchFamily="18" charset="0"/>
+              </a:rPr>
+            </a:br>
+            <a:r>
+              <a:rPr lang="ru-RU" b="1" i="0" dirty="0">
+                <a:solidFill>
+                  <a:srgbClr val="000000"/>
+                </a:solidFill>
+                <a:effectLst/>
+                <a:latin typeface="Times New Roman" panose="02020603050405020304" pitchFamily="18" charset="0"/>
+              </a:rPr>
+              <a:t>И нужна она повсюду.</a:t>
+            </a:r>
+            <a:br>
+              <a:rPr lang="ru-RU" b="1" i="0" dirty="0">
+                <a:solidFill>
+                  <a:srgbClr val="000000"/>
+                </a:solidFill>
+                <a:effectLst/>
+                <a:latin typeface="Times New Roman" panose="02020603050405020304" pitchFamily="18" charset="0"/>
+              </a:rPr>
+            </a:br>
+            <a:br>
+              <a:rPr lang="ru-RU" b="1" i="0" dirty="0">
+                <a:solidFill>
+                  <a:srgbClr val="000000"/>
+                </a:solidFill>
+                <a:effectLst/>
+                <a:latin typeface="Times New Roman" panose="02020603050405020304" pitchFamily="18" charset="0"/>
+              </a:rPr>
+            </a:br>
+            <a:r>
+              <a:rPr lang="ru-RU" b="1" i="0" dirty="0">
+                <a:solidFill>
+                  <a:srgbClr val="000000"/>
+                </a:solidFill>
+                <a:effectLst/>
+                <a:latin typeface="Times New Roman" panose="02020603050405020304" pitchFamily="18" charset="0"/>
+              </a:rPr>
+              <a:t>Угадайте слово-там</a:t>
+            </a:r>
+          </a:p>
+          <a:p>
+            <a:r>
+              <a:rPr lang="ru-RU" dirty="0"/>
+              <a:t>Подсказка </a:t>
+            </a:r>
+          </a:p>
+          <a:p>
+            <a:endParaRPr lang="ru-RU" dirty="0"/>
+          </a:p>
+          <a:p>
+            <a:r>
+              <a:rPr lang="en-US" dirty="0"/>
+              <a:t>QR </a:t>
+            </a:r>
+            <a:r>
+              <a:rPr lang="ru-RU" dirty="0"/>
+              <a:t>код</a:t>
+            </a:r>
+          </a:p>
+        </p:txBody>
+      </p:sp>
+      <p:sp>
+        <p:nvSpPr>
+          <p:cNvPr id="4" name="Объект 3">
+            <a:extLst>
+              <a:ext uri="{FF2B5EF4-FFF2-40B4-BE49-F238E27FC236}">
+                <a16:creationId xmlns:a16="http://schemas.microsoft.com/office/drawing/2014/main" id="{6BC0FD2A-96B5-83D7-47BB-48B5086C3BD4}"/>
+              </a:ext>
+            </a:extLst>
+          </p:cNvPr>
+          <p:cNvSpPr>
+            <a:spLocks noGrp="1"/>
+          </p:cNvSpPr>
+          <p:nvPr>
+            <p:ph sz="half" idx="2"/>
+          </p:nvPr>
+        </p:nvSpPr>
+        <p:spPr/>
+        <p:txBody>
+          <a:bodyPr>
+            <a:normAutofit fontScale="92500" lnSpcReduction="20000"/>
+          </a:bodyPr>
+          <a:lstStyle/>
+          <a:p>
+            <a:r>
+              <a:rPr lang="ru-RU" dirty="0"/>
+              <a:t>Введите 4-ю букву:</a:t>
+            </a:r>
+          </a:p>
+          <a:p>
+            <a:r>
+              <a:rPr lang="ru-RU" dirty="0"/>
+              <a:t>Верный ответ:</a:t>
+            </a:r>
+          </a:p>
+        </p:txBody>
+      </p:sp>
+    </p:spTree>
+    <p:extLst>
+      <p:ext uri="{BB962C8B-B14F-4D97-AF65-F5344CB8AC3E}">
+        <p14:creationId xmlns:p14="http://schemas.microsoft.com/office/powerpoint/2010/main" val="2220702880"/>
       </p:ext>
     </p:extLst>
   </p:cSld>
@@ -3680,6 +5359,1278 @@
 </p:sld>
 </file>
 
+<file path=ppt/slides/slide20.xml><?xml version="1.0" encoding="utf-8"?>
+<p:sld xmlns:a="http://schemas.openxmlformats.org/drawingml/2006/main" xmlns:r="http://schemas.openxmlformats.org/officeDocument/2006/relationships" xmlns:p="http://schemas.openxmlformats.org/presentationml/2006/main">
+  <p:cSld>
+    <p:spTree>
+      <p:nvGrpSpPr>
+        <p:cNvPr id="1" name=""/>
+        <p:cNvGrpSpPr/>
+        <p:nvPr/>
+      </p:nvGrpSpPr>
+      <p:grpSpPr>
+        <a:xfrm>
+          <a:off x="0" y="0"/>
+          <a:ext cx="0" cy="0"/>
+          <a:chOff x="0" y="0"/>
+          <a:chExt cx="0" cy="0"/>
+        </a:xfrm>
+      </p:grpSpPr>
+      <p:sp>
+        <p:nvSpPr>
+          <p:cNvPr id="2" name="Заголовок 1">
+            <a:extLst>
+              <a:ext uri="{FF2B5EF4-FFF2-40B4-BE49-F238E27FC236}">
+                <a16:creationId xmlns:a16="http://schemas.microsoft.com/office/drawing/2014/main" id="{6B7D2E56-AF4A-CAAD-C5F4-FD1232F9D766}"/>
+              </a:ext>
+            </a:extLst>
+          </p:cNvPr>
+          <p:cNvSpPr>
+            <a:spLocks noGrp="1"/>
+          </p:cNvSpPr>
+          <p:nvPr>
+            <p:ph type="title"/>
+          </p:nvPr>
+        </p:nvSpPr>
+        <p:spPr/>
+        <p:txBody>
+          <a:bodyPr/>
+          <a:lstStyle/>
+          <a:p>
+            <a:r>
+              <a:rPr lang="ru-RU" dirty="0"/>
+              <a:t>Задание 6</a:t>
+            </a:r>
+          </a:p>
+        </p:txBody>
+      </p:sp>
+      <p:sp>
+        <p:nvSpPr>
+          <p:cNvPr id="3" name="Объект 2">
+            <a:extLst>
+              <a:ext uri="{FF2B5EF4-FFF2-40B4-BE49-F238E27FC236}">
+                <a16:creationId xmlns:a16="http://schemas.microsoft.com/office/drawing/2014/main" id="{2B00E5DC-C5A3-8558-2E1A-A4356CFDCBDC}"/>
+              </a:ext>
+            </a:extLst>
+          </p:cNvPr>
+          <p:cNvSpPr>
+            <a:spLocks noGrp="1"/>
+          </p:cNvSpPr>
+          <p:nvPr>
+            <p:ph sz="half" idx="1"/>
+          </p:nvPr>
+        </p:nvSpPr>
+        <p:spPr/>
+        <p:txBody>
+          <a:bodyPr/>
+          <a:lstStyle/>
+          <a:p>
+            <a:r>
+              <a:rPr lang="ru-RU" dirty="0"/>
+              <a:t>Анаграмма</a:t>
+            </a:r>
+          </a:p>
+        </p:txBody>
+      </p:sp>
+      <p:sp>
+        <p:nvSpPr>
+          <p:cNvPr id="4" name="Объект 3">
+            <a:extLst>
+              <a:ext uri="{FF2B5EF4-FFF2-40B4-BE49-F238E27FC236}">
+                <a16:creationId xmlns:a16="http://schemas.microsoft.com/office/drawing/2014/main" id="{C7CE2032-9131-B8A4-4030-824E8A61181E}"/>
+              </a:ext>
+            </a:extLst>
+          </p:cNvPr>
+          <p:cNvSpPr>
+            <a:spLocks noGrp="1"/>
+          </p:cNvSpPr>
+          <p:nvPr>
+            <p:ph sz="half" idx="2"/>
+          </p:nvPr>
+        </p:nvSpPr>
+        <p:spPr/>
+        <p:txBody>
+          <a:bodyPr/>
+          <a:lstStyle/>
+          <a:p>
+            <a:r>
+              <a:rPr lang="ru-RU" dirty="0"/>
+              <a:t>Введите букву:</a:t>
+            </a:r>
+          </a:p>
+          <a:p>
+            <a:r>
+              <a:rPr lang="ru-RU" dirty="0"/>
+              <a:t>Верный ответ:</a:t>
+            </a:r>
+          </a:p>
+          <a:p>
+            <a:endParaRPr lang="ru-RU" dirty="0"/>
+          </a:p>
+        </p:txBody>
+      </p:sp>
+    </p:spTree>
+    <p:extLst>
+      <p:ext uri="{BB962C8B-B14F-4D97-AF65-F5344CB8AC3E}">
+        <p14:creationId xmlns:p14="http://schemas.microsoft.com/office/powerpoint/2010/main" val="3384369034"/>
+      </p:ext>
+    </p:extLst>
+  </p:cSld>
+  <p:clrMapOvr>
+    <a:masterClrMapping/>
+  </p:clrMapOvr>
+</p:sld>
+</file>
+
+<file path=ppt/slides/slide21.xml><?xml version="1.0" encoding="utf-8"?>
+<p:sld xmlns:a="http://schemas.openxmlformats.org/drawingml/2006/main" xmlns:r="http://schemas.openxmlformats.org/officeDocument/2006/relationships" xmlns:p="http://schemas.openxmlformats.org/presentationml/2006/main">
+  <p:cSld>
+    <p:spTree>
+      <p:nvGrpSpPr>
+        <p:cNvPr id="1" name=""/>
+        <p:cNvGrpSpPr/>
+        <p:nvPr/>
+      </p:nvGrpSpPr>
+      <p:grpSpPr>
+        <a:xfrm>
+          <a:off x="0" y="0"/>
+          <a:ext cx="0" cy="0"/>
+          <a:chOff x="0" y="0"/>
+          <a:chExt cx="0" cy="0"/>
+        </a:xfrm>
+      </p:grpSpPr>
+      <p:sp>
+        <p:nvSpPr>
+          <p:cNvPr id="2" name="Заголовок 1">
+            <a:extLst>
+              <a:ext uri="{FF2B5EF4-FFF2-40B4-BE49-F238E27FC236}">
+                <a16:creationId xmlns:a16="http://schemas.microsoft.com/office/drawing/2014/main" id="{EA6A3C4A-7D94-A35B-67C5-C13CC3E15501}"/>
+              </a:ext>
+            </a:extLst>
+          </p:cNvPr>
+          <p:cNvSpPr>
+            <a:spLocks noGrp="1"/>
+          </p:cNvSpPr>
+          <p:nvPr>
+            <p:ph type="title"/>
+          </p:nvPr>
+        </p:nvSpPr>
+        <p:spPr/>
+        <p:txBody>
+          <a:bodyPr/>
+          <a:lstStyle/>
+          <a:p>
+            <a:r>
+              <a:rPr lang="ru-RU" dirty="0"/>
+              <a:t>Задание 7</a:t>
+            </a:r>
+          </a:p>
+        </p:txBody>
+      </p:sp>
+      <p:sp>
+        <p:nvSpPr>
+          <p:cNvPr id="3" name="Объект 2">
+            <a:extLst>
+              <a:ext uri="{FF2B5EF4-FFF2-40B4-BE49-F238E27FC236}">
+                <a16:creationId xmlns:a16="http://schemas.microsoft.com/office/drawing/2014/main" id="{CEFA3CA5-EDAD-911F-05E8-5EECB04EFCF7}"/>
+              </a:ext>
+            </a:extLst>
+          </p:cNvPr>
+          <p:cNvSpPr>
+            <a:spLocks noGrp="1"/>
+          </p:cNvSpPr>
+          <p:nvPr>
+            <p:ph sz="half" idx="1"/>
+          </p:nvPr>
+        </p:nvSpPr>
+        <p:spPr/>
+        <p:txBody>
+          <a:bodyPr/>
+          <a:lstStyle/>
+          <a:p>
+            <a:r>
+              <a:rPr lang="ru-RU" dirty="0"/>
+              <a:t>Зашифровать смайликами</a:t>
+            </a:r>
+          </a:p>
+        </p:txBody>
+      </p:sp>
+      <p:sp>
+        <p:nvSpPr>
+          <p:cNvPr id="4" name="Объект 3">
+            <a:extLst>
+              <a:ext uri="{FF2B5EF4-FFF2-40B4-BE49-F238E27FC236}">
+                <a16:creationId xmlns:a16="http://schemas.microsoft.com/office/drawing/2014/main" id="{25E287CE-C150-0037-A82D-BB4F7E01EFC9}"/>
+              </a:ext>
+            </a:extLst>
+          </p:cNvPr>
+          <p:cNvSpPr>
+            <a:spLocks noGrp="1"/>
+          </p:cNvSpPr>
+          <p:nvPr>
+            <p:ph sz="half" idx="2"/>
+          </p:nvPr>
+        </p:nvSpPr>
+        <p:spPr/>
+        <p:txBody>
+          <a:bodyPr/>
+          <a:lstStyle/>
+          <a:p>
+            <a:r>
+              <a:rPr lang="ru-RU" dirty="0"/>
+              <a:t>Введите букву:</a:t>
+            </a:r>
+          </a:p>
+          <a:p>
+            <a:r>
+              <a:rPr lang="ru-RU" dirty="0"/>
+              <a:t>Верный ответ:</a:t>
+            </a:r>
+          </a:p>
+          <a:p>
+            <a:endParaRPr lang="ru-RU" dirty="0"/>
+          </a:p>
+        </p:txBody>
+      </p:sp>
+    </p:spTree>
+    <p:extLst>
+      <p:ext uri="{BB962C8B-B14F-4D97-AF65-F5344CB8AC3E}">
+        <p14:creationId xmlns:p14="http://schemas.microsoft.com/office/powerpoint/2010/main" val="1565736178"/>
+      </p:ext>
+    </p:extLst>
+  </p:cSld>
+  <p:clrMapOvr>
+    <a:masterClrMapping/>
+  </p:clrMapOvr>
+</p:sld>
+</file>
+
+<file path=ppt/slides/slide22.xml><?xml version="1.0" encoding="utf-8"?>
+<p:sld xmlns:a="http://schemas.openxmlformats.org/drawingml/2006/main" xmlns:r="http://schemas.openxmlformats.org/officeDocument/2006/relationships" xmlns:p="http://schemas.openxmlformats.org/presentationml/2006/main">
+  <p:cSld>
+    <p:spTree>
+      <p:nvGrpSpPr>
+        <p:cNvPr id="1" name=""/>
+        <p:cNvGrpSpPr/>
+        <p:nvPr/>
+      </p:nvGrpSpPr>
+      <p:grpSpPr>
+        <a:xfrm>
+          <a:off x="0" y="0"/>
+          <a:ext cx="0" cy="0"/>
+          <a:chOff x="0" y="0"/>
+          <a:chExt cx="0" cy="0"/>
+        </a:xfrm>
+      </p:grpSpPr>
+      <p:sp>
+        <p:nvSpPr>
+          <p:cNvPr id="2" name="Заголовок 1">
+            <a:extLst>
+              <a:ext uri="{FF2B5EF4-FFF2-40B4-BE49-F238E27FC236}">
+                <a16:creationId xmlns:a16="http://schemas.microsoft.com/office/drawing/2014/main" id="{AFB2C89E-1D72-CF47-1D23-9C601B968A65}"/>
+              </a:ext>
+            </a:extLst>
+          </p:cNvPr>
+          <p:cNvSpPr>
+            <a:spLocks noGrp="1"/>
+          </p:cNvSpPr>
+          <p:nvPr>
+            <p:ph type="title"/>
+          </p:nvPr>
+        </p:nvSpPr>
+        <p:spPr/>
+        <p:txBody>
+          <a:bodyPr/>
+          <a:lstStyle/>
+          <a:p>
+            <a:r>
+              <a:rPr lang="ru-RU" dirty="0"/>
+              <a:t>Задание 8</a:t>
+            </a:r>
+          </a:p>
+        </p:txBody>
+      </p:sp>
+      <p:sp>
+        <p:nvSpPr>
+          <p:cNvPr id="3" name="Объект 2">
+            <a:extLst>
+              <a:ext uri="{FF2B5EF4-FFF2-40B4-BE49-F238E27FC236}">
+                <a16:creationId xmlns:a16="http://schemas.microsoft.com/office/drawing/2014/main" id="{E0E2F0BB-65DC-7AA9-AD4B-4E3F28A27478}"/>
+              </a:ext>
+            </a:extLst>
+          </p:cNvPr>
+          <p:cNvSpPr>
+            <a:spLocks noGrp="1"/>
+          </p:cNvSpPr>
+          <p:nvPr>
+            <p:ph sz="half" idx="1"/>
+          </p:nvPr>
+        </p:nvSpPr>
+        <p:spPr/>
+        <p:txBody>
+          <a:bodyPr/>
+          <a:lstStyle/>
+          <a:p>
+            <a:r>
+              <a:rPr lang="ru-RU" dirty="0"/>
+              <a:t>Найдите подсказу,</a:t>
+            </a:r>
+          </a:p>
+          <a:p>
+            <a:r>
+              <a:rPr lang="ru-RU" dirty="0"/>
+              <a:t>Воспользуйтесь фонариком</a:t>
+            </a:r>
+          </a:p>
+        </p:txBody>
+      </p:sp>
+      <p:sp>
+        <p:nvSpPr>
+          <p:cNvPr id="4" name="Объект 3">
+            <a:extLst>
+              <a:ext uri="{FF2B5EF4-FFF2-40B4-BE49-F238E27FC236}">
+                <a16:creationId xmlns:a16="http://schemas.microsoft.com/office/drawing/2014/main" id="{CFC6EC81-EC82-F16F-EF53-DC7169763137}"/>
+              </a:ext>
+            </a:extLst>
+          </p:cNvPr>
+          <p:cNvSpPr>
+            <a:spLocks noGrp="1"/>
+          </p:cNvSpPr>
+          <p:nvPr>
+            <p:ph sz="half" idx="2"/>
+          </p:nvPr>
+        </p:nvSpPr>
+        <p:spPr/>
+        <p:txBody>
+          <a:bodyPr/>
+          <a:lstStyle/>
+          <a:p>
+            <a:r>
+              <a:rPr lang="ru-RU" dirty="0"/>
+              <a:t>Введите букву:</a:t>
+            </a:r>
+          </a:p>
+          <a:p>
+            <a:r>
+              <a:rPr lang="ru-RU" dirty="0"/>
+              <a:t>Верный ответ:</a:t>
+            </a:r>
+          </a:p>
+          <a:p>
+            <a:endParaRPr lang="ru-RU" dirty="0"/>
+          </a:p>
+        </p:txBody>
+      </p:sp>
+    </p:spTree>
+    <p:extLst>
+      <p:ext uri="{BB962C8B-B14F-4D97-AF65-F5344CB8AC3E}">
+        <p14:creationId xmlns:p14="http://schemas.microsoft.com/office/powerpoint/2010/main" val="405418919"/>
+      </p:ext>
+    </p:extLst>
+  </p:cSld>
+  <p:clrMapOvr>
+    <a:masterClrMapping/>
+  </p:clrMapOvr>
+</p:sld>
+</file>
+
+<file path=ppt/slides/slide23.xml><?xml version="1.0" encoding="utf-8"?>
+<p:sld xmlns:a="http://schemas.openxmlformats.org/drawingml/2006/main" xmlns:r="http://schemas.openxmlformats.org/officeDocument/2006/relationships" xmlns:p="http://schemas.openxmlformats.org/presentationml/2006/main">
+  <p:cSld>
+    <p:spTree>
+      <p:nvGrpSpPr>
+        <p:cNvPr id="1" name=""/>
+        <p:cNvGrpSpPr/>
+        <p:nvPr/>
+      </p:nvGrpSpPr>
+      <p:grpSpPr>
+        <a:xfrm>
+          <a:off x="0" y="0"/>
+          <a:ext cx="0" cy="0"/>
+          <a:chOff x="0" y="0"/>
+          <a:chExt cx="0" cy="0"/>
+        </a:xfrm>
+      </p:grpSpPr>
+      <p:sp>
+        <p:nvSpPr>
+          <p:cNvPr id="2" name="Заголовок 1">
+            <a:extLst>
+              <a:ext uri="{FF2B5EF4-FFF2-40B4-BE49-F238E27FC236}">
+                <a16:creationId xmlns:a16="http://schemas.microsoft.com/office/drawing/2014/main" id="{A7C64400-6BDB-D951-D10A-0F643D8B52D6}"/>
+              </a:ext>
+            </a:extLst>
+          </p:cNvPr>
+          <p:cNvSpPr>
+            <a:spLocks noGrp="1"/>
+          </p:cNvSpPr>
+          <p:nvPr>
+            <p:ph type="title"/>
+          </p:nvPr>
+        </p:nvSpPr>
+        <p:spPr/>
+        <p:txBody>
+          <a:bodyPr/>
+          <a:lstStyle/>
+          <a:p>
+            <a:r>
+              <a:rPr lang="ru-RU" dirty="0"/>
+              <a:t>Задание 9</a:t>
+            </a:r>
+          </a:p>
+        </p:txBody>
+      </p:sp>
+      <p:sp>
+        <p:nvSpPr>
+          <p:cNvPr id="3" name="Объект 2">
+            <a:extLst>
+              <a:ext uri="{FF2B5EF4-FFF2-40B4-BE49-F238E27FC236}">
+                <a16:creationId xmlns:a16="http://schemas.microsoft.com/office/drawing/2014/main" id="{356A24C9-3100-D321-0629-C2EED2BA96FC}"/>
+              </a:ext>
+            </a:extLst>
+          </p:cNvPr>
+          <p:cNvSpPr>
+            <a:spLocks noGrp="1"/>
+          </p:cNvSpPr>
+          <p:nvPr>
+            <p:ph sz="half" idx="1"/>
+          </p:nvPr>
+        </p:nvSpPr>
+        <p:spPr/>
+        <p:txBody>
+          <a:bodyPr/>
+          <a:lstStyle/>
+          <a:p>
+            <a:r>
+              <a:rPr lang="ru-RU" dirty="0"/>
+              <a:t>Азбука Морзе</a:t>
+            </a:r>
+          </a:p>
+        </p:txBody>
+      </p:sp>
+      <p:sp>
+        <p:nvSpPr>
+          <p:cNvPr id="4" name="Объект 3">
+            <a:extLst>
+              <a:ext uri="{FF2B5EF4-FFF2-40B4-BE49-F238E27FC236}">
+                <a16:creationId xmlns:a16="http://schemas.microsoft.com/office/drawing/2014/main" id="{60107761-B0C4-977E-854D-6448AF18826E}"/>
+              </a:ext>
+            </a:extLst>
+          </p:cNvPr>
+          <p:cNvSpPr>
+            <a:spLocks noGrp="1"/>
+          </p:cNvSpPr>
+          <p:nvPr>
+            <p:ph sz="half" idx="2"/>
+          </p:nvPr>
+        </p:nvSpPr>
+        <p:spPr/>
+        <p:txBody>
+          <a:bodyPr/>
+          <a:lstStyle/>
+          <a:p>
+            <a:r>
+              <a:rPr lang="ru-RU" dirty="0"/>
+              <a:t>Введите букву:</a:t>
+            </a:r>
+          </a:p>
+          <a:p>
+            <a:r>
+              <a:rPr lang="ru-RU" dirty="0"/>
+              <a:t>Верный ответ:</a:t>
+            </a:r>
+          </a:p>
+          <a:p>
+            <a:endParaRPr lang="ru-RU" dirty="0"/>
+          </a:p>
+        </p:txBody>
+      </p:sp>
+    </p:spTree>
+    <p:extLst>
+      <p:ext uri="{BB962C8B-B14F-4D97-AF65-F5344CB8AC3E}">
+        <p14:creationId xmlns:p14="http://schemas.microsoft.com/office/powerpoint/2010/main" val="1826964257"/>
+      </p:ext>
+    </p:extLst>
+  </p:cSld>
+  <p:clrMapOvr>
+    <a:masterClrMapping/>
+  </p:clrMapOvr>
+</p:sld>
+</file>
+
+<file path=ppt/slides/slide24.xml><?xml version="1.0" encoding="utf-8"?>
+<p:sld xmlns:a="http://schemas.openxmlformats.org/drawingml/2006/main" xmlns:r="http://schemas.openxmlformats.org/officeDocument/2006/relationships" xmlns:p="http://schemas.openxmlformats.org/presentationml/2006/main">
+  <p:cSld>
+    <p:spTree>
+      <p:nvGrpSpPr>
+        <p:cNvPr id="1" name=""/>
+        <p:cNvGrpSpPr/>
+        <p:nvPr/>
+      </p:nvGrpSpPr>
+      <p:grpSpPr>
+        <a:xfrm>
+          <a:off x="0" y="0"/>
+          <a:ext cx="0" cy="0"/>
+          <a:chOff x="0" y="0"/>
+          <a:chExt cx="0" cy="0"/>
+        </a:xfrm>
+      </p:grpSpPr>
+      <p:sp>
+        <p:nvSpPr>
+          <p:cNvPr id="2" name="Заголовок 1">
+            <a:extLst>
+              <a:ext uri="{FF2B5EF4-FFF2-40B4-BE49-F238E27FC236}">
+                <a16:creationId xmlns:a16="http://schemas.microsoft.com/office/drawing/2014/main" id="{FE3560F5-0DF8-534B-1855-9CF6BDA58FCB}"/>
+              </a:ext>
+            </a:extLst>
+          </p:cNvPr>
+          <p:cNvSpPr>
+            <a:spLocks noGrp="1"/>
+          </p:cNvSpPr>
+          <p:nvPr>
+            <p:ph type="title"/>
+          </p:nvPr>
+        </p:nvSpPr>
+        <p:spPr/>
+        <p:txBody>
+          <a:bodyPr/>
+          <a:lstStyle/>
+          <a:p>
+            <a:r>
+              <a:rPr lang="ru-RU" dirty="0"/>
+              <a:t>Задание 10</a:t>
+            </a:r>
+          </a:p>
+        </p:txBody>
+      </p:sp>
+      <p:sp>
+        <p:nvSpPr>
+          <p:cNvPr id="3" name="Объект 2">
+            <a:extLst>
+              <a:ext uri="{FF2B5EF4-FFF2-40B4-BE49-F238E27FC236}">
+                <a16:creationId xmlns:a16="http://schemas.microsoft.com/office/drawing/2014/main" id="{ADE2C3FA-70CE-48B1-4109-387A59259A02}"/>
+              </a:ext>
+            </a:extLst>
+          </p:cNvPr>
+          <p:cNvSpPr>
+            <a:spLocks noGrp="1"/>
+          </p:cNvSpPr>
+          <p:nvPr>
+            <p:ph sz="half" idx="1"/>
+          </p:nvPr>
+        </p:nvSpPr>
+        <p:spPr>
+          <a:xfrm>
+            <a:off x="371297" y="958453"/>
+            <a:ext cx="2783885" cy="2284452"/>
+          </a:xfrm>
+        </p:spPr>
+        <p:txBody>
+          <a:bodyPr>
+            <a:normAutofit fontScale="85000" lnSpcReduction="10000"/>
+          </a:bodyPr>
+          <a:lstStyle/>
+          <a:p>
+            <a:r>
+              <a:rPr lang="ru-RU" dirty="0"/>
+              <a:t>Акростихи</a:t>
+            </a:r>
+          </a:p>
+          <a:p>
+            <a:r>
+              <a:rPr lang="ru-RU" b="0" i="0" dirty="0">
+                <a:solidFill>
+                  <a:srgbClr val="000000"/>
+                </a:solidFill>
+                <a:effectLst/>
+                <a:latin typeface="Roboto" panose="02000000000000000000" pitchFamily="2" charset="0"/>
+              </a:rPr>
+              <a:t>Довольно именем известна я своим;</a:t>
+            </a:r>
+            <a:br>
+              <a:rPr lang="ru-RU" dirty="0"/>
+            </a:br>
+            <a:r>
+              <a:rPr lang="ru-RU" b="0" i="0" dirty="0">
+                <a:solidFill>
+                  <a:srgbClr val="000000"/>
+                </a:solidFill>
+                <a:effectLst/>
+                <a:latin typeface="Roboto" panose="02000000000000000000" pitchFamily="2" charset="0"/>
+              </a:rPr>
+              <a:t>Равно клянётся плут и непорочный им,</a:t>
+            </a:r>
+            <a:br>
+              <a:rPr lang="ru-RU" dirty="0"/>
+            </a:br>
+            <a:r>
+              <a:rPr lang="ru-RU" b="0" i="0" dirty="0">
+                <a:solidFill>
+                  <a:srgbClr val="000000"/>
+                </a:solidFill>
+                <a:effectLst/>
+                <a:latin typeface="Roboto" panose="02000000000000000000" pitchFamily="2" charset="0"/>
+              </a:rPr>
+              <a:t>Утехой в бедствиях всего бываю боле,</a:t>
+            </a:r>
+            <a:br>
+              <a:rPr lang="ru-RU" dirty="0"/>
+            </a:br>
+            <a:r>
+              <a:rPr lang="ru-RU" b="0" i="0" dirty="0">
+                <a:solidFill>
+                  <a:srgbClr val="000000"/>
+                </a:solidFill>
+                <a:effectLst/>
+                <a:latin typeface="Roboto" panose="02000000000000000000" pitchFamily="2" charset="0"/>
+              </a:rPr>
+              <a:t>Жизнь сладостней при мне и в самой лучшей доле.</a:t>
+            </a:r>
+            <a:br>
+              <a:rPr lang="ru-RU" dirty="0"/>
+            </a:br>
+            <a:r>
+              <a:rPr lang="ru-RU" b="0" i="0" dirty="0">
+                <a:solidFill>
+                  <a:srgbClr val="000000"/>
+                </a:solidFill>
+                <a:effectLst/>
+                <a:latin typeface="Roboto" panose="02000000000000000000" pitchFamily="2" charset="0"/>
+              </a:rPr>
+              <a:t>Блаженству чистых душ могу служить одна,</a:t>
+            </a:r>
+            <a:br>
+              <a:rPr lang="ru-RU" dirty="0"/>
+            </a:br>
+            <a:r>
+              <a:rPr lang="ru-RU" b="0" i="0" dirty="0">
+                <a:solidFill>
+                  <a:srgbClr val="000000"/>
+                </a:solidFill>
+                <a:effectLst/>
+                <a:latin typeface="Roboto" panose="02000000000000000000" pitchFamily="2" charset="0"/>
+              </a:rPr>
+              <a:t>А меж злодеями — не быть я создан</a:t>
+            </a:r>
+          </a:p>
+          <a:p>
+            <a:r>
+              <a:rPr lang="ru-RU" dirty="0">
+                <a:solidFill>
+                  <a:srgbClr val="000000"/>
+                </a:solidFill>
+                <a:latin typeface="Roboto" panose="02000000000000000000" pitchFamily="2" charset="0"/>
+              </a:rPr>
+              <a:t>Расшифруйте слово</a:t>
+            </a:r>
+            <a:r>
+              <a:rPr lang="ru-RU" b="0" i="0" dirty="0">
+                <a:solidFill>
+                  <a:srgbClr val="000000"/>
+                </a:solidFill>
+                <a:effectLst/>
+                <a:latin typeface="Roboto" panose="02000000000000000000" pitchFamily="2" charset="0"/>
+              </a:rPr>
+              <a:t>.</a:t>
+            </a:r>
+            <a:endParaRPr lang="ru-RU" dirty="0"/>
+          </a:p>
+        </p:txBody>
+      </p:sp>
+      <p:sp>
+        <p:nvSpPr>
+          <p:cNvPr id="4" name="Объект 3">
+            <a:extLst>
+              <a:ext uri="{FF2B5EF4-FFF2-40B4-BE49-F238E27FC236}">
+                <a16:creationId xmlns:a16="http://schemas.microsoft.com/office/drawing/2014/main" id="{C41D7331-BFF8-BACE-A57E-16D9EBABC531}"/>
+              </a:ext>
+            </a:extLst>
+          </p:cNvPr>
+          <p:cNvSpPr>
+            <a:spLocks noGrp="1"/>
+          </p:cNvSpPr>
+          <p:nvPr>
+            <p:ph sz="half" idx="2"/>
+          </p:nvPr>
+        </p:nvSpPr>
+        <p:spPr>
+          <a:xfrm>
+            <a:off x="3245618" y="958453"/>
+            <a:ext cx="1783761" cy="2284452"/>
+          </a:xfrm>
+        </p:spPr>
+        <p:txBody>
+          <a:bodyPr>
+            <a:normAutofit fontScale="85000" lnSpcReduction="10000"/>
+          </a:bodyPr>
+          <a:lstStyle/>
+          <a:p>
+            <a:r>
+              <a:rPr lang="ru-RU" dirty="0"/>
+              <a:t>Введите 6-ю букву:</a:t>
+            </a:r>
+          </a:p>
+          <a:p>
+            <a:r>
+              <a:rPr lang="ru-RU" dirty="0"/>
+              <a:t>Верный ответ: а</a:t>
+            </a:r>
+          </a:p>
+          <a:p>
+            <a:endParaRPr lang="ru-RU" dirty="0"/>
+          </a:p>
+          <a:p>
+            <a:endParaRPr lang="ru-RU" dirty="0"/>
+          </a:p>
+          <a:p>
+            <a:r>
+              <a:rPr lang="ru-RU" dirty="0"/>
+              <a:t>Слово: Дружба</a:t>
+            </a:r>
+          </a:p>
+        </p:txBody>
+      </p:sp>
+    </p:spTree>
+    <p:extLst>
+      <p:ext uri="{BB962C8B-B14F-4D97-AF65-F5344CB8AC3E}">
+        <p14:creationId xmlns:p14="http://schemas.microsoft.com/office/powerpoint/2010/main" val="3755422650"/>
+      </p:ext>
+    </p:extLst>
+  </p:cSld>
+  <p:clrMapOvr>
+    <a:masterClrMapping/>
+  </p:clrMapOvr>
+</p:sld>
+</file>
+
+<file path=ppt/slides/slide25.xml><?xml version="1.0" encoding="utf-8"?>
+<p:sld xmlns:a="http://schemas.openxmlformats.org/drawingml/2006/main" xmlns:r="http://schemas.openxmlformats.org/officeDocument/2006/relationships" xmlns:p="http://schemas.openxmlformats.org/presentationml/2006/main">
+  <p:cSld>
+    <p:spTree>
+      <p:nvGrpSpPr>
+        <p:cNvPr id="1" name=""/>
+        <p:cNvGrpSpPr/>
+        <p:nvPr/>
+      </p:nvGrpSpPr>
+      <p:grpSpPr>
+        <a:xfrm>
+          <a:off x="0" y="0"/>
+          <a:ext cx="0" cy="0"/>
+          <a:chOff x="0" y="0"/>
+          <a:chExt cx="0" cy="0"/>
+        </a:xfrm>
+      </p:grpSpPr>
+      <p:sp>
+        <p:nvSpPr>
+          <p:cNvPr id="2" name="Заголовок 1">
+            <a:extLst>
+              <a:ext uri="{FF2B5EF4-FFF2-40B4-BE49-F238E27FC236}">
+                <a16:creationId xmlns:a16="http://schemas.microsoft.com/office/drawing/2014/main" id="{A91BA214-EFAE-0276-D0C9-DF8F1ADCA7DE}"/>
+              </a:ext>
+            </a:extLst>
+          </p:cNvPr>
+          <p:cNvSpPr>
+            <a:spLocks noGrp="1"/>
+          </p:cNvSpPr>
+          <p:nvPr>
+            <p:ph type="title"/>
+          </p:nvPr>
+        </p:nvSpPr>
+        <p:spPr/>
+        <p:txBody>
+          <a:bodyPr/>
+          <a:lstStyle/>
+          <a:p>
+            <a:r>
+              <a:rPr lang="ru-RU" dirty="0"/>
+              <a:t>Задание 11</a:t>
+            </a:r>
+          </a:p>
+        </p:txBody>
+      </p:sp>
+      <p:sp>
+        <p:nvSpPr>
+          <p:cNvPr id="3" name="Объект 2">
+            <a:extLst>
+              <a:ext uri="{FF2B5EF4-FFF2-40B4-BE49-F238E27FC236}">
+                <a16:creationId xmlns:a16="http://schemas.microsoft.com/office/drawing/2014/main" id="{8940BA48-6CFE-87C6-E3CB-062DF9A9E04E}"/>
+              </a:ext>
+            </a:extLst>
+          </p:cNvPr>
+          <p:cNvSpPr>
+            <a:spLocks noGrp="1"/>
+          </p:cNvSpPr>
+          <p:nvPr>
+            <p:ph sz="half" idx="1"/>
+          </p:nvPr>
+        </p:nvSpPr>
+        <p:spPr/>
+        <p:txBody>
+          <a:bodyPr/>
+          <a:lstStyle/>
+          <a:p>
+            <a:endParaRPr lang="ru-RU"/>
+          </a:p>
+        </p:txBody>
+      </p:sp>
+      <p:sp>
+        <p:nvSpPr>
+          <p:cNvPr id="4" name="Объект 3">
+            <a:extLst>
+              <a:ext uri="{FF2B5EF4-FFF2-40B4-BE49-F238E27FC236}">
+                <a16:creationId xmlns:a16="http://schemas.microsoft.com/office/drawing/2014/main" id="{230D6A6D-CBDD-8D31-85E8-65A81A874C88}"/>
+              </a:ext>
+            </a:extLst>
+          </p:cNvPr>
+          <p:cNvSpPr>
+            <a:spLocks noGrp="1"/>
+          </p:cNvSpPr>
+          <p:nvPr>
+            <p:ph sz="half" idx="2"/>
+          </p:nvPr>
+        </p:nvSpPr>
+        <p:spPr/>
+        <p:txBody>
+          <a:bodyPr/>
+          <a:lstStyle/>
+          <a:p>
+            <a:r>
+              <a:rPr lang="ru-RU" dirty="0"/>
+              <a:t>Введите букву:</a:t>
+            </a:r>
+          </a:p>
+          <a:p>
+            <a:r>
+              <a:rPr lang="ru-RU" dirty="0"/>
+              <a:t>Верный ответ:</a:t>
+            </a:r>
+          </a:p>
+          <a:p>
+            <a:endParaRPr lang="ru-RU" dirty="0"/>
+          </a:p>
+        </p:txBody>
+      </p:sp>
+    </p:spTree>
+    <p:extLst>
+      <p:ext uri="{BB962C8B-B14F-4D97-AF65-F5344CB8AC3E}">
+        <p14:creationId xmlns:p14="http://schemas.microsoft.com/office/powerpoint/2010/main" val="3628495549"/>
+      </p:ext>
+    </p:extLst>
+  </p:cSld>
+  <p:clrMapOvr>
+    <a:masterClrMapping/>
+  </p:clrMapOvr>
+</p:sld>
+</file>
+
+<file path=ppt/slides/slide26.xml><?xml version="1.0" encoding="utf-8"?>
+<p:sld xmlns:a="http://schemas.openxmlformats.org/drawingml/2006/main" xmlns:r="http://schemas.openxmlformats.org/officeDocument/2006/relationships" xmlns:p="http://schemas.openxmlformats.org/presentationml/2006/main">
+  <p:cSld>
+    <p:spTree>
+      <p:nvGrpSpPr>
+        <p:cNvPr id="1" name=""/>
+        <p:cNvGrpSpPr/>
+        <p:nvPr/>
+      </p:nvGrpSpPr>
+      <p:grpSpPr>
+        <a:xfrm>
+          <a:off x="0" y="0"/>
+          <a:ext cx="0" cy="0"/>
+          <a:chOff x="0" y="0"/>
+          <a:chExt cx="0" cy="0"/>
+        </a:xfrm>
+      </p:grpSpPr>
+      <p:sp>
+        <p:nvSpPr>
+          <p:cNvPr id="2" name="Заголовок 1">
+            <a:extLst>
+              <a:ext uri="{FF2B5EF4-FFF2-40B4-BE49-F238E27FC236}">
+                <a16:creationId xmlns:a16="http://schemas.microsoft.com/office/drawing/2014/main" id="{AEA8F201-110E-8230-EC43-3A0688130E2D}"/>
+              </a:ext>
+            </a:extLst>
+          </p:cNvPr>
+          <p:cNvSpPr>
+            <a:spLocks noGrp="1"/>
+          </p:cNvSpPr>
+          <p:nvPr>
+            <p:ph type="title"/>
+          </p:nvPr>
+        </p:nvSpPr>
+        <p:spPr/>
+        <p:txBody>
+          <a:bodyPr/>
+          <a:lstStyle/>
+          <a:p>
+            <a:r>
+              <a:rPr lang="ru-RU" dirty="0"/>
+              <a:t>Задание 12</a:t>
+            </a:r>
+          </a:p>
+        </p:txBody>
+      </p:sp>
+      <p:sp>
+        <p:nvSpPr>
+          <p:cNvPr id="3" name="Объект 2">
+            <a:extLst>
+              <a:ext uri="{FF2B5EF4-FFF2-40B4-BE49-F238E27FC236}">
+                <a16:creationId xmlns:a16="http://schemas.microsoft.com/office/drawing/2014/main" id="{92CC0EB4-814F-8FB0-54C6-C54252B907A7}"/>
+              </a:ext>
+            </a:extLst>
+          </p:cNvPr>
+          <p:cNvSpPr>
+            <a:spLocks noGrp="1"/>
+          </p:cNvSpPr>
+          <p:nvPr>
+            <p:ph sz="half" idx="1"/>
+          </p:nvPr>
+        </p:nvSpPr>
+        <p:spPr/>
+        <p:txBody>
+          <a:bodyPr/>
+          <a:lstStyle/>
+          <a:p>
+            <a:r>
+              <a:rPr lang="ru-RU" dirty="0"/>
+              <a:t>Соберите слово</a:t>
+            </a:r>
+          </a:p>
+          <a:p>
+            <a:endParaRPr lang="ru-RU" dirty="0"/>
+          </a:p>
+          <a:p>
+            <a:r>
+              <a:rPr lang="ru-RU" dirty="0"/>
+              <a:t>На стаканчиках подсказки</a:t>
+            </a:r>
+          </a:p>
+        </p:txBody>
+      </p:sp>
+      <p:sp>
+        <p:nvSpPr>
+          <p:cNvPr id="4" name="Объект 3">
+            <a:extLst>
+              <a:ext uri="{FF2B5EF4-FFF2-40B4-BE49-F238E27FC236}">
+                <a16:creationId xmlns:a16="http://schemas.microsoft.com/office/drawing/2014/main" id="{08331EEC-D24E-6C32-3D1B-95C453044C52}"/>
+              </a:ext>
+            </a:extLst>
+          </p:cNvPr>
+          <p:cNvSpPr>
+            <a:spLocks noGrp="1"/>
+          </p:cNvSpPr>
+          <p:nvPr>
+            <p:ph sz="half" idx="2"/>
+          </p:nvPr>
+        </p:nvSpPr>
+        <p:spPr/>
+        <p:txBody>
+          <a:bodyPr/>
+          <a:lstStyle/>
+          <a:p>
+            <a:r>
+              <a:rPr lang="ru-RU" dirty="0"/>
+              <a:t>Введите букву:</a:t>
+            </a:r>
+          </a:p>
+          <a:p>
+            <a:r>
+              <a:rPr lang="ru-RU" dirty="0"/>
+              <a:t>Верный ответ:</a:t>
+            </a:r>
+          </a:p>
+          <a:p>
+            <a:endParaRPr lang="ru-RU" dirty="0"/>
+          </a:p>
+        </p:txBody>
+      </p:sp>
+    </p:spTree>
+    <p:extLst>
+      <p:ext uri="{BB962C8B-B14F-4D97-AF65-F5344CB8AC3E}">
+        <p14:creationId xmlns:p14="http://schemas.microsoft.com/office/powerpoint/2010/main" val="274532454"/>
+      </p:ext>
+    </p:extLst>
+  </p:cSld>
+  <p:clrMapOvr>
+    <a:masterClrMapping/>
+  </p:clrMapOvr>
+</p:sld>
+</file>
+
+<file path=ppt/slides/slide27.xml><?xml version="1.0" encoding="utf-8"?>
+<p:sld xmlns:a="http://schemas.openxmlformats.org/drawingml/2006/main" xmlns:r="http://schemas.openxmlformats.org/officeDocument/2006/relationships" xmlns:p="http://schemas.openxmlformats.org/presentationml/2006/main">
+  <p:cSld>
+    <p:spTree>
+      <p:nvGrpSpPr>
+        <p:cNvPr id="1" name=""/>
+        <p:cNvGrpSpPr/>
+        <p:nvPr/>
+      </p:nvGrpSpPr>
+      <p:grpSpPr>
+        <a:xfrm>
+          <a:off x="0" y="0"/>
+          <a:ext cx="0" cy="0"/>
+          <a:chOff x="0" y="0"/>
+          <a:chExt cx="0" cy="0"/>
+        </a:xfrm>
+      </p:grpSpPr>
+      <p:sp>
+        <p:nvSpPr>
+          <p:cNvPr id="2" name="Заголовок 1">
+            <a:extLst>
+              <a:ext uri="{FF2B5EF4-FFF2-40B4-BE49-F238E27FC236}">
+                <a16:creationId xmlns:a16="http://schemas.microsoft.com/office/drawing/2014/main" id="{0A027E40-7FED-06C3-8E72-467E83EB5E3B}"/>
+              </a:ext>
+            </a:extLst>
+          </p:cNvPr>
+          <p:cNvSpPr>
+            <a:spLocks noGrp="1"/>
+          </p:cNvSpPr>
+          <p:nvPr>
+            <p:ph type="title"/>
+          </p:nvPr>
+        </p:nvSpPr>
+        <p:spPr/>
+        <p:txBody>
+          <a:bodyPr>
+            <a:normAutofit fontScale="90000"/>
+          </a:bodyPr>
+          <a:lstStyle/>
+          <a:p>
+            <a:r>
+              <a:rPr lang="ru-RU" dirty="0"/>
+              <a:t>Задание 13</a:t>
+            </a:r>
+            <a:br>
+              <a:rPr lang="ru-RU" dirty="0"/>
+            </a:br>
+            <a:r>
+              <a:rPr lang="ru-RU" dirty="0"/>
+              <a:t>Угадайте подсказку</a:t>
+            </a:r>
+          </a:p>
+        </p:txBody>
+      </p:sp>
+      <p:pic>
+        <p:nvPicPr>
+          <p:cNvPr id="6" name="Объект 5">
+            <a:extLst>
+              <a:ext uri="{FF2B5EF4-FFF2-40B4-BE49-F238E27FC236}">
+                <a16:creationId xmlns:a16="http://schemas.microsoft.com/office/drawing/2014/main" id="{68458BC0-94A5-FEC6-51C1-209628F16A42}"/>
+              </a:ext>
+            </a:extLst>
+          </p:cNvPr>
+          <p:cNvPicPr>
+            <a:picLocks noGrp="1" noChangeAspect="1"/>
+          </p:cNvPicPr>
+          <p:nvPr>
+            <p:ph sz="half" idx="1"/>
+          </p:nvPr>
+        </p:nvPicPr>
+        <p:blipFill>
+          <a:blip r:embed="rId2">
+            <a:extLst>
+              <a:ext uri="{28A0092B-C50C-407E-A947-70E740481C1C}">
+                <a14:useLocalDpi xmlns:a14="http://schemas.microsoft.com/office/drawing/2010/main" val="0"/>
+              </a:ext>
+            </a:extLst>
+          </a:blip>
+          <a:stretch>
+            <a:fillRect/>
+          </a:stretch>
+        </p:blipFill>
+        <p:spPr>
+          <a:xfrm>
+            <a:off x="371475" y="958454"/>
+            <a:ext cx="2295525" cy="2116342"/>
+          </a:xfrm>
+        </p:spPr>
+      </p:pic>
+      <p:sp>
+        <p:nvSpPr>
+          <p:cNvPr id="4" name="Объект 3">
+            <a:extLst>
+              <a:ext uri="{FF2B5EF4-FFF2-40B4-BE49-F238E27FC236}">
+                <a16:creationId xmlns:a16="http://schemas.microsoft.com/office/drawing/2014/main" id="{20B479E2-1633-378B-58A1-69EBFF41A4E2}"/>
+              </a:ext>
+            </a:extLst>
+          </p:cNvPr>
+          <p:cNvSpPr>
+            <a:spLocks noGrp="1"/>
+          </p:cNvSpPr>
+          <p:nvPr>
+            <p:ph sz="half" idx="2"/>
+          </p:nvPr>
+        </p:nvSpPr>
+        <p:spPr/>
+        <p:txBody>
+          <a:bodyPr/>
+          <a:lstStyle/>
+          <a:p>
+            <a:r>
+              <a:rPr lang="ru-RU" dirty="0"/>
+              <a:t>Введите букву:</a:t>
+            </a:r>
+          </a:p>
+          <a:p>
+            <a:r>
+              <a:rPr lang="ru-RU" dirty="0"/>
+              <a:t>Верный ответ:</a:t>
+            </a:r>
+          </a:p>
+          <a:p>
+            <a:endParaRPr lang="ru-RU" dirty="0"/>
+          </a:p>
+          <a:p>
+            <a:endParaRPr lang="ru-RU" dirty="0"/>
+          </a:p>
+          <a:p>
+            <a:r>
+              <a:rPr lang="ru-RU" dirty="0"/>
+              <a:t>Фото 13</a:t>
+            </a:r>
+          </a:p>
+          <a:p>
+            <a:pPr marL="0" indent="0">
+              <a:buNone/>
+            </a:pPr>
+            <a:endParaRPr lang="ru-RU" dirty="0"/>
+          </a:p>
+        </p:txBody>
+      </p:sp>
+    </p:spTree>
+    <p:extLst>
+      <p:ext uri="{BB962C8B-B14F-4D97-AF65-F5344CB8AC3E}">
+        <p14:creationId xmlns:p14="http://schemas.microsoft.com/office/powerpoint/2010/main" val="3787303583"/>
+      </p:ext>
+    </p:extLst>
+  </p:cSld>
+  <p:clrMapOvr>
+    <a:masterClrMapping/>
+  </p:clrMapOvr>
+</p:sld>
+</file>
+
+<file path=ppt/slides/slide28.xml><?xml version="1.0" encoding="utf-8"?>
+<p:sld xmlns:a="http://schemas.openxmlformats.org/drawingml/2006/main" xmlns:r="http://schemas.openxmlformats.org/officeDocument/2006/relationships" xmlns:p="http://schemas.openxmlformats.org/presentationml/2006/main">
+  <p:cSld>
+    <p:spTree>
+      <p:nvGrpSpPr>
+        <p:cNvPr id="1" name=""/>
+        <p:cNvGrpSpPr/>
+        <p:nvPr/>
+      </p:nvGrpSpPr>
+      <p:grpSpPr>
+        <a:xfrm>
+          <a:off x="0" y="0"/>
+          <a:ext cx="0" cy="0"/>
+          <a:chOff x="0" y="0"/>
+          <a:chExt cx="0" cy="0"/>
+        </a:xfrm>
+      </p:grpSpPr>
+      <p:sp>
+        <p:nvSpPr>
+          <p:cNvPr id="2" name="Заголовок 1">
+            <a:extLst>
+              <a:ext uri="{FF2B5EF4-FFF2-40B4-BE49-F238E27FC236}">
+                <a16:creationId xmlns:a16="http://schemas.microsoft.com/office/drawing/2014/main" id="{A5AC42AE-6B71-6965-F3CD-ED2781079542}"/>
+              </a:ext>
+            </a:extLst>
+          </p:cNvPr>
+          <p:cNvSpPr>
+            <a:spLocks noGrp="1"/>
+          </p:cNvSpPr>
+          <p:nvPr>
+            <p:ph type="title"/>
+          </p:nvPr>
+        </p:nvSpPr>
+        <p:spPr/>
+        <p:txBody>
+          <a:bodyPr/>
+          <a:lstStyle/>
+          <a:p>
+            <a:r>
+              <a:rPr lang="ru-RU" dirty="0"/>
+              <a:t>Задание 14</a:t>
+            </a:r>
+          </a:p>
+        </p:txBody>
+      </p:sp>
+      <p:sp>
+        <p:nvSpPr>
+          <p:cNvPr id="3" name="Объект 2">
+            <a:extLst>
+              <a:ext uri="{FF2B5EF4-FFF2-40B4-BE49-F238E27FC236}">
+                <a16:creationId xmlns:a16="http://schemas.microsoft.com/office/drawing/2014/main" id="{9829D8A0-98EC-54F6-7C81-4981E43F635E}"/>
+              </a:ext>
+            </a:extLst>
+          </p:cNvPr>
+          <p:cNvSpPr>
+            <a:spLocks noGrp="1"/>
+          </p:cNvSpPr>
+          <p:nvPr>
+            <p:ph sz="half" idx="1"/>
+          </p:nvPr>
+        </p:nvSpPr>
+        <p:spPr/>
+        <p:txBody>
+          <a:bodyPr/>
+          <a:lstStyle/>
+          <a:p>
+            <a:r>
+              <a:rPr lang="ru-RU" dirty="0"/>
+              <a:t>Подсказки на половинках тарелок</a:t>
+            </a:r>
+          </a:p>
+        </p:txBody>
+      </p:sp>
+      <p:sp>
+        <p:nvSpPr>
+          <p:cNvPr id="4" name="Объект 3">
+            <a:extLst>
+              <a:ext uri="{FF2B5EF4-FFF2-40B4-BE49-F238E27FC236}">
+                <a16:creationId xmlns:a16="http://schemas.microsoft.com/office/drawing/2014/main" id="{EE6A9C9F-FB8C-BA97-0F89-59A1D3F73168}"/>
+              </a:ext>
+            </a:extLst>
+          </p:cNvPr>
+          <p:cNvSpPr>
+            <a:spLocks noGrp="1"/>
+          </p:cNvSpPr>
+          <p:nvPr>
+            <p:ph sz="half" idx="2"/>
+          </p:nvPr>
+        </p:nvSpPr>
+        <p:spPr/>
+        <p:txBody>
+          <a:bodyPr/>
+          <a:lstStyle/>
+          <a:p>
+            <a:r>
+              <a:rPr lang="ru-RU" dirty="0"/>
+              <a:t>Введите букву:</a:t>
+            </a:r>
+          </a:p>
+          <a:p>
+            <a:r>
+              <a:rPr lang="ru-RU" dirty="0"/>
+              <a:t>Верный ответ:</a:t>
+            </a:r>
+          </a:p>
+          <a:p>
+            <a:endParaRPr lang="ru-RU" dirty="0"/>
+          </a:p>
+        </p:txBody>
+      </p:sp>
+    </p:spTree>
+    <p:extLst>
+      <p:ext uri="{BB962C8B-B14F-4D97-AF65-F5344CB8AC3E}">
+        <p14:creationId xmlns:p14="http://schemas.microsoft.com/office/powerpoint/2010/main" val="2222338124"/>
+      </p:ext>
+    </p:extLst>
+  </p:cSld>
+  <p:clrMapOvr>
+    <a:masterClrMapping/>
+  </p:clrMapOvr>
+</p:sld>
+</file>
+
 <file path=ppt/slides/slide3.xml><?xml version="1.0" encoding="utf-8"?>
 <p:sld xmlns:a="http://schemas.openxmlformats.org/drawingml/2006/main" xmlns:r="http://schemas.openxmlformats.org/officeDocument/2006/relationships" xmlns:p="http://schemas.openxmlformats.org/presentationml/2006/main">
   <p:cSld>
@@ -3713,14 +6664,19 @@
             <p:ph type="ctrTitle"/>
           </p:nvPr>
         </p:nvSpPr>
-        <p:spPr/>
-        <p:txBody>
-          <a:bodyPr/>
-          <a:lstStyle/>
-          <a:p>
-            <a:r>
-              <a:rPr lang="ru-RU" dirty="0"/>
-              <a:t>Задание №2</a:t>
+        <p:spPr>
+          <a:xfrm>
+            <a:off x="405051" y="589242"/>
+            <a:ext cx="4590574" cy="701971"/>
+          </a:xfrm>
+        </p:spPr>
+        <p:txBody>
+          <a:bodyPr/>
+          <a:lstStyle/>
+          <a:p>
+            <a:r>
+              <a:rPr lang="ru-RU" dirty="0"/>
+              <a:t>Задание №2*</a:t>
             </a:r>
           </a:p>
         </p:txBody>
@@ -3741,16 +6697,27 @@
             <p:ph type="subTitle" idx="1"/>
           </p:nvPr>
         </p:nvSpPr>
-        <p:spPr/>
+        <p:spPr>
+          <a:xfrm>
+            <a:off x="675085" y="1467059"/>
+            <a:ext cx="4050506" cy="1934308"/>
+          </a:xfrm>
+        </p:spPr>
         <p:txBody>
           <a:bodyPr anchor="ctr">
-            <a:normAutofit fontScale="92500"/>
+            <a:normAutofit/>
           </a:bodyPr>
           <a:lstStyle/>
           <a:p>
             <a:r>
               <a:rPr lang="ru-RU" sz="3190" dirty="0"/>
-              <a:t>СУПЕР БЛИЦ- «ЦИФРЫ»</a:t>
+              <a:t>СУПЕР- БЛИЦ «ЦИФРЫ»</a:t>
+            </a:r>
+          </a:p>
+          <a:p>
+            <a:r>
+              <a:rPr lang="ru-RU" sz="3190" dirty="0"/>
+              <a:t>Соберите цифры последовательно</a:t>
             </a:r>
           </a:p>
         </p:txBody>
@@ -3790,7 +6757,7 @@
           <p:cNvPr id="2" name="Заголовок 1">
             <a:extLst>
               <a:ext uri="{FF2B5EF4-FFF2-40B4-BE49-F238E27FC236}">
-                <a16:creationId xmlns:a16="http://schemas.microsoft.com/office/drawing/2014/main" id="{B346A1E4-D392-EDFE-7F9C-E715DE665ADD}"/>
+                <a16:creationId xmlns:a16="http://schemas.microsoft.com/office/drawing/2014/main" id="{B97AF695-B85E-DD93-81AE-CE35F12BA0B7}"/>
               </a:ext>
             </a:extLst>
           </p:cNvPr>
@@ -3800,108 +6767,111 @@
           <p:nvPr>
             <p:ph type="title"/>
           </p:nvPr>
-        </p:nvSpPr>
-        <p:spPr/>
-        <p:txBody>
-          <a:bodyPr anchor="ctr"/>
-          <a:lstStyle/>
-          <a:p>
-            <a:pPr algn="ctr"/>
-            <a:r>
-              <a:rPr lang="ru-RU" dirty="0"/>
-              <a:t>2.1. Нащупать в мешке фигурку</a:t>
-            </a:r>
-            <a:br>
-              <a:rPr lang="ru-RU" dirty="0"/>
-            </a:br>
-            <a:r>
-              <a:rPr lang="ru-RU" dirty="0"/>
-              <a:t>Чебурашки</a:t>
-            </a:r>
-          </a:p>
-        </p:txBody>
-      </p:sp>
-      <p:sp>
-        <p:nvSpPr>
-          <p:cNvPr id="3" name="Текст 2">
-            <a:extLst>
-              <a:ext uri="{FF2B5EF4-FFF2-40B4-BE49-F238E27FC236}">
-                <a16:creationId xmlns:a16="http://schemas.microsoft.com/office/drawing/2014/main" id="{4BE9B3D1-0098-1B4B-E650-98342FB92BB3}"/>
-              </a:ext>
-            </a:extLst>
-          </p:cNvPr>
-          <p:cNvSpPr>
-            <a:spLocks noGrp="1"/>
-          </p:cNvSpPr>
-          <p:nvPr>
-            <p:ph type="body" idx="1"/>
-          </p:nvPr>
-        </p:nvSpPr>
-        <p:spPr/>
-        <p:txBody>
-          <a:bodyPr anchor="ctr">
-            <a:normAutofit/>
-          </a:bodyPr>
-          <a:lstStyle/>
-          <a:p>
-            <a:pPr algn="ctr"/>
-            <a:endParaRPr lang="ru-RU" sz="3190" dirty="0"/>
-          </a:p>
-        </p:txBody>
-      </p:sp>
-      <p:sp>
-        <p:nvSpPr>
-          <p:cNvPr id="4" name="Прямоугольник 3">
-            <a:extLst>
-              <a:ext uri="{FF2B5EF4-FFF2-40B4-BE49-F238E27FC236}">
-                <a16:creationId xmlns:a16="http://schemas.microsoft.com/office/drawing/2014/main" id="{4F43252C-6AD5-9E08-838C-6102104A3EC1}"/>
-              </a:ext>
-            </a:extLst>
-          </p:cNvPr>
-          <p:cNvSpPr/>
-          <p:nvPr/>
         </p:nvSpPr>
         <p:spPr>
           <a:xfrm>
-            <a:off x="1107690" y="2404744"/>
-            <a:ext cx="3075078" cy="787598"/>
+            <a:off x="371297" y="191691"/>
+            <a:ext cx="4658082" cy="1029184"/>
           </a:xfrm>
-          <a:prstGeom prst="rect">
-            <a:avLst/>
-          </a:prstGeom>
         </p:spPr>
-        <p:style>
-          <a:lnRef idx="2">
-            <a:schemeClr val="accent1">
-              <a:shade val="50000"/>
-            </a:schemeClr>
-          </a:lnRef>
-          <a:fillRef idx="1">
-            <a:schemeClr val="accent1"/>
-          </a:fillRef>
-          <a:effectRef idx="0">
-            <a:schemeClr val="accent1"/>
-          </a:effectRef>
-          <a:fontRef idx="minor">
-            <a:schemeClr val="lt1"/>
-          </a:fontRef>
-        </p:style>
-        <p:txBody>
-          <a:bodyPr rtlCol="0" anchor="ctr"/>
+        <p:txBody>
+          <a:bodyPr>
+            <a:normAutofit fontScale="90000"/>
+          </a:bodyPr>
           <a:lstStyle/>
           <a:p>
             <a:pPr algn="ctr"/>
             <a:r>
-              <a:rPr lang="ru-RU" sz="3190" dirty="0"/>
-              <a:t>Введите символ</a:t>
-            </a:r>
+              <a:rPr lang="ru-RU" dirty="0"/>
+              <a:t>Задание №2 </a:t>
+            </a:r>
+            <a:br>
+              <a:rPr lang="ru-RU" dirty="0"/>
+            </a:br>
+            <a:r>
+              <a:rPr lang="ru-RU" sz="2400" dirty="0"/>
+              <a:t>СУПЕР- БЛИЦ «ЦИФРЫ»</a:t>
+            </a:r>
+            <a:br>
+              <a:rPr lang="ru-RU" sz="2400" dirty="0"/>
+            </a:br>
+            <a:endParaRPr lang="ru-RU" dirty="0"/>
+          </a:p>
+        </p:txBody>
+      </p:sp>
+      <p:sp>
+        <p:nvSpPr>
+          <p:cNvPr id="3" name="Объект 2">
+            <a:extLst>
+              <a:ext uri="{FF2B5EF4-FFF2-40B4-BE49-F238E27FC236}">
+                <a16:creationId xmlns:a16="http://schemas.microsoft.com/office/drawing/2014/main" id="{D814EDD8-85C9-A1A5-5643-5B476237428C}"/>
+              </a:ext>
+            </a:extLst>
+          </p:cNvPr>
+          <p:cNvSpPr>
+            <a:spLocks noGrp="1"/>
+          </p:cNvSpPr>
+          <p:nvPr>
+            <p:ph sz="half" idx="1"/>
+          </p:nvPr>
+        </p:nvSpPr>
+        <p:spPr>
+          <a:xfrm>
+            <a:off x="371297" y="1029956"/>
+            <a:ext cx="2295287" cy="2212949"/>
+          </a:xfrm>
+        </p:spPr>
+        <p:txBody>
+          <a:bodyPr/>
+          <a:lstStyle/>
+          <a:p>
+            <a:r>
+              <a:rPr lang="ru-RU" dirty="0"/>
+              <a:t>Соберите цифры</a:t>
+            </a:r>
+          </a:p>
+          <a:p>
+            <a:r>
+              <a:rPr lang="ru-RU" dirty="0"/>
+              <a:t>последовательно</a:t>
+            </a:r>
+          </a:p>
+        </p:txBody>
+      </p:sp>
+      <p:sp>
+        <p:nvSpPr>
+          <p:cNvPr id="4" name="Объект 3">
+            <a:extLst>
+              <a:ext uri="{FF2B5EF4-FFF2-40B4-BE49-F238E27FC236}">
+                <a16:creationId xmlns:a16="http://schemas.microsoft.com/office/drawing/2014/main" id="{72BC5F1C-5554-92F6-EC3B-0D084F79A7A0}"/>
+              </a:ext>
+            </a:extLst>
+          </p:cNvPr>
+          <p:cNvSpPr>
+            <a:spLocks noGrp="1"/>
+          </p:cNvSpPr>
+          <p:nvPr>
+            <p:ph sz="half" idx="2"/>
+          </p:nvPr>
+        </p:nvSpPr>
+        <p:spPr>
+          <a:xfrm>
+            <a:off x="2734092" y="1029955"/>
+            <a:ext cx="2295287" cy="2212949"/>
+          </a:xfrm>
+        </p:spPr>
+        <p:txBody>
+          <a:bodyPr/>
+          <a:lstStyle/>
+          <a:p>
+            <a:endParaRPr lang="ru-RU" dirty="0"/>
           </a:p>
         </p:txBody>
       </p:sp>
     </p:spTree>
     <p:extLst>
       <p:ext uri="{BB962C8B-B14F-4D97-AF65-F5344CB8AC3E}">
-        <p14:creationId xmlns:p14="http://schemas.microsoft.com/office/powerpoint/2010/main" val="1655492657"/>
+        <p14:creationId xmlns:p14="http://schemas.microsoft.com/office/powerpoint/2010/main" val="896603684"/>
       </p:ext>
     </p:extLst>
   </p:cSld>
@@ -3933,7 +6903,7 @@
           <p:cNvPr id="2" name="Заголовок 1">
             <a:extLst>
               <a:ext uri="{FF2B5EF4-FFF2-40B4-BE49-F238E27FC236}">
-                <a16:creationId xmlns:a16="http://schemas.microsoft.com/office/drawing/2014/main" id="{498E7B10-B6E2-48E0-D80E-97CF9D42FAB2}"/>
+                <a16:creationId xmlns:a16="http://schemas.microsoft.com/office/drawing/2014/main" id="{72333C66-AC34-4E01-1684-9EC83D6B9223}"/>
               </a:ext>
             </a:extLst>
           </p:cNvPr>
@@ -3946,29 +6916,143 @@
         </p:nvSpPr>
         <p:spPr/>
         <p:txBody>
-          <a:bodyPr>
-            <a:normAutofit fontScale="90000"/>
-          </a:bodyPr>
-          <a:lstStyle/>
-          <a:p>
-            <a:r>
-              <a:rPr lang="ru-RU" b="0" i="0" dirty="0">
+          <a:bodyPr/>
+          <a:lstStyle/>
+          <a:p>
+            <a:r>
+              <a:rPr lang="ru-RU" dirty="0"/>
+              <a:t>2.1 Чебурашка</a:t>
+            </a:r>
+          </a:p>
+        </p:txBody>
+      </p:sp>
+      <p:sp>
+        <p:nvSpPr>
+          <p:cNvPr id="3" name="Объект 2">
+            <a:extLst>
+              <a:ext uri="{FF2B5EF4-FFF2-40B4-BE49-F238E27FC236}">
+                <a16:creationId xmlns:a16="http://schemas.microsoft.com/office/drawing/2014/main" id="{DC0C1D0E-2428-BB48-676D-8C072F6EA5B8}"/>
+              </a:ext>
+            </a:extLst>
+          </p:cNvPr>
+          <p:cNvSpPr>
+            <a:spLocks noGrp="1"/>
+          </p:cNvSpPr>
+          <p:nvPr>
+            <p:ph sz="half" idx="1"/>
+          </p:nvPr>
+        </p:nvSpPr>
+        <p:spPr/>
+        <p:txBody>
+          <a:bodyPr/>
+          <a:lstStyle/>
+          <a:p>
+            <a:r>
+              <a:rPr lang="ru-RU" dirty="0"/>
+              <a:t>Не заглядывая в мешок, найдите фигурку Чебурашки</a:t>
+            </a:r>
+          </a:p>
+          <a:p>
+            <a:endParaRPr lang="ru-RU" dirty="0"/>
+          </a:p>
+        </p:txBody>
+      </p:sp>
+      <p:sp>
+        <p:nvSpPr>
+          <p:cNvPr id="4" name="Объект 3">
+            <a:extLst>
+              <a:ext uri="{FF2B5EF4-FFF2-40B4-BE49-F238E27FC236}">
+                <a16:creationId xmlns:a16="http://schemas.microsoft.com/office/drawing/2014/main" id="{A99049D8-9907-7D79-6E5E-615B1DF77864}"/>
+              </a:ext>
+            </a:extLst>
+          </p:cNvPr>
+          <p:cNvSpPr>
+            <a:spLocks noGrp="1"/>
+          </p:cNvSpPr>
+          <p:nvPr>
+            <p:ph sz="half" idx="2"/>
+          </p:nvPr>
+        </p:nvSpPr>
+        <p:spPr/>
+        <p:txBody>
+          <a:bodyPr/>
+          <a:lstStyle/>
+          <a:p>
+            <a:r>
+              <a:rPr lang="ru-RU" dirty="0">
                 <a:solidFill>
-                  <a:srgbClr val="000000"/>
+                  <a:srgbClr val="002060"/>
                 </a:solidFill>
-                <a:effectLst/>
-                <a:latin typeface="Roboto" panose="020B0604020202020204" pitchFamily="2" charset="0"/>
               </a:rPr>
-              <a:t>2.2.Посчитайте количество на картинке</a:t>
-            </a:r>
+              <a:t>Введите цифру:</a:t>
+            </a:r>
+          </a:p>
+          <a:p>
+            <a:r>
+              <a:rPr lang="ru-RU" dirty="0"/>
+              <a:t>Верный ответ: 8</a:t>
+            </a:r>
+          </a:p>
+          <a:p>
             <a:endParaRPr lang="ru-RU" dirty="0"/>
           </a:p>
-        </p:txBody>
-      </p:sp>
+          <a:p>
+            <a:endParaRPr lang="ru-RU" dirty="0"/>
+          </a:p>
+          <a:p>
+            <a:endParaRPr lang="ru-RU" dirty="0"/>
+          </a:p>
+          <a:p>
+            <a:r>
+              <a:rPr lang="ru-RU" dirty="0"/>
+              <a:t>Фото 2.2</a:t>
+            </a:r>
+          </a:p>
+          <a:p>
+            <a:endParaRPr lang="ru-RU" dirty="0"/>
+          </a:p>
+        </p:txBody>
+      </p:sp>
+      <p:pic>
+        <p:nvPicPr>
+          <p:cNvPr id="6" name="Рисунок 5">
+            <a:extLst>
+              <a:ext uri="{FF2B5EF4-FFF2-40B4-BE49-F238E27FC236}">
+                <a16:creationId xmlns:a16="http://schemas.microsoft.com/office/drawing/2014/main" id="{1B68538F-9B37-E612-BD86-2C948D28B83E}"/>
+              </a:ext>
+            </a:extLst>
+          </p:cNvPr>
+          <p:cNvPicPr>
+            <a:picLocks noChangeAspect="1"/>
+          </p:cNvPicPr>
+          <p:nvPr/>
+        </p:nvPicPr>
+        <p:blipFill>
+          <a:blip r:embed="rId2" cstate="print">
+            <a:extLst>
+              <a:ext uri="{28A0092B-C50C-407E-A947-70E740481C1C}">
+                <a14:useLocalDpi xmlns:a14="http://schemas.microsoft.com/office/drawing/2010/main" val="0"/>
+              </a:ext>
+            </a:extLst>
+          </a:blip>
+          <a:stretch>
+            <a:fillRect/>
+          </a:stretch>
+        </p:blipFill>
+        <p:spPr>
+          <a:xfrm>
+            <a:off x="545202" y="1647930"/>
+            <a:ext cx="1871426" cy="1594975"/>
+          </a:xfrm>
+          <a:prstGeom prst="rect">
+            <a:avLst/>
+          </a:prstGeom>
+        </p:spPr>
+      </p:pic>
     </p:spTree>
     <p:extLst>
       <p:ext uri="{BB962C8B-B14F-4D97-AF65-F5344CB8AC3E}">
-        <p14:creationId xmlns:p14="http://schemas.microsoft.com/office/powerpoint/2010/main" val="1752355688"/>
+        <p14:creationId xmlns:p14="http://schemas.microsoft.com/office/powerpoint/2010/main" val="2121371112"/>
       </p:ext>
     </p:extLst>
   </p:cSld>
@@ -4014,7 +7098,7 @@
         <p:spPr/>
         <p:txBody>
           <a:bodyPr>
-            <a:normAutofit fontScale="90000"/>
+            <a:normAutofit/>
           </a:bodyPr>
           <a:lstStyle/>
           <a:p>
@@ -4026,7 +7110,7 @@
                 <a:effectLst/>
                 <a:latin typeface="Roboto" panose="02000000000000000000" pitchFamily="2" charset="0"/>
               </a:rPr>
-              <a:t>2.3.Соединить точки согласно схемы на картинке</a:t>
+              <a:t>2.2 Почтовый индекс</a:t>
             </a:r>
             <a:endParaRPr lang="ru-RU" dirty="0"/>
           </a:p>
@@ -4053,7 +7137,17 @@
           <a:bodyPr/>
           <a:lstStyle/>
           <a:p>
-            <a:endParaRPr lang="ru-RU"/>
+            <a:r>
+              <a:rPr lang="ru-RU" b="0" i="0" dirty="0">
+                <a:solidFill>
+                  <a:srgbClr val="000000"/>
+                </a:solidFill>
+                <a:effectLst/>
+                <a:latin typeface="Roboto" panose="02000000000000000000" pitchFamily="2" charset="0"/>
+              </a:rPr>
+              <a:t>Соединить точки согласно схемы на картинке</a:t>
+            </a:r>
+            <a:endParaRPr lang="ru-RU" dirty="0"/>
           </a:p>
         </p:txBody>
       </p:sp>
@@ -4078,7 +7172,35 @@
           <a:bodyPr/>
           <a:lstStyle/>
           <a:p>
-            <a:endParaRPr lang="ru-RU"/>
+            <a:r>
+              <a:rPr lang="ru-RU" dirty="0">
+                <a:solidFill>
+                  <a:srgbClr val="002060"/>
+                </a:solidFill>
+              </a:rPr>
+              <a:t>Введите цифру:</a:t>
+            </a:r>
+          </a:p>
+          <a:p>
+            <a:r>
+              <a:rPr lang="ru-RU" dirty="0"/>
+              <a:t>Верный ответ: 9</a:t>
+            </a:r>
+          </a:p>
+          <a:p>
+            <a:endParaRPr lang="ru-RU" dirty="0"/>
+          </a:p>
+          <a:p>
+            <a:endParaRPr lang="ru-RU" dirty="0"/>
+          </a:p>
+          <a:p>
+            <a:r>
+              <a:rPr lang="ru-RU" dirty="0"/>
+              <a:t>Фото 2.2</a:t>
+            </a:r>
+          </a:p>
+          <a:p>
+            <a:endParaRPr lang="ru-RU" dirty="0"/>
           </a:p>
         </p:txBody>
       </p:sp>
@@ -4117,7 +7239,7 @@
           <p:cNvPr id="2" name="Заголовок 1">
             <a:extLst>
               <a:ext uri="{FF2B5EF4-FFF2-40B4-BE49-F238E27FC236}">
-                <a16:creationId xmlns:a16="http://schemas.microsoft.com/office/drawing/2014/main" id="{60D0064D-7338-DF7E-724E-8823075A00C6}"/>
+                <a16:creationId xmlns:a16="http://schemas.microsoft.com/office/drawing/2014/main" id="{7D033773-B545-B55E-A6EF-97553F0D9194}"/>
               </a:ext>
             </a:extLst>
           </p:cNvPr>
@@ -4130,58 +7252,101 @@
         </p:nvSpPr>
         <p:spPr/>
         <p:txBody>
-          <a:bodyPr>
-            <a:normAutofit fontScale="90000"/>
-          </a:bodyPr>
-          <a:lstStyle/>
-          <a:p>
-            <a:r>
-              <a:rPr lang="ru-RU" dirty="0"/>
-              <a:t>2.4. </a:t>
-            </a:r>
-            <a:r>
-              <a:rPr lang="ru-RU" b="0" i="0" dirty="0">
+          <a:bodyPr/>
+          <a:lstStyle/>
+          <a:p>
+            <a:r>
+              <a:rPr lang="ru-RU" dirty="0"/>
+              <a:t>2.3 Химическая реакция</a:t>
+            </a:r>
+          </a:p>
+        </p:txBody>
+      </p:sp>
+      <p:sp>
+        <p:nvSpPr>
+          <p:cNvPr id="3" name="Объект 2">
+            <a:extLst>
+              <a:ext uri="{FF2B5EF4-FFF2-40B4-BE49-F238E27FC236}">
+                <a16:creationId xmlns:a16="http://schemas.microsoft.com/office/drawing/2014/main" id="{49FE60D7-C48D-2B45-1C9F-9BAF419C9B63}"/>
+              </a:ext>
+            </a:extLst>
+          </p:cNvPr>
+          <p:cNvSpPr>
+            <a:spLocks noGrp="1"/>
+          </p:cNvSpPr>
+          <p:nvPr>
+            <p:ph sz="half" idx="1"/>
+          </p:nvPr>
+        </p:nvSpPr>
+        <p:spPr/>
+        <p:txBody>
+          <a:bodyPr/>
+          <a:lstStyle/>
+          <a:p>
+            <a:r>
+              <a:rPr lang="ru-RU" dirty="0"/>
+              <a:t>На стаканчике с химической реакцией найдите подсказку</a:t>
+            </a:r>
+          </a:p>
+        </p:txBody>
+      </p:sp>
+      <p:sp>
+        <p:nvSpPr>
+          <p:cNvPr id="4" name="Объект 3">
+            <a:extLst>
+              <a:ext uri="{FF2B5EF4-FFF2-40B4-BE49-F238E27FC236}">
+                <a16:creationId xmlns:a16="http://schemas.microsoft.com/office/drawing/2014/main" id="{961F46CC-994D-7123-CB84-510D4AD092C7}"/>
+              </a:ext>
+            </a:extLst>
+          </p:cNvPr>
+          <p:cNvSpPr>
+            <a:spLocks noGrp="1"/>
+          </p:cNvSpPr>
+          <p:nvPr>
+            <p:ph sz="half" idx="2"/>
+          </p:nvPr>
+        </p:nvSpPr>
+        <p:spPr/>
+        <p:txBody>
+          <a:bodyPr/>
+          <a:lstStyle/>
+          <a:p>
+            <a:r>
+              <a:rPr lang="ru-RU" dirty="0">
                 <a:solidFill>
-                  <a:srgbClr val="000000"/>
+                  <a:srgbClr val="002060"/>
                 </a:solidFill>
-                <a:effectLst/>
-                <a:latin typeface="Roboto" panose="02000000000000000000" pitchFamily="2" charset="0"/>
               </a:rPr>
-              <a:t>Проведи химическую реакцию</a:t>
-            </a:r>
+              <a:t>Введите цифру:</a:t>
+            </a:r>
+          </a:p>
+          <a:p>
+            <a:r>
+              <a:rPr lang="ru-RU" dirty="0"/>
+              <a:t>Верный ответ: 0</a:t>
+            </a:r>
+          </a:p>
+          <a:p>
             <a:endParaRPr lang="ru-RU" dirty="0"/>
           </a:p>
-        </p:txBody>
-      </p:sp>
-      <p:sp>
-        <p:nvSpPr>
-          <p:cNvPr id="3" name="Объект 2">
-            <a:extLst>
-              <a:ext uri="{FF2B5EF4-FFF2-40B4-BE49-F238E27FC236}">
-                <a16:creationId xmlns:a16="http://schemas.microsoft.com/office/drawing/2014/main" id="{3AAC134F-DABE-3E36-2097-52599537BD72}"/>
-              </a:ext>
-            </a:extLst>
-          </p:cNvPr>
-          <p:cNvSpPr>
-            <a:spLocks noGrp="1"/>
-          </p:cNvSpPr>
-          <p:nvPr>
-            <p:ph idx="1"/>
-          </p:nvPr>
-        </p:nvSpPr>
-        <p:spPr/>
-        <p:txBody>
-          <a:bodyPr/>
-          <a:lstStyle/>
-          <a:p>
-            <a:endParaRPr lang="ru-RU"/>
+          <a:p>
+            <a:endParaRPr lang="ru-RU" dirty="0"/>
+          </a:p>
+          <a:p>
+            <a:r>
+              <a:rPr lang="ru-RU" dirty="0"/>
+              <a:t>Фото 2.3</a:t>
+            </a:r>
+          </a:p>
+          <a:p>
+            <a:endParaRPr lang="ru-RU" dirty="0"/>
           </a:p>
         </p:txBody>
       </p:sp>
     </p:spTree>
     <p:extLst>
       <p:ext uri="{BB962C8B-B14F-4D97-AF65-F5344CB8AC3E}">
-        <p14:creationId xmlns:p14="http://schemas.microsoft.com/office/powerpoint/2010/main" val="2657860438"/>
+        <p14:creationId xmlns:p14="http://schemas.microsoft.com/office/powerpoint/2010/main" val="504794175"/>
       </p:ext>
     </p:extLst>
   </p:cSld>
@@ -4213,7 +7378,7 @@
           <p:cNvPr id="2" name="Заголовок 1">
             <a:extLst>
               <a:ext uri="{FF2B5EF4-FFF2-40B4-BE49-F238E27FC236}">
-                <a16:creationId xmlns:a16="http://schemas.microsoft.com/office/drawing/2014/main" id="{2290F1FD-0623-4609-50EA-0AA76D26E2BB}"/>
+                <a16:creationId xmlns:a16="http://schemas.microsoft.com/office/drawing/2014/main" id="{4222252A-8E13-CB8E-49D5-001319F4F9C8}"/>
               </a:ext>
             </a:extLst>
           </p:cNvPr>
@@ -4231,51 +7396,226 @@
           <a:p>
             <a:r>
               <a:rPr lang="ru-RU" dirty="0"/>
-              <a:t>2.5. </a:t>
-            </a:r>
-            <a:r>
-              <a:rPr lang="ru-RU" b="0" i="0">
+              <a:t>2.4 Лишний</a:t>
+            </a:r>
+          </a:p>
+        </p:txBody>
+      </p:sp>
+      <p:sp>
+        <p:nvSpPr>
+          <p:cNvPr id="3" name="Объект 2">
+            <a:extLst>
+              <a:ext uri="{FF2B5EF4-FFF2-40B4-BE49-F238E27FC236}">
+                <a16:creationId xmlns:a16="http://schemas.microsoft.com/office/drawing/2014/main" id="{FC54CC8E-650B-DDF9-DB2D-B89623281BE3}"/>
+              </a:ext>
+            </a:extLst>
+          </p:cNvPr>
+          <p:cNvSpPr>
+            <a:spLocks noGrp="1"/>
+          </p:cNvSpPr>
+          <p:nvPr>
+            <p:ph sz="half" idx="1"/>
+          </p:nvPr>
+        </p:nvSpPr>
+        <p:spPr/>
+        <p:txBody>
+          <a:bodyPr/>
+          <a:lstStyle/>
+          <a:p>
+            <a:r>
+              <a:rPr lang="ru-RU" dirty="0"/>
+              <a:t>Найдите лишнюю цифру</a:t>
+            </a:r>
+          </a:p>
+        </p:txBody>
+      </p:sp>
+      <p:sp>
+        <p:nvSpPr>
+          <p:cNvPr id="4" name="Объект 3">
+            <a:extLst>
+              <a:ext uri="{FF2B5EF4-FFF2-40B4-BE49-F238E27FC236}">
+                <a16:creationId xmlns:a16="http://schemas.microsoft.com/office/drawing/2014/main" id="{4A2C408C-486C-1976-AA0C-7B313AA212D4}"/>
+              </a:ext>
+            </a:extLst>
+          </p:cNvPr>
+          <p:cNvSpPr>
+            <a:spLocks noGrp="1"/>
+          </p:cNvSpPr>
+          <p:nvPr>
+            <p:ph sz="half" idx="2"/>
+          </p:nvPr>
+        </p:nvSpPr>
+        <p:spPr/>
+        <p:txBody>
+          <a:bodyPr/>
+          <a:lstStyle/>
+          <a:p>
+            <a:r>
+              <a:rPr lang="ru-RU" dirty="0">
                 <a:solidFill>
-                  <a:srgbClr val="000000"/>
+                  <a:srgbClr val="002060"/>
                 </a:solidFill>
-                <a:effectLst/>
-                <a:latin typeface="Roboto" panose="02000000000000000000" pitchFamily="2" charset="0"/>
               </a:rPr>
-              <a:t>Найди недостающее число</a:t>
-            </a:r>
-            <a:endParaRPr lang="ru-RU"/>
-          </a:p>
-        </p:txBody>
-      </p:sp>
-      <p:sp>
-        <p:nvSpPr>
-          <p:cNvPr id="3" name="Объект 2">
-            <a:extLst>
-              <a:ext uri="{FF2B5EF4-FFF2-40B4-BE49-F238E27FC236}">
-                <a16:creationId xmlns:a16="http://schemas.microsoft.com/office/drawing/2014/main" id="{A40A16A4-906A-F54F-0420-D154E8853372}"/>
-              </a:ext>
-            </a:extLst>
-          </p:cNvPr>
-          <p:cNvSpPr>
-            <a:spLocks noGrp="1"/>
-          </p:cNvSpPr>
-          <p:nvPr>
-            <p:ph idx="1"/>
-          </p:nvPr>
-        </p:nvSpPr>
-        <p:spPr/>
-        <p:txBody>
-          <a:bodyPr/>
-          <a:lstStyle/>
-          <a:p>
-            <a:endParaRPr lang="ru-RU"/>
+              <a:t>Введите цифру:</a:t>
+            </a:r>
+          </a:p>
+          <a:p>
+            <a:r>
+              <a:rPr lang="ru-RU" dirty="0"/>
+              <a:t>Верный ответ: 6</a:t>
+            </a:r>
+          </a:p>
+          <a:p>
+            <a:endParaRPr lang="ru-RU" dirty="0"/>
+          </a:p>
+          <a:p>
+            <a:endParaRPr lang="ru-RU" dirty="0"/>
+          </a:p>
+          <a:p>
+            <a:r>
+              <a:rPr lang="ru-RU" dirty="0"/>
+              <a:t>Фото 2.4</a:t>
+            </a:r>
+          </a:p>
+          <a:p>
+            <a:endParaRPr lang="ru-RU" dirty="0"/>
           </a:p>
         </p:txBody>
       </p:sp>
     </p:spTree>
     <p:extLst>
       <p:ext uri="{BB962C8B-B14F-4D97-AF65-F5344CB8AC3E}">
-        <p14:creationId xmlns:p14="http://schemas.microsoft.com/office/powerpoint/2010/main" val="91536315"/>
+        <p14:creationId xmlns:p14="http://schemas.microsoft.com/office/powerpoint/2010/main" val="706266210"/>
+      </p:ext>
+    </p:extLst>
+  </p:cSld>
+  <p:clrMapOvr>
+    <a:masterClrMapping/>
+  </p:clrMapOvr>
+</p:sld>
+</file>
+
+<file path=ppt/slides/slide9.xml><?xml version="1.0" encoding="utf-8"?>
+<p:sld xmlns:a="http://schemas.openxmlformats.org/drawingml/2006/main" xmlns:r="http://schemas.openxmlformats.org/officeDocument/2006/relationships" xmlns:p="http://schemas.openxmlformats.org/presentationml/2006/main">
+  <p:cSld>
+    <p:spTree>
+      <p:nvGrpSpPr>
+        <p:cNvPr id="1" name=""/>
+        <p:cNvGrpSpPr/>
+        <p:nvPr/>
+      </p:nvGrpSpPr>
+      <p:grpSpPr>
+        <a:xfrm>
+          <a:off x="0" y="0"/>
+          <a:ext cx="0" cy="0"/>
+          <a:chOff x="0" y="0"/>
+          <a:chExt cx="0" cy="0"/>
+        </a:xfrm>
+      </p:grpSpPr>
+      <p:sp>
+        <p:nvSpPr>
+          <p:cNvPr id="2" name="Заголовок 1">
+            <a:extLst>
+              <a:ext uri="{FF2B5EF4-FFF2-40B4-BE49-F238E27FC236}">
+                <a16:creationId xmlns:a16="http://schemas.microsoft.com/office/drawing/2014/main" id="{70AB0A78-E228-E71F-2F41-28743072942C}"/>
+              </a:ext>
+            </a:extLst>
+          </p:cNvPr>
+          <p:cNvSpPr>
+            <a:spLocks noGrp="1"/>
+          </p:cNvSpPr>
+          <p:nvPr>
+            <p:ph type="title"/>
+          </p:nvPr>
+        </p:nvSpPr>
+        <p:spPr/>
+        <p:txBody>
+          <a:bodyPr/>
+          <a:lstStyle/>
+          <a:p>
+            <a:r>
+              <a:rPr lang="ru-RU" dirty="0"/>
+              <a:t>2.5. Загадка</a:t>
+            </a:r>
+          </a:p>
+        </p:txBody>
+      </p:sp>
+      <p:sp>
+        <p:nvSpPr>
+          <p:cNvPr id="3" name="Объект 2">
+            <a:extLst>
+              <a:ext uri="{FF2B5EF4-FFF2-40B4-BE49-F238E27FC236}">
+                <a16:creationId xmlns:a16="http://schemas.microsoft.com/office/drawing/2014/main" id="{776902D7-DB2C-FAC0-72B7-6B0EFC46E1C9}"/>
+              </a:ext>
+            </a:extLst>
+          </p:cNvPr>
+          <p:cNvSpPr>
+            <a:spLocks noGrp="1"/>
+          </p:cNvSpPr>
+          <p:nvPr>
+            <p:ph sz="half" idx="1"/>
+          </p:nvPr>
+        </p:nvSpPr>
+        <p:spPr/>
+        <p:txBody>
+          <a:bodyPr/>
+          <a:lstStyle/>
+          <a:p>
+            <a:r>
+              <a:rPr lang="ru-RU" dirty="0"/>
+              <a:t>Он не значит ничего,</a:t>
+            </a:r>
+          </a:p>
+          <a:p>
+            <a:r>
+              <a:rPr lang="ru-RU" dirty="0"/>
+              <a:t>Но нельзя и без него</a:t>
+            </a:r>
+          </a:p>
+        </p:txBody>
+      </p:sp>
+      <p:sp>
+        <p:nvSpPr>
+          <p:cNvPr id="4" name="Объект 3">
+            <a:extLst>
+              <a:ext uri="{FF2B5EF4-FFF2-40B4-BE49-F238E27FC236}">
+                <a16:creationId xmlns:a16="http://schemas.microsoft.com/office/drawing/2014/main" id="{EBC405DB-F3B7-FD2A-FD3F-4B3E89F6D5D4}"/>
+              </a:ext>
+            </a:extLst>
+          </p:cNvPr>
+          <p:cNvSpPr>
+            <a:spLocks noGrp="1"/>
+          </p:cNvSpPr>
+          <p:nvPr>
+            <p:ph sz="half" idx="2"/>
+          </p:nvPr>
+        </p:nvSpPr>
+        <p:spPr/>
+        <p:txBody>
+          <a:bodyPr/>
+          <a:lstStyle/>
+          <a:p>
+            <a:r>
+              <a:rPr lang="ru-RU" dirty="0">
+                <a:solidFill>
+                  <a:srgbClr val="002060"/>
+                </a:solidFill>
+              </a:rPr>
+              <a:t>Введите цифру:</a:t>
+            </a:r>
+          </a:p>
+          <a:p>
+            <a:r>
+              <a:rPr lang="ru-RU" dirty="0"/>
+              <a:t>Верный ответ: 0</a:t>
+            </a:r>
+          </a:p>
+        </p:txBody>
+      </p:sp>
+    </p:spTree>
+    <p:extLst>
+      <p:ext uri="{BB962C8B-B14F-4D97-AF65-F5344CB8AC3E}">
+        <p14:creationId xmlns:p14="http://schemas.microsoft.com/office/powerpoint/2010/main" val="2806410618"/>
       </p:ext>
     </p:extLst>
   </p:cSld>

--- a/КВЕСТ/Kvest 2706.pptx
+++ b/КВЕСТ/Kvest 2706.pptx
@@ -5,34 +5,31 @@
     <p:sldMasterId id="2147483660" r:id="rId1"/>
   </p:sldMasterIdLst>
   <p:sldIdLst>
-    <p:sldId id="293" r:id="rId2"/>
-    <p:sldId id="259" r:id="rId3"/>
-    <p:sldId id="260" r:id="rId4"/>
-    <p:sldId id="277" r:id="rId5"/>
-    <p:sldId id="276" r:id="rId6"/>
-    <p:sldId id="265" r:id="rId7"/>
-    <p:sldId id="278" r:id="rId8"/>
-    <p:sldId id="279" r:id="rId9"/>
-    <p:sldId id="272" r:id="rId10"/>
-    <p:sldId id="270" r:id="rId11"/>
-    <p:sldId id="269" r:id="rId12"/>
-    <p:sldId id="274" r:id="rId13"/>
-    <p:sldId id="273" r:id="rId14"/>
-    <p:sldId id="268" r:id="rId15"/>
-    <p:sldId id="271" r:id="rId16"/>
-    <p:sldId id="281" r:id="rId17"/>
-    <p:sldId id="280" r:id="rId18"/>
-    <p:sldId id="282" r:id="rId19"/>
+    <p:sldId id="285" r:id="rId2"/>
+    <p:sldId id="260" r:id="rId3"/>
+    <p:sldId id="277" r:id="rId4"/>
+    <p:sldId id="279" r:id="rId5"/>
+    <p:sldId id="265" r:id="rId6"/>
+    <p:sldId id="282" r:id="rId7"/>
+    <p:sldId id="276" r:id="rId8"/>
+    <p:sldId id="272" r:id="rId9"/>
+    <p:sldId id="270" r:id="rId10"/>
+    <p:sldId id="269" r:id="rId11"/>
+    <p:sldId id="274" r:id="rId12"/>
+    <p:sldId id="273" r:id="rId13"/>
+    <p:sldId id="268" r:id="rId14"/>
+    <p:sldId id="271" r:id="rId15"/>
+    <p:sldId id="281" r:id="rId16"/>
+    <p:sldId id="290" r:id="rId17"/>
+    <p:sldId id="286" r:id="rId18"/>
+    <p:sldId id="287" r:id="rId19"/>
     <p:sldId id="283" r:id="rId20"/>
-    <p:sldId id="284" r:id="rId21"/>
-    <p:sldId id="285" r:id="rId22"/>
-    <p:sldId id="286" r:id="rId23"/>
-    <p:sldId id="287" r:id="rId24"/>
-    <p:sldId id="288" r:id="rId25"/>
-    <p:sldId id="289" r:id="rId26"/>
-    <p:sldId id="291" r:id="rId27"/>
-    <p:sldId id="290" r:id="rId28"/>
-    <p:sldId id="292" r:id="rId29"/>
+    <p:sldId id="288" r:id="rId21"/>
+    <p:sldId id="289" r:id="rId22"/>
+    <p:sldId id="291" r:id="rId23"/>
+    <p:sldId id="294" r:id="rId24"/>
+    <p:sldId id="293" r:id="rId25"/>
+    <p:sldId id="259" r:id="rId26"/>
   </p:sldIdLst>
   <p:sldSz cx="5400675" cy="3600450"/>
   <p:notesSz cx="6858000" cy="9144000"/>
@@ -270,7 +267,7 @@
           <a:p>
             <a:fld id="{88E68176-E485-4A6B-94AE-7211FD3F8CD0}" type="datetimeFigureOut">
               <a:rPr lang="ru-RU" smtClean="0"/>
-              <a:t>28.03.2024</a:t>
+              <a:t>26.05.2024</a:t>
             </a:fld>
             <a:endParaRPr lang="ru-RU"/>
           </a:p>
@@ -440,7 +437,7 @@
           <a:p>
             <a:fld id="{88E68176-E485-4A6B-94AE-7211FD3F8CD0}" type="datetimeFigureOut">
               <a:rPr lang="ru-RU" smtClean="0"/>
-              <a:t>28.03.2024</a:t>
+              <a:t>26.05.2024</a:t>
             </a:fld>
             <a:endParaRPr lang="ru-RU"/>
           </a:p>
@@ -620,7 +617,7 @@
           <a:p>
             <a:fld id="{88E68176-E485-4A6B-94AE-7211FD3F8CD0}" type="datetimeFigureOut">
               <a:rPr lang="ru-RU" smtClean="0"/>
-              <a:t>28.03.2024</a:t>
+              <a:t>26.05.2024</a:t>
             </a:fld>
             <a:endParaRPr lang="ru-RU"/>
           </a:p>
@@ -790,7 +787,7 @@
           <a:p>
             <a:fld id="{88E68176-E485-4A6B-94AE-7211FD3F8CD0}" type="datetimeFigureOut">
               <a:rPr lang="ru-RU" smtClean="0"/>
-              <a:t>28.03.2024</a:t>
+              <a:t>26.05.2024</a:t>
             </a:fld>
             <a:endParaRPr lang="ru-RU"/>
           </a:p>
@@ -1034,7 +1031,7 @@
           <a:p>
             <a:fld id="{88E68176-E485-4A6B-94AE-7211FD3F8CD0}" type="datetimeFigureOut">
               <a:rPr lang="ru-RU" smtClean="0"/>
-              <a:t>28.03.2024</a:t>
+              <a:t>26.05.2024</a:t>
             </a:fld>
             <a:endParaRPr lang="ru-RU"/>
           </a:p>
@@ -1266,7 +1263,7 @@
           <a:p>
             <a:fld id="{88E68176-E485-4A6B-94AE-7211FD3F8CD0}" type="datetimeFigureOut">
               <a:rPr lang="ru-RU" smtClean="0"/>
-              <a:t>28.03.2024</a:t>
+              <a:t>26.05.2024</a:t>
             </a:fld>
             <a:endParaRPr lang="ru-RU"/>
           </a:p>
@@ -1633,7 +1630,7 @@
           <a:p>
             <a:fld id="{88E68176-E485-4A6B-94AE-7211FD3F8CD0}" type="datetimeFigureOut">
               <a:rPr lang="ru-RU" smtClean="0"/>
-              <a:t>28.03.2024</a:t>
+              <a:t>26.05.2024</a:t>
             </a:fld>
             <a:endParaRPr lang="ru-RU"/>
           </a:p>
@@ -1751,7 +1748,7 @@
           <a:p>
             <a:fld id="{88E68176-E485-4A6B-94AE-7211FD3F8CD0}" type="datetimeFigureOut">
               <a:rPr lang="ru-RU" smtClean="0"/>
-              <a:t>28.03.2024</a:t>
+              <a:t>26.05.2024</a:t>
             </a:fld>
             <a:endParaRPr lang="ru-RU"/>
           </a:p>
@@ -1846,7 +1843,7 @@
           <a:p>
             <a:fld id="{88E68176-E485-4A6B-94AE-7211FD3F8CD0}" type="datetimeFigureOut">
               <a:rPr lang="ru-RU" smtClean="0"/>
-              <a:t>28.03.2024</a:t>
+              <a:t>26.05.2024</a:t>
             </a:fld>
             <a:endParaRPr lang="ru-RU"/>
           </a:p>
@@ -2123,7 +2120,7 @@
           <a:p>
             <a:fld id="{88E68176-E485-4A6B-94AE-7211FD3F8CD0}" type="datetimeFigureOut">
               <a:rPr lang="ru-RU" smtClean="0"/>
-              <a:t>28.03.2024</a:t>
+              <a:t>26.05.2024</a:t>
             </a:fld>
             <a:endParaRPr lang="ru-RU"/>
           </a:p>
@@ -2380,7 +2377,7 @@
           <a:p>
             <a:fld id="{88E68176-E485-4A6B-94AE-7211FD3F8CD0}" type="datetimeFigureOut">
               <a:rPr lang="ru-RU" smtClean="0"/>
-              <a:t>28.03.2024</a:t>
+              <a:t>26.05.2024</a:t>
             </a:fld>
             <a:endParaRPr lang="ru-RU"/>
           </a:p>
@@ -2593,7 +2590,7 @@
           <a:p>
             <a:fld id="{88E68176-E485-4A6B-94AE-7211FD3F8CD0}" type="datetimeFigureOut">
               <a:rPr lang="ru-RU" smtClean="0"/>
-              <a:t>28.03.2024</a:t>
+              <a:t>26.05.2024</a:t>
             </a:fld>
             <a:endParaRPr lang="ru-RU"/>
           </a:p>
@@ -3003,7 +3000,7 @@
           <p:cNvPr id="2" name="Заголовок 1">
             <a:extLst>
               <a:ext uri="{FF2B5EF4-FFF2-40B4-BE49-F238E27FC236}">
-                <a16:creationId xmlns:a16="http://schemas.microsoft.com/office/drawing/2014/main" id="{44D06955-5274-6786-49A2-DE607A1FF5B0}"/>
+                <a16:creationId xmlns:a16="http://schemas.microsoft.com/office/drawing/2014/main" id="{EA6A3C4A-7D94-A35B-67C5-C13CC3E15501}"/>
               </a:ext>
             </a:extLst>
           </p:cNvPr>
@@ -3021,7 +3018,7 @@
           <a:p>
             <a:r>
               <a:rPr lang="ru-RU" dirty="0"/>
-              <a:t>Задание №1</a:t>
+              <a:t>Пара №1 Основы философии</a:t>
             </a:r>
           </a:p>
         </p:txBody>
@@ -3031,7 +3028,7 @@
           <p:cNvPr id="3" name="Объект 2">
             <a:extLst>
               <a:ext uri="{FF2B5EF4-FFF2-40B4-BE49-F238E27FC236}">
-                <a16:creationId xmlns:a16="http://schemas.microsoft.com/office/drawing/2014/main" id="{79408731-8657-A67C-2368-515383965F10}"/>
+                <a16:creationId xmlns:a16="http://schemas.microsoft.com/office/drawing/2014/main" id="{CEFA3CA5-EDAD-911F-05E8-5EECB04EFCF7}"/>
               </a:ext>
             </a:extLst>
           </p:cNvPr>
@@ -3048,60 +3045,89 @@
           <a:lstStyle/>
           <a:p>
             <a:r>
-              <a:rPr lang="ru-RU" sz="1600" dirty="0"/>
-              <a:t>Соберите </a:t>
-            </a:r>
-            <a:r>
-              <a:rPr lang="ru-RU" sz="1600" dirty="0" err="1"/>
-              <a:t>пазл</a:t>
-            </a:r>
-            <a:endParaRPr lang="ru-RU" sz="1600" dirty="0"/>
-          </a:p>
-          <a:p>
-            <a:r>
-              <a:rPr lang="ru-RU" sz="1600" dirty="0"/>
-              <a:t>Угадайте артиста</a:t>
-            </a:r>
-          </a:p>
-          <a:p>
+              <a:rPr lang="ru-RU" dirty="0"/>
+              <a:t>1. Что такое любовь?</a:t>
+            </a:r>
+          </a:p>
+          <a:p>
+            <a:r>
+              <a:rPr lang="ru-RU" dirty="0"/>
+              <a:t>2. Есть ли что-нибудь вечное?</a:t>
+            </a:r>
+          </a:p>
+          <a:p>
+            <a:r>
+              <a:rPr lang="ru-RU" dirty="0"/>
+              <a:t>3. Можно ли знать всё на свете?</a:t>
+            </a:r>
+          </a:p>
+          <a:p>
+            <a:r>
+              <a:rPr lang="ru-RU" dirty="0"/>
+              <a:t>4. Как всё сделать вовремя?</a:t>
+            </a:r>
+          </a:p>
+        </p:txBody>
+      </p:sp>
+      <p:sp>
+        <p:nvSpPr>
+          <p:cNvPr id="4" name="Объект 3">
+            <a:extLst>
+              <a:ext uri="{FF2B5EF4-FFF2-40B4-BE49-F238E27FC236}">
+                <a16:creationId xmlns:a16="http://schemas.microsoft.com/office/drawing/2014/main" id="{25E287CE-C150-0037-A82D-BB4F7E01EFC9}"/>
+              </a:ext>
+            </a:extLst>
+          </p:cNvPr>
+          <p:cNvSpPr>
+            <a:spLocks noGrp="1"/>
+          </p:cNvSpPr>
+          <p:nvPr>
+            <p:ph sz="half" idx="2"/>
+          </p:nvPr>
+        </p:nvSpPr>
+        <p:spPr/>
+        <p:txBody>
+          <a:bodyPr/>
+          <a:lstStyle/>
+          <a:p>
+            <a:r>
+              <a:rPr lang="ru-RU" dirty="0"/>
+              <a:t>Кто из философов ответил на вопросы Подсказку найди…</a:t>
+            </a:r>
+          </a:p>
+          <a:p>
+            <a:r>
+              <a:rPr lang="ru-RU" dirty="0"/>
+              <a:t>Верный ответ:</a:t>
+            </a:r>
+          </a:p>
+          <a:p>
+            <a:r>
+              <a:rPr lang="ru-RU" dirty="0"/>
+              <a:t>1. Сократ</a:t>
+            </a:r>
+          </a:p>
+          <a:p>
+            <a:r>
+              <a:rPr lang="ru-RU" dirty="0"/>
+              <a:t>2. Гераклит</a:t>
+            </a:r>
+          </a:p>
+          <a:p>
+            <a:r>
+              <a:rPr lang="ru-RU" dirty="0"/>
+              <a:t>3. </a:t>
+            </a:r>
+            <a:r>
+              <a:rPr lang="ru-RU" dirty="0" err="1"/>
+              <a:t>Лао-цзы</a:t>
+            </a:r>
             <a:endParaRPr lang="ru-RU" dirty="0"/>
           </a:p>
-        </p:txBody>
-      </p:sp>
-      <p:sp>
-        <p:nvSpPr>
-          <p:cNvPr id="4" name="Объект 3">
-            <a:extLst>
-              <a:ext uri="{FF2B5EF4-FFF2-40B4-BE49-F238E27FC236}">
-                <a16:creationId xmlns:a16="http://schemas.microsoft.com/office/drawing/2014/main" id="{2DC7F717-A7FF-E8EB-48BA-77329A72BE2F}"/>
-              </a:ext>
-            </a:extLst>
-          </p:cNvPr>
-          <p:cNvSpPr>
-            <a:spLocks noGrp="1"/>
-          </p:cNvSpPr>
-          <p:nvPr>
-            <p:ph sz="half" idx="2"/>
-          </p:nvPr>
-        </p:nvSpPr>
-        <p:spPr/>
-        <p:txBody>
-          <a:bodyPr/>
-          <a:lstStyle/>
-          <a:p>
-            <a:r>
-              <a:rPr lang="ru-RU" dirty="0">
-                <a:solidFill>
-                  <a:srgbClr val="002060"/>
-                </a:solidFill>
-              </a:rPr>
-              <a:t>Введите 4-ю букву:</a:t>
-            </a:r>
-          </a:p>
-          <a:p>
-            <a:r>
-              <a:rPr lang="ru-RU" dirty="0"/>
-              <a:t>Верный ответ: Т</a:t>
+          <a:p>
+            <a:r>
+              <a:rPr lang="ru-RU" dirty="0"/>
+              <a:t>4. Эйнштейн</a:t>
             </a:r>
           </a:p>
         </p:txBody>
@@ -3109,7 +3135,7 @@
     </p:spTree>
     <p:extLst>
       <p:ext uri="{BB962C8B-B14F-4D97-AF65-F5344CB8AC3E}">
-        <p14:creationId xmlns:p14="http://schemas.microsoft.com/office/powerpoint/2010/main" val="4086657486"/>
+        <p14:creationId xmlns:p14="http://schemas.microsoft.com/office/powerpoint/2010/main" val="1565736178"/>
       </p:ext>
     </p:extLst>
   </p:cSld>
@@ -3141,7 +3167,7 @@
           <p:cNvPr id="2" name="Заголовок 1">
             <a:extLst>
               <a:ext uri="{FF2B5EF4-FFF2-40B4-BE49-F238E27FC236}">
-                <a16:creationId xmlns:a16="http://schemas.microsoft.com/office/drawing/2014/main" id="{742C4D59-4F87-BD7F-CC5D-82AAAB87EA59}"/>
+                <a16:creationId xmlns:a16="http://schemas.microsoft.com/office/drawing/2014/main" id="{D775FF07-F1A7-7804-270D-92C9C229EC40}"/>
               </a:ext>
             </a:extLst>
           </p:cNvPr>
@@ -3154,12 +3180,14 @@
         </p:nvSpPr>
         <p:spPr/>
         <p:txBody>
-          <a:bodyPr/>
-          <a:lstStyle/>
-          <a:p>
-            <a:r>
-              <a:rPr lang="ru-RU" dirty="0"/>
-              <a:t>2.6. Сколько звуков в слове</a:t>
+          <a:bodyPr>
+            <a:normAutofit/>
+          </a:bodyPr>
+          <a:lstStyle/>
+          <a:p>
+            <a:r>
+              <a:rPr lang="ru-RU" dirty="0"/>
+              <a:t>2.7. Балет</a:t>
             </a:r>
           </a:p>
         </p:txBody>
@@ -3169,7 +3197,7 @@
           <p:cNvPr id="3" name="Объект 2">
             <a:extLst>
               <a:ext uri="{FF2B5EF4-FFF2-40B4-BE49-F238E27FC236}">
-                <a16:creationId xmlns:a16="http://schemas.microsoft.com/office/drawing/2014/main" id="{E5866384-C420-4BD2-F6F6-8CBCEE0E7326}"/>
+                <a16:creationId xmlns:a16="http://schemas.microsoft.com/office/drawing/2014/main" id="{9F5164B1-53AA-71C7-F09A-4667C10FE0B8}"/>
               </a:ext>
             </a:extLst>
           </p:cNvPr>
@@ -3182,22 +3210,55 @@
         </p:nvSpPr>
         <p:spPr>
           <a:xfrm>
-            <a:off x="65315" y="958453"/>
-            <a:ext cx="2601270" cy="2284452"/>
+            <a:off x="371297" y="958453"/>
+            <a:ext cx="2542725" cy="2284452"/>
           </a:xfrm>
         </p:spPr>
         <p:txBody>
-          <a:bodyPr anchor="ctr">
-            <a:normAutofit/>
+          <a:bodyPr>
+            <a:normAutofit lnSpcReduction="10000"/>
           </a:bodyPr>
           <a:lstStyle/>
           <a:p>
-            <a:pPr marL="720092" lvl="3" indent="0">
-              <a:buNone/>
-            </a:pPr>
-            <a:r>
-              <a:rPr lang="ru-RU" sz="5000" dirty="0"/>
-              <a:t>СИЯЮ</a:t>
+            <a:r>
+              <a:rPr lang="ru-RU" dirty="0"/>
+              <a:t>Из перечисленных произведений выберите балеты П.И. Чайковского :</a:t>
+            </a:r>
+          </a:p>
+          <a:p>
+            <a:r>
+              <a:rPr lang="ru-RU" dirty="0"/>
+              <a:t>Лебединое озеро</a:t>
+            </a:r>
+          </a:p>
+          <a:p>
+            <a:r>
+              <a:rPr lang="ru-RU" dirty="0"/>
+              <a:t>Баядерка</a:t>
+            </a:r>
+          </a:p>
+          <a:p>
+            <a:r>
+              <a:rPr lang="ru-RU" dirty="0"/>
+              <a:t>Спящая красавица</a:t>
+            </a:r>
+          </a:p>
+          <a:p>
+            <a:r>
+              <a:rPr lang="ru-RU" dirty="0"/>
+              <a:t>Жизель</a:t>
+            </a:r>
+          </a:p>
+          <a:p>
+            <a:r>
+              <a:rPr lang="ru-RU" dirty="0"/>
+              <a:t>Дон Кихот</a:t>
+            </a:r>
+          </a:p>
+          <a:p>
+            <a:r>
+              <a:rPr lang="ru-RU" dirty="0"/>
+              <a:t>Щелкунчик</a:t>
             </a:r>
           </a:p>
         </p:txBody>
@@ -3207,7 +3268,7 @@
           <p:cNvPr id="4" name="Объект 3">
             <a:extLst>
               <a:ext uri="{FF2B5EF4-FFF2-40B4-BE49-F238E27FC236}">
-                <a16:creationId xmlns:a16="http://schemas.microsoft.com/office/drawing/2014/main" id="{F90AFAA8-D1F0-C2AB-B119-7786975C4D77}"/>
+                <a16:creationId xmlns:a16="http://schemas.microsoft.com/office/drawing/2014/main" id="{4FE7E4F3-EF1B-4475-E569-F68B145002E1}"/>
               </a:ext>
             </a:extLst>
           </p:cNvPr>
@@ -3220,22 +3281,20 @@
         </p:nvSpPr>
         <p:spPr/>
         <p:txBody>
-          <a:bodyPr/>
-          <a:lstStyle/>
-          <a:p>
-            <a:r>
-              <a:rPr lang="ru-RU" dirty="0">
-                <a:solidFill>
-                  <a:srgbClr val="002060"/>
-                </a:solidFill>
-              </a:rPr>
-              <a:t>Введите кол-во:</a:t>
-            </a:r>
-          </a:p>
-          <a:p>
-            <a:r>
-              <a:rPr lang="ru-RU" dirty="0"/>
-              <a:t>Верный ответ: 6</a:t>
+          <a:bodyPr>
+            <a:normAutofit lnSpcReduction="10000"/>
+          </a:bodyPr>
+          <a:lstStyle/>
+          <a:p>
+            <a:r>
+              <a:rPr lang="ru-RU" dirty="0"/>
+              <a:t>Введите кол-во</a:t>
+            </a:r>
+          </a:p>
+          <a:p>
+            <a:r>
+              <a:rPr lang="ru-RU" dirty="0"/>
+              <a:t>Верный ответ: 3</a:t>
             </a:r>
           </a:p>
         </p:txBody>
@@ -3243,7 +3302,7 @@
     </p:spTree>
     <p:extLst>
       <p:ext uri="{BB962C8B-B14F-4D97-AF65-F5344CB8AC3E}">
-        <p14:creationId xmlns:p14="http://schemas.microsoft.com/office/powerpoint/2010/main" val="3320051594"/>
+        <p14:creationId xmlns:p14="http://schemas.microsoft.com/office/powerpoint/2010/main" val="3804728160"/>
       </p:ext>
     </p:extLst>
   </p:cSld>
@@ -3275,7 +3334,7 @@
           <p:cNvPr id="2" name="Заголовок 1">
             <a:extLst>
               <a:ext uri="{FF2B5EF4-FFF2-40B4-BE49-F238E27FC236}">
-                <a16:creationId xmlns:a16="http://schemas.microsoft.com/office/drawing/2014/main" id="{D775FF07-F1A7-7804-270D-92C9C229EC40}"/>
+                <a16:creationId xmlns:a16="http://schemas.microsoft.com/office/drawing/2014/main" id="{4157B1EF-3FC6-D7AD-A149-0444E8487B48}"/>
               </a:ext>
             </a:extLst>
           </p:cNvPr>
@@ -3288,14 +3347,12 @@
         </p:nvSpPr>
         <p:spPr/>
         <p:txBody>
-          <a:bodyPr>
-            <a:normAutofit/>
-          </a:bodyPr>
-          <a:lstStyle/>
-          <a:p>
-            <a:r>
-              <a:rPr lang="ru-RU" dirty="0"/>
-              <a:t>2.7. Балет</a:t>
+          <a:bodyPr/>
+          <a:lstStyle/>
+          <a:p>
+            <a:r>
+              <a:rPr lang="ru-RU" dirty="0"/>
+              <a:t>2.8. Сколько</a:t>
             </a:r>
           </a:p>
         </p:txBody>
@@ -3305,7 +3362,7 @@
           <p:cNvPr id="3" name="Объект 2">
             <a:extLst>
               <a:ext uri="{FF2B5EF4-FFF2-40B4-BE49-F238E27FC236}">
-                <a16:creationId xmlns:a16="http://schemas.microsoft.com/office/drawing/2014/main" id="{9F5164B1-53AA-71C7-F09A-4667C10FE0B8}"/>
+                <a16:creationId xmlns:a16="http://schemas.microsoft.com/office/drawing/2014/main" id="{D8A2390B-E756-B0AE-82F3-AF453C7D84EA}"/>
               </a:ext>
             </a:extLst>
           </p:cNvPr>
@@ -3316,57 +3373,26 @@
             <p:ph sz="half" idx="1"/>
           </p:nvPr>
         </p:nvSpPr>
-        <p:spPr>
-          <a:xfrm>
-            <a:off x="371297" y="958453"/>
-            <a:ext cx="2542725" cy="2284452"/>
-          </a:xfrm>
-        </p:spPr>
-        <p:txBody>
-          <a:bodyPr>
-            <a:normAutofit lnSpcReduction="10000"/>
-          </a:bodyPr>
-          <a:lstStyle/>
-          <a:p>
-            <a:r>
-              <a:rPr lang="ru-RU" dirty="0"/>
-              <a:t>Из перечисленных произведений П.И. Чайковского выберите балет:</a:t>
-            </a:r>
-          </a:p>
-          <a:p>
-            <a:r>
-              <a:rPr lang="ru-RU" dirty="0"/>
-              <a:t>Лебединое озеро</a:t>
-            </a:r>
-          </a:p>
-          <a:p>
-            <a:r>
-              <a:rPr lang="ru-RU" dirty="0"/>
-              <a:t>Баядерка</a:t>
-            </a:r>
-          </a:p>
-          <a:p>
-            <a:r>
-              <a:rPr lang="ru-RU" dirty="0"/>
-              <a:t>Спящая красавица</a:t>
-            </a:r>
-          </a:p>
-          <a:p>
-            <a:r>
-              <a:rPr lang="ru-RU" dirty="0"/>
-              <a:t>Жизель</a:t>
-            </a:r>
-          </a:p>
-          <a:p>
-            <a:r>
-              <a:rPr lang="ru-RU" dirty="0"/>
-              <a:t>Дон Кихот</a:t>
-            </a:r>
-          </a:p>
-          <a:p>
-            <a:r>
-              <a:rPr lang="ru-RU" dirty="0"/>
-              <a:t>Щелкунчик</a:t>
+        <p:spPr/>
+        <p:txBody>
+          <a:bodyPr/>
+          <a:lstStyle/>
+          <a:p>
+            <a:r>
+              <a:rPr lang="ru-RU" dirty="0"/>
+              <a:t>Сколько у Москвы холмов?</a:t>
+            </a:r>
+          </a:p>
+          <a:p>
+            <a:r>
+              <a:rPr lang="ru-RU" dirty="0"/>
+              <a:t>Сколько чудес света?</a:t>
+            </a:r>
+          </a:p>
+          <a:p>
+            <a:r>
+              <a:rPr lang="ru-RU" dirty="0"/>
+              <a:t>Сколько цветов радуги?</a:t>
             </a:r>
           </a:p>
         </p:txBody>
@@ -3376,7 +3402,7 @@
           <p:cNvPr id="4" name="Объект 3">
             <a:extLst>
               <a:ext uri="{FF2B5EF4-FFF2-40B4-BE49-F238E27FC236}">
-                <a16:creationId xmlns:a16="http://schemas.microsoft.com/office/drawing/2014/main" id="{4FE7E4F3-EF1B-4475-E569-F68B145002E1}"/>
+                <a16:creationId xmlns:a16="http://schemas.microsoft.com/office/drawing/2014/main" id="{BE3A2E8A-AFC1-1FF2-F1C2-BAC6ACA197A6}"/>
               </a:ext>
             </a:extLst>
           </p:cNvPr>
@@ -3389,20 +3415,18 @@
         </p:nvSpPr>
         <p:spPr/>
         <p:txBody>
-          <a:bodyPr>
-            <a:normAutofit lnSpcReduction="10000"/>
-          </a:bodyPr>
-          <a:lstStyle/>
-          <a:p>
-            <a:r>
-              <a:rPr lang="ru-RU" dirty="0"/>
-              <a:t>Введите кол-во</a:t>
-            </a:r>
-          </a:p>
-          <a:p>
-            <a:r>
-              <a:rPr lang="ru-RU" dirty="0"/>
-              <a:t>Верный ответ: 3</a:t>
+          <a:bodyPr/>
+          <a:lstStyle/>
+          <a:p>
+            <a:r>
+              <a:rPr lang="ru-RU" dirty="0"/>
+              <a:t>Введите цифру:</a:t>
+            </a:r>
+          </a:p>
+          <a:p>
+            <a:r>
+              <a:rPr lang="ru-RU" dirty="0"/>
+              <a:t>Верный ответ: 7</a:t>
             </a:r>
           </a:p>
         </p:txBody>
@@ -3410,7 +3434,7 @@
     </p:spTree>
     <p:extLst>
       <p:ext uri="{BB962C8B-B14F-4D97-AF65-F5344CB8AC3E}">
-        <p14:creationId xmlns:p14="http://schemas.microsoft.com/office/powerpoint/2010/main" val="3804728160"/>
+        <p14:creationId xmlns:p14="http://schemas.microsoft.com/office/powerpoint/2010/main" val="851878456"/>
       </p:ext>
     </p:extLst>
   </p:cSld>
@@ -3442,7 +3466,7 @@
           <p:cNvPr id="2" name="Заголовок 1">
             <a:extLst>
               <a:ext uri="{FF2B5EF4-FFF2-40B4-BE49-F238E27FC236}">
-                <a16:creationId xmlns:a16="http://schemas.microsoft.com/office/drawing/2014/main" id="{4157B1EF-3FC6-D7AD-A149-0444E8487B48}"/>
+                <a16:creationId xmlns:a16="http://schemas.microsoft.com/office/drawing/2014/main" id="{8BB7E218-11B9-0858-A23B-9E4C1A85DA05}"/>
               </a:ext>
             </a:extLst>
           </p:cNvPr>
@@ -3460,57 +3484,52 @@
           <a:p>
             <a:r>
               <a:rPr lang="ru-RU" dirty="0"/>
-              <a:t>2.8. Сколько</a:t>
-            </a:r>
-          </a:p>
-        </p:txBody>
-      </p:sp>
-      <p:sp>
-        <p:nvSpPr>
-          <p:cNvPr id="3" name="Объект 2">
-            <a:extLst>
-              <a:ext uri="{FF2B5EF4-FFF2-40B4-BE49-F238E27FC236}">
-                <a16:creationId xmlns:a16="http://schemas.microsoft.com/office/drawing/2014/main" id="{D8A2390B-E756-B0AE-82F3-AF453C7D84EA}"/>
-              </a:ext>
-            </a:extLst>
-          </p:cNvPr>
-          <p:cNvSpPr>
-            <a:spLocks noGrp="1"/>
-          </p:cNvSpPr>
+              <a:t>2.9. Какая цифра пропущена?</a:t>
+            </a:r>
+          </a:p>
+        </p:txBody>
+      </p:sp>
+      <p:pic>
+        <p:nvPicPr>
+          <p:cNvPr id="6" name="Объект 5">
+            <a:extLst>
+              <a:ext uri="{FF2B5EF4-FFF2-40B4-BE49-F238E27FC236}">
+                <a16:creationId xmlns:a16="http://schemas.microsoft.com/office/drawing/2014/main" id="{2359EFFD-704B-3003-B445-8CF9AB5E7C81}"/>
+              </a:ext>
+            </a:extLst>
+          </p:cNvPr>
+          <p:cNvPicPr>
+            <a:picLocks noGrp="1" noChangeAspect="1"/>
+          </p:cNvPicPr>
           <p:nvPr>
             <p:ph sz="half" idx="1"/>
           </p:nvPr>
-        </p:nvSpPr>
-        <p:spPr/>
-        <p:txBody>
-          <a:bodyPr/>
-          <a:lstStyle/>
-          <a:p>
-            <a:r>
-              <a:rPr lang="ru-RU" dirty="0"/>
-              <a:t>Сколько у Москвы холмов?</a:t>
-            </a:r>
-          </a:p>
-          <a:p>
-            <a:r>
-              <a:rPr lang="ru-RU" dirty="0"/>
-              <a:t>Сколько чудес света?</a:t>
-            </a:r>
-          </a:p>
-          <a:p>
-            <a:r>
-              <a:rPr lang="ru-RU" dirty="0"/>
-              <a:t>Сколько цветов радуги?</a:t>
-            </a:r>
-          </a:p>
-        </p:txBody>
-      </p:sp>
+        </p:nvPicPr>
+        <p:blipFill>
+          <a:blip r:embed="rId2" cstate="print">
+            <a:extLst>
+              <a:ext uri="{28A0092B-C50C-407E-A947-70E740481C1C}">
+                <a14:useLocalDpi xmlns:a14="http://schemas.microsoft.com/office/drawing/2010/main" val="0"/>
+              </a:ext>
+            </a:extLst>
+          </a:blip>
+          <a:stretch>
+            <a:fillRect/>
+          </a:stretch>
+        </p:blipFill>
+        <p:spPr>
+          <a:xfrm>
+            <a:off x="371475" y="1040920"/>
+            <a:ext cx="2295525" cy="2120272"/>
+          </a:xfrm>
+        </p:spPr>
+      </p:pic>
       <p:sp>
         <p:nvSpPr>
           <p:cNvPr id="4" name="Объект 3">
             <a:extLst>
               <a:ext uri="{FF2B5EF4-FFF2-40B4-BE49-F238E27FC236}">
-                <a16:creationId xmlns:a16="http://schemas.microsoft.com/office/drawing/2014/main" id="{BE3A2E8A-AFC1-1FF2-F1C2-BAC6ACA197A6}"/>
+                <a16:creationId xmlns:a16="http://schemas.microsoft.com/office/drawing/2014/main" id="{843E6741-FC8F-01E6-C0C4-2247D05C3CF5}"/>
               </a:ext>
             </a:extLst>
           </p:cNvPr>
@@ -3527,14 +3546,30 @@
           <a:lstStyle/>
           <a:p>
             <a:r>
-              <a:rPr lang="ru-RU" dirty="0"/>
+              <a:rPr lang="ru-RU" dirty="0">
+                <a:solidFill>
+                  <a:srgbClr val="002060"/>
+                </a:solidFill>
+              </a:rPr>
               <a:t>Введите цифру:</a:t>
             </a:r>
           </a:p>
           <a:p>
             <a:r>
               <a:rPr lang="ru-RU" dirty="0"/>
-              <a:t>Верный ответ: 7</a:t>
+              <a:t>Верный ответ: 6</a:t>
+            </a:r>
+          </a:p>
+          <a:p>
+            <a:endParaRPr lang="ru-RU" dirty="0"/>
+          </a:p>
+          <a:p>
+            <a:endParaRPr lang="ru-RU" dirty="0"/>
+          </a:p>
+          <a:p>
+            <a:r>
+              <a:rPr lang="ru-RU" dirty="0"/>
+              <a:t>Фото 2.9</a:t>
             </a:r>
           </a:p>
         </p:txBody>
@@ -3542,7 +3577,7 @@
     </p:spTree>
     <p:extLst>
       <p:ext uri="{BB962C8B-B14F-4D97-AF65-F5344CB8AC3E}">
-        <p14:creationId xmlns:p14="http://schemas.microsoft.com/office/powerpoint/2010/main" val="851878456"/>
+        <p14:creationId xmlns:p14="http://schemas.microsoft.com/office/powerpoint/2010/main" val="2892399004"/>
       </p:ext>
     </p:extLst>
   </p:cSld>
@@ -3574,7 +3609,7 @@
           <p:cNvPr id="2" name="Заголовок 1">
             <a:extLst>
               <a:ext uri="{FF2B5EF4-FFF2-40B4-BE49-F238E27FC236}">
-                <a16:creationId xmlns:a16="http://schemas.microsoft.com/office/drawing/2014/main" id="{8BB7E218-11B9-0858-A23B-9E4C1A85DA05}"/>
+                <a16:creationId xmlns:a16="http://schemas.microsoft.com/office/drawing/2014/main" id="{1D430A16-A4B6-BCB3-AAF6-1E3ABD92BEBC}"/>
               </a:ext>
             </a:extLst>
           </p:cNvPr>
@@ -3592,7 +3627,7 @@
           <a:p>
             <a:r>
               <a:rPr lang="ru-RU" dirty="0"/>
-              <a:t>2.9. Какая цифра пропущена?</a:t>
+              <a:t>2.10. Фильм</a:t>
             </a:r>
           </a:p>
         </p:txBody>
@@ -3602,7 +3637,7 @@
           <p:cNvPr id="6" name="Объект 5">
             <a:extLst>
               <a:ext uri="{FF2B5EF4-FFF2-40B4-BE49-F238E27FC236}">
-                <a16:creationId xmlns:a16="http://schemas.microsoft.com/office/drawing/2014/main" id="{2359EFFD-704B-3003-B445-8CF9AB5E7C81}"/>
+                <a16:creationId xmlns:a16="http://schemas.microsoft.com/office/drawing/2014/main" id="{07A692D3-B2E9-5FD5-1782-15C7574D311C}"/>
               </a:ext>
             </a:extLst>
           </p:cNvPr>
@@ -3627,8 +3662,8 @@
         </p:blipFill>
         <p:spPr>
           <a:xfrm>
-            <a:off x="371475" y="1040920"/>
-            <a:ext cx="2295525" cy="2120272"/>
+            <a:off x="371475" y="1045029"/>
+            <a:ext cx="2200903" cy="1875857"/>
           </a:xfrm>
         </p:spPr>
       </p:pic>
@@ -3637,7 +3672,7 @@
           <p:cNvPr id="4" name="Объект 3">
             <a:extLst>
               <a:ext uri="{FF2B5EF4-FFF2-40B4-BE49-F238E27FC236}">
-                <a16:creationId xmlns:a16="http://schemas.microsoft.com/office/drawing/2014/main" id="{843E6741-FC8F-01E6-C0C4-2247D05C3CF5}"/>
+                <a16:creationId xmlns:a16="http://schemas.microsoft.com/office/drawing/2014/main" id="{7ED3838D-50F1-99E9-81E3-8A92756C7ADB}"/>
               </a:ext>
             </a:extLst>
           </p:cNvPr>
@@ -3659,13 +3694,13 @@
                   <a:srgbClr val="002060"/>
                 </a:solidFill>
               </a:rPr>
-              <a:t>Введите цифру:</a:t>
-            </a:r>
-          </a:p>
-          <a:p>
-            <a:r>
-              <a:rPr lang="ru-RU" dirty="0"/>
-              <a:t>Верный ответ: 6</a:t>
+              <a:t>Введите цифру</a:t>
+            </a:r>
+          </a:p>
+          <a:p>
+            <a:r>
+              <a:rPr lang="ru-RU" dirty="0"/>
+              <a:t>Ответ: 9</a:t>
             </a:r>
           </a:p>
           <a:p>
@@ -3675,9 +3710,12 @@
             <a:endParaRPr lang="ru-RU" dirty="0"/>
           </a:p>
           <a:p>
-            <a:r>
-              <a:rPr lang="ru-RU" dirty="0"/>
-              <a:t>Фото 2.9</a:t>
+            <a:endParaRPr lang="ru-RU" dirty="0"/>
+          </a:p>
+          <a:p>
+            <a:r>
+              <a:rPr lang="ru-RU" dirty="0"/>
+              <a:t>Фото 2.10</a:t>
             </a:r>
           </a:p>
         </p:txBody>
@@ -3685,7 +3723,7 @@
     </p:spTree>
     <p:extLst>
       <p:ext uri="{BB962C8B-B14F-4D97-AF65-F5344CB8AC3E}">
-        <p14:creationId xmlns:p14="http://schemas.microsoft.com/office/powerpoint/2010/main" val="2892399004"/>
+        <p14:creationId xmlns:p14="http://schemas.microsoft.com/office/powerpoint/2010/main" val="1610535775"/>
       </p:ext>
     </p:extLst>
   </p:cSld>
@@ -3717,7 +3755,7 @@
           <p:cNvPr id="2" name="Заголовок 1">
             <a:extLst>
               <a:ext uri="{FF2B5EF4-FFF2-40B4-BE49-F238E27FC236}">
-                <a16:creationId xmlns:a16="http://schemas.microsoft.com/office/drawing/2014/main" id="{1D430A16-A4B6-BCB3-AAF6-1E3ABD92BEBC}"/>
+                <a16:creationId xmlns:a16="http://schemas.microsoft.com/office/drawing/2014/main" id="{B23D2FCE-923F-90EA-2B4C-20940DFCB333}"/>
               </a:ext>
             </a:extLst>
           </p:cNvPr>
@@ -3730,57 +3768,90 @@
         </p:nvSpPr>
         <p:spPr/>
         <p:txBody>
-          <a:bodyPr/>
-          <a:lstStyle/>
-          <a:p>
-            <a:r>
-              <a:rPr lang="ru-RU" dirty="0"/>
-              <a:t>2.10. Фильм</a:t>
-            </a:r>
-          </a:p>
-        </p:txBody>
-      </p:sp>
-      <p:pic>
-        <p:nvPicPr>
-          <p:cNvPr id="6" name="Объект 5">
-            <a:extLst>
-              <a:ext uri="{FF2B5EF4-FFF2-40B4-BE49-F238E27FC236}">
-                <a16:creationId xmlns:a16="http://schemas.microsoft.com/office/drawing/2014/main" id="{07A692D3-B2E9-5FD5-1782-15C7574D311C}"/>
-              </a:ext>
-            </a:extLst>
-          </p:cNvPr>
-          <p:cNvPicPr>
-            <a:picLocks noGrp="1" noChangeAspect="1"/>
-          </p:cNvPicPr>
+          <a:bodyPr>
+            <a:normAutofit/>
+          </a:bodyPr>
+          <a:lstStyle/>
+          <a:p>
+            <a:r>
+              <a:rPr lang="ru-RU" dirty="0"/>
+              <a:t>2.11 Глаз</a:t>
+            </a:r>
+          </a:p>
+        </p:txBody>
+      </p:sp>
+      <p:sp>
+        <p:nvSpPr>
+          <p:cNvPr id="3" name="Объект 2">
+            <a:extLst>
+              <a:ext uri="{FF2B5EF4-FFF2-40B4-BE49-F238E27FC236}">
+                <a16:creationId xmlns:a16="http://schemas.microsoft.com/office/drawing/2014/main" id="{844EA21F-DF3F-EC6A-5835-FBA71BF671AF}"/>
+              </a:ext>
+            </a:extLst>
+          </p:cNvPr>
+          <p:cNvSpPr>
+            <a:spLocks noGrp="1"/>
+          </p:cNvSpPr>
           <p:nvPr>
             <p:ph sz="half" idx="1"/>
           </p:nvPr>
-        </p:nvPicPr>
-        <p:blipFill>
-          <a:blip r:embed="rId2" cstate="print">
-            <a:extLst>
-              <a:ext uri="{28A0092B-C50C-407E-A947-70E740481C1C}">
-                <a14:useLocalDpi xmlns:a14="http://schemas.microsoft.com/office/drawing/2010/main" val="0"/>
-              </a:ext>
-            </a:extLst>
-          </a:blip>
-          <a:stretch>
-            <a:fillRect/>
-          </a:stretch>
-        </p:blipFill>
-        <p:spPr>
-          <a:xfrm>
-            <a:off x="371475" y="1045029"/>
-            <a:ext cx="2200903" cy="1875857"/>
-          </a:xfrm>
-        </p:spPr>
-      </p:pic>
+        </p:nvSpPr>
+        <p:spPr/>
+        <p:txBody>
+          <a:bodyPr/>
+          <a:lstStyle/>
+          <a:p>
+            <a:r>
+              <a:rPr lang="ru-RU" dirty="0"/>
+              <a:t>Какой врач диагностирует и лечит органы зрения:</a:t>
+            </a:r>
+          </a:p>
+          <a:p>
+            <a:r>
+              <a:rPr lang="ru-RU" dirty="0"/>
+              <a:t>1. О</a:t>
+            </a:r>
+            <a:r>
+              <a:rPr lang="ru-RU" b="0" i="0" dirty="0">
+                <a:effectLst/>
+                <a:latin typeface="Lato" panose="020B0604020202020204" pitchFamily="34" charset="0"/>
+              </a:rPr>
+              <a:t>ториноларинголог</a:t>
+            </a:r>
+            <a:endParaRPr lang="ru-RU" dirty="0"/>
+          </a:p>
+          <a:p>
+            <a:r>
+              <a:rPr lang="ru-RU" dirty="0"/>
+              <a:t>2. Офтальмолог</a:t>
+            </a:r>
+          </a:p>
+          <a:p>
+            <a:r>
+              <a:rPr lang="ru-RU" dirty="0"/>
+              <a:t>3. Анестезиолог</a:t>
+            </a:r>
+          </a:p>
+          <a:p>
+            <a:r>
+              <a:rPr lang="ru-RU" dirty="0"/>
+              <a:t>4. Эндокринолог</a:t>
+            </a:r>
+          </a:p>
+          <a:p>
+            <a:r>
+              <a:rPr lang="ru-RU" dirty="0"/>
+              <a:t>5. Ортопед</a:t>
+            </a:r>
+          </a:p>
+        </p:txBody>
+      </p:sp>
       <p:sp>
         <p:nvSpPr>
           <p:cNvPr id="4" name="Объект 3">
             <a:extLst>
               <a:ext uri="{FF2B5EF4-FFF2-40B4-BE49-F238E27FC236}">
-                <a16:creationId xmlns:a16="http://schemas.microsoft.com/office/drawing/2014/main" id="{7ED3838D-50F1-99E9-81E3-8A92756C7ADB}"/>
+                <a16:creationId xmlns:a16="http://schemas.microsoft.com/office/drawing/2014/main" id="{D7D15E22-D590-E91F-2B16-A36093EA2000}"/>
               </a:ext>
             </a:extLst>
           </p:cNvPr>
@@ -3802,28 +3873,13 @@
                   <a:srgbClr val="002060"/>
                 </a:solidFill>
               </a:rPr>
-              <a:t>Введите цифру</a:t>
-            </a:r>
-          </a:p>
-          <a:p>
-            <a:r>
-              <a:rPr lang="ru-RU" dirty="0"/>
-              <a:t>Ответ: 9</a:t>
-            </a:r>
-          </a:p>
-          <a:p>
-            <a:endParaRPr lang="ru-RU" dirty="0"/>
-          </a:p>
-          <a:p>
-            <a:endParaRPr lang="ru-RU" dirty="0"/>
-          </a:p>
-          <a:p>
-            <a:endParaRPr lang="ru-RU" dirty="0"/>
-          </a:p>
-          <a:p>
-            <a:r>
-              <a:rPr lang="ru-RU" dirty="0"/>
-              <a:t>Фото 2.10</a:t>
+              <a:t>Введите номер:</a:t>
+            </a:r>
+          </a:p>
+          <a:p>
+            <a:r>
+              <a:rPr lang="ru-RU" dirty="0"/>
+              <a:t>Верный ответ: 2</a:t>
             </a:r>
           </a:p>
         </p:txBody>
@@ -3831,7 +3887,7 @@
     </p:spTree>
     <p:extLst>
       <p:ext uri="{BB962C8B-B14F-4D97-AF65-F5344CB8AC3E}">
-        <p14:creationId xmlns:p14="http://schemas.microsoft.com/office/powerpoint/2010/main" val="1610535775"/>
+        <p14:creationId xmlns:p14="http://schemas.microsoft.com/office/powerpoint/2010/main" val="4278275051"/>
       </p:ext>
     </p:extLst>
   </p:cSld>
@@ -3863,7 +3919,7 @@
           <p:cNvPr id="2" name="Заголовок 1">
             <a:extLst>
               <a:ext uri="{FF2B5EF4-FFF2-40B4-BE49-F238E27FC236}">
-                <a16:creationId xmlns:a16="http://schemas.microsoft.com/office/drawing/2014/main" id="{B23D2FCE-923F-90EA-2B4C-20940DFCB333}"/>
+                <a16:creationId xmlns:a16="http://schemas.microsoft.com/office/drawing/2014/main" id="{6B175BA9-0222-66BA-120F-22E0CB40B49B}"/>
               </a:ext>
             </a:extLst>
           </p:cNvPr>
@@ -3876,14 +3932,12 @@
         </p:nvSpPr>
         <p:spPr/>
         <p:txBody>
-          <a:bodyPr>
-            <a:normAutofit/>
-          </a:bodyPr>
-          <a:lstStyle/>
-          <a:p>
-            <a:r>
-              <a:rPr lang="ru-RU" dirty="0"/>
-              <a:t>2.11 Глаз</a:t>
+          <a:bodyPr/>
+          <a:lstStyle/>
+          <a:p>
+            <a:r>
+              <a:rPr lang="ru-RU" dirty="0"/>
+              <a:t>Расшифруйте ответ абонента</a:t>
             </a:r>
           </a:p>
         </p:txBody>
@@ -3893,7 +3947,7 @@
           <p:cNvPr id="3" name="Объект 2">
             <a:extLst>
               <a:ext uri="{FF2B5EF4-FFF2-40B4-BE49-F238E27FC236}">
-                <a16:creationId xmlns:a16="http://schemas.microsoft.com/office/drawing/2014/main" id="{844EA21F-DF3F-EC6A-5835-FBA71BF671AF}"/>
+                <a16:creationId xmlns:a16="http://schemas.microsoft.com/office/drawing/2014/main" id="{886D4AE5-D5A8-2F83-018C-71F5233B421E}"/>
               </a:ext>
             </a:extLst>
           </p:cNvPr>
@@ -3909,48 +3963,7 @@
           <a:bodyPr/>
           <a:lstStyle/>
           <a:p>
-            <a:r>
-              <a:rPr lang="ru-RU" dirty="0"/>
-              <a:t>Какой врач диагностирует и лечит органы зрения:</a:t>
-            </a:r>
-          </a:p>
-          <a:p>
-            <a:r>
-              <a:rPr lang="ru-RU" dirty="0"/>
-              <a:t>1. О</a:t>
-            </a:r>
-            <a:r>
-              <a:rPr lang="ru-RU" b="0" i="0" dirty="0">
-                <a:effectLst/>
-                <a:latin typeface="Lato" panose="020B0604020202020204" pitchFamily="34" charset="0"/>
-              </a:rPr>
-              <a:t>ториноларинголог</a:t>
-            </a:r>
-            <a:endParaRPr lang="ru-RU" dirty="0"/>
-          </a:p>
-          <a:p>
-            <a:r>
-              <a:rPr lang="ru-RU" dirty="0"/>
-              <a:t>2. Офтальмолог</a:t>
-            </a:r>
-          </a:p>
-          <a:p>
-            <a:r>
-              <a:rPr lang="ru-RU" dirty="0"/>
-              <a:t>3. Анестезиолог</a:t>
-            </a:r>
-          </a:p>
-          <a:p>
-            <a:r>
-              <a:rPr lang="ru-RU" dirty="0"/>
-              <a:t>4. Эндокринолог</a:t>
-            </a:r>
-          </a:p>
-          <a:p>
-            <a:r>
-              <a:rPr lang="ru-RU" dirty="0"/>
-              <a:t>5. Ортопед</a:t>
-            </a:r>
+            <a:endParaRPr lang="ru-RU"/>
           </a:p>
         </p:txBody>
       </p:sp>
@@ -3959,7 +3972,7 @@
           <p:cNvPr id="4" name="Объект 3">
             <a:extLst>
               <a:ext uri="{FF2B5EF4-FFF2-40B4-BE49-F238E27FC236}">
-                <a16:creationId xmlns:a16="http://schemas.microsoft.com/office/drawing/2014/main" id="{D7D15E22-D590-E91F-2B16-A36093EA2000}"/>
+                <a16:creationId xmlns:a16="http://schemas.microsoft.com/office/drawing/2014/main" id="{1339A29E-DD21-5F8F-F04B-95D9241FF8C7}"/>
               </a:ext>
             </a:extLst>
           </p:cNvPr>
@@ -3976,18 +3989,14 @@
           <a:lstStyle/>
           <a:p>
             <a:r>
-              <a:rPr lang="ru-RU" dirty="0">
-                <a:solidFill>
-                  <a:srgbClr val="002060"/>
-                </a:solidFill>
-              </a:rPr>
-              <a:t>Введите номер:</a:t>
-            </a:r>
-          </a:p>
-          <a:p>
-            <a:r>
-              <a:rPr lang="ru-RU" dirty="0"/>
-              <a:t>Верный ответ: 2</a:t>
+              <a:rPr lang="ru-RU" dirty="0"/>
+              <a:t>Введите букву:</a:t>
+            </a:r>
+          </a:p>
+          <a:p>
+            <a:r>
+              <a:rPr lang="ru-RU" dirty="0"/>
+              <a:t>Верный ответ:</a:t>
             </a:r>
           </a:p>
         </p:txBody>
@@ -3995,7 +4004,7 @@
     </p:spTree>
     <p:extLst>
       <p:ext uri="{BB962C8B-B14F-4D97-AF65-F5344CB8AC3E}">
-        <p14:creationId xmlns:p14="http://schemas.microsoft.com/office/powerpoint/2010/main" val="4278275051"/>
+        <p14:creationId xmlns:p14="http://schemas.microsoft.com/office/powerpoint/2010/main" val="301932839"/>
       </p:ext>
     </p:extLst>
   </p:cSld>
@@ -4027,7 +4036,7 @@
           <p:cNvPr id="2" name="Заголовок 1">
             <a:extLst>
               <a:ext uri="{FF2B5EF4-FFF2-40B4-BE49-F238E27FC236}">
-                <a16:creationId xmlns:a16="http://schemas.microsoft.com/office/drawing/2014/main" id="{6B175BA9-0222-66BA-120F-22E0CB40B49B}"/>
+                <a16:creationId xmlns:a16="http://schemas.microsoft.com/office/drawing/2014/main" id="{0A027E40-7FED-06C3-8E72-467E83EB5E3B}"/>
               </a:ext>
             </a:extLst>
           </p:cNvPr>
@@ -4040,47 +4049,66 @@
         </p:nvSpPr>
         <p:spPr/>
         <p:txBody>
-          <a:bodyPr/>
-          <a:lstStyle/>
-          <a:p>
-            <a:r>
-              <a:rPr lang="ru-RU" dirty="0"/>
-              <a:t>Расшифруйте ответ абонента</a:t>
-            </a:r>
-          </a:p>
-        </p:txBody>
-      </p:sp>
-      <p:sp>
-        <p:nvSpPr>
-          <p:cNvPr id="3" name="Объект 2">
-            <a:extLst>
-              <a:ext uri="{FF2B5EF4-FFF2-40B4-BE49-F238E27FC236}">
-                <a16:creationId xmlns:a16="http://schemas.microsoft.com/office/drawing/2014/main" id="{886D4AE5-D5A8-2F83-018C-71F5233B421E}"/>
-              </a:ext>
-            </a:extLst>
-          </p:cNvPr>
-          <p:cNvSpPr>
-            <a:spLocks noGrp="1"/>
-          </p:cNvSpPr>
+          <a:bodyPr>
+            <a:normAutofit fontScale="90000"/>
+          </a:bodyPr>
+          <a:lstStyle/>
+          <a:p>
+            <a:r>
+              <a:rPr lang="ru-RU" dirty="0"/>
+              <a:t>Пара №3 Основы криптографии</a:t>
+            </a:r>
+            <a:br>
+              <a:rPr lang="ru-RU" dirty="0"/>
+            </a:br>
+            <a:r>
+              <a:rPr lang="ru-RU" dirty="0"/>
+              <a:t>Найди задание в подсказке</a:t>
+            </a:r>
+          </a:p>
+        </p:txBody>
+      </p:sp>
+      <p:pic>
+        <p:nvPicPr>
+          <p:cNvPr id="6" name="Объект 5">
+            <a:extLst>
+              <a:ext uri="{FF2B5EF4-FFF2-40B4-BE49-F238E27FC236}">
+                <a16:creationId xmlns:a16="http://schemas.microsoft.com/office/drawing/2014/main" id="{68458BC0-94A5-FEC6-51C1-209628F16A42}"/>
+              </a:ext>
+            </a:extLst>
+          </p:cNvPr>
+          <p:cNvPicPr>
+            <a:picLocks noGrp="1" noChangeAspect="1"/>
+          </p:cNvPicPr>
           <p:nvPr>
             <p:ph sz="half" idx="1"/>
           </p:nvPr>
-        </p:nvSpPr>
-        <p:spPr/>
-        <p:txBody>
-          <a:bodyPr/>
-          <a:lstStyle/>
-          <a:p>
-            <a:endParaRPr lang="ru-RU"/>
-          </a:p>
-        </p:txBody>
-      </p:sp>
+        </p:nvPicPr>
+        <p:blipFill>
+          <a:blip r:embed="rId2">
+            <a:extLst>
+              <a:ext uri="{28A0092B-C50C-407E-A947-70E740481C1C}">
+                <a14:useLocalDpi xmlns:a14="http://schemas.microsoft.com/office/drawing/2010/main" val="0"/>
+              </a:ext>
+            </a:extLst>
+          </a:blip>
+          <a:stretch>
+            <a:fillRect/>
+          </a:stretch>
+        </p:blipFill>
+        <p:spPr>
+          <a:xfrm>
+            <a:off x="371475" y="958454"/>
+            <a:ext cx="2295525" cy="2116342"/>
+          </a:xfrm>
+        </p:spPr>
+      </p:pic>
       <p:sp>
         <p:nvSpPr>
           <p:cNvPr id="4" name="Объект 3">
             <a:extLst>
               <a:ext uri="{FF2B5EF4-FFF2-40B4-BE49-F238E27FC236}">
-                <a16:creationId xmlns:a16="http://schemas.microsoft.com/office/drawing/2014/main" id="{1339A29E-DD21-5F8F-F04B-95D9241FF8C7}"/>
+                <a16:creationId xmlns:a16="http://schemas.microsoft.com/office/drawing/2014/main" id="{20B479E2-1633-378B-58A1-69EBFF41A4E2}"/>
               </a:ext>
             </a:extLst>
           </p:cNvPr>
@@ -4098,21 +4126,47 @@
           <a:p>
             <a:r>
               <a:rPr lang="ru-RU" dirty="0"/>
-              <a:t>Введите букву:</a:t>
-            </a:r>
-          </a:p>
-          <a:p>
-            <a:r>
-              <a:rPr lang="ru-RU" dirty="0"/>
-              <a:t>Верный ответ:</a:t>
-            </a:r>
+              <a:t>Найдите задание в угаданном слове:</a:t>
+            </a:r>
+          </a:p>
+          <a:p>
+            <a:r>
+              <a:rPr lang="ru-RU" dirty="0"/>
+              <a:t>Верный ответ</a:t>
+            </a:r>
+            <a:r>
+              <a:rPr lang="ru-RU"/>
+              <a:t>: Холодильник</a:t>
+            </a:r>
+            <a:endParaRPr lang="ru-RU" dirty="0"/>
+          </a:p>
+          <a:p>
+            <a:r>
+              <a:rPr lang="ru-RU" dirty="0"/>
+              <a:t>Задание для Календаря</a:t>
+            </a:r>
+          </a:p>
+          <a:p>
+            <a:endParaRPr lang="ru-RU" dirty="0"/>
+          </a:p>
+          <a:p>
+            <a:r>
+              <a:rPr lang="ru-RU" dirty="0"/>
+              <a:t>Фото 13</a:t>
+            </a:r>
+          </a:p>
+          <a:p>
+            <a:pPr marL="0" indent="0">
+              <a:buNone/>
+            </a:pPr>
+            <a:endParaRPr lang="ru-RU" dirty="0"/>
           </a:p>
         </p:txBody>
       </p:sp>
     </p:spTree>
     <p:extLst>
       <p:ext uri="{BB962C8B-B14F-4D97-AF65-F5344CB8AC3E}">
-        <p14:creationId xmlns:p14="http://schemas.microsoft.com/office/powerpoint/2010/main" val="301932839"/>
+        <p14:creationId xmlns:p14="http://schemas.microsoft.com/office/powerpoint/2010/main" val="3787303583"/>
       </p:ext>
     </p:extLst>
   </p:cSld>
@@ -4144,7 +4198,7 @@
           <p:cNvPr id="2" name="Заголовок 1">
             <a:extLst>
               <a:ext uri="{FF2B5EF4-FFF2-40B4-BE49-F238E27FC236}">
-                <a16:creationId xmlns:a16="http://schemas.microsoft.com/office/drawing/2014/main" id="{CCA0DC0B-3616-54F1-D805-92D9C431C62B}"/>
+                <a16:creationId xmlns:a16="http://schemas.microsoft.com/office/drawing/2014/main" id="{AFB2C89E-1D72-CF47-1D23-9C601B968A65}"/>
               </a:ext>
             </a:extLst>
           </p:cNvPr>
@@ -4162,7 +4216,7 @@
           <a:p>
             <a:r>
               <a:rPr lang="ru-RU" dirty="0"/>
-              <a:t>Задание 3</a:t>
+              <a:t>Пара № 4 Оптика</a:t>
             </a:r>
           </a:p>
         </p:txBody>
@@ -4172,7 +4226,7 @@
           <p:cNvPr id="3" name="Объект 2">
             <a:extLst>
               <a:ext uri="{FF2B5EF4-FFF2-40B4-BE49-F238E27FC236}">
-                <a16:creationId xmlns:a16="http://schemas.microsoft.com/office/drawing/2014/main" id="{CE5E1277-E1C7-967C-4D78-BFFA3B7A7AB2}"/>
+                <a16:creationId xmlns:a16="http://schemas.microsoft.com/office/drawing/2014/main" id="{E0E2F0BB-65DC-7AA9-AD4B-4E3F28A27478}"/>
               </a:ext>
             </a:extLst>
           </p:cNvPr>
@@ -4190,7 +4244,19 @@
           <a:p>
             <a:r>
               <a:rPr lang="ru-RU" dirty="0"/>
-              <a:t>Слов зашифровано в календаре</a:t>
+              <a:t>Найдите подсказу,</a:t>
+            </a:r>
+          </a:p>
+          <a:p>
+            <a:r>
+              <a:rPr lang="ru-RU" dirty="0"/>
+              <a:t>Воспользуйтесь фонариком</a:t>
+            </a:r>
+          </a:p>
+          <a:p>
+            <a:r>
+              <a:rPr lang="ru-RU" dirty="0"/>
+              <a:t>На бумаге написать место для задания</a:t>
             </a:r>
           </a:p>
         </p:txBody>
@@ -4200,7 +4266,7 @@
           <p:cNvPr id="4" name="Объект 3">
             <a:extLst>
               <a:ext uri="{FF2B5EF4-FFF2-40B4-BE49-F238E27FC236}">
-                <a16:creationId xmlns:a16="http://schemas.microsoft.com/office/drawing/2014/main" id="{248C0495-2852-BF92-C81A-58039A679908}"/>
+                <a16:creationId xmlns:a16="http://schemas.microsoft.com/office/drawing/2014/main" id="{CFC6EC81-EC82-F16F-EF53-DC7169763137}"/>
               </a:ext>
             </a:extLst>
           </p:cNvPr>
@@ -4218,15 +4284,24 @@
           <a:p>
             <a:r>
               <a:rPr lang="ru-RU" dirty="0"/>
-              <a:t>Введите букву</a:t>
-            </a:r>
+              <a:t>Введите букву:</a:t>
+            </a:r>
+          </a:p>
+          <a:p>
+            <a:r>
+              <a:rPr lang="ru-RU" dirty="0"/>
+              <a:t>Верный ответ:</a:t>
+            </a:r>
+          </a:p>
+          <a:p>
+            <a:endParaRPr lang="ru-RU" dirty="0"/>
           </a:p>
         </p:txBody>
       </p:sp>
     </p:spTree>
     <p:extLst>
       <p:ext uri="{BB962C8B-B14F-4D97-AF65-F5344CB8AC3E}">
-        <p14:creationId xmlns:p14="http://schemas.microsoft.com/office/powerpoint/2010/main" val="366457574"/>
+        <p14:creationId xmlns:p14="http://schemas.microsoft.com/office/powerpoint/2010/main" val="405418919"/>
       </p:ext>
     </p:extLst>
   </p:cSld>
@@ -4258,7 +4333,7 @@
           <p:cNvPr id="2" name="Заголовок 1">
             <a:extLst>
               <a:ext uri="{FF2B5EF4-FFF2-40B4-BE49-F238E27FC236}">
-                <a16:creationId xmlns:a16="http://schemas.microsoft.com/office/drawing/2014/main" id="{01AB8F84-4EAF-7E08-4468-1ED94AEE5CFD}"/>
+                <a16:creationId xmlns:a16="http://schemas.microsoft.com/office/drawing/2014/main" id="{A7C64400-6BDB-D951-D10A-0F643D8B52D6}"/>
               </a:ext>
             </a:extLst>
           </p:cNvPr>
@@ -4276,7 +4351,7 @@
           <a:p>
             <a:r>
               <a:rPr lang="ru-RU" dirty="0"/>
-              <a:t>Задание 4</a:t>
+              <a:t>Пара № 5 Процессы и аппараты</a:t>
             </a:r>
           </a:p>
         </p:txBody>
@@ -4286,7 +4361,7 @@
           <p:cNvPr id="3" name="Объект 2">
             <a:extLst>
               <a:ext uri="{FF2B5EF4-FFF2-40B4-BE49-F238E27FC236}">
-                <a16:creationId xmlns:a16="http://schemas.microsoft.com/office/drawing/2014/main" id="{87D79F4E-101B-2300-0119-A8CFB44E1497}"/>
+                <a16:creationId xmlns:a16="http://schemas.microsoft.com/office/drawing/2014/main" id="{356A24C9-3100-D321-0629-C2EED2BA96FC}"/>
               </a:ext>
             </a:extLst>
           </p:cNvPr>
@@ -4304,7 +4379,53 @@
           <a:p>
             <a:r>
               <a:rPr lang="ru-RU" dirty="0"/>
-              <a:t>Кто спрятался на картинке</a:t>
+              <a:t>Подсказка- Чайник</a:t>
+            </a:r>
+          </a:p>
+          <a:p>
+            <a:r>
+              <a:rPr lang="ru-RU" dirty="0"/>
+              <a:t>Азбука Морзе</a:t>
+            </a:r>
+          </a:p>
+        </p:txBody>
+      </p:sp>
+      <p:sp>
+        <p:nvSpPr>
+          <p:cNvPr id="4" name="Объект 3">
+            <a:extLst>
+              <a:ext uri="{FF2B5EF4-FFF2-40B4-BE49-F238E27FC236}">
+                <a16:creationId xmlns:a16="http://schemas.microsoft.com/office/drawing/2014/main" id="{60107761-B0C4-977E-854D-6448AF18826E}"/>
+              </a:ext>
+            </a:extLst>
+          </p:cNvPr>
+          <p:cNvSpPr>
+            <a:spLocks noGrp="1"/>
+          </p:cNvSpPr>
+          <p:nvPr>
+            <p:ph sz="half" idx="2"/>
+          </p:nvPr>
+        </p:nvSpPr>
+        <p:spPr/>
+        <p:txBody>
+          <a:bodyPr/>
+          <a:lstStyle/>
+          <a:p>
+            <a:r>
+              <a:rPr lang="ru-RU" dirty="0"/>
+              <a:t>Угадайте брэнд автомобиля/техники</a:t>
+            </a:r>
+          </a:p>
+          <a:p>
+            <a:r>
+              <a:rPr lang="ru-RU" dirty="0"/>
+              <a:t>Введите букву:</a:t>
+            </a:r>
+          </a:p>
+          <a:p>
+            <a:r>
+              <a:rPr lang="ru-RU" dirty="0"/>
+              <a:t>Верный ответ:</a:t>
             </a:r>
           </a:p>
           <a:p>
@@ -4312,142 +4433,10 @@
           </a:p>
         </p:txBody>
       </p:sp>
-      <p:sp>
-        <p:nvSpPr>
-          <p:cNvPr id="4" name="Объект 3">
-            <a:extLst>
-              <a:ext uri="{FF2B5EF4-FFF2-40B4-BE49-F238E27FC236}">
-                <a16:creationId xmlns:a16="http://schemas.microsoft.com/office/drawing/2014/main" id="{525E49E3-4299-DCA6-9F8B-375FB2902048}"/>
-              </a:ext>
-            </a:extLst>
-          </p:cNvPr>
-          <p:cNvSpPr>
-            <a:spLocks noGrp="1"/>
-          </p:cNvSpPr>
-          <p:nvPr>
-            <p:ph sz="half" idx="2"/>
-          </p:nvPr>
-        </p:nvSpPr>
-        <p:spPr/>
-        <p:txBody>
-          <a:bodyPr/>
-          <a:lstStyle/>
-          <a:p>
-            <a:r>
-              <a:rPr lang="ru-RU" dirty="0"/>
-              <a:t>Введите 2-ю букву:</a:t>
-            </a:r>
-          </a:p>
-          <a:p>
-            <a:r>
-              <a:rPr lang="ru-RU" dirty="0"/>
-              <a:t>Верный ответ: О</a:t>
-            </a:r>
-          </a:p>
-          <a:p>
-            <a:endParaRPr lang="ru-RU" dirty="0"/>
-          </a:p>
-          <a:p>
-            <a:endParaRPr lang="ru-RU" dirty="0"/>
-          </a:p>
-          <a:p>
-            <a:r>
-              <a:rPr lang="ru-RU" dirty="0"/>
-              <a:t>Фото </a:t>
-            </a:r>
-            <a:r>
-              <a:rPr lang="en-US" dirty="0" err="1"/>
-              <a:t>jj</a:t>
-            </a:r>
-            <a:endParaRPr lang="ru-RU" dirty="0"/>
-          </a:p>
-        </p:txBody>
-      </p:sp>
-      <p:sp>
-        <p:nvSpPr>
-          <p:cNvPr id="5" name="AutoShape 2" descr="Кто тут спрятался ?">
-            <a:extLst>
-              <a:ext uri="{FF2B5EF4-FFF2-40B4-BE49-F238E27FC236}">
-                <a16:creationId xmlns:a16="http://schemas.microsoft.com/office/drawing/2014/main" id="{05E661C1-AA6B-9D01-AD8F-03A63D4A8133}"/>
-              </a:ext>
-            </a:extLst>
-          </p:cNvPr>
-          <p:cNvSpPr>
-            <a:spLocks noChangeAspect="1" noChangeArrowheads="1"/>
-          </p:cNvSpPr>
-          <p:nvPr/>
-        </p:nvSpPr>
-        <p:spPr bwMode="auto">
-          <a:xfrm>
-            <a:off x="2547938" y="1647825"/>
-            <a:ext cx="304800" cy="304800"/>
-          </a:xfrm>
-          <a:prstGeom prst="rect">
-            <a:avLst/>
-          </a:prstGeom>
-          <a:noFill/>
-          <a:extLst>
-            <a:ext uri="{909E8E84-426E-40DD-AFC4-6F175D3DCCD1}">
-              <a14:hiddenFill xmlns:a14="http://schemas.microsoft.com/office/drawing/2010/main">
-                <a:solidFill>
-                  <a:srgbClr val="FFFFFF"/>
-                </a:solidFill>
-              </a14:hiddenFill>
-            </a:ext>
-          </a:extLst>
-        </p:spPr>
-        <p:txBody>
-          <a:bodyPr vert="horz" wrap="square" lIns="91440" tIns="45720" rIns="91440" bIns="45720" numCol="1" anchor="t" anchorCtr="0" compatLnSpc="1">
-            <a:prstTxWarp prst="textNoShape">
-              <a:avLst/>
-            </a:prstTxWarp>
-          </a:bodyPr>
-          <a:lstStyle/>
-          <a:p>
-            <a:endParaRPr lang="ru-RU"/>
-          </a:p>
-        </p:txBody>
-      </p:sp>
-      <p:pic>
-        <p:nvPicPr>
-          <p:cNvPr id="7" name="Рисунок 6">
-            <a:extLst>
-              <a:ext uri="{FF2B5EF4-FFF2-40B4-BE49-F238E27FC236}">
-                <a16:creationId xmlns:a16="http://schemas.microsoft.com/office/drawing/2014/main" id="{F130479B-1151-7A81-CFE6-899B8FAAA079}"/>
-              </a:ext>
-            </a:extLst>
-          </p:cNvPr>
-          <p:cNvPicPr>
-            <a:picLocks noChangeAspect="1"/>
-          </p:cNvPicPr>
-          <p:nvPr/>
-        </p:nvPicPr>
-        <p:blipFill>
-          <a:blip r:embed="rId2" cstate="print">
-            <a:extLst>
-              <a:ext uri="{28A0092B-C50C-407E-A947-70E740481C1C}">
-                <a14:useLocalDpi xmlns:a14="http://schemas.microsoft.com/office/drawing/2010/main" val="0"/>
-              </a:ext>
-            </a:extLst>
-          </a:blip>
-          <a:stretch>
-            <a:fillRect/>
-          </a:stretch>
-        </p:blipFill>
-        <p:spPr>
-          <a:xfrm>
-            <a:off x="371296" y="1511506"/>
-            <a:ext cx="2076166" cy="1897253"/>
-          </a:xfrm>
-          <a:prstGeom prst="rect">
-            <a:avLst/>
-          </a:prstGeom>
-        </p:spPr>
-      </p:pic>
     </p:spTree>
     <p:extLst>
       <p:ext uri="{BB962C8B-B14F-4D97-AF65-F5344CB8AC3E}">
-        <p14:creationId xmlns:p14="http://schemas.microsoft.com/office/powerpoint/2010/main" val="571749152"/>
+        <p14:creationId xmlns:p14="http://schemas.microsoft.com/office/powerpoint/2010/main" val="1826964257"/>
       </p:ext>
     </p:extLst>
   </p:cSld>
@@ -4497,7 +4486,7 @@
           <a:p>
             <a:r>
               <a:rPr lang="ru-RU" dirty="0"/>
-              <a:t>Задание 5</a:t>
+              <a:t>Пара №6 Лингвистика</a:t>
             </a:r>
           </a:p>
         </p:txBody>
@@ -4521,7 +4510,7 @@
         <p:spPr/>
         <p:txBody>
           <a:bodyPr>
-            <a:normAutofit fontScale="92500" lnSpcReduction="20000"/>
+            <a:normAutofit fontScale="85000" lnSpcReduction="10000"/>
           </a:bodyPr>
           <a:lstStyle/>
           <a:p>
@@ -4670,12 +4659,18 @@
             </a:r>
           </a:p>
           <a:p>
-            <a:r>
-              <a:rPr lang="ru-RU" dirty="0"/>
-              <a:t>Подсказка </a:t>
-            </a:r>
-          </a:p>
-          <a:p>
+            <a:pPr marL="0" indent="0">
+              <a:buNone/>
+            </a:pPr>
+            <a:r>
+              <a:rPr lang="ru-RU" dirty="0"/>
+              <a:t>Языковая форма, ограниченная литературными канонами</a:t>
+            </a:r>
+          </a:p>
+          <a:p>
+            <a:pPr marL="0" indent="0">
+              <a:buNone/>
+            </a:pPr>
             <a:endParaRPr lang="ru-RU" dirty="0"/>
           </a:p>
           <a:p>
@@ -4685,7 +4680,7 @@
             </a:r>
             <a:r>
               <a:rPr lang="ru-RU" dirty="0"/>
-              <a:t>код</a:t>
+              <a:t>код - Акростих</a:t>
             </a:r>
           </a:p>
         </p:txBody>
@@ -4709,20 +4704,14 @@
         <p:spPr/>
         <p:txBody>
           <a:bodyPr>
-            <a:normAutofit fontScale="92500" lnSpcReduction="20000"/>
+            <a:normAutofit fontScale="85000" lnSpcReduction="10000"/>
           </a:bodyPr>
           <a:lstStyle/>
           <a:p>
-            <a:r>
-              <a:rPr lang="ru-RU" dirty="0"/>
-              <a:t>Введите 4-ю букву:</a:t>
-            </a:r>
-          </a:p>
-          <a:p>
-            <a:r>
-              <a:rPr lang="ru-RU" dirty="0"/>
-              <a:t>Верный ответ:</a:t>
-            </a:r>
+            <a:pPr marL="0" indent="0">
+              <a:buNone/>
+            </a:pPr>
+            <a:endParaRPr lang="ru-RU" dirty="0"/>
           </a:p>
         </p:txBody>
       </p:sp>
@@ -4740,6 +4729,898 @@
 </file>
 
 <file path=ppt/slides/slide2.xml><?xml version="1.0" encoding="utf-8"?>
+<p:sld xmlns:a="http://schemas.openxmlformats.org/drawingml/2006/main" xmlns:r="http://schemas.openxmlformats.org/officeDocument/2006/relationships" xmlns:p="http://schemas.openxmlformats.org/presentationml/2006/main">
+  <p:cSld>
+    <p:spTree>
+      <p:nvGrpSpPr>
+        <p:cNvPr id="1" name=""/>
+        <p:cNvGrpSpPr/>
+        <p:nvPr/>
+      </p:nvGrpSpPr>
+      <p:grpSpPr>
+        <a:xfrm>
+          <a:off x="0" y="0"/>
+          <a:ext cx="0" cy="0"/>
+          <a:chOff x="0" y="0"/>
+          <a:chExt cx="0" cy="0"/>
+        </a:xfrm>
+      </p:grpSpPr>
+      <p:sp>
+        <p:nvSpPr>
+          <p:cNvPr id="2" name="Заголовок 1">
+            <a:extLst>
+              <a:ext uri="{FF2B5EF4-FFF2-40B4-BE49-F238E27FC236}">
+                <a16:creationId xmlns:a16="http://schemas.microsoft.com/office/drawing/2014/main" id="{7B81FF81-848C-E80F-A395-FE21A9FC631C}"/>
+              </a:ext>
+            </a:extLst>
+          </p:cNvPr>
+          <p:cNvSpPr>
+            <a:spLocks noGrp="1"/>
+          </p:cNvSpPr>
+          <p:nvPr>
+            <p:ph type="ctrTitle"/>
+          </p:nvPr>
+        </p:nvSpPr>
+        <p:spPr>
+          <a:xfrm>
+            <a:off x="405051" y="589242"/>
+            <a:ext cx="4590574" cy="701971"/>
+          </a:xfrm>
+        </p:spPr>
+        <p:txBody>
+          <a:bodyPr/>
+          <a:lstStyle/>
+          <a:p>
+            <a:r>
+              <a:rPr lang="ru-RU" dirty="0"/>
+              <a:t>Пара №2*</a:t>
+            </a:r>
+          </a:p>
+        </p:txBody>
+      </p:sp>
+      <p:sp>
+        <p:nvSpPr>
+          <p:cNvPr id="3" name="Подзаголовок 2">
+            <a:extLst>
+              <a:ext uri="{FF2B5EF4-FFF2-40B4-BE49-F238E27FC236}">
+                <a16:creationId xmlns:a16="http://schemas.microsoft.com/office/drawing/2014/main" id="{5960ED07-2094-F46D-BB58-C61686CD7BA7}"/>
+              </a:ext>
+            </a:extLst>
+          </p:cNvPr>
+          <p:cNvSpPr>
+            <a:spLocks noGrp="1"/>
+          </p:cNvSpPr>
+          <p:nvPr>
+            <p:ph type="subTitle" idx="1"/>
+          </p:nvPr>
+        </p:nvSpPr>
+        <p:spPr>
+          <a:xfrm>
+            <a:off x="675085" y="1467059"/>
+            <a:ext cx="4050506" cy="1934308"/>
+          </a:xfrm>
+        </p:spPr>
+        <p:txBody>
+          <a:bodyPr anchor="ctr">
+            <a:normAutofit/>
+          </a:bodyPr>
+          <a:lstStyle/>
+          <a:p>
+            <a:r>
+              <a:rPr lang="ru-RU" sz="3190" dirty="0"/>
+              <a:t>Дискретная математика</a:t>
+            </a:r>
+          </a:p>
+        </p:txBody>
+      </p:sp>
+    </p:spTree>
+    <p:extLst>
+      <p:ext uri="{BB962C8B-B14F-4D97-AF65-F5344CB8AC3E}">
+        <p14:creationId xmlns:p14="http://schemas.microsoft.com/office/powerpoint/2010/main" val="2660768764"/>
+      </p:ext>
+    </p:extLst>
+  </p:cSld>
+  <p:clrMapOvr>
+    <a:masterClrMapping/>
+  </p:clrMapOvr>
+</p:sld>
+</file>
+
+<file path=ppt/slides/slide20.xml><?xml version="1.0" encoding="utf-8"?>
+<p:sld xmlns:a="http://schemas.openxmlformats.org/drawingml/2006/main" xmlns:r="http://schemas.openxmlformats.org/officeDocument/2006/relationships" xmlns:p="http://schemas.openxmlformats.org/presentationml/2006/main">
+  <p:cSld>
+    <p:spTree>
+      <p:nvGrpSpPr>
+        <p:cNvPr id="1" name=""/>
+        <p:cNvGrpSpPr/>
+        <p:nvPr/>
+      </p:nvGrpSpPr>
+      <p:grpSpPr>
+        <a:xfrm>
+          <a:off x="0" y="0"/>
+          <a:ext cx="0" cy="0"/>
+          <a:chOff x="0" y="0"/>
+          <a:chExt cx="0" cy="0"/>
+        </a:xfrm>
+      </p:grpSpPr>
+      <p:sp>
+        <p:nvSpPr>
+          <p:cNvPr id="2" name="Заголовок 1">
+            <a:extLst>
+              <a:ext uri="{FF2B5EF4-FFF2-40B4-BE49-F238E27FC236}">
+                <a16:creationId xmlns:a16="http://schemas.microsoft.com/office/drawing/2014/main" id="{FE3560F5-0DF8-534B-1855-9CF6BDA58FCB}"/>
+              </a:ext>
+            </a:extLst>
+          </p:cNvPr>
+          <p:cNvSpPr>
+            <a:spLocks noGrp="1"/>
+          </p:cNvSpPr>
+          <p:nvPr>
+            <p:ph type="title"/>
+          </p:nvPr>
+        </p:nvSpPr>
+        <p:spPr/>
+        <p:txBody>
+          <a:bodyPr/>
+          <a:lstStyle/>
+          <a:p>
+            <a:r>
+              <a:rPr lang="ru-RU" dirty="0"/>
+              <a:t>Пара № 6 Лингвистика</a:t>
+            </a:r>
+          </a:p>
+        </p:txBody>
+      </p:sp>
+      <p:sp>
+        <p:nvSpPr>
+          <p:cNvPr id="3" name="Объект 2">
+            <a:extLst>
+              <a:ext uri="{FF2B5EF4-FFF2-40B4-BE49-F238E27FC236}">
+                <a16:creationId xmlns:a16="http://schemas.microsoft.com/office/drawing/2014/main" id="{ADE2C3FA-70CE-48B1-4109-387A59259A02}"/>
+              </a:ext>
+            </a:extLst>
+          </p:cNvPr>
+          <p:cNvSpPr>
+            <a:spLocks noGrp="1"/>
+          </p:cNvSpPr>
+          <p:nvPr>
+            <p:ph sz="half" idx="1"/>
+          </p:nvPr>
+        </p:nvSpPr>
+        <p:spPr>
+          <a:xfrm>
+            <a:off x="371297" y="958453"/>
+            <a:ext cx="2783885" cy="2284452"/>
+          </a:xfrm>
+        </p:spPr>
+        <p:txBody>
+          <a:bodyPr>
+            <a:normAutofit fontScale="92500" lnSpcReduction="20000"/>
+          </a:bodyPr>
+          <a:lstStyle/>
+          <a:p>
+            <a:r>
+              <a:rPr lang="ru-RU" b="0" i="0" dirty="0">
+                <a:solidFill>
+                  <a:srgbClr val="000000"/>
+                </a:solidFill>
+                <a:effectLst/>
+                <a:latin typeface="Roboto" panose="02000000000000000000" pitchFamily="2" charset="0"/>
+              </a:rPr>
+              <a:t>Довольно именем известна я своим;</a:t>
+            </a:r>
+            <a:br>
+              <a:rPr lang="ru-RU" dirty="0"/>
+            </a:br>
+            <a:r>
+              <a:rPr lang="ru-RU" b="0" i="0" dirty="0">
+                <a:solidFill>
+                  <a:srgbClr val="000000"/>
+                </a:solidFill>
+                <a:effectLst/>
+                <a:latin typeface="Roboto" panose="02000000000000000000" pitchFamily="2" charset="0"/>
+              </a:rPr>
+              <a:t>Равно клянётся плут и непорочный им,</a:t>
+            </a:r>
+            <a:br>
+              <a:rPr lang="ru-RU" dirty="0"/>
+            </a:br>
+            <a:r>
+              <a:rPr lang="ru-RU" b="0" i="0" dirty="0">
+                <a:solidFill>
+                  <a:srgbClr val="000000"/>
+                </a:solidFill>
+                <a:effectLst/>
+                <a:latin typeface="Roboto" panose="02000000000000000000" pitchFamily="2" charset="0"/>
+              </a:rPr>
+              <a:t>Утехой в бедствиях всего бываю боле,</a:t>
+            </a:r>
+            <a:br>
+              <a:rPr lang="ru-RU" dirty="0"/>
+            </a:br>
+            <a:r>
+              <a:rPr lang="ru-RU" b="0" i="0" dirty="0">
+                <a:solidFill>
+                  <a:srgbClr val="000000"/>
+                </a:solidFill>
+                <a:effectLst/>
+                <a:latin typeface="Roboto" panose="02000000000000000000" pitchFamily="2" charset="0"/>
+              </a:rPr>
+              <a:t>Жизнь сладостней при мне и в самой лучшей доле.</a:t>
+            </a:r>
+            <a:br>
+              <a:rPr lang="ru-RU" dirty="0"/>
+            </a:br>
+            <a:r>
+              <a:rPr lang="ru-RU" b="0" i="0" dirty="0">
+                <a:solidFill>
+                  <a:srgbClr val="000000"/>
+                </a:solidFill>
+                <a:effectLst/>
+                <a:latin typeface="Roboto" panose="02000000000000000000" pitchFamily="2" charset="0"/>
+              </a:rPr>
+              <a:t>Блаженству чистых душ могу служить одна,</a:t>
+            </a:r>
+            <a:br>
+              <a:rPr lang="ru-RU" dirty="0"/>
+            </a:br>
+            <a:r>
+              <a:rPr lang="ru-RU" b="0" i="0" dirty="0">
+                <a:solidFill>
+                  <a:srgbClr val="000000"/>
+                </a:solidFill>
+                <a:effectLst/>
+                <a:latin typeface="Roboto" panose="02000000000000000000" pitchFamily="2" charset="0"/>
+              </a:rPr>
+              <a:t>А меж злодеями — не быть я создан</a:t>
+            </a:r>
+          </a:p>
+          <a:p>
+            <a:r>
+              <a:rPr lang="ru-RU" dirty="0">
+                <a:solidFill>
+                  <a:srgbClr val="000000"/>
+                </a:solidFill>
+                <a:latin typeface="Roboto" panose="02000000000000000000" pitchFamily="2" charset="0"/>
+              </a:rPr>
+              <a:t>Расшифруйте слово</a:t>
+            </a:r>
+            <a:r>
+              <a:rPr lang="ru-RU" b="0" i="0" dirty="0">
+                <a:solidFill>
+                  <a:srgbClr val="000000"/>
+                </a:solidFill>
+                <a:effectLst/>
+                <a:latin typeface="Roboto" panose="02000000000000000000" pitchFamily="2" charset="0"/>
+              </a:rPr>
+              <a:t>.</a:t>
+            </a:r>
+            <a:endParaRPr lang="ru-RU" dirty="0"/>
+          </a:p>
+        </p:txBody>
+      </p:sp>
+      <p:sp>
+        <p:nvSpPr>
+          <p:cNvPr id="4" name="Объект 3">
+            <a:extLst>
+              <a:ext uri="{FF2B5EF4-FFF2-40B4-BE49-F238E27FC236}">
+                <a16:creationId xmlns:a16="http://schemas.microsoft.com/office/drawing/2014/main" id="{C41D7331-BFF8-BACE-A57E-16D9EBABC531}"/>
+              </a:ext>
+            </a:extLst>
+          </p:cNvPr>
+          <p:cNvSpPr>
+            <a:spLocks noGrp="1"/>
+          </p:cNvSpPr>
+          <p:nvPr>
+            <p:ph sz="half" idx="2"/>
+          </p:nvPr>
+        </p:nvSpPr>
+        <p:spPr>
+          <a:xfrm>
+            <a:off x="3245618" y="958453"/>
+            <a:ext cx="1783761" cy="2284452"/>
+          </a:xfrm>
+        </p:spPr>
+        <p:txBody>
+          <a:bodyPr>
+            <a:normAutofit fontScale="92500" lnSpcReduction="20000"/>
+          </a:bodyPr>
+          <a:lstStyle/>
+          <a:p>
+            <a:r>
+              <a:rPr lang="ru-RU" dirty="0"/>
+              <a:t>Введите слово:</a:t>
+            </a:r>
+          </a:p>
+          <a:p>
+            <a:r>
+              <a:rPr lang="ru-RU" dirty="0"/>
+              <a:t>Верный ответ: Дружба</a:t>
+            </a:r>
+          </a:p>
+          <a:p>
+            <a:endParaRPr lang="ru-RU" dirty="0"/>
+          </a:p>
+          <a:p>
+            <a:pPr marL="0" indent="0">
+              <a:buNone/>
+            </a:pPr>
+            <a:endParaRPr lang="ru-RU" dirty="0"/>
+          </a:p>
+        </p:txBody>
+      </p:sp>
+    </p:spTree>
+    <p:extLst>
+      <p:ext uri="{BB962C8B-B14F-4D97-AF65-F5344CB8AC3E}">
+        <p14:creationId xmlns:p14="http://schemas.microsoft.com/office/powerpoint/2010/main" val="3755422650"/>
+      </p:ext>
+    </p:extLst>
+  </p:cSld>
+  <p:clrMapOvr>
+    <a:masterClrMapping/>
+  </p:clrMapOvr>
+</p:sld>
+</file>
+
+<file path=ppt/slides/slide21.xml><?xml version="1.0" encoding="utf-8"?>
+<p:sld xmlns:a="http://schemas.openxmlformats.org/drawingml/2006/main" xmlns:r="http://schemas.openxmlformats.org/officeDocument/2006/relationships" xmlns:p="http://schemas.openxmlformats.org/presentationml/2006/main">
+  <p:cSld>
+    <p:spTree>
+      <p:nvGrpSpPr>
+        <p:cNvPr id="1" name=""/>
+        <p:cNvGrpSpPr/>
+        <p:nvPr/>
+      </p:nvGrpSpPr>
+      <p:grpSpPr>
+        <a:xfrm>
+          <a:off x="0" y="0"/>
+          <a:ext cx="0" cy="0"/>
+          <a:chOff x="0" y="0"/>
+          <a:chExt cx="0" cy="0"/>
+        </a:xfrm>
+      </p:grpSpPr>
+      <p:sp>
+        <p:nvSpPr>
+          <p:cNvPr id="2" name="Заголовок 1">
+            <a:extLst>
+              <a:ext uri="{FF2B5EF4-FFF2-40B4-BE49-F238E27FC236}">
+                <a16:creationId xmlns:a16="http://schemas.microsoft.com/office/drawing/2014/main" id="{A91BA214-EFAE-0276-D0C9-DF8F1ADCA7DE}"/>
+              </a:ext>
+            </a:extLst>
+          </p:cNvPr>
+          <p:cNvSpPr>
+            <a:spLocks noGrp="1"/>
+          </p:cNvSpPr>
+          <p:nvPr>
+            <p:ph type="title"/>
+          </p:nvPr>
+        </p:nvSpPr>
+        <p:spPr/>
+        <p:txBody>
+          <a:bodyPr/>
+          <a:lstStyle/>
+          <a:p>
+            <a:r>
+              <a:rPr lang="ru-RU" dirty="0"/>
+              <a:t>Пара № 7 Материаловедение</a:t>
+            </a:r>
+          </a:p>
+        </p:txBody>
+      </p:sp>
+      <p:sp>
+        <p:nvSpPr>
+          <p:cNvPr id="3" name="Объект 2">
+            <a:extLst>
+              <a:ext uri="{FF2B5EF4-FFF2-40B4-BE49-F238E27FC236}">
+                <a16:creationId xmlns:a16="http://schemas.microsoft.com/office/drawing/2014/main" id="{8940BA48-6CFE-87C6-E3CB-062DF9A9E04E}"/>
+              </a:ext>
+            </a:extLst>
+          </p:cNvPr>
+          <p:cNvSpPr>
+            <a:spLocks noGrp="1"/>
+          </p:cNvSpPr>
+          <p:nvPr>
+            <p:ph sz="half" idx="1"/>
+          </p:nvPr>
+        </p:nvSpPr>
+        <p:spPr/>
+        <p:txBody>
+          <a:bodyPr/>
+          <a:lstStyle/>
+          <a:p>
+            <a:r>
+              <a:rPr lang="ru-RU" dirty="0"/>
+              <a:t>Одежда</a:t>
+            </a:r>
+          </a:p>
+        </p:txBody>
+      </p:sp>
+      <p:sp>
+        <p:nvSpPr>
+          <p:cNvPr id="4" name="Объект 3">
+            <a:extLst>
+              <a:ext uri="{FF2B5EF4-FFF2-40B4-BE49-F238E27FC236}">
+                <a16:creationId xmlns:a16="http://schemas.microsoft.com/office/drawing/2014/main" id="{230D6A6D-CBDD-8D31-85E8-65A81A874C88}"/>
+              </a:ext>
+            </a:extLst>
+          </p:cNvPr>
+          <p:cNvSpPr>
+            <a:spLocks noGrp="1"/>
+          </p:cNvSpPr>
+          <p:nvPr>
+            <p:ph sz="half" idx="2"/>
+          </p:nvPr>
+        </p:nvSpPr>
+        <p:spPr/>
+        <p:txBody>
+          <a:bodyPr/>
+          <a:lstStyle/>
+          <a:p>
+            <a:r>
+              <a:rPr lang="ru-RU" dirty="0"/>
+              <a:t>Введите букву:</a:t>
+            </a:r>
+          </a:p>
+          <a:p>
+            <a:r>
+              <a:rPr lang="ru-RU" dirty="0"/>
+              <a:t>Верный ответ:</a:t>
+            </a:r>
+          </a:p>
+          <a:p>
+            <a:endParaRPr lang="ru-RU" dirty="0"/>
+          </a:p>
+        </p:txBody>
+      </p:sp>
+    </p:spTree>
+    <p:extLst>
+      <p:ext uri="{BB962C8B-B14F-4D97-AF65-F5344CB8AC3E}">
+        <p14:creationId xmlns:p14="http://schemas.microsoft.com/office/powerpoint/2010/main" val="3628495549"/>
+      </p:ext>
+    </p:extLst>
+  </p:cSld>
+  <p:clrMapOvr>
+    <a:masterClrMapping/>
+  </p:clrMapOvr>
+</p:sld>
+</file>
+
+<file path=ppt/slides/slide22.xml><?xml version="1.0" encoding="utf-8"?>
+<p:sld xmlns:a="http://schemas.openxmlformats.org/drawingml/2006/main" xmlns:r="http://schemas.openxmlformats.org/officeDocument/2006/relationships" xmlns:p="http://schemas.openxmlformats.org/presentationml/2006/main">
+  <p:cSld>
+    <p:spTree>
+      <p:nvGrpSpPr>
+        <p:cNvPr id="1" name=""/>
+        <p:cNvGrpSpPr/>
+        <p:nvPr/>
+      </p:nvGrpSpPr>
+      <p:grpSpPr>
+        <a:xfrm>
+          <a:off x="0" y="0"/>
+          <a:ext cx="0" cy="0"/>
+          <a:chOff x="0" y="0"/>
+          <a:chExt cx="0" cy="0"/>
+        </a:xfrm>
+      </p:grpSpPr>
+      <p:sp>
+        <p:nvSpPr>
+          <p:cNvPr id="2" name="Заголовок 1">
+            <a:extLst>
+              <a:ext uri="{FF2B5EF4-FFF2-40B4-BE49-F238E27FC236}">
+                <a16:creationId xmlns:a16="http://schemas.microsoft.com/office/drawing/2014/main" id="{AEA8F201-110E-8230-EC43-3A0688130E2D}"/>
+              </a:ext>
+            </a:extLst>
+          </p:cNvPr>
+          <p:cNvSpPr>
+            <a:spLocks noGrp="1"/>
+          </p:cNvSpPr>
+          <p:nvPr>
+            <p:ph type="title"/>
+          </p:nvPr>
+        </p:nvSpPr>
+        <p:spPr/>
+        <p:txBody>
+          <a:bodyPr>
+            <a:normAutofit fontScale="90000"/>
+          </a:bodyPr>
+          <a:lstStyle/>
+          <a:p>
+            <a:r>
+              <a:rPr lang="ru-RU" dirty="0"/>
+              <a:t>Пара №8 Информационно-коммуникационные технологии</a:t>
+            </a:r>
+          </a:p>
+        </p:txBody>
+      </p:sp>
+      <p:sp>
+        <p:nvSpPr>
+          <p:cNvPr id="3" name="Объект 2">
+            <a:extLst>
+              <a:ext uri="{FF2B5EF4-FFF2-40B4-BE49-F238E27FC236}">
+                <a16:creationId xmlns:a16="http://schemas.microsoft.com/office/drawing/2014/main" id="{92CC0EB4-814F-8FB0-54C6-C54252B907A7}"/>
+              </a:ext>
+            </a:extLst>
+          </p:cNvPr>
+          <p:cNvSpPr>
+            <a:spLocks noGrp="1"/>
+          </p:cNvSpPr>
+          <p:nvPr>
+            <p:ph sz="half" idx="1"/>
+          </p:nvPr>
+        </p:nvSpPr>
+        <p:spPr/>
+        <p:txBody>
+          <a:bodyPr/>
+          <a:lstStyle/>
+          <a:p>
+            <a:r>
+              <a:rPr lang="ru-RU" dirty="0"/>
+              <a:t>В приведенных текстах некоторые идущие подряд буквы нескольких слов образуют термины, связанные с информатикой и компьютерами</a:t>
+            </a:r>
+          </a:p>
+          <a:p>
+            <a:r>
+              <a:rPr lang="ru-RU" dirty="0"/>
+              <a:t>Найдите эти термины</a:t>
+            </a:r>
+          </a:p>
+        </p:txBody>
+      </p:sp>
+      <p:sp>
+        <p:nvSpPr>
+          <p:cNvPr id="4" name="Объект 3">
+            <a:extLst>
+              <a:ext uri="{FF2B5EF4-FFF2-40B4-BE49-F238E27FC236}">
+                <a16:creationId xmlns:a16="http://schemas.microsoft.com/office/drawing/2014/main" id="{08331EEC-D24E-6C32-3D1B-95C453044C52}"/>
+              </a:ext>
+            </a:extLst>
+          </p:cNvPr>
+          <p:cNvSpPr>
+            <a:spLocks noGrp="1"/>
+          </p:cNvSpPr>
+          <p:nvPr>
+            <p:ph sz="half" idx="2"/>
+          </p:nvPr>
+        </p:nvSpPr>
+        <p:spPr/>
+        <p:txBody>
+          <a:bodyPr/>
+          <a:lstStyle/>
+          <a:p>
+            <a:r>
+              <a:rPr lang="ru-RU" dirty="0"/>
+              <a:t>Введите букву:</a:t>
+            </a:r>
+          </a:p>
+          <a:p>
+            <a:r>
+              <a:rPr lang="ru-RU" dirty="0"/>
+              <a:t>Верный ответ:</a:t>
+            </a:r>
+          </a:p>
+          <a:p>
+            <a:endParaRPr lang="ru-RU" dirty="0"/>
+          </a:p>
+        </p:txBody>
+      </p:sp>
+    </p:spTree>
+    <p:extLst>
+      <p:ext uri="{BB962C8B-B14F-4D97-AF65-F5344CB8AC3E}">
+        <p14:creationId xmlns:p14="http://schemas.microsoft.com/office/powerpoint/2010/main" val="274532454"/>
+      </p:ext>
+    </p:extLst>
+  </p:cSld>
+  <p:clrMapOvr>
+    <a:masterClrMapping/>
+  </p:clrMapOvr>
+</p:sld>
+</file>
+
+<file path=ppt/slides/slide23.xml><?xml version="1.0" encoding="utf-8"?>
+<p:sld xmlns:a="http://schemas.openxmlformats.org/drawingml/2006/main" xmlns:r="http://schemas.openxmlformats.org/officeDocument/2006/relationships" xmlns:p="http://schemas.openxmlformats.org/presentationml/2006/main">
+  <p:cSld>
+    <p:spTree>
+      <p:nvGrpSpPr>
+        <p:cNvPr id="1" name=""/>
+        <p:cNvGrpSpPr/>
+        <p:nvPr/>
+      </p:nvGrpSpPr>
+      <p:grpSpPr>
+        <a:xfrm>
+          <a:off x="0" y="0"/>
+          <a:ext cx="0" cy="0"/>
+          <a:chOff x="0" y="0"/>
+          <a:chExt cx="0" cy="0"/>
+        </a:xfrm>
+      </p:grpSpPr>
+      <p:sp>
+        <p:nvSpPr>
+          <p:cNvPr id="2" name="Заголовок 1">
+            <a:extLst>
+              <a:ext uri="{FF2B5EF4-FFF2-40B4-BE49-F238E27FC236}">
+                <a16:creationId xmlns:a16="http://schemas.microsoft.com/office/drawing/2014/main" id="{E579EA19-3CB9-D85F-D328-98118F994CD2}"/>
+              </a:ext>
+            </a:extLst>
+          </p:cNvPr>
+          <p:cNvSpPr>
+            <a:spLocks noGrp="1"/>
+          </p:cNvSpPr>
+          <p:nvPr>
+            <p:ph type="title"/>
+          </p:nvPr>
+        </p:nvSpPr>
+        <p:spPr/>
+        <p:txBody>
+          <a:bodyPr/>
+          <a:lstStyle/>
+          <a:p>
+            <a:r>
+              <a:rPr lang="ru-RU" dirty="0"/>
+              <a:t>Задания</a:t>
+            </a:r>
+          </a:p>
+        </p:txBody>
+      </p:sp>
+      <p:sp>
+        <p:nvSpPr>
+          <p:cNvPr id="3" name="Объект 2">
+            <a:extLst>
+              <a:ext uri="{FF2B5EF4-FFF2-40B4-BE49-F238E27FC236}">
+                <a16:creationId xmlns:a16="http://schemas.microsoft.com/office/drawing/2014/main" id="{BEE21537-DE8A-3059-445B-21B54DED5F37}"/>
+              </a:ext>
+            </a:extLst>
+          </p:cNvPr>
+          <p:cNvSpPr>
+            <a:spLocks noGrp="1"/>
+          </p:cNvSpPr>
+          <p:nvPr>
+            <p:ph sz="half" idx="1"/>
+          </p:nvPr>
+        </p:nvSpPr>
+        <p:spPr/>
+        <p:txBody>
+          <a:bodyPr>
+            <a:normAutofit fontScale="85000" lnSpcReduction="10000"/>
+          </a:bodyPr>
+          <a:lstStyle/>
+          <a:p>
+            <a:r>
+              <a:rPr lang="ru-RU" dirty="0"/>
+              <a:t>1.Потом они торжествовали и радовались как дети</a:t>
+            </a:r>
+          </a:p>
+          <a:p>
+            <a:r>
+              <a:rPr lang="ru-RU" dirty="0"/>
+              <a:t>2.Этот старинный комод ему достался в наследство от бабушки</a:t>
+            </a:r>
+          </a:p>
+          <a:p>
+            <a:r>
+              <a:rPr lang="ru-RU" dirty="0"/>
+              <a:t>3. По просьбе хозяина квартиры мы шкаф сдвинули в угол</a:t>
+            </a:r>
+          </a:p>
+          <a:p>
+            <a:r>
+              <a:rPr lang="ru-RU" dirty="0"/>
+              <a:t>4. Река Днепр интересна тем, сто на ней имеются несколько гидроэлектростанций</a:t>
+            </a:r>
+          </a:p>
+          <a:p>
+            <a:r>
+              <a:rPr lang="ru-RU" dirty="0"/>
+              <a:t>5. Несмотря на это его феска не раз падала с головы</a:t>
+            </a:r>
+          </a:p>
+        </p:txBody>
+      </p:sp>
+      <p:sp>
+        <p:nvSpPr>
+          <p:cNvPr id="4" name="Объект 3">
+            <a:extLst>
+              <a:ext uri="{FF2B5EF4-FFF2-40B4-BE49-F238E27FC236}">
+                <a16:creationId xmlns:a16="http://schemas.microsoft.com/office/drawing/2014/main" id="{5D87556C-09AA-8808-5444-4972B7047698}"/>
+              </a:ext>
+            </a:extLst>
+          </p:cNvPr>
+          <p:cNvSpPr>
+            <a:spLocks noGrp="1"/>
+          </p:cNvSpPr>
+          <p:nvPr>
+            <p:ph sz="half" idx="2"/>
+          </p:nvPr>
+        </p:nvSpPr>
+        <p:spPr/>
+        <p:txBody>
+          <a:bodyPr>
+            <a:normAutofit fontScale="85000" lnSpcReduction="10000"/>
+          </a:bodyPr>
+          <a:lstStyle/>
+          <a:p>
+            <a:r>
+              <a:rPr lang="ru-RU" dirty="0"/>
+              <a:t>1. Монитор</a:t>
+            </a:r>
+          </a:p>
+          <a:p>
+            <a:r>
+              <a:rPr lang="ru-RU" dirty="0"/>
+              <a:t>2. Модем</a:t>
+            </a:r>
+          </a:p>
+          <a:p>
+            <a:r>
+              <a:rPr lang="ru-RU" dirty="0"/>
+              <a:t>3. Мышка</a:t>
+            </a:r>
+          </a:p>
+          <a:p>
+            <a:r>
+              <a:rPr lang="ru-RU" dirty="0"/>
+              <a:t>4. Принтер</a:t>
+            </a:r>
+          </a:p>
+          <a:p>
+            <a:r>
+              <a:rPr lang="ru-RU" dirty="0"/>
+              <a:t>5. Сканер</a:t>
+            </a:r>
+          </a:p>
+        </p:txBody>
+      </p:sp>
+    </p:spTree>
+    <p:extLst>
+      <p:ext uri="{BB962C8B-B14F-4D97-AF65-F5344CB8AC3E}">
+        <p14:creationId xmlns:p14="http://schemas.microsoft.com/office/powerpoint/2010/main" val="72635497"/>
+      </p:ext>
+    </p:extLst>
+  </p:cSld>
+  <p:clrMapOvr>
+    <a:masterClrMapping/>
+  </p:clrMapOvr>
+</p:sld>
+</file>
+
+<file path=ppt/slides/slide24.xml><?xml version="1.0" encoding="utf-8"?>
+<p:sld xmlns:a="http://schemas.openxmlformats.org/drawingml/2006/main" xmlns:r="http://schemas.openxmlformats.org/officeDocument/2006/relationships" xmlns:p="http://schemas.openxmlformats.org/presentationml/2006/main">
+  <p:cSld>
+    <p:spTree>
+      <p:nvGrpSpPr>
+        <p:cNvPr id="1" name=""/>
+        <p:cNvGrpSpPr/>
+        <p:nvPr/>
+      </p:nvGrpSpPr>
+      <p:grpSpPr>
+        <a:xfrm>
+          <a:off x="0" y="0"/>
+          <a:ext cx="0" cy="0"/>
+          <a:chOff x="0" y="0"/>
+          <a:chExt cx="0" cy="0"/>
+        </a:xfrm>
+      </p:grpSpPr>
+      <p:sp>
+        <p:nvSpPr>
+          <p:cNvPr id="2" name="Заголовок 1">
+            <a:extLst>
+              <a:ext uri="{FF2B5EF4-FFF2-40B4-BE49-F238E27FC236}">
+                <a16:creationId xmlns:a16="http://schemas.microsoft.com/office/drawing/2014/main" id="{44D06955-5274-6786-49A2-DE607A1FF5B0}"/>
+              </a:ext>
+            </a:extLst>
+          </p:cNvPr>
+          <p:cNvSpPr>
+            <a:spLocks noGrp="1"/>
+          </p:cNvSpPr>
+          <p:nvPr>
+            <p:ph type="title"/>
+          </p:nvPr>
+        </p:nvSpPr>
+        <p:spPr/>
+        <p:txBody>
+          <a:bodyPr/>
+          <a:lstStyle/>
+          <a:p>
+            <a:r>
+              <a:rPr lang="ru-RU" dirty="0"/>
+              <a:t>Пара №9 Музыка</a:t>
+            </a:r>
+          </a:p>
+        </p:txBody>
+      </p:sp>
+      <p:sp>
+        <p:nvSpPr>
+          <p:cNvPr id="3" name="Объект 2">
+            <a:extLst>
+              <a:ext uri="{FF2B5EF4-FFF2-40B4-BE49-F238E27FC236}">
+                <a16:creationId xmlns:a16="http://schemas.microsoft.com/office/drawing/2014/main" id="{79408731-8657-A67C-2368-515383965F10}"/>
+              </a:ext>
+            </a:extLst>
+          </p:cNvPr>
+          <p:cNvSpPr>
+            <a:spLocks noGrp="1"/>
+          </p:cNvSpPr>
+          <p:nvPr>
+            <p:ph sz="half" idx="1"/>
+          </p:nvPr>
+        </p:nvSpPr>
+        <p:spPr/>
+        <p:txBody>
+          <a:bodyPr/>
+          <a:lstStyle/>
+          <a:p>
+            <a:r>
+              <a:rPr lang="ru-RU" sz="1600" dirty="0"/>
+              <a:t>Соберите </a:t>
+            </a:r>
+            <a:r>
+              <a:rPr lang="ru-RU" sz="1600" dirty="0" err="1"/>
+              <a:t>пазл</a:t>
+            </a:r>
+            <a:endParaRPr lang="ru-RU" sz="1600" dirty="0"/>
+          </a:p>
+          <a:p>
+            <a:r>
+              <a:rPr lang="ru-RU" sz="1600" dirty="0"/>
+              <a:t>Угадайте певца</a:t>
+            </a:r>
+          </a:p>
+          <a:p>
+            <a:endParaRPr lang="ru-RU" dirty="0"/>
+          </a:p>
+        </p:txBody>
+      </p:sp>
+      <p:sp>
+        <p:nvSpPr>
+          <p:cNvPr id="4" name="Объект 3">
+            <a:extLst>
+              <a:ext uri="{FF2B5EF4-FFF2-40B4-BE49-F238E27FC236}">
+                <a16:creationId xmlns:a16="http://schemas.microsoft.com/office/drawing/2014/main" id="{2DC7F717-A7FF-E8EB-48BA-77329A72BE2F}"/>
+              </a:ext>
+            </a:extLst>
+          </p:cNvPr>
+          <p:cNvSpPr>
+            <a:spLocks noGrp="1"/>
+          </p:cNvSpPr>
+          <p:nvPr>
+            <p:ph sz="half" idx="2"/>
+          </p:nvPr>
+        </p:nvSpPr>
+        <p:spPr/>
+        <p:txBody>
+          <a:bodyPr/>
+          <a:lstStyle/>
+          <a:p>
+            <a:r>
+              <a:rPr lang="ru-RU" dirty="0">
+                <a:solidFill>
+                  <a:srgbClr val="002060"/>
+                </a:solidFill>
+              </a:rPr>
+              <a:t>Введите 4-ю букву:</a:t>
+            </a:r>
+          </a:p>
+          <a:p>
+            <a:r>
+              <a:rPr lang="ru-RU" dirty="0"/>
+              <a:t>Верный ответ: Т</a:t>
+            </a:r>
+          </a:p>
+        </p:txBody>
+      </p:sp>
+    </p:spTree>
+    <p:extLst>
+      <p:ext uri="{BB962C8B-B14F-4D97-AF65-F5344CB8AC3E}">
+        <p14:creationId xmlns:p14="http://schemas.microsoft.com/office/powerpoint/2010/main" val="4086657486"/>
+      </p:ext>
+    </p:extLst>
+  </p:cSld>
+  <p:clrMapOvr>
+    <a:masterClrMapping/>
+  </p:clrMapOvr>
+</p:sld>
+</file>
+
+<file path=ppt/slides/slide25.xml><?xml version="1.0" encoding="utf-8"?>
 <p:sld xmlns:a="http://schemas.openxmlformats.org/drawingml/2006/main" xmlns:r="http://schemas.openxmlformats.org/officeDocument/2006/relationships" xmlns:p="http://schemas.openxmlformats.org/presentationml/2006/main">
   <p:cSld>
     <p:bg>
@@ -5359,1278 +6240,6 @@
 </p:sld>
 </file>
 
-<file path=ppt/slides/slide20.xml><?xml version="1.0" encoding="utf-8"?>
-<p:sld xmlns:a="http://schemas.openxmlformats.org/drawingml/2006/main" xmlns:r="http://schemas.openxmlformats.org/officeDocument/2006/relationships" xmlns:p="http://schemas.openxmlformats.org/presentationml/2006/main">
-  <p:cSld>
-    <p:spTree>
-      <p:nvGrpSpPr>
-        <p:cNvPr id="1" name=""/>
-        <p:cNvGrpSpPr/>
-        <p:nvPr/>
-      </p:nvGrpSpPr>
-      <p:grpSpPr>
-        <a:xfrm>
-          <a:off x="0" y="0"/>
-          <a:ext cx="0" cy="0"/>
-          <a:chOff x="0" y="0"/>
-          <a:chExt cx="0" cy="0"/>
-        </a:xfrm>
-      </p:grpSpPr>
-      <p:sp>
-        <p:nvSpPr>
-          <p:cNvPr id="2" name="Заголовок 1">
-            <a:extLst>
-              <a:ext uri="{FF2B5EF4-FFF2-40B4-BE49-F238E27FC236}">
-                <a16:creationId xmlns:a16="http://schemas.microsoft.com/office/drawing/2014/main" id="{6B7D2E56-AF4A-CAAD-C5F4-FD1232F9D766}"/>
-              </a:ext>
-            </a:extLst>
-          </p:cNvPr>
-          <p:cNvSpPr>
-            <a:spLocks noGrp="1"/>
-          </p:cNvSpPr>
-          <p:nvPr>
-            <p:ph type="title"/>
-          </p:nvPr>
-        </p:nvSpPr>
-        <p:spPr/>
-        <p:txBody>
-          <a:bodyPr/>
-          <a:lstStyle/>
-          <a:p>
-            <a:r>
-              <a:rPr lang="ru-RU" dirty="0"/>
-              <a:t>Задание 6</a:t>
-            </a:r>
-          </a:p>
-        </p:txBody>
-      </p:sp>
-      <p:sp>
-        <p:nvSpPr>
-          <p:cNvPr id="3" name="Объект 2">
-            <a:extLst>
-              <a:ext uri="{FF2B5EF4-FFF2-40B4-BE49-F238E27FC236}">
-                <a16:creationId xmlns:a16="http://schemas.microsoft.com/office/drawing/2014/main" id="{2B00E5DC-C5A3-8558-2E1A-A4356CFDCBDC}"/>
-              </a:ext>
-            </a:extLst>
-          </p:cNvPr>
-          <p:cNvSpPr>
-            <a:spLocks noGrp="1"/>
-          </p:cNvSpPr>
-          <p:nvPr>
-            <p:ph sz="half" idx="1"/>
-          </p:nvPr>
-        </p:nvSpPr>
-        <p:spPr/>
-        <p:txBody>
-          <a:bodyPr/>
-          <a:lstStyle/>
-          <a:p>
-            <a:r>
-              <a:rPr lang="ru-RU" dirty="0"/>
-              <a:t>Анаграмма</a:t>
-            </a:r>
-          </a:p>
-        </p:txBody>
-      </p:sp>
-      <p:sp>
-        <p:nvSpPr>
-          <p:cNvPr id="4" name="Объект 3">
-            <a:extLst>
-              <a:ext uri="{FF2B5EF4-FFF2-40B4-BE49-F238E27FC236}">
-                <a16:creationId xmlns:a16="http://schemas.microsoft.com/office/drawing/2014/main" id="{C7CE2032-9131-B8A4-4030-824E8A61181E}"/>
-              </a:ext>
-            </a:extLst>
-          </p:cNvPr>
-          <p:cNvSpPr>
-            <a:spLocks noGrp="1"/>
-          </p:cNvSpPr>
-          <p:nvPr>
-            <p:ph sz="half" idx="2"/>
-          </p:nvPr>
-        </p:nvSpPr>
-        <p:spPr/>
-        <p:txBody>
-          <a:bodyPr/>
-          <a:lstStyle/>
-          <a:p>
-            <a:r>
-              <a:rPr lang="ru-RU" dirty="0"/>
-              <a:t>Введите букву:</a:t>
-            </a:r>
-          </a:p>
-          <a:p>
-            <a:r>
-              <a:rPr lang="ru-RU" dirty="0"/>
-              <a:t>Верный ответ:</a:t>
-            </a:r>
-          </a:p>
-          <a:p>
-            <a:endParaRPr lang="ru-RU" dirty="0"/>
-          </a:p>
-        </p:txBody>
-      </p:sp>
-    </p:spTree>
-    <p:extLst>
-      <p:ext uri="{BB962C8B-B14F-4D97-AF65-F5344CB8AC3E}">
-        <p14:creationId xmlns:p14="http://schemas.microsoft.com/office/powerpoint/2010/main" val="3384369034"/>
-      </p:ext>
-    </p:extLst>
-  </p:cSld>
-  <p:clrMapOvr>
-    <a:masterClrMapping/>
-  </p:clrMapOvr>
-</p:sld>
-</file>
-
-<file path=ppt/slides/slide21.xml><?xml version="1.0" encoding="utf-8"?>
-<p:sld xmlns:a="http://schemas.openxmlformats.org/drawingml/2006/main" xmlns:r="http://schemas.openxmlformats.org/officeDocument/2006/relationships" xmlns:p="http://schemas.openxmlformats.org/presentationml/2006/main">
-  <p:cSld>
-    <p:spTree>
-      <p:nvGrpSpPr>
-        <p:cNvPr id="1" name=""/>
-        <p:cNvGrpSpPr/>
-        <p:nvPr/>
-      </p:nvGrpSpPr>
-      <p:grpSpPr>
-        <a:xfrm>
-          <a:off x="0" y="0"/>
-          <a:ext cx="0" cy="0"/>
-          <a:chOff x="0" y="0"/>
-          <a:chExt cx="0" cy="0"/>
-        </a:xfrm>
-      </p:grpSpPr>
-      <p:sp>
-        <p:nvSpPr>
-          <p:cNvPr id="2" name="Заголовок 1">
-            <a:extLst>
-              <a:ext uri="{FF2B5EF4-FFF2-40B4-BE49-F238E27FC236}">
-                <a16:creationId xmlns:a16="http://schemas.microsoft.com/office/drawing/2014/main" id="{EA6A3C4A-7D94-A35B-67C5-C13CC3E15501}"/>
-              </a:ext>
-            </a:extLst>
-          </p:cNvPr>
-          <p:cNvSpPr>
-            <a:spLocks noGrp="1"/>
-          </p:cNvSpPr>
-          <p:nvPr>
-            <p:ph type="title"/>
-          </p:nvPr>
-        </p:nvSpPr>
-        <p:spPr/>
-        <p:txBody>
-          <a:bodyPr/>
-          <a:lstStyle/>
-          <a:p>
-            <a:r>
-              <a:rPr lang="ru-RU" dirty="0"/>
-              <a:t>Задание 7</a:t>
-            </a:r>
-          </a:p>
-        </p:txBody>
-      </p:sp>
-      <p:sp>
-        <p:nvSpPr>
-          <p:cNvPr id="3" name="Объект 2">
-            <a:extLst>
-              <a:ext uri="{FF2B5EF4-FFF2-40B4-BE49-F238E27FC236}">
-                <a16:creationId xmlns:a16="http://schemas.microsoft.com/office/drawing/2014/main" id="{CEFA3CA5-EDAD-911F-05E8-5EECB04EFCF7}"/>
-              </a:ext>
-            </a:extLst>
-          </p:cNvPr>
-          <p:cNvSpPr>
-            <a:spLocks noGrp="1"/>
-          </p:cNvSpPr>
-          <p:nvPr>
-            <p:ph sz="half" idx="1"/>
-          </p:nvPr>
-        </p:nvSpPr>
-        <p:spPr/>
-        <p:txBody>
-          <a:bodyPr/>
-          <a:lstStyle/>
-          <a:p>
-            <a:r>
-              <a:rPr lang="ru-RU" dirty="0"/>
-              <a:t>Зашифровать смайликами</a:t>
-            </a:r>
-          </a:p>
-        </p:txBody>
-      </p:sp>
-      <p:sp>
-        <p:nvSpPr>
-          <p:cNvPr id="4" name="Объект 3">
-            <a:extLst>
-              <a:ext uri="{FF2B5EF4-FFF2-40B4-BE49-F238E27FC236}">
-                <a16:creationId xmlns:a16="http://schemas.microsoft.com/office/drawing/2014/main" id="{25E287CE-C150-0037-A82D-BB4F7E01EFC9}"/>
-              </a:ext>
-            </a:extLst>
-          </p:cNvPr>
-          <p:cNvSpPr>
-            <a:spLocks noGrp="1"/>
-          </p:cNvSpPr>
-          <p:nvPr>
-            <p:ph sz="half" idx="2"/>
-          </p:nvPr>
-        </p:nvSpPr>
-        <p:spPr/>
-        <p:txBody>
-          <a:bodyPr/>
-          <a:lstStyle/>
-          <a:p>
-            <a:r>
-              <a:rPr lang="ru-RU" dirty="0"/>
-              <a:t>Введите букву:</a:t>
-            </a:r>
-          </a:p>
-          <a:p>
-            <a:r>
-              <a:rPr lang="ru-RU" dirty="0"/>
-              <a:t>Верный ответ:</a:t>
-            </a:r>
-          </a:p>
-          <a:p>
-            <a:endParaRPr lang="ru-RU" dirty="0"/>
-          </a:p>
-        </p:txBody>
-      </p:sp>
-    </p:spTree>
-    <p:extLst>
-      <p:ext uri="{BB962C8B-B14F-4D97-AF65-F5344CB8AC3E}">
-        <p14:creationId xmlns:p14="http://schemas.microsoft.com/office/powerpoint/2010/main" val="1565736178"/>
-      </p:ext>
-    </p:extLst>
-  </p:cSld>
-  <p:clrMapOvr>
-    <a:masterClrMapping/>
-  </p:clrMapOvr>
-</p:sld>
-</file>
-
-<file path=ppt/slides/slide22.xml><?xml version="1.0" encoding="utf-8"?>
-<p:sld xmlns:a="http://schemas.openxmlformats.org/drawingml/2006/main" xmlns:r="http://schemas.openxmlformats.org/officeDocument/2006/relationships" xmlns:p="http://schemas.openxmlformats.org/presentationml/2006/main">
-  <p:cSld>
-    <p:spTree>
-      <p:nvGrpSpPr>
-        <p:cNvPr id="1" name=""/>
-        <p:cNvGrpSpPr/>
-        <p:nvPr/>
-      </p:nvGrpSpPr>
-      <p:grpSpPr>
-        <a:xfrm>
-          <a:off x="0" y="0"/>
-          <a:ext cx="0" cy="0"/>
-          <a:chOff x="0" y="0"/>
-          <a:chExt cx="0" cy="0"/>
-        </a:xfrm>
-      </p:grpSpPr>
-      <p:sp>
-        <p:nvSpPr>
-          <p:cNvPr id="2" name="Заголовок 1">
-            <a:extLst>
-              <a:ext uri="{FF2B5EF4-FFF2-40B4-BE49-F238E27FC236}">
-                <a16:creationId xmlns:a16="http://schemas.microsoft.com/office/drawing/2014/main" id="{AFB2C89E-1D72-CF47-1D23-9C601B968A65}"/>
-              </a:ext>
-            </a:extLst>
-          </p:cNvPr>
-          <p:cNvSpPr>
-            <a:spLocks noGrp="1"/>
-          </p:cNvSpPr>
-          <p:nvPr>
-            <p:ph type="title"/>
-          </p:nvPr>
-        </p:nvSpPr>
-        <p:spPr/>
-        <p:txBody>
-          <a:bodyPr/>
-          <a:lstStyle/>
-          <a:p>
-            <a:r>
-              <a:rPr lang="ru-RU" dirty="0"/>
-              <a:t>Задание 8</a:t>
-            </a:r>
-          </a:p>
-        </p:txBody>
-      </p:sp>
-      <p:sp>
-        <p:nvSpPr>
-          <p:cNvPr id="3" name="Объект 2">
-            <a:extLst>
-              <a:ext uri="{FF2B5EF4-FFF2-40B4-BE49-F238E27FC236}">
-                <a16:creationId xmlns:a16="http://schemas.microsoft.com/office/drawing/2014/main" id="{E0E2F0BB-65DC-7AA9-AD4B-4E3F28A27478}"/>
-              </a:ext>
-            </a:extLst>
-          </p:cNvPr>
-          <p:cNvSpPr>
-            <a:spLocks noGrp="1"/>
-          </p:cNvSpPr>
-          <p:nvPr>
-            <p:ph sz="half" idx="1"/>
-          </p:nvPr>
-        </p:nvSpPr>
-        <p:spPr/>
-        <p:txBody>
-          <a:bodyPr/>
-          <a:lstStyle/>
-          <a:p>
-            <a:r>
-              <a:rPr lang="ru-RU" dirty="0"/>
-              <a:t>Найдите подсказу,</a:t>
-            </a:r>
-          </a:p>
-          <a:p>
-            <a:r>
-              <a:rPr lang="ru-RU" dirty="0"/>
-              <a:t>Воспользуйтесь фонариком</a:t>
-            </a:r>
-          </a:p>
-        </p:txBody>
-      </p:sp>
-      <p:sp>
-        <p:nvSpPr>
-          <p:cNvPr id="4" name="Объект 3">
-            <a:extLst>
-              <a:ext uri="{FF2B5EF4-FFF2-40B4-BE49-F238E27FC236}">
-                <a16:creationId xmlns:a16="http://schemas.microsoft.com/office/drawing/2014/main" id="{CFC6EC81-EC82-F16F-EF53-DC7169763137}"/>
-              </a:ext>
-            </a:extLst>
-          </p:cNvPr>
-          <p:cNvSpPr>
-            <a:spLocks noGrp="1"/>
-          </p:cNvSpPr>
-          <p:nvPr>
-            <p:ph sz="half" idx="2"/>
-          </p:nvPr>
-        </p:nvSpPr>
-        <p:spPr/>
-        <p:txBody>
-          <a:bodyPr/>
-          <a:lstStyle/>
-          <a:p>
-            <a:r>
-              <a:rPr lang="ru-RU" dirty="0"/>
-              <a:t>Введите букву:</a:t>
-            </a:r>
-          </a:p>
-          <a:p>
-            <a:r>
-              <a:rPr lang="ru-RU" dirty="0"/>
-              <a:t>Верный ответ:</a:t>
-            </a:r>
-          </a:p>
-          <a:p>
-            <a:endParaRPr lang="ru-RU" dirty="0"/>
-          </a:p>
-        </p:txBody>
-      </p:sp>
-    </p:spTree>
-    <p:extLst>
-      <p:ext uri="{BB962C8B-B14F-4D97-AF65-F5344CB8AC3E}">
-        <p14:creationId xmlns:p14="http://schemas.microsoft.com/office/powerpoint/2010/main" val="405418919"/>
-      </p:ext>
-    </p:extLst>
-  </p:cSld>
-  <p:clrMapOvr>
-    <a:masterClrMapping/>
-  </p:clrMapOvr>
-</p:sld>
-</file>
-
-<file path=ppt/slides/slide23.xml><?xml version="1.0" encoding="utf-8"?>
-<p:sld xmlns:a="http://schemas.openxmlformats.org/drawingml/2006/main" xmlns:r="http://schemas.openxmlformats.org/officeDocument/2006/relationships" xmlns:p="http://schemas.openxmlformats.org/presentationml/2006/main">
-  <p:cSld>
-    <p:spTree>
-      <p:nvGrpSpPr>
-        <p:cNvPr id="1" name=""/>
-        <p:cNvGrpSpPr/>
-        <p:nvPr/>
-      </p:nvGrpSpPr>
-      <p:grpSpPr>
-        <a:xfrm>
-          <a:off x="0" y="0"/>
-          <a:ext cx="0" cy="0"/>
-          <a:chOff x="0" y="0"/>
-          <a:chExt cx="0" cy="0"/>
-        </a:xfrm>
-      </p:grpSpPr>
-      <p:sp>
-        <p:nvSpPr>
-          <p:cNvPr id="2" name="Заголовок 1">
-            <a:extLst>
-              <a:ext uri="{FF2B5EF4-FFF2-40B4-BE49-F238E27FC236}">
-                <a16:creationId xmlns:a16="http://schemas.microsoft.com/office/drawing/2014/main" id="{A7C64400-6BDB-D951-D10A-0F643D8B52D6}"/>
-              </a:ext>
-            </a:extLst>
-          </p:cNvPr>
-          <p:cNvSpPr>
-            <a:spLocks noGrp="1"/>
-          </p:cNvSpPr>
-          <p:nvPr>
-            <p:ph type="title"/>
-          </p:nvPr>
-        </p:nvSpPr>
-        <p:spPr/>
-        <p:txBody>
-          <a:bodyPr/>
-          <a:lstStyle/>
-          <a:p>
-            <a:r>
-              <a:rPr lang="ru-RU" dirty="0"/>
-              <a:t>Задание 9</a:t>
-            </a:r>
-          </a:p>
-        </p:txBody>
-      </p:sp>
-      <p:sp>
-        <p:nvSpPr>
-          <p:cNvPr id="3" name="Объект 2">
-            <a:extLst>
-              <a:ext uri="{FF2B5EF4-FFF2-40B4-BE49-F238E27FC236}">
-                <a16:creationId xmlns:a16="http://schemas.microsoft.com/office/drawing/2014/main" id="{356A24C9-3100-D321-0629-C2EED2BA96FC}"/>
-              </a:ext>
-            </a:extLst>
-          </p:cNvPr>
-          <p:cNvSpPr>
-            <a:spLocks noGrp="1"/>
-          </p:cNvSpPr>
-          <p:nvPr>
-            <p:ph sz="half" idx="1"/>
-          </p:nvPr>
-        </p:nvSpPr>
-        <p:spPr/>
-        <p:txBody>
-          <a:bodyPr/>
-          <a:lstStyle/>
-          <a:p>
-            <a:r>
-              <a:rPr lang="ru-RU" dirty="0"/>
-              <a:t>Азбука Морзе</a:t>
-            </a:r>
-          </a:p>
-        </p:txBody>
-      </p:sp>
-      <p:sp>
-        <p:nvSpPr>
-          <p:cNvPr id="4" name="Объект 3">
-            <a:extLst>
-              <a:ext uri="{FF2B5EF4-FFF2-40B4-BE49-F238E27FC236}">
-                <a16:creationId xmlns:a16="http://schemas.microsoft.com/office/drawing/2014/main" id="{60107761-B0C4-977E-854D-6448AF18826E}"/>
-              </a:ext>
-            </a:extLst>
-          </p:cNvPr>
-          <p:cNvSpPr>
-            <a:spLocks noGrp="1"/>
-          </p:cNvSpPr>
-          <p:nvPr>
-            <p:ph sz="half" idx="2"/>
-          </p:nvPr>
-        </p:nvSpPr>
-        <p:spPr/>
-        <p:txBody>
-          <a:bodyPr/>
-          <a:lstStyle/>
-          <a:p>
-            <a:r>
-              <a:rPr lang="ru-RU" dirty="0"/>
-              <a:t>Введите букву:</a:t>
-            </a:r>
-          </a:p>
-          <a:p>
-            <a:r>
-              <a:rPr lang="ru-RU" dirty="0"/>
-              <a:t>Верный ответ:</a:t>
-            </a:r>
-          </a:p>
-          <a:p>
-            <a:endParaRPr lang="ru-RU" dirty="0"/>
-          </a:p>
-        </p:txBody>
-      </p:sp>
-    </p:spTree>
-    <p:extLst>
-      <p:ext uri="{BB962C8B-B14F-4D97-AF65-F5344CB8AC3E}">
-        <p14:creationId xmlns:p14="http://schemas.microsoft.com/office/powerpoint/2010/main" val="1826964257"/>
-      </p:ext>
-    </p:extLst>
-  </p:cSld>
-  <p:clrMapOvr>
-    <a:masterClrMapping/>
-  </p:clrMapOvr>
-</p:sld>
-</file>
-
-<file path=ppt/slides/slide24.xml><?xml version="1.0" encoding="utf-8"?>
-<p:sld xmlns:a="http://schemas.openxmlformats.org/drawingml/2006/main" xmlns:r="http://schemas.openxmlformats.org/officeDocument/2006/relationships" xmlns:p="http://schemas.openxmlformats.org/presentationml/2006/main">
-  <p:cSld>
-    <p:spTree>
-      <p:nvGrpSpPr>
-        <p:cNvPr id="1" name=""/>
-        <p:cNvGrpSpPr/>
-        <p:nvPr/>
-      </p:nvGrpSpPr>
-      <p:grpSpPr>
-        <a:xfrm>
-          <a:off x="0" y="0"/>
-          <a:ext cx="0" cy="0"/>
-          <a:chOff x="0" y="0"/>
-          <a:chExt cx="0" cy="0"/>
-        </a:xfrm>
-      </p:grpSpPr>
-      <p:sp>
-        <p:nvSpPr>
-          <p:cNvPr id="2" name="Заголовок 1">
-            <a:extLst>
-              <a:ext uri="{FF2B5EF4-FFF2-40B4-BE49-F238E27FC236}">
-                <a16:creationId xmlns:a16="http://schemas.microsoft.com/office/drawing/2014/main" id="{FE3560F5-0DF8-534B-1855-9CF6BDA58FCB}"/>
-              </a:ext>
-            </a:extLst>
-          </p:cNvPr>
-          <p:cNvSpPr>
-            <a:spLocks noGrp="1"/>
-          </p:cNvSpPr>
-          <p:nvPr>
-            <p:ph type="title"/>
-          </p:nvPr>
-        </p:nvSpPr>
-        <p:spPr/>
-        <p:txBody>
-          <a:bodyPr/>
-          <a:lstStyle/>
-          <a:p>
-            <a:r>
-              <a:rPr lang="ru-RU" dirty="0"/>
-              <a:t>Задание 10</a:t>
-            </a:r>
-          </a:p>
-        </p:txBody>
-      </p:sp>
-      <p:sp>
-        <p:nvSpPr>
-          <p:cNvPr id="3" name="Объект 2">
-            <a:extLst>
-              <a:ext uri="{FF2B5EF4-FFF2-40B4-BE49-F238E27FC236}">
-                <a16:creationId xmlns:a16="http://schemas.microsoft.com/office/drawing/2014/main" id="{ADE2C3FA-70CE-48B1-4109-387A59259A02}"/>
-              </a:ext>
-            </a:extLst>
-          </p:cNvPr>
-          <p:cNvSpPr>
-            <a:spLocks noGrp="1"/>
-          </p:cNvSpPr>
-          <p:nvPr>
-            <p:ph sz="half" idx="1"/>
-          </p:nvPr>
-        </p:nvSpPr>
-        <p:spPr>
-          <a:xfrm>
-            <a:off x="371297" y="958453"/>
-            <a:ext cx="2783885" cy="2284452"/>
-          </a:xfrm>
-        </p:spPr>
-        <p:txBody>
-          <a:bodyPr>
-            <a:normAutofit fontScale="85000" lnSpcReduction="10000"/>
-          </a:bodyPr>
-          <a:lstStyle/>
-          <a:p>
-            <a:r>
-              <a:rPr lang="ru-RU" dirty="0"/>
-              <a:t>Акростихи</a:t>
-            </a:r>
-          </a:p>
-          <a:p>
-            <a:r>
-              <a:rPr lang="ru-RU" b="0" i="0" dirty="0">
-                <a:solidFill>
-                  <a:srgbClr val="000000"/>
-                </a:solidFill>
-                <a:effectLst/>
-                <a:latin typeface="Roboto" panose="02000000000000000000" pitchFamily="2" charset="0"/>
-              </a:rPr>
-              <a:t>Довольно именем известна я своим;</a:t>
-            </a:r>
-            <a:br>
-              <a:rPr lang="ru-RU" dirty="0"/>
-            </a:br>
-            <a:r>
-              <a:rPr lang="ru-RU" b="0" i="0" dirty="0">
-                <a:solidFill>
-                  <a:srgbClr val="000000"/>
-                </a:solidFill>
-                <a:effectLst/>
-                <a:latin typeface="Roboto" panose="02000000000000000000" pitchFamily="2" charset="0"/>
-              </a:rPr>
-              <a:t>Равно клянётся плут и непорочный им,</a:t>
-            </a:r>
-            <a:br>
-              <a:rPr lang="ru-RU" dirty="0"/>
-            </a:br>
-            <a:r>
-              <a:rPr lang="ru-RU" b="0" i="0" dirty="0">
-                <a:solidFill>
-                  <a:srgbClr val="000000"/>
-                </a:solidFill>
-                <a:effectLst/>
-                <a:latin typeface="Roboto" panose="02000000000000000000" pitchFamily="2" charset="0"/>
-              </a:rPr>
-              <a:t>Утехой в бедствиях всего бываю боле,</a:t>
-            </a:r>
-            <a:br>
-              <a:rPr lang="ru-RU" dirty="0"/>
-            </a:br>
-            <a:r>
-              <a:rPr lang="ru-RU" b="0" i="0" dirty="0">
-                <a:solidFill>
-                  <a:srgbClr val="000000"/>
-                </a:solidFill>
-                <a:effectLst/>
-                <a:latin typeface="Roboto" panose="02000000000000000000" pitchFamily="2" charset="0"/>
-              </a:rPr>
-              <a:t>Жизнь сладостней при мне и в самой лучшей доле.</a:t>
-            </a:r>
-            <a:br>
-              <a:rPr lang="ru-RU" dirty="0"/>
-            </a:br>
-            <a:r>
-              <a:rPr lang="ru-RU" b="0" i="0" dirty="0">
-                <a:solidFill>
-                  <a:srgbClr val="000000"/>
-                </a:solidFill>
-                <a:effectLst/>
-                <a:latin typeface="Roboto" panose="02000000000000000000" pitchFamily="2" charset="0"/>
-              </a:rPr>
-              <a:t>Блаженству чистых душ могу служить одна,</a:t>
-            </a:r>
-            <a:br>
-              <a:rPr lang="ru-RU" dirty="0"/>
-            </a:br>
-            <a:r>
-              <a:rPr lang="ru-RU" b="0" i="0" dirty="0">
-                <a:solidFill>
-                  <a:srgbClr val="000000"/>
-                </a:solidFill>
-                <a:effectLst/>
-                <a:latin typeface="Roboto" panose="02000000000000000000" pitchFamily="2" charset="0"/>
-              </a:rPr>
-              <a:t>А меж злодеями — не быть я создан</a:t>
-            </a:r>
-          </a:p>
-          <a:p>
-            <a:r>
-              <a:rPr lang="ru-RU" dirty="0">
-                <a:solidFill>
-                  <a:srgbClr val="000000"/>
-                </a:solidFill>
-                <a:latin typeface="Roboto" panose="02000000000000000000" pitchFamily="2" charset="0"/>
-              </a:rPr>
-              <a:t>Расшифруйте слово</a:t>
-            </a:r>
-            <a:r>
-              <a:rPr lang="ru-RU" b="0" i="0" dirty="0">
-                <a:solidFill>
-                  <a:srgbClr val="000000"/>
-                </a:solidFill>
-                <a:effectLst/>
-                <a:latin typeface="Roboto" panose="02000000000000000000" pitchFamily="2" charset="0"/>
-              </a:rPr>
-              <a:t>.</a:t>
-            </a:r>
-            <a:endParaRPr lang="ru-RU" dirty="0"/>
-          </a:p>
-        </p:txBody>
-      </p:sp>
-      <p:sp>
-        <p:nvSpPr>
-          <p:cNvPr id="4" name="Объект 3">
-            <a:extLst>
-              <a:ext uri="{FF2B5EF4-FFF2-40B4-BE49-F238E27FC236}">
-                <a16:creationId xmlns:a16="http://schemas.microsoft.com/office/drawing/2014/main" id="{C41D7331-BFF8-BACE-A57E-16D9EBABC531}"/>
-              </a:ext>
-            </a:extLst>
-          </p:cNvPr>
-          <p:cNvSpPr>
-            <a:spLocks noGrp="1"/>
-          </p:cNvSpPr>
-          <p:nvPr>
-            <p:ph sz="half" idx="2"/>
-          </p:nvPr>
-        </p:nvSpPr>
-        <p:spPr>
-          <a:xfrm>
-            <a:off x="3245618" y="958453"/>
-            <a:ext cx="1783761" cy="2284452"/>
-          </a:xfrm>
-        </p:spPr>
-        <p:txBody>
-          <a:bodyPr>
-            <a:normAutofit fontScale="85000" lnSpcReduction="10000"/>
-          </a:bodyPr>
-          <a:lstStyle/>
-          <a:p>
-            <a:r>
-              <a:rPr lang="ru-RU" dirty="0"/>
-              <a:t>Введите 6-ю букву:</a:t>
-            </a:r>
-          </a:p>
-          <a:p>
-            <a:r>
-              <a:rPr lang="ru-RU" dirty="0"/>
-              <a:t>Верный ответ: а</a:t>
-            </a:r>
-          </a:p>
-          <a:p>
-            <a:endParaRPr lang="ru-RU" dirty="0"/>
-          </a:p>
-          <a:p>
-            <a:endParaRPr lang="ru-RU" dirty="0"/>
-          </a:p>
-          <a:p>
-            <a:r>
-              <a:rPr lang="ru-RU" dirty="0"/>
-              <a:t>Слово: Дружба</a:t>
-            </a:r>
-          </a:p>
-        </p:txBody>
-      </p:sp>
-    </p:spTree>
-    <p:extLst>
-      <p:ext uri="{BB962C8B-B14F-4D97-AF65-F5344CB8AC3E}">
-        <p14:creationId xmlns:p14="http://schemas.microsoft.com/office/powerpoint/2010/main" val="3755422650"/>
-      </p:ext>
-    </p:extLst>
-  </p:cSld>
-  <p:clrMapOvr>
-    <a:masterClrMapping/>
-  </p:clrMapOvr>
-</p:sld>
-</file>
-
-<file path=ppt/slides/slide25.xml><?xml version="1.0" encoding="utf-8"?>
-<p:sld xmlns:a="http://schemas.openxmlformats.org/drawingml/2006/main" xmlns:r="http://schemas.openxmlformats.org/officeDocument/2006/relationships" xmlns:p="http://schemas.openxmlformats.org/presentationml/2006/main">
-  <p:cSld>
-    <p:spTree>
-      <p:nvGrpSpPr>
-        <p:cNvPr id="1" name=""/>
-        <p:cNvGrpSpPr/>
-        <p:nvPr/>
-      </p:nvGrpSpPr>
-      <p:grpSpPr>
-        <a:xfrm>
-          <a:off x="0" y="0"/>
-          <a:ext cx="0" cy="0"/>
-          <a:chOff x="0" y="0"/>
-          <a:chExt cx="0" cy="0"/>
-        </a:xfrm>
-      </p:grpSpPr>
-      <p:sp>
-        <p:nvSpPr>
-          <p:cNvPr id="2" name="Заголовок 1">
-            <a:extLst>
-              <a:ext uri="{FF2B5EF4-FFF2-40B4-BE49-F238E27FC236}">
-                <a16:creationId xmlns:a16="http://schemas.microsoft.com/office/drawing/2014/main" id="{A91BA214-EFAE-0276-D0C9-DF8F1ADCA7DE}"/>
-              </a:ext>
-            </a:extLst>
-          </p:cNvPr>
-          <p:cNvSpPr>
-            <a:spLocks noGrp="1"/>
-          </p:cNvSpPr>
-          <p:nvPr>
-            <p:ph type="title"/>
-          </p:nvPr>
-        </p:nvSpPr>
-        <p:spPr/>
-        <p:txBody>
-          <a:bodyPr/>
-          <a:lstStyle/>
-          <a:p>
-            <a:r>
-              <a:rPr lang="ru-RU" dirty="0"/>
-              <a:t>Задание 11</a:t>
-            </a:r>
-          </a:p>
-        </p:txBody>
-      </p:sp>
-      <p:sp>
-        <p:nvSpPr>
-          <p:cNvPr id="3" name="Объект 2">
-            <a:extLst>
-              <a:ext uri="{FF2B5EF4-FFF2-40B4-BE49-F238E27FC236}">
-                <a16:creationId xmlns:a16="http://schemas.microsoft.com/office/drawing/2014/main" id="{8940BA48-6CFE-87C6-E3CB-062DF9A9E04E}"/>
-              </a:ext>
-            </a:extLst>
-          </p:cNvPr>
-          <p:cNvSpPr>
-            <a:spLocks noGrp="1"/>
-          </p:cNvSpPr>
-          <p:nvPr>
-            <p:ph sz="half" idx="1"/>
-          </p:nvPr>
-        </p:nvSpPr>
-        <p:spPr/>
-        <p:txBody>
-          <a:bodyPr/>
-          <a:lstStyle/>
-          <a:p>
-            <a:endParaRPr lang="ru-RU"/>
-          </a:p>
-        </p:txBody>
-      </p:sp>
-      <p:sp>
-        <p:nvSpPr>
-          <p:cNvPr id="4" name="Объект 3">
-            <a:extLst>
-              <a:ext uri="{FF2B5EF4-FFF2-40B4-BE49-F238E27FC236}">
-                <a16:creationId xmlns:a16="http://schemas.microsoft.com/office/drawing/2014/main" id="{230D6A6D-CBDD-8D31-85E8-65A81A874C88}"/>
-              </a:ext>
-            </a:extLst>
-          </p:cNvPr>
-          <p:cNvSpPr>
-            <a:spLocks noGrp="1"/>
-          </p:cNvSpPr>
-          <p:nvPr>
-            <p:ph sz="half" idx="2"/>
-          </p:nvPr>
-        </p:nvSpPr>
-        <p:spPr/>
-        <p:txBody>
-          <a:bodyPr/>
-          <a:lstStyle/>
-          <a:p>
-            <a:r>
-              <a:rPr lang="ru-RU" dirty="0"/>
-              <a:t>Введите букву:</a:t>
-            </a:r>
-          </a:p>
-          <a:p>
-            <a:r>
-              <a:rPr lang="ru-RU" dirty="0"/>
-              <a:t>Верный ответ:</a:t>
-            </a:r>
-          </a:p>
-          <a:p>
-            <a:endParaRPr lang="ru-RU" dirty="0"/>
-          </a:p>
-        </p:txBody>
-      </p:sp>
-    </p:spTree>
-    <p:extLst>
-      <p:ext uri="{BB962C8B-B14F-4D97-AF65-F5344CB8AC3E}">
-        <p14:creationId xmlns:p14="http://schemas.microsoft.com/office/powerpoint/2010/main" val="3628495549"/>
-      </p:ext>
-    </p:extLst>
-  </p:cSld>
-  <p:clrMapOvr>
-    <a:masterClrMapping/>
-  </p:clrMapOvr>
-</p:sld>
-</file>
-
-<file path=ppt/slides/slide26.xml><?xml version="1.0" encoding="utf-8"?>
-<p:sld xmlns:a="http://schemas.openxmlformats.org/drawingml/2006/main" xmlns:r="http://schemas.openxmlformats.org/officeDocument/2006/relationships" xmlns:p="http://schemas.openxmlformats.org/presentationml/2006/main">
-  <p:cSld>
-    <p:spTree>
-      <p:nvGrpSpPr>
-        <p:cNvPr id="1" name=""/>
-        <p:cNvGrpSpPr/>
-        <p:nvPr/>
-      </p:nvGrpSpPr>
-      <p:grpSpPr>
-        <a:xfrm>
-          <a:off x="0" y="0"/>
-          <a:ext cx="0" cy="0"/>
-          <a:chOff x="0" y="0"/>
-          <a:chExt cx="0" cy="0"/>
-        </a:xfrm>
-      </p:grpSpPr>
-      <p:sp>
-        <p:nvSpPr>
-          <p:cNvPr id="2" name="Заголовок 1">
-            <a:extLst>
-              <a:ext uri="{FF2B5EF4-FFF2-40B4-BE49-F238E27FC236}">
-                <a16:creationId xmlns:a16="http://schemas.microsoft.com/office/drawing/2014/main" id="{AEA8F201-110E-8230-EC43-3A0688130E2D}"/>
-              </a:ext>
-            </a:extLst>
-          </p:cNvPr>
-          <p:cNvSpPr>
-            <a:spLocks noGrp="1"/>
-          </p:cNvSpPr>
-          <p:nvPr>
-            <p:ph type="title"/>
-          </p:nvPr>
-        </p:nvSpPr>
-        <p:spPr/>
-        <p:txBody>
-          <a:bodyPr/>
-          <a:lstStyle/>
-          <a:p>
-            <a:r>
-              <a:rPr lang="ru-RU" dirty="0"/>
-              <a:t>Задание 12</a:t>
-            </a:r>
-          </a:p>
-        </p:txBody>
-      </p:sp>
-      <p:sp>
-        <p:nvSpPr>
-          <p:cNvPr id="3" name="Объект 2">
-            <a:extLst>
-              <a:ext uri="{FF2B5EF4-FFF2-40B4-BE49-F238E27FC236}">
-                <a16:creationId xmlns:a16="http://schemas.microsoft.com/office/drawing/2014/main" id="{92CC0EB4-814F-8FB0-54C6-C54252B907A7}"/>
-              </a:ext>
-            </a:extLst>
-          </p:cNvPr>
-          <p:cNvSpPr>
-            <a:spLocks noGrp="1"/>
-          </p:cNvSpPr>
-          <p:nvPr>
-            <p:ph sz="half" idx="1"/>
-          </p:nvPr>
-        </p:nvSpPr>
-        <p:spPr/>
-        <p:txBody>
-          <a:bodyPr/>
-          <a:lstStyle/>
-          <a:p>
-            <a:r>
-              <a:rPr lang="ru-RU" dirty="0"/>
-              <a:t>Соберите слово</a:t>
-            </a:r>
-          </a:p>
-          <a:p>
-            <a:endParaRPr lang="ru-RU" dirty="0"/>
-          </a:p>
-          <a:p>
-            <a:r>
-              <a:rPr lang="ru-RU" dirty="0"/>
-              <a:t>На стаканчиках подсказки</a:t>
-            </a:r>
-          </a:p>
-        </p:txBody>
-      </p:sp>
-      <p:sp>
-        <p:nvSpPr>
-          <p:cNvPr id="4" name="Объект 3">
-            <a:extLst>
-              <a:ext uri="{FF2B5EF4-FFF2-40B4-BE49-F238E27FC236}">
-                <a16:creationId xmlns:a16="http://schemas.microsoft.com/office/drawing/2014/main" id="{08331EEC-D24E-6C32-3D1B-95C453044C52}"/>
-              </a:ext>
-            </a:extLst>
-          </p:cNvPr>
-          <p:cNvSpPr>
-            <a:spLocks noGrp="1"/>
-          </p:cNvSpPr>
-          <p:nvPr>
-            <p:ph sz="half" idx="2"/>
-          </p:nvPr>
-        </p:nvSpPr>
-        <p:spPr/>
-        <p:txBody>
-          <a:bodyPr/>
-          <a:lstStyle/>
-          <a:p>
-            <a:r>
-              <a:rPr lang="ru-RU" dirty="0"/>
-              <a:t>Введите букву:</a:t>
-            </a:r>
-          </a:p>
-          <a:p>
-            <a:r>
-              <a:rPr lang="ru-RU" dirty="0"/>
-              <a:t>Верный ответ:</a:t>
-            </a:r>
-          </a:p>
-          <a:p>
-            <a:endParaRPr lang="ru-RU" dirty="0"/>
-          </a:p>
-        </p:txBody>
-      </p:sp>
-    </p:spTree>
-    <p:extLst>
-      <p:ext uri="{BB962C8B-B14F-4D97-AF65-F5344CB8AC3E}">
-        <p14:creationId xmlns:p14="http://schemas.microsoft.com/office/powerpoint/2010/main" val="274532454"/>
-      </p:ext>
-    </p:extLst>
-  </p:cSld>
-  <p:clrMapOvr>
-    <a:masterClrMapping/>
-  </p:clrMapOvr>
-</p:sld>
-</file>
-
-<file path=ppt/slides/slide27.xml><?xml version="1.0" encoding="utf-8"?>
-<p:sld xmlns:a="http://schemas.openxmlformats.org/drawingml/2006/main" xmlns:r="http://schemas.openxmlformats.org/officeDocument/2006/relationships" xmlns:p="http://schemas.openxmlformats.org/presentationml/2006/main">
-  <p:cSld>
-    <p:spTree>
-      <p:nvGrpSpPr>
-        <p:cNvPr id="1" name=""/>
-        <p:cNvGrpSpPr/>
-        <p:nvPr/>
-      </p:nvGrpSpPr>
-      <p:grpSpPr>
-        <a:xfrm>
-          <a:off x="0" y="0"/>
-          <a:ext cx="0" cy="0"/>
-          <a:chOff x="0" y="0"/>
-          <a:chExt cx="0" cy="0"/>
-        </a:xfrm>
-      </p:grpSpPr>
-      <p:sp>
-        <p:nvSpPr>
-          <p:cNvPr id="2" name="Заголовок 1">
-            <a:extLst>
-              <a:ext uri="{FF2B5EF4-FFF2-40B4-BE49-F238E27FC236}">
-                <a16:creationId xmlns:a16="http://schemas.microsoft.com/office/drawing/2014/main" id="{0A027E40-7FED-06C3-8E72-467E83EB5E3B}"/>
-              </a:ext>
-            </a:extLst>
-          </p:cNvPr>
-          <p:cNvSpPr>
-            <a:spLocks noGrp="1"/>
-          </p:cNvSpPr>
-          <p:nvPr>
-            <p:ph type="title"/>
-          </p:nvPr>
-        </p:nvSpPr>
-        <p:spPr/>
-        <p:txBody>
-          <a:bodyPr>
-            <a:normAutofit fontScale="90000"/>
-          </a:bodyPr>
-          <a:lstStyle/>
-          <a:p>
-            <a:r>
-              <a:rPr lang="ru-RU" dirty="0"/>
-              <a:t>Задание 13</a:t>
-            </a:r>
-            <a:br>
-              <a:rPr lang="ru-RU" dirty="0"/>
-            </a:br>
-            <a:r>
-              <a:rPr lang="ru-RU" dirty="0"/>
-              <a:t>Угадайте подсказку</a:t>
-            </a:r>
-          </a:p>
-        </p:txBody>
-      </p:sp>
-      <p:pic>
-        <p:nvPicPr>
-          <p:cNvPr id="6" name="Объект 5">
-            <a:extLst>
-              <a:ext uri="{FF2B5EF4-FFF2-40B4-BE49-F238E27FC236}">
-                <a16:creationId xmlns:a16="http://schemas.microsoft.com/office/drawing/2014/main" id="{68458BC0-94A5-FEC6-51C1-209628F16A42}"/>
-              </a:ext>
-            </a:extLst>
-          </p:cNvPr>
-          <p:cNvPicPr>
-            <a:picLocks noGrp="1" noChangeAspect="1"/>
-          </p:cNvPicPr>
-          <p:nvPr>
-            <p:ph sz="half" idx="1"/>
-          </p:nvPr>
-        </p:nvPicPr>
-        <p:blipFill>
-          <a:blip r:embed="rId2">
-            <a:extLst>
-              <a:ext uri="{28A0092B-C50C-407E-A947-70E740481C1C}">
-                <a14:useLocalDpi xmlns:a14="http://schemas.microsoft.com/office/drawing/2010/main" val="0"/>
-              </a:ext>
-            </a:extLst>
-          </a:blip>
-          <a:stretch>
-            <a:fillRect/>
-          </a:stretch>
-        </p:blipFill>
-        <p:spPr>
-          <a:xfrm>
-            <a:off x="371475" y="958454"/>
-            <a:ext cx="2295525" cy="2116342"/>
-          </a:xfrm>
-        </p:spPr>
-      </p:pic>
-      <p:sp>
-        <p:nvSpPr>
-          <p:cNvPr id="4" name="Объект 3">
-            <a:extLst>
-              <a:ext uri="{FF2B5EF4-FFF2-40B4-BE49-F238E27FC236}">
-                <a16:creationId xmlns:a16="http://schemas.microsoft.com/office/drawing/2014/main" id="{20B479E2-1633-378B-58A1-69EBFF41A4E2}"/>
-              </a:ext>
-            </a:extLst>
-          </p:cNvPr>
-          <p:cNvSpPr>
-            <a:spLocks noGrp="1"/>
-          </p:cNvSpPr>
-          <p:nvPr>
-            <p:ph sz="half" idx="2"/>
-          </p:nvPr>
-        </p:nvSpPr>
-        <p:spPr/>
-        <p:txBody>
-          <a:bodyPr/>
-          <a:lstStyle/>
-          <a:p>
-            <a:r>
-              <a:rPr lang="ru-RU" dirty="0"/>
-              <a:t>Введите букву:</a:t>
-            </a:r>
-          </a:p>
-          <a:p>
-            <a:r>
-              <a:rPr lang="ru-RU" dirty="0"/>
-              <a:t>Верный ответ:</a:t>
-            </a:r>
-          </a:p>
-          <a:p>
-            <a:endParaRPr lang="ru-RU" dirty="0"/>
-          </a:p>
-          <a:p>
-            <a:endParaRPr lang="ru-RU" dirty="0"/>
-          </a:p>
-          <a:p>
-            <a:r>
-              <a:rPr lang="ru-RU" dirty="0"/>
-              <a:t>Фото 13</a:t>
-            </a:r>
-          </a:p>
-          <a:p>
-            <a:pPr marL="0" indent="0">
-              <a:buNone/>
-            </a:pPr>
-            <a:endParaRPr lang="ru-RU" dirty="0"/>
-          </a:p>
-        </p:txBody>
-      </p:sp>
-    </p:spTree>
-    <p:extLst>
-      <p:ext uri="{BB962C8B-B14F-4D97-AF65-F5344CB8AC3E}">
-        <p14:creationId xmlns:p14="http://schemas.microsoft.com/office/powerpoint/2010/main" val="3787303583"/>
-      </p:ext>
-    </p:extLst>
-  </p:cSld>
-  <p:clrMapOvr>
-    <a:masterClrMapping/>
-  </p:clrMapOvr>
-</p:sld>
-</file>
-
-<file path=ppt/slides/slide28.xml><?xml version="1.0" encoding="utf-8"?>
-<p:sld xmlns:a="http://schemas.openxmlformats.org/drawingml/2006/main" xmlns:r="http://schemas.openxmlformats.org/officeDocument/2006/relationships" xmlns:p="http://schemas.openxmlformats.org/presentationml/2006/main">
-  <p:cSld>
-    <p:spTree>
-      <p:nvGrpSpPr>
-        <p:cNvPr id="1" name=""/>
-        <p:cNvGrpSpPr/>
-        <p:nvPr/>
-      </p:nvGrpSpPr>
-      <p:grpSpPr>
-        <a:xfrm>
-          <a:off x="0" y="0"/>
-          <a:ext cx="0" cy="0"/>
-          <a:chOff x="0" y="0"/>
-          <a:chExt cx="0" cy="0"/>
-        </a:xfrm>
-      </p:grpSpPr>
-      <p:sp>
-        <p:nvSpPr>
-          <p:cNvPr id="2" name="Заголовок 1">
-            <a:extLst>
-              <a:ext uri="{FF2B5EF4-FFF2-40B4-BE49-F238E27FC236}">
-                <a16:creationId xmlns:a16="http://schemas.microsoft.com/office/drawing/2014/main" id="{A5AC42AE-6B71-6965-F3CD-ED2781079542}"/>
-              </a:ext>
-            </a:extLst>
-          </p:cNvPr>
-          <p:cNvSpPr>
-            <a:spLocks noGrp="1"/>
-          </p:cNvSpPr>
-          <p:nvPr>
-            <p:ph type="title"/>
-          </p:nvPr>
-        </p:nvSpPr>
-        <p:spPr/>
-        <p:txBody>
-          <a:bodyPr/>
-          <a:lstStyle/>
-          <a:p>
-            <a:r>
-              <a:rPr lang="ru-RU" dirty="0"/>
-              <a:t>Задание 14</a:t>
-            </a:r>
-          </a:p>
-        </p:txBody>
-      </p:sp>
-      <p:sp>
-        <p:nvSpPr>
-          <p:cNvPr id="3" name="Объект 2">
-            <a:extLst>
-              <a:ext uri="{FF2B5EF4-FFF2-40B4-BE49-F238E27FC236}">
-                <a16:creationId xmlns:a16="http://schemas.microsoft.com/office/drawing/2014/main" id="{9829D8A0-98EC-54F6-7C81-4981E43F635E}"/>
-              </a:ext>
-            </a:extLst>
-          </p:cNvPr>
-          <p:cNvSpPr>
-            <a:spLocks noGrp="1"/>
-          </p:cNvSpPr>
-          <p:nvPr>
-            <p:ph sz="half" idx="1"/>
-          </p:nvPr>
-        </p:nvSpPr>
-        <p:spPr/>
-        <p:txBody>
-          <a:bodyPr/>
-          <a:lstStyle/>
-          <a:p>
-            <a:r>
-              <a:rPr lang="ru-RU" dirty="0"/>
-              <a:t>Подсказки на половинках тарелок</a:t>
-            </a:r>
-          </a:p>
-        </p:txBody>
-      </p:sp>
-      <p:sp>
-        <p:nvSpPr>
-          <p:cNvPr id="4" name="Объект 3">
-            <a:extLst>
-              <a:ext uri="{FF2B5EF4-FFF2-40B4-BE49-F238E27FC236}">
-                <a16:creationId xmlns:a16="http://schemas.microsoft.com/office/drawing/2014/main" id="{EE6A9C9F-FB8C-BA97-0F89-59A1D3F73168}"/>
-              </a:ext>
-            </a:extLst>
-          </p:cNvPr>
-          <p:cNvSpPr>
-            <a:spLocks noGrp="1"/>
-          </p:cNvSpPr>
-          <p:nvPr>
-            <p:ph sz="half" idx="2"/>
-          </p:nvPr>
-        </p:nvSpPr>
-        <p:spPr/>
-        <p:txBody>
-          <a:bodyPr/>
-          <a:lstStyle/>
-          <a:p>
-            <a:r>
-              <a:rPr lang="ru-RU" dirty="0"/>
-              <a:t>Введите букву:</a:t>
-            </a:r>
-          </a:p>
-          <a:p>
-            <a:r>
-              <a:rPr lang="ru-RU" dirty="0"/>
-              <a:t>Верный ответ:</a:t>
-            </a:r>
-          </a:p>
-          <a:p>
-            <a:endParaRPr lang="ru-RU" dirty="0"/>
-          </a:p>
-        </p:txBody>
-      </p:sp>
-    </p:spTree>
-    <p:extLst>
-      <p:ext uri="{BB962C8B-B14F-4D97-AF65-F5344CB8AC3E}">
-        <p14:creationId xmlns:p14="http://schemas.microsoft.com/office/powerpoint/2010/main" val="2222338124"/>
-      </p:ext>
-    </p:extLst>
-  </p:cSld>
-  <p:clrMapOvr>
-    <a:masterClrMapping/>
-  </p:clrMapOvr>
-</p:sld>
-</file>
-
 <file path=ppt/slides/slide3.xml><?xml version="1.0" encoding="utf-8"?>
 <p:sld xmlns:a="http://schemas.openxmlformats.org/drawingml/2006/main" xmlns:r="http://schemas.openxmlformats.org/officeDocument/2006/relationships" xmlns:p="http://schemas.openxmlformats.org/presentationml/2006/main">
   <p:cSld>
@@ -6653,79 +6262,126 @@
           <p:cNvPr id="2" name="Заголовок 1">
             <a:extLst>
               <a:ext uri="{FF2B5EF4-FFF2-40B4-BE49-F238E27FC236}">
-                <a16:creationId xmlns:a16="http://schemas.microsoft.com/office/drawing/2014/main" id="{7B81FF81-848C-E80F-A395-FE21A9FC631C}"/>
-              </a:ext>
-            </a:extLst>
-          </p:cNvPr>
-          <p:cNvSpPr>
-            <a:spLocks noGrp="1"/>
-          </p:cNvSpPr>
-          <p:nvPr>
-            <p:ph type="ctrTitle"/>
+                <a16:creationId xmlns:a16="http://schemas.microsoft.com/office/drawing/2014/main" id="{B97AF695-B85E-DD93-81AE-CE35F12BA0B7}"/>
+              </a:ext>
+            </a:extLst>
+          </p:cNvPr>
+          <p:cNvSpPr>
+            <a:spLocks noGrp="1"/>
+          </p:cNvSpPr>
+          <p:nvPr>
+            <p:ph type="title"/>
           </p:nvPr>
         </p:nvSpPr>
         <p:spPr>
           <a:xfrm>
-            <a:off x="405051" y="589242"/>
-            <a:ext cx="4590574" cy="701971"/>
+            <a:off x="371297" y="191691"/>
+            <a:ext cx="4658082" cy="1029184"/>
           </a:xfrm>
         </p:spPr>
         <p:txBody>
-          <a:bodyPr/>
-          <a:lstStyle/>
-          <a:p>
-            <a:r>
-              <a:rPr lang="ru-RU" dirty="0"/>
-              <a:t>Задание №2*</a:t>
-            </a:r>
-          </a:p>
-        </p:txBody>
-      </p:sp>
-      <p:sp>
-        <p:nvSpPr>
-          <p:cNvPr id="3" name="Подзаголовок 2">
-            <a:extLst>
-              <a:ext uri="{FF2B5EF4-FFF2-40B4-BE49-F238E27FC236}">
-                <a16:creationId xmlns:a16="http://schemas.microsoft.com/office/drawing/2014/main" id="{5960ED07-2094-F46D-BB58-C61686CD7BA7}"/>
-              </a:ext>
-            </a:extLst>
-          </p:cNvPr>
-          <p:cNvSpPr>
-            <a:spLocks noGrp="1"/>
-          </p:cNvSpPr>
-          <p:nvPr>
-            <p:ph type="subTitle" idx="1"/>
+          <a:bodyPr>
+            <a:normAutofit/>
+          </a:bodyPr>
+          <a:lstStyle/>
+          <a:p>
+            <a:pPr algn="ctr"/>
+            <a:br>
+              <a:rPr lang="ru-RU" dirty="0"/>
+            </a:br>
+            <a:r>
+              <a:rPr lang="ru-RU" dirty="0"/>
+              <a:t>Пара №2 Дискретная математика</a:t>
+            </a:r>
+          </a:p>
+        </p:txBody>
+      </p:sp>
+      <p:sp>
+        <p:nvSpPr>
+          <p:cNvPr id="3" name="Объект 2">
+            <a:extLst>
+              <a:ext uri="{FF2B5EF4-FFF2-40B4-BE49-F238E27FC236}">
+                <a16:creationId xmlns:a16="http://schemas.microsoft.com/office/drawing/2014/main" id="{D814EDD8-85C9-A1A5-5643-5B476237428C}"/>
+              </a:ext>
+            </a:extLst>
+          </p:cNvPr>
+          <p:cNvSpPr>
+            <a:spLocks noGrp="1"/>
+          </p:cNvSpPr>
+          <p:nvPr>
+            <p:ph sz="half" idx="1"/>
           </p:nvPr>
         </p:nvSpPr>
         <p:spPr>
           <a:xfrm>
-            <a:off x="675085" y="1467059"/>
-            <a:ext cx="4050506" cy="1934308"/>
+            <a:off x="371297" y="1029956"/>
+            <a:ext cx="2295287" cy="2212949"/>
           </a:xfrm>
         </p:spPr>
         <p:txBody>
-          <a:bodyPr anchor="ctr">
-            <a:normAutofit/>
-          </a:bodyPr>
-          <a:lstStyle/>
-          <a:p>
-            <a:r>
-              <a:rPr lang="ru-RU" sz="3190" dirty="0"/>
+          <a:bodyPr/>
+          <a:lstStyle/>
+          <a:p>
+            <a:endParaRPr lang="ru-RU" dirty="0"/>
+          </a:p>
+          <a:p>
+            <a:r>
+              <a:rPr lang="ru-RU" dirty="0"/>
+              <a:t>Соберите цифры</a:t>
+            </a:r>
+          </a:p>
+          <a:p>
+            <a:r>
+              <a:rPr lang="ru-RU" dirty="0"/>
+              <a:t>последовательно</a:t>
+            </a:r>
+          </a:p>
+        </p:txBody>
+      </p:sp>
+      <p:sp>
+        <p:nvSpPr>
+          <p:cNvPr id="4" name="Объект 3">
+            <a:extLst>
+              <a:ext uri="{FF2B5EF4-FFF2-40B4-BE49-F238E27FC236}">
+                <a16:creationId xmlns:a16="http://schemas.microsoft.com/office/drawing/2014/main" id="{72BC5F1C-5554-92F6-EC3B-0D084F79A7A0}"/>
+              </a:ext>
+            </a:extLst>
+          </p:cNvPr>
+          <p:cNvSpPr>
+            <a:spLocks noGrp="1"/>
+          </p:cNvSpPr>
+          <p:nvPr>
+            <p:ph sz="half" idx="2"/>
+          </p:nvPr>
+        </p:nvSpPr>
+        <p:spPr>
+          <a:xfrm>
+            <a:off x="2734092" y="1029955"/>
+            <a:ext cx="2295287" cy="2212949"/>
+          </a:xfrm>
+        </p:spPr>
+        <p:txBody>
+          <a:bodyPr/>
+          <a:lstStyle/>
+          <a:p>
+            <a:endParaRPr lang="ru-RU" sz="1600" dirty="0"/>
+          </a:p>
+          <a:p>
+            <a:r>
+              <a:rPr lang="ru-RU" sz="1600" dirty="0"/>
               <a:t>СУПЕР- БЛИЦ «ЦИФРЫ»</a:t>
             </a:r>
-          </a:p>
-          <a:p>
-            <a:r>
-              <a:rPr lang="ru-RU" sz="3190" dirty="0"/>
-              <a:t>Соберите цифры последовательно</a:t>
-            </a:r>
+            <a:br>
+              <a:rPr lang="ru-RU" sz="1600" dirty="0"/>
+            </a:br>
+            <a:endParaRPr lang="ru-RU" dirty="0"/>
           </a:p>
         </p:txBody>
       </p:sp>
     </p:spTree>
     <p:extLst>
       <p:ext uri="{BB962C8B-B14F-4D97-AF65-F5344CB8AC3E}">
-        <p14:creationId xmlns:p14="http://schemas.microsoft.com/office/powerpoint/2010/main" val="2660768764"/>
+        <p14:creationId xmlns:p14="http://schemas.microsoft.com/office/powerpoint/2010/main" val="896603684"/>
       </p:ext>
     </p:extLst>
   </p:cSld>
@@ -6757,7 +6413,7 @@
           <p:cNvPr id="2" name="Заголовок 1">
             <a:extLst>
               <a:ext uri="{FF2B5EF4-FFF2-40B4-BE49-F238E27FC236}">
-                <a16:creationId xmlns:a16="http://schemas.microsoft.com/office/drawing/2014/main" id="{B97AF695-B85E-DD93-81AE-CE35F12BA0B7}"/>
+                <a16:creationId xmlns:a16="http://schemas.microsoft.com/office/drawing/2014/main" id="{4222252A-8E13-CB8E-49D5-001319F4F9C8}"/>
               </a:ext>
             </a:extLst>
           </p:cNvPr>
@@ -6768,101 +6424,94 @@
             <p:ph type="title"/>
           </p:nvPr>
         </p:nvSpPr>
-        <p:spPr>
-          <a:xfrm>
-            <a:off x="371297" y="191691"/>
-            <a:ext cx="4658082" cy="1029184"/>
-          </a:xfrm>
-        </p:spPr>
-        <p:txBody>
-          <a:bodyPr>
-            <a:normAutofit fontScale="90000"/>
-          </a:bodyPr>
-          <a:lstStyle/>
-          <a:p>
-            <a:pPr algn="ctr"/>
-            <a:r>
-              <a:rPr lang="ru-RU" dirty="0"/>
-              <a:t>Задание №2 </a:t>
-            </a:r>
-            <a:br>
-              <a:rPr lang="ru-RU" dirty="0"/>
-            </a:br>
-            <a:r>
-              <a:rPr lang="ru-RU" sz="2400" dirty="0"/>
-              <a:t>СУПЕР- БЛИЦ «ЦИФРЫ»</a:t>
-            </a:r>
-            <a:br>
-              <a:rPr lang="ru-RU" sz="2400" dirty="0"/>
-            </a:br>
+        <p:spPr/>
+        <p:txBody>
+          <a:bodyPr/>
+          <a:lstStyle/>
+          <a:p>
+            <a:r>
+              <a:rPr lang="ru-RU" dirty="0"/>
+              <a:t>2.1 Прочти цифру</a:t>
+            </a:r>
+          </a:p>
+        </p:txBody>
+      </p:sp>
+      <p:sp>
+        <p:nvSpPr>
+          <p:cNvPr id="3" name="Объект 2">
+            <a:extLst>
+              <a:ext uri="{FF2B5EF4-FFF2-40B4-BE49-F238E27FC236}">
+                <a16:creationId xmlns:a16="http://schemas.microsoft.com/office/drawing/2014/main" id="{FC54CC8E-650B-DDF9-DB2D-B89623281BE3}"/>
+              </a:ext>
+            </a:extLst>
+          </p:cNvPr>
+          <p:cNvSpPr>
+            <a:spLocks noGrp="1"/>
+          </p:cNvSpPr>
+          <p:nvPr>
+            <p:ph sz="half" idx="1"/>
+          </p:nvPr>
+        </p:nvSpPr>
+        <p:spPr/>
+        <p:txBody>
+          <a:bodyPr/>
+          <a:lstStyle/>
+          <a:p>
+            <a:r>
+              <a:rPr lang="ru-RU" dirty="0"/>
+              <a:t>На стаканах указано слово, обозначающее цифру</a:t>
+            </a:r>
+          </a:p>
+        </p:txBody>
+      </p:sp>
+      <p:sp>
+        <p:nvSpPr>
+          <p:cNvPr id="4" name="Объект 3">
+            <a:extLst>
+              <a:ext uri="{FF2B5EF4-FFF2-40B4-BE49-F238E27FC236}">
+                <a16:creationId xmlns:a16="http://schemas.microsoft.com/office/drawing/2014/main" id="{4A2C408C-486C-1976-AA0C-7B313AA212D4}"/>
+              </a:ext>
+            </a:extLst>
+          </p:cNvPr>
+          <p:cNvSpPr>
+            <a:spLocks noGrp="1"/>
+          </p:cNvSpPr>
+          <p:nvPr>
+            <p:ph sz="half" idx="2"/>
+          </p:nvPr>
+        </p:nvSpPr>
+        <p:spPr/>
+        <p:txBody>
+          <a:bodyPr/>
+          <a:lstStyle/>
+          <a:p>
+            <a:r>
+              <a:rPr lang="ru-RU" dirty="0">
+                <a:solidFill>
+                  <a:srgbClr val="002060"/>
+                </a:solidFill>
+              </a:rPr>
+              <a:t>Введите цифру:</a:t>
+            </a:r>
+          </a:p>
+          <a:p>
+            <a:r>
+              <a:rPr lang="ru-RU" dirty="0"/>
+              <a:t>Верный ответ: 8</a:t>
+            </a:r>
+          </a:p>
+          <a:p>
             <a:endParaRPr lang="ru-RU" dirty="0"/>
           </a:p>
-        </p:txBody>
-      </p:sp>
-      <p:sp>
-        <p:nvSpPr>
-          <p:cNvPr id="3" name="Объект 2">
-            <a:extLst>
-              <a:ext uri="{FF2B5EF4-FFF2-40B4-BE49-F238E27FC236}">
-                <a16:creationId xmlns:a16="http://schemas.microsoft.com/office/drawing/2014/main" id="{D814EDD8-85C9-A1A5-5643-5B476237428C}"/>
-              </a:ext>
-            </a:extLst>
-          </p:cNvPr>
-          <p:cNvSpPr>
-            <a:spLocks noGrp="1"/>
-          </p:cNvSpPr>
-          <p:nvPr>
-            <p:ph sz="half" idx="1"/>
-          </p:nvPr>
-        </p:nvSpPr>
-        <p:spPr>
-          <a:xfrm>
-            <a:off x="371297" y="1029956"/>
-            <a:ext cx="2295287" cy="2212949"/>
-          </a:xfrm>
-        </p:spPr>
-        <p:txBody>
-          <a:bodyPr/>
-          <a:lstStyle/>
-          <a:p>
-            <a:r>
-              <a:rPr lang="ru-RU" dirty="0"/>
-              <a:t>Соберите цифры</a:t>
-            </a:r>
-          </a:p>
-          <a:p>
-            <a:r>
-              <a:rPr lang="ru-RU" dirty="0"/>
-              <a:t>последовательно</a:t>
-            </a:r>
-          </a:p>
-        </p:txBody>
-      </p:sp>
-      <p:sp>
-        <p:nvSpPr>
-          <p:cNvPr id="4" name="Объект 3">
-            <a:extLst>
-              <a:ext uri="{FF2B5EF4-FFF2-40B4-BE49-F238E27FC236}">
-                <a16:creationId xmlns:a16="http://schemas.microsoft.com/office/drawing/2014/main" id="{72BC5F1C-5554-92F6-EC3B-0D084F79A7A0}"/>
-              </a:ext>
-            </a:extLst>
-          </p:cNvPr>
-          <p:cNvSpPr>
-            <a:spLocks noGrp="1"/>
-          </p:cNvSpPr>
-          <p:nvPr>
-            <p:ph sz="half" idx="2"/>
-          </p:nvPr>
-        </p:nvSpPr>
-        <p:spPr>
-          <a:xfrm>
-            <a:off x="2734092" y="1029955"/>
-            <a:ext cx="2295287" cy="2212949"/>
-          </a:xfrm>
-        </p:spPr>
-        <p:txBody>
-          <a:bodyPr/>
-          <a:lstStyle/>
+          <a:p>
+            <a:endParaRPr lang="ru-RU" dirty="0"/>
+          </a:p>
+          <a:p>
+            <a:r>
+              <a:rPr lang="ru-RU" dirty="0"/>
+              <a:t>Фото 2.1</a:t>
+            </a:r>
+          </a:p>
           <a:p>
             <a:endParaRPr lang="ru-RU" dirty="0"/>
           </a:p>
@@ -6871,7 +6520,7 @@
     </p:spTree>
     <p:extLst>
       <p:ext uri="{BB962C8B-B14F-4D97-AF65-F5344CB8AC3E}">
-        <p14:creationId xmlns:p14="http://schemas.microsoft.com/office/powerpoint/2010/main" val="896603684"/>
+        <p14:creationId xmlns:p14="http://schemas.microsoft.com/office/powerpoint/2010/main" val="706266210"/>
       </p:ext>
     </p:extLst>
   </p:cSld>
@@ -6903,7 +6552,7 @@
           <p:cNvPr id="2" name="Заголовок 1">
             <a:extLst>
               <a:ext uri="{FF2B5EF4-FFF2-40B4-BE49-F238E27FC236}">
-                <a16:creationId xmlns:a16="http://schemas.microsoft.com/office/drawing/2014/main" id="{72333C66-AC34-4E01-1684-9EC83D6B9223}"/>
+                <a16:creationId xmlns:a16="http://schemas.microsoft.com/office/drawing/2014/main" id="{B4682474-7487-232A-1339-45B12124F085}"/>
               </a:ext>
             </a:extLst>
           </p:cNvPr>
@@ -6916,13 +6565,22 @@
         </p:nvSpPr>
         <p:spPr/>
         <p:txBody>
-          <a:bodyPr/>
-          <a:lstStyle/>
-          <a:p>
-            <a:r>
-              <a:rPr lang="ru-RU" dirty="0"/>
-              <a:t>2.1 Чебурашка</a:t>
-            </a:r>
+          <a:bodyPr>
+            <a:normAutofit/>
+          </a:bodyPr>
+          <a:lstStyle/>
+          <a:p>
+            <a:r>
+              <a:rPr lang="ru-RU" b="0" i="0" dirty="0">
+                <a:solidFill>
+                  <a:srgbClr val="000000"/>
+                </a:solidFill>
+                <a:effectLst/>
+                <a:latin typeface="Roboto" panose="02000000000000000000" pitchFamily="2" charset="0"/>
+              </a:rPr>
+              <a:t>2.2 Почтовый индекс</a:t>
+            </a:r>
+            <a:endParaRPr lang="ru-RU" dirty="0"/>
           </a:p>
         </p:txBody>
       </p:sp>
@@ -6931,7 +6589,7 @@
           <p:cNvPr id="3" name="Объект 2">
             <a:extLst>
               <a:ext uri="{FF2B5EF4-FFF2-40B4-BE49-F238E27FC236}">
-                <a16:creationId xmlns:a16="http://schemas.microsoft.com/office/drawing/2014/main" id="{DC0C1D0E-2428-BB48-676D-8C072F6EA5B8}"/>
+                <a16:creationId xmlns:a16="http://schemas.microsoft.com/office/drawing/2014/main" id="{7441872A-5980-E8A2-B924-5815DBA51972}"/>
               </a:ext>
             </a:extLst>
           </p:cNvPr>
@@ -6948,11 +6606,15 @@
           <a:lstStyle/>
           <a:p>
             <a:r>
-              <a:rPr lang="ru-RU" dirty="0"/>
-              <a:t>Не заглядывая в мешок, найдите фигурку Чебурашки</a:t>
-            </a:r>
-          </a:p>
-          <a:p>
+              <a:rPr lang="ru-RU" b="0" i="0" dirty="0">
+                <a:solidFill>
+                  <a:srgbClr val="000000"/>
+                </a:solidFill>
+                <a:effectLst/>
+                <a:latin typeface="Roboto" panose="02000000000000000000" pitchFamily="2" charset="0"/>
+              </a:rPr>
+              <a:t>Соединить точки согласно схемы на картинке</a:t>
+            </a:r>
             <a:endParaRPr lang="ru-RU" dirty="0"/>
           </a:p>
         </p:txBody>
@@ -6962,7 +6624,7 @@
           <p:cNvPr id="4" name="Объект 3">
             <a:extLst>
               <a:ext uri="{FF2B5EF4-FFF2-40B4-BE49-F238E27FC236}">
-                <a16:creationId xmlns:a16="http://schemas.microsoft.com/office/drawing/2014/main" id="{A99049D8-9907-7D79-6E5E-615B1DF77864}"/>
+                <a16:creationId xmlns:a16="http://schemas.microsoft.com/office/drawing/2014/main" id="{EF9C28DB-8C9B-E85D-99BB-2A641088FE5B}"/>
               </a:ext>
             </a:extLst>
           </p:cNvPr>
@@ -6990,7 +6652,7 @@
           <a:p>
             <a:r>
               <a:rPr lang="ru-RU" dirty="0"/>
-              <a:t>Верный ответ: 8</a:t>
+              <a:t>Верный ответ: 9</a:t>
             </a:r>
           </a:p>
           <a:p>
@@ -7000,12 +6662,369 @@
             <a:endParaRPr lang="ru-RU" dirty="0"/>
           </a:p>
           <a:p>
+            <a:r>
+              <a:rPr lang="ru-RU" dirty="0"/>
+              <a:t>Фото 2.2</a:t>
+            </a:r>
+          </a:p>
+          <a:p>
             <a:endParaRPr lang="ru-RU" dirty="0"/>
           </a:p>
-          <a:p>
-            <a:r>
-              <a:rPr lang="ru-RU" dirty="0"/>
-              <a:t>Фото 2.2</a:t>
+        </p:txBody>
+      </p:sp>
+    </p:spTree>
+    <p:extLst>
+      <p:ext uri="{BB962C8B-B14F-4D97-AF65-F5344CB8AC3E}">
+        <p14:creationId xmlns:p14="http://schemas.microsoft.com/office/powerpoint/2010/main" val="1191958297"/>
+      </p:ext>
+    </p:extLst>
+  </p:cSld>
+  <p:clrMapOvr>
+    <a:masterClrMapping/>
+  </p:clrMapOvr>
+</p:sld>
+</file>
+
+<file path=ppt/slides/slide6.xml><?xml version="1.0" encoding="utf-8"?>
+<p:sld xmlns:a="http://schemas.openxmlformats.org/drawingml/2006/main" xmlns:r="http://schemas.openxmlformats.org/officeDocument/2006/relationships" xmlns:p="http://schemas.openxmlformats.org/presentationml/2006/main">
+  <p:cSld>
+    <p:spTree>
+      <p:nvGrpSpPr>
+        <p:cNvPr id="1" name=""/>
+        <p:cNvGrpSpPr/>
+        <p:nvPr/>
+      </p:nvGrpSpPr>
+      <p:grpSpPr>
+        <a:xfrm>
+          <a:off x="0" y="0"/>
+          <a:ext cx="0" cy="0"/>
+          <a:chOff x="0" y="0"/>
+          <a:chExt cx="0" cy="0"/>
+        </a:xfrm>
+      </p:grpSpPr>
+      <p:sp>
+        <p:nvSpPr>
+          <p:cNvPr id="2" name="Заголовок 1">
+            <a:extLst>
+              <a:ext uri="{FF2B5EF4-FFF2-40B4-BE49-F238E27FC236}">
+                <a16:creationId xmlns:a16="http://schemas.microsoft.com/office/drawing/2014/main" id="{01AB8F84-4EAF-7E08-4468-1ED94AEE5CFD}"/>
+              </a:ext>
+            </a:extLst>
+          </p:cNvPr>
+          <p:cNvSpPr>
+            <a:spLocks noGrp="1"/>
+          </p:cNvSpPr>
+          <p:nvPr>
+            <p:ph type="title"/>
+          </p:nvPr>
+        </p:nvSpPr>
+        <p:spPr/>
+        <p:txBody>
+          <a:bodyPr/>
+          <a:lstStyle/>
+          <a:p>
+            <a:r>
+              <a:rPr lang="ru-RU" dirty="0"/>
+              <a:t>2.3 Кто спрятался на картинке</a:t>
+            </a:r>
+          </a:p>
+        </p:txBody>
+      </p:sp>
+      <p:sp>
+        <p:nvSpPr>
+          <p:cNvPr id="3" name="Объект 2">
+            <a:extLst>
+              <a:ext uri="{FF2B5EF4-FFF2-40B4-BE49-F238E27FC236}">
+                <a16:creationId xmlns:a16="http://schemas.microsoft.com/office/drawing/2014/main" id="{87D79F4E-101B-2300-0119-A8CFB44E1497}"/>
+              </a:ext>
+            </a:extLst>
+          </p:cNvPr>
+          <p:cNvSpPr>
+            <a:spLocks noGrp="1"/>
+          </p:cNvSpPr>
+          <p:nvPr>
+            <p:ph sz="half" idx="1"/>
+          </p:nvPr>
+        </p:nvSpPr>
+        <p:spPr/>
+        <p:txBody>
+          <a:bodyPr/>
+          <a:lstStyle/>
+          <a:p>
+            <a:endParaRPr lang="ru-RU" dirty="0"/>
+          </a:p>
+        </p:txBody>
+      </p:sp>
+      <p:sp>
+        <p:nvSpPr>
+          <p:cNvPr id="4" name="Объект 3">
+            <a:extLst>
+              <a:ext uri="{FF2B5EF4-FFF2-40B4-BE49-F238E27FC236}">
+                <a16:creationId xmlns:a16="http://schemas.microsoft.com/office/drawing/2014/main" id="{525E49E3-4299-DCA6-9F8B-375FB2902048}"/>
+              </a:ext>
+            </a:extLst>
+          </p:cNvPr>
+          <p:cNvSpPr>
+            <a:spLocks noGrp="1"/>
+          </p:cNvSpPr>
+          <p:nvPr>
+            <p:ph sz="half" idx="2"/>
+          </p:nvPr>
+        </p:nvSpPr>
+        <p:spPr/>
+        <p:txBody>
+          <a:bodyPr/>
+          <a:lstStyle/>
+          <a:p>
+            <a:r>
+              <a:rPr lang="ru-RU" dirty="0"/>
+              <a:t>Введите 2-ю букву в виде цифры:</a:t>
+            </a:r>
+          </a:p>
+          <a:p>
+            <a:r>
+              <a:rPr lang="ru-RU" dirty="0"/>
+              <a:t>Верный ответ: О</a:t>
+            </a:r>
+          </a:p>
+          <a:p>
+            <a:endParaRPr lang="ru-RU" dirty="0"/>
+          </a:p>
+          <a:p>
+            <a:endParaRPr lang="ru-RU" dirty="0"/>
+          </a:p>
+          <a:p>
+            <a:r>
+              <a:rPr lang="ru-RU" dirty="0"/>
+              <a:t>Фото </a:t>
+            </a:r>
+            <a:r>
+              <a:rPr lang="en-US" dirty="0" err="1"/>
+              <a:t>jj</a:t>
+            </a:r>
+            <a:endParaRPr lang="ru-RU" dirty="0"/>
+          </a:p>
+        </p:txBody>
+      </p:sp>
+      <p:sp>
+        <p:nvSpPr>
+          <p:cNvPr id="5" name="AutoShape 2" descr="Кто тут спрятался ?">
+            <a:extLst>
+              <a:ext uri="{FF2B5EF4-FFF2-40B4-BE49-F238E27FC236}">
+                <a16:creationId xmlns:a16="http://schemas.microsoft.com/office/drawing/2014/main" id="{05E661C1-AA6B-9D01-AD8F-03A63D4A8133}"/>
+              </a:ext>
+            </a:extLst>
+          </p:cNvPr>
+          <p:cNvSpPr>
+            <a:spLocks noChangeAspect="1" noChangeArrowheads="1"/>
+          </p:cNvSpPr>
+          <p:nvPr/>
+        </p:nvSpPr>
+        <p:spPr bwMode="auto">
+          <a:xfrm>
+            <a:off x="2547938" y="1647825"/>
+            <a:ext cx="304800" cy="304800"/>
+          </a:xfrm>
+          <a:prstGeom prst="rect">
+            <a:avLst/>
+          </a:prstGeom>
+          <a:noFill/>
+          <a:extLst>
+            <a:ext uri="{909E8E84-426E-40DD-AFC4-6F175D3DCCD1}">
+              <a14:hiddenFill xmlns:a14="http://schemas.microsoft.com/office/drawing/2010/main">
+                <a:solidFill>
+                  <a:srgbClr val="FFFFFF"/>
+                </a:solidFill>
+              </a14:hiddenFill>
+            </a:ext>
+          </a:extLst>
+        </p:spPr>
+        <p:txBody>
+          <a:bodyPr vert="horz" wrap="square" lIns="91440" tIns="45720" rIns="91440" bIns="45720" numCol="1" anchor="t" anchorCtr="0" compatLnSpc="1">
+            <a:prstTxWarp prst="textNoShape">
+              <a:avLst/>
+            </a:prstTxWarp>
+          </a:bodyPr>
+          <a:lstStyle/>
+          <a:p>
+            <a:endParaRPr lang="ru-RU"/>
+          </a:p>
+        </p:txBody>
+      </p:sp>
+      <p:pic>
+        <p:nvPicPr>
+          <p:cNvPr id="7" name="Рисунок 6">
+            <a:extLst>
+              <a:ext uri="{FF2B5EF4-FFF2-40B4-BE49-F238E27FC236}">
+                <a16:creationId xmlns:a16="http://schemas.microsoft.com/office/drawing/2014/main" id="{F130479B-1151-7A81-CFE6-899B8FAAA079}"/>
+              </a:ext>
+            </a:extLst>
+          </p:cNvPr>
+          <p:cNvPicPr>
+            <a:picLocks noChangeAspect="1"/>
+          </p:cNvPicPr>
+          <p:nvPr/>
+        </p:nvPicPr>
+        <p:blipFill>
+          <a:blip r:embed="rId2" cstate="print">
+            <a:extLst>
+              <a:ext uri="{28A0092B-C50C-407E-A947-70E740481C1C}">
+                <a14:useLocalDpi xmlns:a14="http://schemas.microsoft.com/office/drawing/2010/main" val="0"/>
+              </a:ext>
+            </a:extLst>
+          </a:blip>
+          <a:stretch>
+            <a:fillRect/>
+          </a:stretch>
+        </p:blipFill>
+        <p:spPr>
+          <a:xfrm>
+            <a:off x="303788" y="958453"/>
+            <a:ext cx="2362795" cy="2111318"/>
+          </a:xfrm>
+          <a:prstGeom prst="rect">
+            <a:avLst/>
+          </a:prstGeom>
+        </p:spPr>
+      </p:pic>
+    </p:spTree>
+    <p:extLst>
+      <p:ext uri="{BB962C8B-B14F-4D97-AF65-F5344CB8AC3E}">
+        <p14:creationId xmlns:p14="http://schemas.microsoft.com/office/powerpoint/2010/main" val="571749152"/>
+      </p:ext>
+    </p:extLst>
+  </p:cSld>
+  <p:clrMapOvr>
+    <a:masterClrMapping/>
+  </p:clrMapOvr>
+</p:sld>
+</file>
+
+<file path=ppt/slides/slide7.xml><?xml version="1.0" encoding="utf-8"?>
+<p:sld xmlns:a="http://schemas.openxmlformats.org/drawingml/2006/main" xmlns:r="http://schemas.openxmlformats.org/officeDocument/2006/relationships" xmlns:p="http://schemas.openxmlformats.org/presentationml/2006/main">
+  <p:cSld>
+    <p:spTree>
+      <p:nvGrpSpPr>
+        <p:cNvPr id="1" name=""/>
+        <p:cNvGrpSpPr/>
+        <p:nvPr/>
+      </p:nvGrpSpPr>
+      <p:grpSpPr>
+        <a:xfrm>
+          <a:off x="0" y="0"/>
+          <a:ext cx="0" cy="0"/>
+          <a:chOff x="0" y="0"/>
+          <a:chExt cx="0" cy="0"/>
+        </a:xfrm>
+      </p:grpSpPr>
+      <p:sp>
+        <p:nvSpPr>
+          <p:cNvPr id="2" name="Заголовок 1">
+            <a:extLst>
+              <a:ext uri="{FF2B5EF4-FFF2-40B4-BE49-F238E27FC236}">
+                <a16:creationId xmlns:a16="http://schemas.microsoft.com/office/drawing/2014/main" id="{72333C66-AC34-4E01-1684-9EC83D6B9223}"/>
+              </a:ext>
+            </a:extLst>
+          </p:cNvPr>
+          <p:cNvSpPr>
+            <a:spLocks noGrp="1"/>
+          </p:cNvSpPr>
+          <p:nvPr>
+            <p:ph type="title"/>
+          </p:nvPr>
+        </p:nvSpPr>
+        <p:spPr/>
+        <p:txBody>
+          <a:bodyPr/>
+          <a:lstStyle/>
+          <a:p>
+            <a:r>
+              <a:rPr lang="ru-RU" dirty="0"/>
+              <a:t>2.4 Чебурашка</a:t>
+            </a:r>
+          </a:p>
+        </p:txBody>
+      </p:sp>
+      <p:sp>
+        <p:nvSpPr>
+          <p:cNvPr id="3" name="Объект 2">
+            <a:extLst>
+              <a:ext uri="{FF2B5EF4-FFF2-40B4-BE49-F238E27FC236}">
+                <a16:creationId xmlns:a16="http://schemas.microsoft.com/office/drawing/2014/main" id="{DC0C1D0E-2428-BB48-676D-8C072F6EA5B8}"/>
+              </a:ext>
+            </a:extLst>
+          </p:cNvPr>
+          <p:cNvSpPr>
+            <a:spLocks noGrp="1"/>
+          </p:cNvSpPr>
+          <p:nvPr>
+            <p:ph sz="half" idx="1"/>
+          </p:nvPr>
+        </p:nvSpPr>
+        <p:spPr/>
+        <p:txBody>
+          <a:bodyPr/>
+          <a:lstStyle/>
+          <a:p>
+            <a:r>
+              <a:rPr lang="ru-RU" dirty="0"/>
+              <a:t>Не заглядывая в мешок, найдите фигурку Чебурашки</a:t>
+            </a:r>
+          </a:p>
+          <a:p>
+            <a:endParaRPr lang="ru-RU" dirty="0"/>
+          </a:p>
+        </p:txBody>
+      </p:sp>
+      <p:sp>
+        <p:nvSpPr>
+          <p:cNvPr id="4" name="Объект 3">
+            <a:extLst>
+              <a:ext uri="{FF2B5EF4-FFF2-40B4-BE49-F238E27FC236}">
+                <a16:creationId xmlns:a16="http://schemas.microsoft.com/office/drawing/2014/main" id="{A99049D8-9907-7D79-6E5E-615B1DF77864}"/>
+              </a:ext>
+            </a:extLst>
+          </p:cNvPr>
+          <p:cNvSpPr>
+            <a:spLocks noGrp="1"/>
+          </p:cNvSpPr>
+          <p:nvPr>
+            <p:ph sz="half" idx="2"/>
+          </p:nvPr>
+        </p:nvSpPr>
+        <p:spPr/>
+        <p:txBody>
+          <a:bodyPr/>
+          <a:lstStyle/>
+          <a:p>
+            <a:r>
+              <a:rPr lang="ru-RU" dirty="0">
+                <a:solidFill>
+                  <a:srgbClr val="002060"/>
+                </a:solidFill>
+              </a:rPr>
+              <a:t>Введите цифру:</a:t>
+            </a:r>
+          </a:p>
+          <a:p>
+            <a:r>
+              <a:rPr lang="ru-RU" dirty="0"/>
+              <a:t>Верный ответ: 4</a:t>
+            </a:r>
+          </a:p>
+          <a:p>
+            <a:endParaRPr lang="ru-RU" dirty="0"/>
+          </a:p>
+          <a:p>
+            <a:endParaRPr lang="ru-RU" dirty="0"/>
+          </a:p>
+          <a:p>
+            <a:endParaRPr lang="ru-RU" dirty="0"/>
+          </a:p>
+          <a:p>
+            <a:r>
+              <a:rPr lang="ru-RU" dirty="0"/>
+              <a:t>Фото 2.4</a:t>
             </a:r>
           </a:p>
           <a:p>
@@ -7062,300 +7081,6 @@
 </p:sld>
 </file>
 
-<file path=ppt/slides/slide6.xml><?xml version="1.0" encoding="utf-8"?>
-<p:sld xmlns:a="http://schemas.openxmlformats.org/drawingml/2006/main" xmlns:r="http://schemas.openxmlformats.org/officeDocument/2006/relationships" xmlns:p="http://schemas.openxmlformats.org/presentationml/2006/main">
-  <p:cSld>
-    <p:spTree>
-      <p:nvGrpSpPr>
-        <p:cNvPr id="1" name=""/>
-        <p:cNvGrpSpPr/>
-        <p:nvPr/>
-      </p:nvGrpSpPr>
-      <p:grpSpPr>
-        <a:xfrm>
-          <a:off x="0" y="0"/>
-          <a:ext cx="0" cy="0"/>
-          <a:chOff x="0" y="0"/>
-          <a:chExt cx="0" cy="0"/>
-        </a:xfrm>
-      </p:grpSpPr>
-      <p:sp>
-        <p:nvSpPr>
-          <p:cNvPr id="2" name="Заголовок 1">
-            <a:extLst>
-              <a:ext uri="{FF2B5EF4-FFF2-40B4-BE49-F238E27FC236}">
-                <a16:creationId xmlns:a16="http://schemas.microsoft.com/office/drawing/2014/main" id="{B4682474-7487-232A-1339-45B12124F085}"/>
-              </a:ext>
-            </a:extLst>
-          </p:cNvPr>
-          <p:cNvSpPr>
-            <a:spLocks noGrp="1"/>
-          </p:cNvSpPr>
-          <p:nvPr>
-            <p:ph type="title"/>
-          </p:nvPr>
-        </p:nvSpPr>
-        <p:spPr/>
-        <p:txBody>
-          <a:bodyPr>
-            <a:normAutofit/>
-          </a:bodyPr>
-          <a:lstStyle/>
-          <a:p>
-            <a:r>
-              <a:rPr lang="ru-RU" b="0" i="0" dirty="0">
-                <a:solidFill>
-                  <a:srgbClr val="000000"/>
-                </a:solidFill>
-                <a:effectLst/>
-                <a:latin typeface="Roboto" panose="02000000000000000000" pitchFamily="2" charset="0"/>
-              </a:rPr>
-              <a:t>2.2 Почтовый индекс</a:t>
-            </a:r>
-            <a:endParaRPr lang="ru-RU" dirty="0"/>
-          </a:p>
-        </p:txBody>
-      </p:sp>
-      <p:sp>
-        <p:nvSpPr>
-          <p:cNvPr id="3" name="Объект 2">
-            <a:extLst>
-              <a:ext uri="{FF2B5EF4-FFF2-40B4-BE49-F238E27FC236}">
-                <a16:creationId xmlns:a16="http://schemas.microsoft.com/office/drawing/2014/main" id="{7441872A-5980-E8A2-B924-5815DBA51972}"/>
-              </a:ext>
-            </a:extLst>
-          </p:cNvPr>
-          <p:cNvSpPr>
-            <a:spLocks noGrp="1"/>
-          </p:cNvSpPr>
-          <p:nvPr>
-            <p:ph sz="half" idx="1"/>
-          </p:nvPr>
-        </p:nvSpPr>
-        <p:spPr/>
-        <p:txBody>
-          <a:bodyPr/>
-          <a:lstStyle/>
-          <a:p>
-            <a:r>
-              <a:rPr lang="ru-RU" b="0" i="0" dirty="0">
-                <a:solidFill>
-                  <a:srgbClr val="000000"/>
-                </a:solidFill>
-                <a:effectLst/>
-                <a:latin typeface="Roboto" panose="02000000000000000000" pitchFamily="2" charset="0"/>
-              </a:rPr>
-              <a:t>Соединить точки согласно схемы на картинке</a:t>
-            </a:r>
-            <a:endParaRPr lang="ru-RU" dirty="0"/>
-          </a:p>
-        </p:txBody>
-      </p:sp>
-      <p:sp>
-        <p:nvSpPr>
-          <p:cNvPr id="4" name="Объект 3">
-            <a:extLst>
-              <a:ext uri="{FF2B5EF4-FFF2-40B4-BE49-F238E27FC236}">
-                <a16:creationId xmlns:a16="http://schemas.microsoft.com/office/drawing/2014/main" id="{EF9C28DB-8C9B-E85D-99BB-2A641088FE5B}"/>
-              </a:ext>
-            </a:extLst>
-          </p:cNvPr>
-          <p:cNvSpPr>
-            <a:spLocks noGrp="1"/>
-          </p:cNvSpPr>
-          <p:nvPr>
-            <p:ph sz="half" idx="2"/>
-          </p:nvPr>
-        </p:nvSpPr>
-        <p:spPr/>
-        <p:txBody>
-          <a:bodyPr/>
-          <a:lstStyle/>
-          <a:p>
-            <a:r>
-              <a:rPr lang="ru-RU" dirty="0">
-                <a:solidFill>
-                  <a:srgbClr val="002060"/>
-                </a:solidFill>
-              </a:rPr>
-              <a:t>Введите цифру:</a:t>
-            </a:r>
-          </a:p>
-          <a:p>
-            <a:r>
-              <a:rPr lang="ru-RU" dirty="0"/>
-              <a:t>Верный ответ: 9</a:t>
-            </a:r>
-          </a:p>
-          <a:p>
-            <a:endParaRPr lang="ru-RU" dirty="0"/>
-          </a:p>
-          <a:p>
-            <a:endParaRPr lang="ru-RU" dirty="0"/>
-          </a:p>
-          <a:p>
-            <a:r>
-              <a:rPr lang="ru-RU" dirty="0"/>
-              <a:t>Фото 2.2</a:t>
-            </a:r>
-          </a:p>
-          <a:p>
-            <a:endParaRPr lang="ru-RU" dirty="0"/>
-          </a:p>
-        </p:txBody>
-      </p:sp>
-    </p:spTree>
-    <p:extLst>
-      <p:ext uri="{BB962C8B-B14F-4D97-AF65-F5344CB8AC3E}">
-        <p14:creationId xmlns:p14="http://schemas.microsoft.com/office/powerpoint/2010/main" val="1191958297"/>
-      </p:ext>
-    </p:extLst>
-  </p:cSld>
-  <p:clrMapOvr>
-    <a:masterClrMapping/>
-  </p:clrMapOvr>
-</p:sld>
-</file>
-
-<file path=ppt/slides/slide7.xml><?xml version="1.0" encoding="utf-8"?>
-<p:sld xmlns:a="http://schemas.openxmlformats.org/drawingml/2006/main" xmlns:r="http://schemas.openxmlformats.org/officeDocument/2006/relationships" xmlns:p="http://schemas.openxmlformats.org/presentationml/2006/main">
-  <p:cSld>
-    <p:spTree>
-      <p:nvGrpSpPr>
-        <p:cNvPr id="1" name=""/>
-        <p:cNvGrpSpPr/>
-        <p:nvPr/>
-      </p:nvGrpSpPr>
-      <p:grpSpPr>
-        <a:xfrm>
-          <a:off x="0" y="0"/>
-          <a:ext cx="0" cy="0"/>
-          <a:chOff x="0" y="0"/>
-          <a:chExt cx="0" cy="0"/>
-        </a:xfrm>
-      </p:grpSpPr>
-      <p:sp>
-        <p:nvSpPr>
-          <p:cNvPr id="2" name="Заголовок 1">
-            <a:extLst>
-              <a:ext uri="{FF2B5EF4-FFF2-40B4-BE49-F238E27FC236}">
-                <a16:creationId xmlns:a16="http://schemas.microsoft.com/office/drawing/2014/main" id="{7D033773-B545-B55E-A6EF-97553F0D9194}"/>
-              </a:ext>
-            </a:extLst>
-          </p:cNvPr>
-          <p:cNvSpPr>
-            <a:spLocks noGrp="1"/>
-          </p:cNvSpPr>
-          <p:nvPr>
-            <p:ph type="title"/>
-          </p:nvPr>
-        </p:nvSpPr>
-        <p:spPr/>
-        <p:txBody>
-          <a:bodyPr/>
-          <a:lstStyle/>
-          <a:p>
-            <a:r>
-              <a:rPr lang="ru-RU" dirty="0"/>
-              <a:t>2.3 Химическая реакция</a:t>
-            </a:r>
-          </a:p>
-        </p:txBody>
-      </p:sp>
-      <p:sp>
-        <p:nvSpPr>
-          <p:cNvPr id="3" name="Объект 2">
-            <a:extLst>
-              <a:ext uri="{FF2B5EF4-FFF2-40B4-BE49-F238E27FC236}">
-                <a16:creationId xmlns:a16="http://schemas.microsoft.com/office/drawing/2014/main" id="{49FE60D7-C48D-2B45-1C9F-9BAF419C9B63}"/>
-              </a:ext>
-            </a:extLst>
-          </p:cNvPr>
-          <p:cNvSpPr>
-            <a:spLocks noGrp="1"/>
-          </p:cNvSpPr>
-          <p:nvPr>
-            <p:ph sz="half" idx="1"/>
-          </p:nvPr>
-        </p:nvSpPr>
-        <p:spPr/>
-        <p:txBody>
-          <a:bodyPr/>
-          <a:lstStyle/>
-          <a:p>
-            <a:r>
-              <a:rPr lang="ru-RU" dirty="0"/>
-              <a:t>На стаканчике с химической реакцией найдите подсказку</a:t>
-            </a:r>
-          </a:p>
-        </p:txBody>
-      </p:sp>
-      <p:sp>
-        <p:nvSpPr>
-          <p:cNvPr id="4" name="Объект 3">
-            <a:extLst>
-              <a:ext uri="{FF2B5EF4-FFF2-40B4-BE49-F238E27FC236}">
-                <a16:creationId xmlns:a16="http://schemas.microsoft.com/office/drawing/2014/main" id="{961F46CC-994D-7123-CB84-510D4AD092C7}"/>
-              </a:ext>
-            </a:extLst>
-          </p:cNvPr>
-          <p:cNvSpPr>
-            <a:spLocks noGrp="1"/>
-          </p:cNvSpPr>
-          <p:nvPr>
-            <p:ph sz="half" idx="2"/>
-          </p:nvPr>
-        </p:nvSpPr>
-        <p:spPr/>
-        <p:txBody>
-          <a:bodyPr/>
-          <a:lstStyle/>
-          <a:p>
-            <a:r>
-              <a:rPr lang="ru-RU" dirty="0">
-                <a:solidFill>
-                  <a:srgbClr val="002060"/>
-                </a:solidFill>
-              </a:rPr>
-              <a:t>Введите цифру:</a:t>
-            </a:r>
-          </a:p>
-          <a:p>
-            <a:r>
-              <a:rPr lang="ru-RU" dirty="0"/>
-              <a:t>Верный ответ: 0</a:t>
-            </a:r>
-          </a:p>
-          <a:p>
-            <a:endParaRPr lang="ru-RU" dirty="0"/>
-          </a:p>
-          <a:p>
-            <a:endParaRPr lang="ru-RU" dirty="0"/>
-          </a:p>
-          <a:p>
-            <a:r>
-              <a:rPr lang="ru-RU" dirty="0"/>
-              <a:t>Фото 2.3</a:t>
-            </a:r>
-          </a:p>
-          <a:p>
-            <a:endParaRPr lang="ru-RU" dirty="0"/>
-          </a:p>
-        </p:txBody>
-      </p:sp>
-    </p:spTree>
-    <p:extLst>
-      <p:ext uri="{BB962C8B-B14F-4D97-AF65-F5344CB8AC3E}">
-        <p14:creationId xmlns:p14="http://schemas.microsoft.com/office/powerpoint/2010/main" val="504794175"/>
-      </p:ext>
-    </p:extLst>
-  </p:cSld>
-  <p:clrMapOvr>
-    <a:masterClrMapping/>
-  </p:clrMapOvr>
-</p:sld>
-</file>
-
 <file path=ppt/slides/slide8.xml><?xml version="1.0" encoding="utf-8"?>
 <p:sld xmlns:a="http://schemas.openxmlformats.org/drawingml/2006/main" xmlns:r="http://schemas.openxmlformats.org/officeDocument/2006/relationships" xmlns:p="http://schemas.openxmlformats.org/presentationml/2006/main">
   <p:cSld>
@@ -7378,7 +7103,7 @@
           <p:cNvPr id="2" name="Заголовок 1">
             <a:extLst>
               <a:ext uri="{FF2B5EF4-FFF2-40B4-BE49-F238E27FC236}">
-                <a16:creationId xmlns:a16="http://schemas.microsoft.com/office/drawing/2014/main" id="{4222252A-8E13-CB8E-49D5-001319F4F9C8}"/>
+                <a16:creationId xmlns:a16="http://schemas.microsoft.com/office/drawing/2014/main" id="{70AB0A78-E228-E71F-2F41-28743072942C}"/>
               </a:ext>
             </a:extLst>
           </p:cNvPr>
@@ -7396,7 +7121,7 @@
           <a:p>
             <a:r>
               <a:rPr lang="ru-RU" dirty="0"/>
-              <a:t>2.4 Лишний</a:t>
+              <a:t>2.5. Загадка</a:t>
             </a:r>
           </a:p>
         </p:txBody>
@@ -7406,7 +7131,7 @@
           <p:cNvPr id="3" name="Объект 2">
             <a:extLst>
               <a:ext uri="{FF2B5EF4-FFF2-40B4-BE49-F238E27FC236}">
-                <a16:creationId xmlns:a16="http://schemas.microsoft.com/office/drawing/2014/main" id="{FC54CC8E-650B-DDF9-DB2D-B89623281BE3}"/>
+                <a16:creationId xmlns:a16="http://schemas.microsoft.com/office/drawing/2014/main" id="{776902D7-DB2C-FAC0-72B7-6B0EFC46E1C9}"/>
               </a:ext>
             </a:extLst>
           </p:cNvPr>
@@ -7424,7 +7149,13 @@
           <a:p>
             <a:r>
               <a:rPr lang="ru-RU" dirty="0"/>
-              <a:t>Найдите лишнюю цифру</a:t>
+              <a:t>Он не значит ничего,</a:t>
+            </a:r>
+          </a:p>
+          <a:p>
+            <a:r>
+              <a:rPr lang="ru-RU" dirty="0"/>
+              <a:t>Но нельзя и без него</a:t>
             </a:r>
           </a:p>
         </p:txBody>
@@ -7434,7 +7165,7 @@
           <p:cNvPr id="4" name="Объект 3">
             <a:extLst>
               <a:ext uri="{FF2B5EF4-FFF2-40B4-BE49-F238E27FC236}">
-                <a16:creationId xmlns:a16="http://schemas.microsoft.com/office/drawing/2014/main" id="{4A2C408C-486C-1976-AA0C-7B313AA212D4}"/>
+                <a16:creationId xmlns:a16="http://schemas.microsoft.com/office/drawing/2014/main" id="{EBC405DB-F3B7-FD2A-FD3F-4B3E89F6D5D4}"/>
               </a:ext>
             </a:extLst>
           </p:cNvPr>
@@ -7462,30 +7193,15 @@
           <a:p>
             <a:r>
               <a:rPr lang="ru-RU" dirty="0"/>
-              <a:t>Верный ответ: 6</a:t>
-            </a:r>
-          </a:p>
-          <a:p>
-            <a:endParaRPr lang="ru-RU" dirty="0"/>
-          </a:p>
-          <a:p>
-            <a:endParaRPr lang="ru-RU" dirty="0"/>
-          </a:p>
-          <a:p>
-            <a:r>
-              <a:rPr lang="ru-RU" dirty="0"/>
-              <a:t>Фото 2.4</a:t>
-            </a:r>
-          </a:p>
-          <a:p>
-            <a:endParaRPr lang="ru-RU" dirty="0"/>
+              <a:t>Верный ответ: 0</a:t>
+            </a:r>
           </a:p>
         </p:txBody>
       </p:sp>
     </p:spTree>
     <p:extLst>
       <p:ext uri="{BB962C8B-B14F-4D97-AF65-F5344CB8AC3E}">
-        <p14:creationId xmlns:p14="http://schemas.microsoft.com/office/powerpoint/2010/main" val="706266210"/>
+        <p14:creationId xmlns:p14="http://schemas.microsoft.com/office/powerpoint/2010/main" val="2806410618"/>
       </p:ext>
     </p:extLst>
   </p:cSld>
@@ -7517,7 +7233,7 @@
           <p:cNvPr id="2" name="Заголовок 1">
             <a:extLst>
               <a:ext uri="{FF2B5EF4-FFF2-40B4-BE49-F238E27FC236}">
-                <a16:creationId xmlns:a16="http://schemas.microsoft.com/office/drawing/2014/main" id="{70AB0A78-E228-E71F-2F41-28743072942C}"/>
+                <a16:creationId xmlns:a16="http://schemas.microsoft.com/office/drawing/2014/main" id="{742C4D59-4F87-BD7F-CC5D-82AAAB87EA59}"/>
               </a:ext>
             </a:extLst>
           </p:cNvPr>
@@ -7535,7 +7251,7 @@
           <a:p>
             <a:r>
               <a:rPr lang="ru-RU" dirty="0"/>
-              <a:t>2.5. Загадка</a:t>
+              <a:t>2.6. Сколько звуков в слове</a:t>
             </a:r>
           </a:p>
         </p:txBody>
@@ -7545,7 +7261,7 @@
           <p:cNvPr id="3" name="Объект 2">
             <a:extLst>
               <a:ext uri="{FF2B5EF4-FFF2-40B4-BE49-F238E27FC236}">
-                <a16:creationId xmlns:a16="http://schemas.microsoft.com/office/drawing/2014/main" id="{776902D7-DB2C-FAC0-72B7-6B0EFC46E1C9}"/>
+                <a16:creationId xmlns:a16="http://schemas.microsoft.com/office/drawing/2014/main" id="{E5866384-C420-4BD2-F6F6-8CBCEE0E7326}"/>
               </a:ext>
             </a:extLst>
           </p:cNvPr>
@@ -7556,20 +7272,24 @@
             <p:ph sz="half" idx="1"/>
           </p:nvPr>
         </p:nvSpPr>
-        <p:spPr/>
-        <p:txBody>
-          <a:bodyPr/>
-          <a:lstStyle/>
-          <a:p>
-            <a:r>
-              <a:rPr lang="ru-RU" dirty="0"/>
-              <a:t>Он не значит ничего,</a:t>
-            </a:r>
-          </a:p>
-          <a:p>
-            <a:r>
-              <a:rPr lang="ru-RU" dirty="0"/>
-              <a:t>Но нельзя и без него</a:t>
+        <p:spPr>
+          <a:xfrm>
+            <a:off x="65315" y="958453"/>
+            <a:ext cx="2601270" cy="2284452"/>
+          </a:xfrm>
+        </p:spPr>
+        <p:txBody>
+          <a:bodyPr anchor="ctr">
+            <a:normAutofit/>
+          </a:bodyPr>
+          <a:lstStyle/>
+          <a:p>
+            <a:pPr marL="720092" lvl="3" indent="0">
+              <a:buNone/>
+            </a:pPr>
+            <a:r>
+              <a:rPr lang="ru-RU" sz="5000" dirty="0"/>
+              <a:t>СИЯЮ</a:t>
             </a:r>
           </a:p>
         </p:txBody>
@@ -7579,7 +7299,7 @@
           <p:cNvPr id="4" name="Объект 3">
             <a:extLst>
               <a:ext uri="{FF2B5EF4-FFF2-40B4-BE49-F238E27FC236}">
-                <a16:creationId xmlns:a16="http://schemas.microsoft.com/office/drawing/2014/main" id="{EBC405DB-F3B7-FD2A-FD3F-4B3E89F6D5D4}"/>
+                <a16:creationId xmlns:a16="http://schemas.microsoft.com/office/drawing/2014/main" id="{F90AFAA8-D1F0-C2AB-B119-7786975C4D77}"/>
               </a:ext>
             </a:extLst>
           </p:cNvPr>
@@ -7601,13 +7321,13 @@
                   <a:srgbClr val="002060"/>
                 </a:solidFill>
               </a:rPr>
-              <a:t>Введите цифру:</a:t>
-            </a:r>
-          </a:p>
-          <a:p>
-            <a:r>
-              <a:rPr lang="ru-RU" dirty="0"/>
-              <a:t>Верный ответ: 0</a:t>
+              <a:t>Введите кол-во:</a:t>
+            </a:r>
+          </a:p>
+          <a:p>
+            <a:r>
+              <a:rPr lang="ru-RU" dirty="0"/>
+              <a:t>Верный ответ: 6</a:t>
             </a:r>
           </a:p>
         </p:txBody>
@@ -7615,7 +7335,7 @@
     </p:spTree>
     <p:extLst>
       <p:ext uri="{BB962C8B-B14F-4D97-AF65-F5344CB8AC3E}">
-        <p14:creationId xmlns:p14="http://schemas.microsoft.com/office/powerpoint/2010/main" val="2806410618"/>
+        <p14:creationId xmlns:p14="http://schemas.microsoft.com/office/powerpoint/2010/main" val="3320051594"/>
       </p:ext>
     </p:extLst>
   </p:cSld>

--- a/КВЕСТ/Kvest 2706.pptx
+++ b/КВЕСТ/Kvest 2706.pptx
@@ -5,31 +5,41 @@
     <p:sldMasterId id="2147483660" r:id="rId1"/>
   </p:sldMasterIdLst>
   <p:sldIdLst>
-    <p:sldId id="285" r:id="rId2"/>
-    <p:sldId id="260" r:id="rId3"/>
-    <p:sldId id="277" r:id="rId4"/>
-    <p:sldId id="279" r:id="rId5"/>
-    <p:sldId id="265" r:id="rId6"/>
-    <p:sldId id="282" r:id="rId7"/>
-    <p:sldId id="276" r:id="rId8"/>
-    <p:sldId id="272" r:id="rId9"/>
-    <p:sldId id="270" r:id="rId10"/>
-    <p:sldId id="269" r:id="rId11"/>
-    <p:sldId id="274" r:id="rId12"/>
-    <p:sldId id="273" r:id="rId13"/>
-    <p:sldId id="268" r:id="rId14"/>
-    <p:sldId id="271" r:id="rId15"/>
-    <p:sldId id="281" r:id="rId16"/>
-    <p:sldId id="290" r:id="rId17"/>
-    <p:sldId id="286" r:id="rId18"/>
-    <p:sldId id="287" r:id="rId19"/>
-    <p:sldId id="283" r:id="rId20"/>
-    <p:sldId id="288" r:id="rId21"/>
-    <p:sldId id="289" r:id="rId22"/>
-    <p:sldId id="291" r:id="rId23"/>
-    <p:sldId id="294" r:id="rId24"/>
-    <p:sldId id="293" r:id="rId25"/>
-    <p:sldId id="259" r:id="rId26"/>
+    <p:sldId id="304" r:id="rId2"/>
+    <p:sldId id="303" r:id="rId3"/>
+    <p:sldId id="295" r:id="rId4"/>
+    <p:sldId id="297" r:id="rId5"/>
+    <p:sldId id="285" r:id="rId6"/>
+    <p:sldId id="277" r:id="rId7"/>
+    <p:sldId id="279" r:id="rId8"/>
+    <p:sldId id="265" r:id="rId9"/>
+    <p:sldId id="305" r:id="rId10"/>
+    <p:sldId id="282" r:id="rId11"/>
+    <p:sldId id="276" r:id="rId12"/>
+    <p:sldId id="272" r:id="rId13"/>
+    <p:sldId id="270" r:id="rId14"/>
+    <p:sldId id="269" r:id="rId15"/>
+    <p:sldId id="274" r:id="rId16"/>
+    <p:sldId id="273" r:id="rId17"/>
+    <p:sldId id="268" r:id="rId18"/>
+    <p:sldId id="271" r:id="rId19"/>
+    <p:sldId id="281" r:id="rId20"/>
+    <p:sldId id="290" r:id="rId21"/>
+    <p:sldId id="307" r:id="rId22"/>
+    <p:sldId id="306" r:id="rId23"/>
+    <p:sldId id="286" r:id="rId24"/>
+    <p:sldId id="287" r:id="rId25"/>
+    <p:sldId id="308" r:id="rId26"/>
+    <p:sldId id="283" r:id="rId27"/>
+    <p:sldId id="288" r:id="rId28"/>
+    <p:sldId id="289" r:id="rId29"/>
+    <p:sldId id="301" r:id="rId30"/>
+    <p:sldId id="300" r:id="rId31"/>
+    <p:sldId id="302" r:id="rId32"/>
+    <p:sldId id="291" r:id="rId33"/>
+    <p:sldId id="294" r:id="rId34"/>
+    <p:sldId id="293" r:id="rId35"/>
+    <p:sldId id="259" r:id="rId36"/>
   </p:sldIdLst>
   <p:sldSz cx="5400675" cy="3600450"/>
   <p:notesSz cx="6858000" cy="9144000"/>
@@ -267,7 +277,7 @@
           <a:p>
             <a:fld id="{88E68176-E485-4A6B-94AE-7211FD3F8CD0}" type="datetimeFigureOut">
               <a:rPr lang="ru-RU" smtClean="0"/>
-              <a:t>26.05.2024</a:t>
+              <a:t>29.05.2024</a:t>
             </a:fld>
             <a:endParaRPr lang="ru-RU"/>
           </a:p>
@@ -437,7 +447,7 @@
           <a:p>
             <a:fld id="{88E68176-E485-4A6B-94AE-7211FD3F8CD0}" type="datetimeFigureOut">
               <a:rPr lang="ru-RU" smtClean="0"/>
-              <a:t>26.05.2024</a:t>
+              <a:t>29.05.2024</a:t>
             </a:fld>
             <a:endParaRPr lang="ru-RU"/>
           </a:p>
@@ -617,7 +627,7 @@
           <a:p>
             <a:fld id="{88E68176-E485-4A6B-94AE-7211FD3F8CD0}" type="datetimeFigureOut">
               <a:rPr lang="ru-RU" smtClean="0"/>
-              <a:t>26.05.2024</a:t>
+              <a:t>29.05.2024</a:t>
             </a:fld>
             <a:endParaRPr lang="ru-RU"/>
           </a:p>
@@ -787,7 +797,7 @@
           <a:p>
             <a:fld id="{88E68176-E485-4A6B-94AE-7211FD3F8CD0}" type="datetimeFigureOut">
               <a:rPr lang="ru-RU" smtClean="0"/>
-              <a:t>26.05.2024</a:t>
+              <a:t>29.05.2024</a:t>
             </a:fld>
             <a:endParaRPr lang="ru-RU"/>
           </a:p>
@@ -1031,7 +1041,7 @@
           <a:p>
             <a:fld id="{88E68176-E485-4A6B-94AE-7211FD3F8CD0}" type="datetimeFigureOut">
               <a:rPr lang="ru-RU" smtClean="0"/>
-              <a:t>26.05.2024</a:t>
+              <a:t>29.05.2024</a:t>
             </a:fld>
             <a:endParaRPr lang="ru-RU"/>
           </a:p>
@@ -1263,7 +1273,7 @@
           <a:p>
             <a:fld id="{88E68176-E485-4A6B-94AE-7211FD3F8CD0}" type="datetimeFigureOut">
               <a:rPr lang="ru-RU" smtClean="0"/>
-              <a:t>26.05.2024</a:t>
+              <a:t>29.05.2024</a:t>
             </a:fld>
             <a:endParaRPr lang="ru-RU"/>
           </a:p>
@@ -1630,7 +1640,7 @@
           <a:p>
             <a:fld id="{88E68176-E485-4A6B-94AE-7211FD3F8CD0}" type="datetimeFigureOut">
               <a:rPr lang="ru-RU" smtClean="0"/>
-              <a:t>26.05.2024</a:t>
+              <a:t>29.05.2024</a:t>
             </a:fld>
             <a:endParaRPr lang="ru-RU"/>
           </a:p>
@@ -1748,7 +1758,7 @@
           <a:p>
             <a:fld id="{88E68176-E485-4A6B-94AE-7211FD3F8CD0}" type="datetimeFigureOut">
               <a:rPr lang="ru-RU" smtClean="0"/>
-              <a:t>26.05.2024</a:t>
+              <a:t>29.05.2024</a:t>
             </a:fld>
             <a:endParaRPr lang="ru-RU"/>
           </a:p>
@@ -1843,7 +1853,7 @@
           <a:p>
             <a:fld id="{88E68176-E485-4A6B-94AE-7211FD3F8CD0}" type="datetimeFigureOut">
               <a:rPr lang="ru-RU" smtClean="0"/>
-              <a:t>26.05.2024</a:t>
+              <a:t>29.05.2024</a:t>
             </a:fld>
             <a:endParaRPr lang="ru-RU"/>
           </a:p>
@@ -2120,7 +2130,7 @@
           <a:p>
             <a:fld id="{88E68176-E485-4A6B-94AE-7211FD3F8CD0}" type="datetimeFigureOut">
               <a:rPr lang="ru-RU" smtClean="0"/>
-              <a:t>26.05.2024</a:t>
+              <a:t>29.05.2024</a:t>
             </a:fld>
             <a:endParaRPr lang="ru-RU"/>
           </a:p>
@@ -2377,7 +2387,7 @@
           <a:p>
             <a:fld id="{88E68176-E485-4A6B-94AE-7211FD3F8CD0}" type="datetimeFigureOut">
               <a:rPr lang="ru-RU" smtClean="0"/>
-              <a:t>26.05.2024</a:t>
+              <a:t>29.05.2024</a:t>
             </a:fld>
             <a:endParaRPr lang="ru-RU"/>
           </a:p>
@@ -2590,7 +2600,7 @@
           <a:p>
             <a:fld id="{88E68176-E485-4A6B-94AE-7211FD3F8CD0}" type="datetimeFigureOut">
               <a:rPr lang="ru-RU" smtClean="0"/>
-              <a:t>26.05.2024</a:t>
+              <a:t>29.05.2024</a:t>
             </a:fld>
             <a:endParaRPr lang="ru-RU"/>
           </a:p>
@@ -3000,7 +3010,7 @@
           <p:cNvPr id="2" name="Заголовок 1">
             <a:extLst>
               <a:ext uri="{FF2B5EF4-FFF2-40B4-BE49-F238E27FC236}">
-                <a16:creationId xmlns:a16="http://schemas.microsoft.com/office/drawing/2014/main" id="{EA6A3C4A-7D94-A35B-67C5-C13CC3E15501}"/>
+                <a16:creationId xmlns:a16="http://schemas.microsoft.com/office/drawing/2014/main" id="{3B824A37-31A0-AD44-55EA-226F2A037B37}"/>
               </a:ext>
             </a:extLst>
           </p:cNvPr>
@@ -3016,9 +3026,10 @@
           <a:bodyPr/>
           <a:lstStyle/>
           <a:p>
-            <a:r>
-              <a:rPr lang="ru-RU" dirty="0"/>
-              <a:t>Пара №1 Основы философии</a:t>
+            <a:pPr algn="ctr"/>
+            <a:r>
+              <a:rPr lang="ru-RU" dirty="0"/>
+              <a:t>День открытых дверей в ОЗИ</a:t>
             </a:r>
           </a:p>
         </p:txBody>
@@ -3028,106 +3039,58 @@
           <p:cNvPr id="3" name="Объект 2">
             <a:extLst>
               <a:ext uri="{FF2B5EF4-FFF2-40B4-BE49-F238E27FC236}">
-                <a16:creationId xmlns:a16="http://schemas.microsoft.com/office/drawing/2014/main" id="{CEFA3CA5-EDAD-911F-05E8-5EECB04EFCF7}"/>
-              </a:ext>
-            </a:extLst>
-          </p:cNvPr>
-          <p:cNvSpPr>
-            <a:spLocks noGrp="1"/>
-          </p:cNvSpPr>
-          <p:nvPr>
-            <p:ph sz="half" idx="1"/>
-          </p:nvPr>
-        </p:nvSpPr>
-        <p:spPr/>
-        <p:txBody>
-          <a:bodyPr/>
-          <a:lstStyle/>
-          <a:p>
-            <a:r>
-              <a:rPr lang="ru-RU" dirty="0"/>
-              <a:t>1. Что такое любовь?</a:t>
-            </a:r>
-          </a:p>
-          <a:p>
-            <a:r>
-              <a:rPr lang="ru-RU" dirty="0"/>
-              <a:t>2. Есть ли что-нибудь вечное?</a:t>
-            </a:r>
-          </a:p>
-          <a:p>
-            <a:r>
-              <a:rPr lang="ru-RU" dirty="0"/>
-              <a:t>3. Можно ли знать всё на свете?</a:t>
-            </a:r>
-          </a:p>
-          <a:p>
-            <a:r>
-              <a:rPr lang="ru-RU" dirty="0"/>
-              <a:t>4. Как всё сделать вовремя?</a:t>
-            </a:r>
-          </a:p>
-        </p:txBody>
-      </p:sp>
-      <p:sp>
-        <p:nvSpPr>
-          <p:cNvPr id="4" name="Объект 3">
-            <a:extLst>
-              <a:ext uri="{FF2B5EF4-FFF2-40B4-BE49-F238E27FC236}">
-                <a16:creationId xmlns:a16="http://schemas.microsoft.com/office/drawing/2014/main" id="{25E287CE-C150-0037-A82D-BB4F7E01EFC9}"/>
-              </a:ext>
-            </a:extLst>
-          </p:cNvPr>
-          <p:cNvSpPr>
-            <a:spLocks noGrp="1"/>
-          </p:cNvSpPr>
-          <p:nvPr>
-            <p:ph sz="half" idx="2"/>
-          </p:nvPr>
-        </p:nvSpPr>
-        <p:spPr/>
-        <p:txBody>
-          <a:bodyPr/>
-          <a:lstStyle/>
-          <a:p>
-            <a:r>
-              <a:rPr lang="ru-RU" dirty="0"/>
-              <a:t>Кто из философов ответил на вопросы Подсказку найди…</a:t>
-            </a:r>
-          </a:p>
-          <a:p>
-            <a:r>
-              <a:rPr lang="ru-RU" dirty="0"/>
-              <a:t>Верный ответ:</a:t>
-            </a:r>
-          </a:p>
-          <a:p>
-            <a:r>
-              <a:rPr lang="ru-RU" dirty="0"/>
-              <a:t>1. Сократ</a:t>
-            </a:r>
-          </a:p>
-          <a:p>
-            <a:r>
-              <a:rPr lang="ru-RU" dirty="0"/>
-              <a:t>2. Гераклит</a:t>
-            </a:r>
-          </a:p>
-          <a:p>
-            <a:r>
-              <a:rPr lang="ru-RU" dirty="0"/>
-              <a:t>3. </a:t>
-            </a:r>
-            <a:r>
-              <a:rPr lang="ru-RU" dirty="0" err="1"/>
-              <a:t>Лао-цзы</a:t>
-            </a:r>
+                <a16:creationId xmlns:a16="http://schemas.microsoft.com/office/drawing/2014/main" id="{ED9EA421-0CB6-653B-AA68-07E4F649AD81}"/>
+              </a:ext>
+            </a:extLst>
+          </p:cNvPr>
+          <p:cNvSpPr>
+            <a:spLocks noGrp="1"/>
+          </p:cNvSpPr>
+          <p:nvPr>
+            <p:ph idx="1"/>
+          </p:nvPr>
+        </p:nvSpPr>
+        <p:spPr/>
+        <p:txBody>
+          <a:bodyPr/>
+          <a:lstStyle/>
+          <a:p>
+            <a:pPr algn="ctr"/>
+            <a:r>
+              <a:rPr lang="ru-RU" dirty="0"/>
+              <a:t>Сегодня мы с вами посетим занятия в Общеобразовательном Занимательном Институте</a:t>
+            </a:r>
+          </a:p>
+          <a:p>
+            <a:pPr algn="ctr"/>
             <a:endParaRPr lang="ru-RU" dirty="0"/>
           </a:p>
           <a:p>
-            <a:r>
-              <a:rPr lang="ru-RU" dirty="0"/>
-              <a:t>4. Эйнштейн</a:t>
+            <a:pPr algn="ctr"/>
+            <a:r>
+              <a:rPr lang="ru-RU" dirty="0"/>
+              <a:t>Вам предстоит пройти 9 станций,</a:t>
+            </a:r>
+          </a:p>
+          <a:p>
+            <a:pPr algn="ctr"/>
+            <a:r>
+              <a:rPr lang="ru-RU" dirty="0"/>
+              <a:t>Побывать на 9 парах- так называются уроки в Институте</a:t>
+            </a:r>
+          </a:p>
+          <a:p>
+            <a:pPr algn="ctr"/>
+            <a:r>
+              <a:rPr lang="ru-RU" dirty="0"/>
+              <a:t>Итак начнем</a:t>
+            </a:r>
+          </a:p>
+          <a:p>
+            <a:pPr algn="ctr"/>
+            <a:r>
+              <a:rPr lang="ru-RU" dirty="0"/>
+              <a:t>Введите: Поехали</a:t>
             </a:r>
           </a:p>
         </p:txBody>
@@ -3135,7 +3098,7 @@
     </p:spTree>
     <p:extLst>
       <p:ext uri="{BB962C8B-B14F-4D97-AF65-F5344CB8AC3E}">
-        <p14:creationId xmlns:p14="http://schemas.microsoft.com/office/powerpoint/2010/main" val="1565736178"/>
+        <p14:creationId xmlns:p14="http://schemas.microsoft.com/office/powerpoint/2010/main" val="2192590377"/>
       </p:ext>
     </p:extLst>
   </p:cSld>
@@ -3167,7 +3130,7 @@
           <p:cNvPr id="2" name="Заголовок 1">
             <a:extLst>
               <a:ext uri="{FF2B5EF4-FFF2-40B4-BE49-F238E27FC236}">
-                <a16:creationId xmlns:a16="http://schemas.microsoft.com/office/drawing/2014/main" id="{D775FF07-F1A7-7804-270D-92C9C229EC40}"/>
+                <a16:creationId xmlns:a16="http://schemas.microsoft.com/office/drawing/2014/main" id="{01AB8F84-4EAF-7E08-4468-1ED94AEE5CFD}"/>
               </a:ext>
             </a:extLst>
           </p:cNvPr>
@@ -3180,129 +3143,177 @@
         </p:nvSpPr>
         <p:spPr/>
         <p:txBody>
-          <a:bodyPr>
-            <a:normAutofit/>
+          <a:bodyPr/>
+          <a:lstStyle/>
+          <a:p>
+            <a:r>
+              <a:rPr lang="ru-RU" dirty="0"/>
+              <a:t>2.3 Кто спрятался на картинке</a:t>
+            </a:r>
+          </a:p>
+        </p:txBody>
+      </p:sp>
+      <p:sp>
+        <p:nvSpPr>
+          <p:cNvPr id="3" name="Объект 2">
+            <a:extLst>
+              <a:ext uri="{FF2B5EF4-FFF2-40B4-BE49-F238E27FC236}">
+                <a16:creationId xmlns:a16="http://schemas.microsoft.com/office/drawing/2014/main" id="{87D79F4E-101B-2300-0119-A8CFB44E1497}"/>
+              </a:ext>
+            </a:extLst>
+          </p:cNvPr>
+          <p:cNvSpPr>
+            <a:spLocks noGrp="1"/>
+          </p:cNvSpPr>
+          <p:nvPr>
+            <p:ph sz="half" idx="1"/>
+          </p:nvPr>
+        </p:nvSpPr>
+        <p:spPr/>
+        <p:txBody>
+          <a:bodyPr/>
+          <a:lstStyle/>
+          <a:p>
+            <a:endParaRPr lang="ru-RU" dirty="0"/>
+          </a:p>
+        </p:txBody>
+      </p:sp>
+      <p:sp>
+        <p:nvSpPr>
+          <p:cNvPr id="4" name="Объект 3">
+            <a:extLst>
+              <a:ext uri="{FF2B5EF4-FFF2-40B4-BE49-F238E27FC236}">
+                <a16:creationId xmlns:a16="http://schemas.microsoft.com/office/drawing/2014/main" id="{525E49E3-4299-DCA6-9F8B-375FB2902048}"/>
+              </a:ext>
+            </a:extLst>
+          </p:cNvPr>
+          <p:cNvSpPr>
+            <a:spLocks noGrp="1"/>
+          </p:cNvSpPr>
+          <p:nvPr>
+            <p:ph sz="half" idx="2"/>
+          </p:nvPr>
+        </p:nvSpPr>
+        <p:spPr/>
+        <p:txBody>
+          <a:bodyPr/>
+          <a:lstStyle/>
+          <a:p>
+            <a:r>
+              <a:rPr lang="ru-RU" dirty="0"/>
+              <a:t>Введите 2-ю букву в виде цифры:</a:t>
+            </a:r>
+          </a:p>
+          <a:p>
+            <a:r>
+              <a:rPr lang="ru-RU" dirty="0"/>
+              <a:t>Верный ответ: О</a:t>
+            </a:r>
+          </a:p>
+          <a:p>
+            <a:endParaRPr lang="ru-RU" dirty="0"/>
+          </a:p>
+          <a:p>
+            <a:endParaRPr lang="ru-RU" dirty="0"/>
+          </a:p>
+          <a:p>
+            <a:r>
+              <a:rPr lang="ru-RU" dirty="0"/>
+              <a:t>Фото </a:t>
+            </a:r>
+            <a:r>
+              <a:rPr lang="en-US" dirty="0" err="1"/>
+              <a:t>jj</a:t>
+            </a:r>
+            <a:endParaRPr lang="ru-RU" dirty="0"/>
+          </a:p>
+        </p:txBody>
+      </p:sp>
+      <p:sp>
+        <p:nvSpPr>
+          <p:cNvPr id="5" name="AutoShape 2" descr="Кто тут спрятался ?">
+            <a:extLst>
+              <a:ext uri="{FF2B5EF4-FFF2-40B4-BE49-F238E27FC236}">
+                <a16:creationId xmlns:a16="http://schemas.microsoft.com/office/drawing/2014/main" id="{05E661C1-AA6B-9D01-AD8F-03A63D4A8133}"/>
+              </a:ext>
+            </a:extLst>
+          </p:cNvPr>
+          <p:cNvSpPr>
+            <a:spLocks noChangeAspect="1" noChangeArrowheads="1"/>
+          </p:cNvSpPr>
+          <p:nvPr/>
+        </p:nvSpPr>
+        <p:spPr bwMode="auto">
+          <a:xfrm>
+            <a:off x="2547938" y="1647825"/>
+            <a:ext cx="304800" cy="304800"/>
+          </a:xfrm>
+          <a:prstGeom prst="rect">
+            <a:avLst/>
+          </a:prstGeom>
+          <a:noFill/>
+          <a:extLst>
+            <a:ext uri="{909E8E84-426E-40DD-AFC4-6F175D3DCCD1}">
+              <a14:hiddenFill xmlns:a14="http://schemas.microsoft.com/office/drawing/2010/main">
+                <a:solidFill>
+                  <a:srgbClr val="FFFFFF"/>
+                </a:solidFill>
+              </a14:hiddenFill>
+            </a:ext>
+          </a:extLst>
+        </p:spPr>
+        <p:txBody>
+          <a:bodyPr vert="horz" wrap="square" lIns="91440" tIns="45720" rIns="91440" bIns="45720" numCol="1" anchor="t" anchorCtr="0" compatLnSpc="1">
+            <a:prstTxWarp prst="textNoShape">
+              <a:avLst/>
+            </a:prstTxWarp>
           </a:bodyPr>
           <a:lstStyle/>
           <a:p>
-            <a:r>
-              <a:rPr lang="ru-RU" dirty="0"/>
-              <a:t>2.7. Балет</a:t>
-            </a:r>
-          </a:p>
-        </p:txBody>
-      </p:sp>
-      <p:sp>
-        <p:nvSpPr>
-          <p:cNvPr id="3" name="Объект 2">
-            <a:extLst>
-              <a:ext uri="{FF2B5EF4-FFF2-40B4-BE49-F238E27FC236}">
-                <a16:creationId xmlns:a16="http://schemas.microsoft.com/office/drawing/2014/main" id="{9F5164B1-53AA-71C7-F09A-4667C10FE0B8}"/>
-              </a:ext>
-            </a:extLst>
-          </p:cNvPr>
-          <p:cNvSpPr>
-            <a:spLocks noGrp="1"/>
-          </p:cNvSpPr>
-          <p:nvPr>
-            <p:ph sz="half" idx="1"/>
-          </p:nvPr>
-        </p:nvSpPr>
+            <a:endParaRPr lang="ru-RU"/>
+          </a:p>
+        </p:txBody>
+      </p:sp>
+      <p:pic>
+        <p:nvPicPr>
+          <p:cNvPr id="7" name="Рисунок 6">
+            <a:extLst>
+              <a:ext uri="{FF2B5EF4-FFF2-40B4-BE49-F238E27FC236}">
+                <a16:creationId xmlns:a16="http://schemas.microsoft.com/office/drawing/2014/main" id="{F130479B-1151-7A81-CFE6-899B8FAAA079}"/>
+              </a:ext>
+            </a:extLst>
+          </p:cNvPr>
+          <p:cNvPicPr>
+            <a:picLocks noChangeAspect="1"/>
+          </p:cNvPicPr>
+          <p:nvPr/>
+        </p:nvPicPr>
+        <p:blipFill>
+          <a:blip r:embed="rId2" cstate="print">
+            <a:extLst>
+              <a:ext uri="{28A0092B-C50C-407E-A947-70E740481C1C}">
+                <a14:useLocalDpi xmlns:a14="http://schemas.microsoft.com/office/drawing/2010/main" val="0"/>
+              </a:ext>
+            </a:extLst>
+          </a:blip>
+          <a:stretch>
+            <a:fillRect/>
+          </a:stretch>
+        </p:blipFill>
         <p:spPr>
           <a:xfrm>
-            <a:off x="371297" y="958453"/>
-            <a:ext cx="2542725" cy="2284452"/>
+            <a:off x="303788" y="958453"/>
+            <a:ext cx="2362795" cy="2111318"/>
           </a:xfrm>
+          <a:prstGeom prst="rect">
+            <a:avLst/>
+          </a:prstGeom>
         </p:spPr>
-        <p:txBody>
-          <a:bodyPr>
-            <a:normAutofit lnSpcReduction="10000"/>
-          </a:bodyPr>
-          <a:lstStyle/>
-          <a:p>
-            <a:r>
-              <a:rPr lang="ru-RU" dirty="0"/>
-              <a:t>Из перечисленных произведений выберите балеты П.И. Чайковского :</a:t>
-            </a:r>
-          </a:p>
-          <a:p>
-            <a:r>
-              <a:rPr lang="ru-RU" dirty="0"/>
-              <a:t>Лебединое озеро</a:t>
-            </a:r>
-          </a:p>
-          <a:p>
-            <a:r>
-              <a:rPr lang="ru-RU" dirty="0"/>
-              <a:t>Баядерка</a:t>
-            </a:r>
-          </a:p>
-          <a:p>
-            <a:r>
-              <a:rPr lang="ru-RU" dirty="0"/>
-              <a:t>Спящая красавица</a:t>
-            </a:r>
-          </a:p>
-          <a:p>
-            <a:r>
-              <a:rPr lang="ru-RU" dirty="0"/>
-              <a:t>Жизель</a:t>
-            </a:r>
-          </a:p>
-          <a:p>
-            <a:r>
-              <a:rPr lang="ru-RU" dirty="0"/>
-              <a:t>Дон Кихот</a:t>
-            </a:r>
-          </a:p>
-          <a:p>
-            <a:r>
-              <a:rPr lang="ru-RU" dirty="0"/>
-              <a:t>Щелкунчик</a:t>
-            </a:r>
-          </a:p>
-        </p:txBody>
-      </p:sp>
-      <p:sp>
-        <p:nvSpPr>
-          <p:cNvPr id="4" name="Объект 3">
-            <a:extLst>
-              <a:ext uri="{FF2B5EF4-FFF2-40B4-BE49-F238E27FC236}">
-                <a16:creationId xmlns:a16="http://schemas.microsoft.com/office/drawing/2014/main" id="{4FE7E4F3-EF1B-4475-E569-F68B145002E1}"/>
-              </a:ext>
-            </a:extLst>
-          </p:cNvPr>
-          <p:cNvSpPr>
-            <a:spLocks noGrp="1"/>
-          </p:cNvSpPr>
-          <p:nvPr>
-            <p:ph sz="half" idx="2"/>
-          </p:nvPr>
-        </p:nvSpPr>
-        <p:spPr/>
-        <p:txBody>
-          <a:bodyPr>
-            <a:normAutofit lnSpcReduction="10000"/>
-          </a:bodyPr>
-          <a:lstStyle/>
-          <a:p>
-            <a:r>
-              <a:rPr lang="ru-RU" dirty="0"/>
-              <a:t>Введите кол-во</a:t>
-            </a:r>
-          </a:p>
-          <a:p>
-            <a:r>
-              <a:rPr lang="ru-RU" dirty="0"/>
-              <a:t>Верный ответ: 3</a:t>
-            </a:r>
-          </a:p>
-        </p:txBody>
-      </p:sp>
+      </p:pic>
     </p:spTree>
     <p:extLst>
       <p:ext uri="{BB962C8B-B14F-4D97-AF65-F5344CB8AC3E}">
-        <p14:creationId xmlns:p14="http://schemas.microsoft.com/office/powerpoint/2010/main" val="3804728160"/>
+        <p14:creationId xmlns:p14="http://schemas.microsoft.com/office/powerpoint/2010/main" val="571749152"/>
       </p:ext>
     </p:extLst>
   </p:cSld>
@@ -3334,7 +3345,7 @@
           <p:cNvPr id="2" name="Заголовок 1">
             <a:extLst>
               <a:ext uri="{FF2B5EF4-FFF2-40B4-BE49-F238E27FC236}">
-                <a16:creationId xmlns:a16="http://schemas.microsoft.com/office/drawing/2014/main" id="{4157B1EF-3FC6-D7AD-A149-0444E8487B48}"/>
+                <a16:creationId xmlns:a16="http://schemas.microsoft.com/office/drawing/2014/main" id="{72333C66-AC34-4E01-1684-9EC83D6B9223}"/>
               </a:ext>
             </a:extLst>
           </p:cNvPr>
@@ -3352,7 +3363,7 @@
           <a:p>
             <a:r>
               <a:rPr lang="ru-RU" dirty="0"/>
-              <a:t>2.8. Сколько</a:t>
+              <a:t>2.4 Чебурашка</a:t>
             </a:r>
           </a:p>
         </p:txBody>
@@ -3362,7 +3373,7 @@
           <p:cNvPr id="3" name="Объект 2">
             <a:extLst>
               <a:ext uri="{FF2B5EF4-FFF2-40B4-BE49-F238E27FC236}">
-                <a16:creationId xmlns:a16="http://schemas.microsoft.com/office/drawing/2014/main" id="{D8A2390B-E756-B0AE-82F3-AF453C7D84EA}"/>
+                <a16:creationId xmlns:a16="http://schemas.microsoft.com/office/drawing/2014/main" id="{DC0C1D0E-2428-BB48-676D-8C072F6EA5B8}"/>
               </a:ext>
             </a:extLst>
           </p:cNvPr>
@@ -3380,20 +3391,11 @@
           <a:p>
             <a:r>
               <a:rPr lang="ru-RU" dirty="0"/>
-              <a:t>Сколько у Москвы холмов?</a:t>
-            </a:r>
-          </a:p>
-          <a:p>
-            <a:r>
-              <a:rPr lang="ru-RU" dirty="0"/>
-              <a:t>Сколько чудес света?</a:t>
-            </a:r>
-          </a:p>
-          <a:p>
-            <a:r>
-              <a:rPr lang="ru-RU" dirty="0"/>
-              <a:t>Сколько цветов радуги?</a:t>
-            </a:r>
+              <a:t>Не заглядывая в мешок, найдите фигурку Чебурашки</a:t>
+            </a:r>
+          </a:p>
+          <a:p>
+            <a:endParaRPr lang="ru-RU" dirty="0"/>
           </a:p>
         </p:txBody>
       </p:sp>
@@ -3402,7 +3404,7 @@
           <p:cNvPr id="4" name="Объект 3">
             <a:extLst>
               <a:ext uri="{FF2B5EF4-FFF2-40B4-BE49-F238E27FC236}">
-                <a16:creationId xmlns:a16="http://schemas.microsoft.com/office/drawing/2014/main" id="{BE3A2E8A-AFC1-1FF2-F1C2-BAC6ACA197A6}"/>
+                <a16:creationId xmlns:a16="http://schemas.microsoft.com/office/drawing/2014/main" id="{A99049D8-9907-7D79-6E5E-615B1DF77864}"/>
               </a:ext>
             </a:extLst>
           </p:cNvPr>
@@ -3419,22 +3421,80 @@
           <a:lstStyle/>
           <a:p>
             <a:r>
-              <a:rPr lang="ru-RU" dirty="0"/>
+              <a:rPr lang="ru-RU" dirty="0">
+                <a:solidFill>
+                  <a:srgbClr val="002060"/>
+                </a:solidFill>
+              </a:rPr>
               <a:t>Введите цифру:</a:t>
             </a:r>
           </a:p>
           <a:p>
             <a:r>
               <a:rPr lang="ru-RU" dirty="0"/>
-              <a:t>Верный ответ: 7</a:t>
-            </a:r>
-          </a:p>
-        </p:txBody>
-      </p:sp>
+              <a:t>Верный ответ: 4</a:t>
+            </a:r>
+          </a:p>
+          <a:p>
+            <a:endParaRPr lang="ru-RU" dirty="0"/>
+          </a:p>
+          <a:p>
+            <a:endParaRPr lang="ru-RU" dirty="0"/>
+          </a:p>
+          <a:p>
+            <a:endParaRPr lang="ru-RU" dirty="0"/>
+          </a:p>
+          <a:p>
+            <a:r>
+              <a:rPr lang="ru-RU" dirty="0"/>
+              <a:t>Фото 2.4</a:t>
+            </a:r>
+          </a:p>
+          <a:p>
+            <a:endParaRPr lang="ru-RU" dirty="0"/>
+          </a:p>
+        </p:txBody>
+      </p:sp>
+      <p:pic>
+        <p:nvPicPr>
+          <p:cNvPr id="6" name="Рисунок 5">
+            <a:extLst>
+              <a:ext uri="{FF2B5EF4-FFF2-40B4-BE49-F238E27FC236}">
+                <a16:creationId xmlns:a16="http://schemas.microsoft.com/office/drawing/2014/main" id="{1B68538F-9B37-E612-BD86-2C948D28B83E}"/>
+              </a:ext>
+            </a:extLst>
+          </p:cNvPr>
+          <p:cNvPicPr>
+            <a:picLocks noChangeAspect="1"/>
+          </p:cNvPicPr>
+          <p:nvPr/>
+        </p:nvPicPr>
+        <p:blipFill>
+          <a:blip r:embed="rId2" cstate="print">
+            <a:extLst>
+              <a:ext uri="{28A0092B-C50C-407E-A947-70E740481C1C}">
+                <a14:useLocalDpi xmlns:a14="http://schemas.microsoft.com/office/drawing/2010/main" val="0"/>
+              </a:ext>
+            </a:extLst>
+          </a:blip>
+          <a:stretch>
+            <a:fillRect/>
+          </a:stretch>
+        </p:blipFill>
+        <p:spPr>
+          <a:xfrm>
+            <a:off x="545202" y="1647930"/>
+            <a:ext cx="1871426" cy="1594975"/>
+          </a:xfrm>
+          <a:prstGeom prst="rect">
+            <a:avLst/>
+          </a:prstGeom>
+        </p:spPr>
+      </p:pic>
     </p:spTree>
     <p:extLst>
       <p:ext uri="{BB962C8B-B14F-4D97-AF65-F5344CB8AC3E}">
-        <p14:creationId xmlns:p14="http://schemas.microsoft.com/office/powerpoint/2010/main" val="851878456"/>
+        <p14:creationId xmlns:p14="http://schemas.microsoft.com/office/powerpoint/2010/main" val="2121371112"/>
       </p:ext>
     </p:extLst>
   </p:cSld>
@@ -3466,7 +3526,7 @@
           <p:cNvPr id="2" name="Заголовок 1">
             <a:extLst>
               <a:ext uri="{FF2B5EF4-FFF2-40B4-BE49-F238E27FC236}">
-                <a16:creationId xmlns:a16="http://schemas.microsoft.com/office/drawing/2014/main" id="{8BB7E218-11B9-0858-A23B-9E4C1A85DA05}"/>
+                <a16:creationId xmlns:a16="http://schemas.microsoft.com/office/drawing/2014/main" id="{70AB0A78-E228-E71F-2F41-28743072942C}"/>
               </a:ext>
             </a:extLst>
           </p:cNvPr>
@@ -3484,52 +3544,76 @@
           <a:p>
             <a:r>
               <a:rPr lang="ru-RU" dirty="0"/>
-              <a:t>2.9. Какая цифра пропущена?</a:t>
-            </a:r>
-          </a:p>
-        </p:txBody>
-      </p:sp>
-      <p:pic>
-        <p:nvPicPr>
-          <p:cNvPr id="6" name="Объект 5">
-            <a:extLst>
-              <a:ext uri="{FF2B5EF4-FFF2-40B4-BE49-F238E27FC236}">
-                <a16:creationId xmlns:a16="http://schemas.microsoft.com/office/drawing/2014/main" id="{2359EFFD-704B-3003-B445-8CF9AB5E7C81}"/>
-              </a:ext>
-            </a:extLst>
-          </p:cNvPr>
-          <p:cNvPicPr>
-            <a:picLocks noGrp="1" noChangeAspect="1"/>
-          </p:cNvPicPr>
+              <a:t>2.5. Загадка</a:t>
+            </a:r>
+          </a:p>
+        </p:txBody>
+      </p:sp>
+      <p:sp>
+        <p:nvSpPr>
+          <p:cNvPr id="3" name="Объект 2">
+            <a:extLst>
+              <a:ext uri="{FF2B5EF4-FFF2-40B4-BE49-F238E27FC236}">
+                <a16:creationId xmlns:a16="http://schemas.microsoft.com/office/drawing/2014/main" id="{776902D7-DB2C-FAC0-72B7-6B0EFC46E1C9}"/>
+              </a:ext>
+            </a:extLst>
+          </p:cNvPr>
+          <p:cNvSpPr>
+            <a:spLocks noGrp="1"/>
+          </p:cNvSpPr>
           <p:nvPr>
             <p:ph sz="half" idx="1"/>
           </p:nvPr>
-        </p:nvPicPr>
-        <p:blipFill>
-          <a:blip r:embed="rId2" cstate="print">
-            <a:extLst>
-              <a:ext uri="{28A0092B-C50C-407E-A947-70E740481C1C}">
-                <a14:useLocalDpi xmlns:a14="http://schemas.microsoft.com/office/drawing/2010/main" val="0"/>
-              </a:ext>
-            </a:extLst>
-          </a:blip>
-          <a:stretch>
-            <a:fillRect/>
-          </a:stretch>
-        </p:blipFill>
+        </p:nvSpPr>
         <p:spPr>
           <a:xfrm>
-            <a:off x="371475" y="1040920"/>
-            <a:ext cx="2295525" cy="2120272"/>
+            <a:off x="371297" y="803868"/>
+            <a:ext cx="2658281" cy="2439037"/>
           </a:xfrm>
         </p:spPr>
-      </p:pic>
+        <p:txBody>
+          <a:bodyPr>
+            <a:normAutofit/>
+          </a:bodyPr>
+          <a:lstStyle/>
+          <a:p>
+            <a:pPr marL="0" indent="0" algn="ctr">
+              <a:buNone/>
+            </a:pPr>
+            <a:endParaRPr lang="ru-RU" sz="2800" dirty="0">
+              <a:latin typeface="Comic Sans MS" panose="030F0702030302020204" pitchFamily="66" charset="0"/>
+            </a:endParaRPr>
+          </a:p>
+          <a:p>
+            <a:pPr marL="0" indent="0" algn="ctr">
+              <a:buNone/>
+            </a:pPr>
+            <a:r>
+              <a:rPr lang="ru-RU" sz="2800" dirty="0">
+                <a:latin typeface="Comic Sans MS" panose="030F0702030302020204" pitchFamily="66" charset="0"/>
+              </a:rPr>
+              <a:t>Он не значит ничего,</a:t>
+            </a:r>
+          </a:p>
+          <a:p>
+            <a:pPr marL="0" indent="0" algn="ctr">
+              <a:buNone/>
+            </a:pPr>
+            <a:r>
+              <a:rPr lang="ru-RU" sz="2800" dirty="0">
+                <a:latin typeface="Comic Sans MS" panose="030F0702030302020204" pitchFamily="66" charset="0"/>
+              </a:rPr>
+              <a:t>Но нельзя и без него</a:t>
+            </a:r>
+          </a:p>
+        </p:txBody>
+      </p:sp>
       <p:sp>
         <p:nvSpPr>
           <p:cNvPr id="4" name="Объект 3">
             <a:extLst>
               <a:ext uri="{FF2B5EF4-FFF2-40B4-BE49-F238E27FC236}">
-                <a16:creationId xmlns:a16="http://schemas.microsoft.com/office/drawing/2014/main" id="{843E6741-FC8F-01E6-C0C4-2247D05C3CF5}"/>
+                <a16:creationId xmlns:a16="http://schemas.microsoft.com/office/drawing/2014/main" id="{EBC405DB-F3B7-FD2A-FD3F-4B3E89F6D5D4}"/>
               </a:ext>
             </a:extLst>
           </p:cNvPr>
@@ -3540,7 +3624,12 @@
             <p:ph sz="half" idx="2"/>
           </p:nvPr>
         </p:nvSpPr>
-        <p:spPr/>
+        <p:spPr>
+          <a:xfrm>
+            <a:off x="3220497" y="958453"/>
+            <a:ext cx="1808882" cy="2284452"/>
+          </a:xfrm>
+        </p:spPr>
         <p:txBody>
           <a:bodyPr/>
           <a:lstStyle/>
@@ -3557,19 +3646,7 @@
           <a:p>
             <a:r>
               <a:rPr lang="ru-RU" dirty="0"/>
-              <a:t>Верный ответ: 6</a:t>
-            </a:r>
-          </a:p>
-          <a:p>
-            <a:endParaRPr lang="ru-RU" dirty="0"/>
-          </a:p>
-          <a:p>
-            <a:endParaRPr lang="ru-RU" dirty="0"/>
-          </a:p>
-          <a:p>
-            <a:r>
-              <a:rPr lang="ru-RU" dirty="0"/>
-              <a:t>Фото 2.9</a:t>
+              <a:t>Верный ответ: 0</a:t>
             </a:r>
           </a:p>
         </p:txBody>
@@ -3577,7 +3654,7 @@
     </p:spTree>
     <p:extLst>
       <p:ext uri="{BB962C8B-B14F-4D97-AF65-F5344CB8AC3E}">
-        <p14:creationId xmlns:p14="http://schemas.microsoft.com/office/powerpoint/2010/main" val="2892399004"/>
+        <p14:creationId xmlns:p14="http://schemas.microsoft.com/office/powerpoint/2010/main" val="2806410618"/>
       </p:ext>
     </p:extLst>
   </p:cSld>
@@ -3609,7 +3686,7 @@
           <p:cNvPr id="2" name="Заголовок 1">
             <a:extLst>
               <a:ext uri="{FF2B5EF4-FFF2-40B4-BE49-F238E27FC236}">
-                <a16:creationId xmlns:a16="http://schemas.microsoft.com/office/drawing/2014/main" id="{1D430A16-A4B6-BCB3-AAF6-1E3ABD92BEBC}"/>
+                <a16:creationId xmlns:a16="http://schemas.microsoft.com/office/drawing/2014/main" id="{742C4D59-4F87-BD7F-CC5D-82AAAB87EA59}"/>
               </a:ext>
             </a:extLst>
           </p:cNvPr>
@@ -3627,52 +3704,55 @@
           <a:p>
             <a:r>
               <a:rPr lang="ru-RU" dirty="0"/>
-              <a:t>2.10. Фильм</a:t>
-            </a:r>
-          </a:p>
-        </p:txBody>
-      </p:sp>
-      <p:pic>
-        <p:nvPicPr>
-          <p:cNvPr id="6" name="Объект 5">
-            <a:extLst>
-              <a:ext uri="{FF2B5EF4-FFF2-40B4-BE49-F238E27FC236}">
-                <a16:creationId xmlns:a16="http://schemas.microsoft.com/office/drawing/2014/main" id="{07A692D3-B2E9-5FD5-1782-15C7574D311C}"/>
-              </a:ext>
-            </a:extLst>
-          </p:cNvPr>
-          <p:cNvPicPr>
-            <a:picLocks noGrp="1" noChangeAspect="1"/>
-          </p:cNvPicPr>
+              <a:t>2.6. Сколько звуков в слове</a:t>
+            </a:r>
+          </a:p>
+        </p:txBody>
+      </p:sp>
+      <p:sp>
+        <p:nvSpPr>
+          <p:cNvPr id="3" name="Объект 2">
+            <a:extLst>
+              <a:ext uri="{FF2B5EF4-FFF2-40B4-BE49-F238E27FC236}">
+                <a16:creationId xmlns:a16="http://schemas.microsoft.com/office/drawing/2014/main" id="{E5866384-C420-4BD2-F6F6-8CBCEE0E7326}"/>
+              </a:ext>
+            </a:extLst>
+          </p:cNvPr>
+          <p:cNvSpPr>
+            <a:spLocks noGrp="1"/>
+          </p:cNvSpPr>
           <p:nvPr>
             <p:ph sz="half" idx="1"/>
           </p:nvPr>
-        </p:nvPicPr>
-        <p:blipFill>
-          <a:blip r:embed="rId2" cstate="print">
-            <a:extLst>
-              <a:ext uri="{28A0092B-C50C-407E-A947-70E740481C1C}">
-                <a14:useLocalDpi xmlns:a14="http://schemas.microsoft.com/office/drawing/2010/main" val="0"/>
-              </a:ext>
-            </a:extLst>
-          </a:blip>
-          <a:stretch>
-            <a:fillRect/>
-          </a:stretch>
-        </p:blipFill>
+        </p:nvSpPr>
         <p:spPr>
           <a:xfrm>
-            <a:off x="371475" y="1045029"/>
-            <a:ext cx="2200903" cy="1875857"/>
+            <a:off x="65315" y="958453"/>
+            <a:ext cx="2601270" cy="2284452"/>
           </a:xfrm>
         </p:spPr>
-      </p:pic>
+        <p:txBody>
+          <a:bodyPr anchor="ctr">
+            <a:normAutofit/>
+          </a:bodyPr>
+          <a:lstStyle/>
+          <a:p>
+            <a:pPr marL="720092" lvl="3" indent="0">
+              <a:buNone/>
+            </a:pPr>
+            <a:r>
+              <a:rPr lang="ru-RU" sz="5000" dirty="0"/>
+              <a:t>СИЯЮ</a:t>
+            </a:r>
+          </a:p>
+        </p:txBody>
+      </p:sp>
       <p:sp>
         <p:nvSpPr>
           <p:cNvPr id="4" name="Объект 3">
             <a:extLst>
               <a:ext uri="{FF2B5EF4-FFF2-40B4-BE49-F238E27FC236}">
-                <a16:creationId xmlns:a16="http://schemas.microsoft.com/office/drawing/2014/main" id="{7ED3838D-50F1-99E9-81E3-8A92756C7ADB}"/>
+                <a16:creationId xmlns:a16="http://schemas.microsoft.com/office/drawing/2014/main" id="{F90AFAA8-D1F0-C2AB-B119-7786975C4D77}"/>
               </a:ext>
             </a:extLst>
           </p:cNvPr>
@@ -3694,28 +3774,13 @@
                   <a:srgbClr val="002060"/>
                 </a:solidFill>
               </a:rPr>
-              <a:t>Введите цифру</a:t>
-            </a:r>
-          </a:p>
-          <a:p>
-            <a:r>
-              <a:rPr lang="ru-RU" dirty="0"/>
-              <a:t>Ответ: 9</a:t>
-            </a:r>
-          </a:p>
-          <a:p>
-            <a:endParaRPr lang="ru-RU" dirty="0"/>
-          </a:p>
-          <a:p>
-            <a:endParaRPr lang="ru-RU" dirty="0"/>
-          </a:p>
-          <a:p>
-            <a:endParaRPr lang="ru-RU" dirty="0"/>
-          </a:p>
-          <a:p>
-            <a:r>
-              <a:rPr lang="ru-RU" dirty="0"/>
-              <a:t>Фото 2.10</a:t>
+              <a:t>Введите кол-во:</a:t>
+            </a:r>
+          </a:p>
+          <a:p>
+            <a:r>
+              <a:rPr lang="ru-RU" dirty="0"/>
+              <a:t>Верный ответ: 6</a:t>
             </a:r>
           </a:p>
         </p:txBody>
@@ -3723,7 +3788,7 @@
     </p:spTree>
     <p:extLst>
       <p:ext uri="{BB962C8B-B14F-4D97-AF65-F5344CB8AC3E}">
-        <p14:creationId xmlns:p14="http://schemas.microsoft.com/office/powerpoint/2010/main" val="1610535775"/>
+        <p14:creationId xmlns:p14="http://schemas.microsoft.com/office/powerpoint/2010/main" val="3320051594"/>
       </p:ext>
     </p:extLst>
   </p:cSld>
@@ -3755,7 +3820,7 @@
           <p:cNvPr id="2" name="Заголовок 1">
             <a:extLst>
               <a:ext uri="{FF2B5EF4-FFF2-40B4-BE49-F238E27FC236}">
-                <a16:creationId xmlns:a16="http://schemas.microsoft.com/office/drawing/2014/main" id="{B23D2FCE-923F-90EA-2B4C-20940DFCB333}"/>
+                <a16:creationId xmlns:a16="http://schemas.microsoft.com/office/drawing/2014/main" id="{D775FF07-F1A7-7804-270D-92C9C229EC40}"/>
               </a:ext>
             </a:extLst>
           </p:cNvPr>
@@ -3775,7 +3840,7 @@
           <a:p>
             <a:r>
               <a:rPr lang="ru-RU" dirty="0"/>
-              <a:t>2.11 Глаз</a:t>
+              <a:t>2.7. Балет</a:t>
             </a:r>
           </a:p>
         </p:txBody>
@@ -3785,7 +3850,7 @@
           <p:cNvPr id="3" name="Объект 2">
             <a:extLst>
               <a:ext uri="{FF2B5EF4-FFF2-40B4-BE49-F238E27FC236}">
-                <a16:creationId xmlns:a16="http://schemas.microsoft.com/office/drawing/2014/main" id="{844EA21F-DF3F-EC6A-5835-FBA71BF671AF}"/>
+                <a16:creationId xmlns:a16="http://schemas.microsoft.com/office/drawing/2014/main" id="{9F5164B1-53AA-71C7-F09A-4667C10FE0B8}"/>
               </a:ext>
             </a:extLst>
           </p:cNvPr>
@@ -3796,52 +3861,57 @@
             <p:ph sz="half" idx="1"/>
           </p:nvPr>
         </p:nvSpPr>
-        <p:spPr/>
-        <p:txBody>
-          <a:bodyPr/>
-          <a:lstStyle/>
-          <a:p>
-            <a:r>
-              <a:rPr lang="ru-RU" dirty="0"/>
-              <a:t>Какой врач диагностирует и лечит органы зрения:</a:t>
-            </a:r>
-          </a:p>
-          <a:p>
-            <a:r>
-              <a:rPr lang="ru-RU" dirty="0"/>
-              <a:t>1. О</a:t>
-            </a:r>
-            <a:r>
-              <a:rPr lang="ru-RU" b="0" i="0" dirty="0">
-                <a:effectLst/>
-                <a:latin typeface="Lato" panose="020B0604020202020204" pitchFamily="34" charset="0"/>
-              </a:rPr>
-              <a:t>ториноларинголог</a:t>
-            </a:r>
-            <a:endParaRPr lang="ru-RU" dirty="0"/>
-          </a:p>
-          <a:p>
-            <a:r>
-              <a:rPr lang="ru-RU" dirty="0"/>
-              <a:t>2. Офтальмолог</a:t>
-            </a:r>
-          </a:p>
-          <a:p>
-            <a:r>
-              <a:rPr lang="ru-RU" dirty="0"/>
-              <a:t>3. Анестезиолог</a:t>
-            </a:r>
-          </a:p>
-          <a:p>
-            <a:r>
-              <a:rPr lang="ru-RU" dirty="0"/>
-              <a:t>4. Эндокринолог</a:t>
-            </a:r>
-          </a:p>
-          <a:p>
-            <a:r>
-              <a:rPr lang="ru-RU" dirty="0"/>
-              <a:t>5. Ортопед</a:t>
+        <p:spPr>
+          <a:xfrm>
+            <a:off x="371297" y="958453"/>
+            <a:ext cx="2542725" cy="2284452"/>
+          </a:xfrm>
+        </p:spPr>
+        <p:txBody>
+          <a:bodyPr>
+            <a:normAutofit lnSpcReduction="10000"/>
+          </a:bodyPr>
+          <a:lstStyle/>
+          <a:p>
+            <a:r>
+              <a:rPr lang="ru-RU" dirty="0"/>
+              <a:t>Из перечисленных произведений выберите балеты П.И. Чайковского :</a:t>
+            </a:r>
+          </a:p>
+          <a:p>
+            <a:r>
+              <a:rPr lang="ru-RU" dirty="0"/>
+              <a:t>Лебединое озеро</a:t>
+            </a:r>
+          </a:p>
+          <a:p>
+            <a:r>
+              <a:rPr lang="ru-RU" dirty="0"/>
+              <a:t>Баядерка</a:t>
+            </a:r>
+          </a:p>
+          <a:p>
+            <a:r>
+              <a:rPr lang="ru-RU" dirty="0"/>
+              <a:t>Спящая красавица</a:t>
+            </a:r>
+          </a:p>
+          <a:p>
+            <a:r>
+              <a:rPr lang="ru-RU" dirty="0"/>
+              <a:t>Жизель</a:t>
+            </a:r>
+          </a:p>
+          <a:p>
+            <a:r>
+              <a:rPr lang="ru-RU" dirty="0"/>
+              <a:t>Дон Кихот</a:t>
+            </a:r>
+          </a:p>
+          <a:p>
+            <a:r>
+              <a:rPr lang="ru-RU" dirty="0"/>
+              <a:t>Щелкунчик</a:t>
             </a:r>
           </a:p>
         </p:txBody>
@@ -3851,7 +3921,7 @@
           <p:cNvPr id="4" name="Объект 3">
             <a:extLst>
               <a:ext uri="{FF2B5EF4-FFF2-40B4-BE49-F238E27FC236}">
-                <a16:creationId xmlns:a16="http://schemas.microsoft.com/office/drawing/2014/main" id="{D7D15E22-D590-E91F-2B16-A36093EA2000}"/>
+                <a16:creationId xmlns:a16="http://schemas.microsoft.com/office/drawing/2014/main" id="{4FE7E4F3-EF1B-4475-E569-F68B145002E1}"/>
               </a:ext>
             </a:extLst>
           </p:cNvPr>
@@ -3864,22 +3934,20 @@
         </p:nvSpPr>
         <p:spPr/>
         <p:txBody>
-          <a:bodyPr/>
-          <a:lstStyle/>
-          <a:p>
-            <a:r>
-              <a:rPr lang="ru-RU" dirty="0">
-                <a:solidFill>
-                  <a:srgbClr val="002060"/>
-                </a:solidFill>
-              </a:rPr>
-              <a:t>Введите номер:</a:t>
-            </a:r>
-          </a:p>
-          <a:p>
-            <a:r>
-              <a:rPr lang="ru-RU" dirty="0"/>
-              <a:t>Верный ответ: 2</a:t>
+          <a:bodyPr>
+            <a:normAutofit lnSpcReduction="10000"/>
+          </a:bodyPr>
+          <a:lstStyle/>
+          <a:p>
+            <a:r>
+              <a:rPr lang="ru-RU" dirty="0"/>
+              <a:t>Введите кол-во</a:t>
+            </a:r>
+          </a:p>
+          <a:p>
+            <a:r>
+              <a:rPr lang="ru-RU" dirty="0"/>
+              <a:t>Верный ответ: 3</a:t>
             </a:r>
           </a:p>
         </p:txBody>
@@ -3887,7 +3955,7 @@
     </p:spTree>
     <p:extLst>
       <p:ext uri="{BB962C8B-B14F-4D97-AF65-F5344CB8AC3E}">
-        <p14:creationId xmlns:p14="http://schemas.microsoft.com/office/powerpoint/2010/main" val="4278275051"/>
+        <p14:creationId xmlns:p14="http://schemas.microsoft.com/office/powerpoint/2010/main" val="3804728160"/>
       </p:ext>
     </p:extLst>
   </p:cSld>
@@ -3919,7 +3987,7 @@
           <p:cNvPr id="2" name="Заголовок 1">
             <a:extLst>
               <a:ext uri="{FF2B5EF4-FFF2-40B4-BE49-F238E27FC236}">
-                <a16:creationId xmlns:a16="http://schemas.microsoft.com/office/drawing/2014/main" id="{6B175BA9-0222-66BA-120F-22E0CB40B49B}"/>
+                <a16:creationId xmlns:a16="http://schemas.microsoft.com/office/drawing/2014/main" id="{4157B1EF-3FC6-D7AD-A149-0444E8487B48}"/>
               </a:ext>
             </a:extLst>
           </p:cNvPr>
@@ -3937,7 +4005,7 @@
           <a:p>
             <a:r>
               <a:rPr lang="ru-RU" dirty="0"/>
-              <a:t>Расшифруйте ответ абонента</a:t>
+              <a:t>2.8. Сколько</a:t>
             </a:r>
           </a:p>
         </p:txBody>
@@ -3947,7 +4015,7 @@
           <p:cNvPr id="3" name="Объект 2">
             <a:extLst>
               <a:ext uri="{FF2B5EF4-FFF2-40B4-BE49-F238E27FC236}">
-                <a16:creationId xmlns:a16="http://schemas.microsoft.com/office/drawing/2014/main" id="{886D4AE5-D5A8-2F83-018C-71F5233B421E}"/>
+                <a16:creationId xmlns:a16="http://schemas.microsoft.com/office/drawing/2014/main" id="{D8A2390B-E756-B0AE-82F3-AF453C7D84EA}"/>
               </a:ext>
             </a:extLst>
           </p:cNvPr>
@@ -3963,7 +4031,22 @@
           <a:bodyPr/>
           <a:lstStyle/>
           <a:p>
-            <a:endParaRPr lang="ru-RU"/>
+            <a:r>
+              <a:rPr lang="ru-RU" dirty="0"/>
+              <a:t>Сколько у Москвы холмов?</a:t>
+            </a:r>
+          </a:p>
+          <a:p>
+            <a:r>
+              <a:rPr lang="ru-RU" dirty="0"/>
+              <a:t>Сколько чудес света?</a:t>
+            </a:r>
+          </a:p>
+          <a:p>
+            <a:r>
+              <a:rPr lang="ru-RU" dirty="0"/>
+              <a:t>Сколько цветов радуги?</a:t>
+            </a:r>
           </a:p>
         </p:txBody>
       </p:sp>
@@ -3972,7 +4055,7 @@
           <p:cNvPr id="4" name="Объект 3">
             <a:extLst>
               <a:ext uri="{FF2B5EF4-FFF2-40B4-BE49-F238E27FC236}">
-                <a16:creationId xmlns:a16="http://schemas.microsoft.com/office/drawing/2014/main" id="{1339A29E-DD21-5F8F-F04B-95D9241FF8C7}"/>
+                <a16:creationId xmlns:a16="http://schemas.microsoft.com/office/drawing/2014/main" id="{BE3A2E8A-AFC1-1FF2-F1C2-BAC6ACA197A6}"/>
               </a:ext>
             </a:extLst>
           </p:cNvPr>
@@ -3990,13 +4073,13 @@
           <a:p>
             <a:r>
               <a:rPr lang="ru-RU" dirty="0"/>
-              <a:t>Введите букву:</a:t>
-            </a:r>
-          </a:p>
-          <a:p>
-            <a:r>
-              <a:rPr lang="ru-RU" dirty="0"/>
-              <a:t>Верный ответ:</a:t>
+              <a:t>Введите цифру:</a:t>
+            </a:r>
+          </a:p>
+          <a:p>
+            <a:r>
+              <a:rPr lang="ru-RU" dirty="0"/>
+              <a:t>Верный ответ: 7</a:t>
             </a:r>
           </a:p>
         </p:txBody>
@@ -4004,7 +4087,7 @@
     </p:spTree>
     <p:extLst>
       <p:ext uri="{BB962C8B-B14F-4D97-AF65-F5344CB8AC3E}">
-        <p14:creationId xmlns:p14="http://schemas.microsoft.com/office/powerpoint/2010/main" val="301932839"/>
+        <p14:creationId xmlns:p14="http://schemas.microsoft.com/office/powerpoint/2010/main" val="851878456"/>
       </p:ext>
     </p:extLst>
   </p:cSld>
@@ -4036,7 +4119,7 @@
           <p:cNvPr id="2" name="Заголовок 1">
             <a:extLst>
               <a:ext uri="{FF2B5EF4-FFF2-40B4-BE49-F238E27FC236}">
-                <a16:creationId xmlns:a16="http://schemas.microsoft.com/office/drawing/2014/main" id="{0A027E40-7FED-06C3-8E72-467E83EB5E3B}"/>
+                <a16:creationId xmlns:a16="http://schemas.microsoft.com/office/drawing/2014/main" id="{8BB7E218-11B9-0858-A23B-9E4C1A85DA05}"/>
               </a:ext>
             </a:extLst>
           </p:cNvPr>
@@ -4049,21 +4132,12 @@
         </p:nvSpPr>
         <p:spPr/>
         <p:txBody>
-          <a:bodyPr>
-            <a:normAutofit fontScale="90000"/>
-          </a:bodyPr>
-          <a:lstStyle/>
-          <a:p>
-            <a:r>
-              <a:rPr lang="ru-RU" dirty="0"/>
-              <a:t>Пара №3 Основы криптографии</a:t>
-            </a:r>
-            <a:br>
-              <a:rPr lang="ru-RU" dirty="0"/>
-            </a:br>
-            <a:r>
-              <a:rPr lang="ru-RU" dirty="0"/>
-              <a:t>Найди задание в подсказке</a:t>
+          <a:bodyPr/>
+          <a:lstStyle/>
+          <a:p>
+            <a:r>
+              <a:rPr lang="ru-RU" dirty="0"/>
+              <a:t>2.9. Какая цифра пропущена?</a:t>
             </a:r>
           </a:p>
         </p:txBody>
@@ -4073,7 +4147,7 @@
           <p:cNvPr id="6" name="Объект 5">
             <a:extLst>
               <a:ext uri="{FF2B5EF4-FFF2-40B4-BE49-F238E27FC236}">
-                <a16:creationId xmlns:a16="http://schemas.microsoft.com/office/drawing/2014/main" id="{68458BC0-94A5-FEC6-51C1-209628F16A42}"/>
+                <a16:creationId xmlns:a16="http://schemas.microsoft.com/office/drawing/2014/main" id="{2359EFFD-704B-3003-B445-8CF9AB5E7C81}"/>
               </a:ext>
             </a:extLst>
           </p:cNvPr>
@@ -4085,7 +4159,7 @@
           </p:nvPr>
         </p:nvPicPr>
         <p:blipFill>
-          <a:blip r:embed="rId2">
+          <a:blip r:embed="rId2" cstate="print">
             <a:extLst>
               <a:ext uri="{28A0092B-C50C-407E-A947-70E740481C1C}">
                 <a14:useLocalDpi xmlns:a14="http://schemas.microsoft.com/office/drawing/2010/main" val="0"/>
@@ -4098,8 +4172,8 @@
         </p:blipFill>
         <p:spPr>
           <a:xfrm>
-            <a:off x="371475" y="958454"/>
-            <a:ext cx="2295525" cy="2116342"/>
+            <a:off x="371475" y="1040920"/>
+            <a:ext cx="2295525" cy="2120272"/>
           </a:xfrm>
         </p:spPr>
       </p:pic>
@@ -4108,7 +4182,7 @@
           <p:cNvPr id="4" name="Объект 3">
             <a:extLst>
               <a:ext uri="{FF2B5EF4-FFF2-40B4-BE49-F238E27FC236}">
-                <a16:creationId xmlns:a16="http://schemas.microsoft.com/office/drawing/2014/main" id="{20B479E2-1633-378B-58A1-69EBFF41A4E2}"/>
+                <a16:creationId xmlns:a16="http://schemas.microsoft.com/office/drawing/2014/main" id="{843E6741-FC8F-01E6-C0C4-2247D05C3CF5}"/>
               </a:ext>
             </a:extLst>
           </p:cNvPr>
@@ -4125,48 +4199,38 @@
           <a:lstStyle/>
           <a:p>
             <a:r>
-              <a:rPr lang="ru-RU" dirty="0"/>
-              <a:t>Найдите задание в угаданном слове:</a:t>
-            </a:r>
-          </a:p>
-          <a:p>
-            <a:r>
-              <a:rPr lang="ru-RU" dirty="0"/>
-              <a:t>Верный ответ</a:t>
-            </a:r>
-            <a:r>
-              <a:rPr lang="ru-RU"/>
-              <a:t>: Холодильник</a:t>
-            </a:r>
+              <a:rPr lang="ru-RU" dirty="0">
+                <a:solidFill>
+                  <a:srgbClr val="002060"/>
+                </a:solidFill>
+              </a:rPr>
+              <a:t>Введите цифру:</a:t>
+            </a:r>
+          </a:p>
+          <a:p>
+            <a:r>
+              <a:rPr lang="ru-RU" dirty="0"/>
+              <a:t>Верный ответ: 6</a:t>
+            </a:r>
+          </a:p>
+          <a:p>
             <a:endParaRPr lang="ru-RU" dirty="0"/>
           </a:p>
           <a:p>
-            <a:r>
-              <a:rPr lang="ru-RU" dirty="0"/>
-              <a:t>Задание для Календаря</a:t>
-            </a:r>
-          </a:p>
-          <a:p>
             <a:endParaRPr lang="ru-RU" dirty="0"/>
           </a:p>
           <a:p>
             <a:r>
               <a:rPr lang="ru-RU" dirty="0"/>
-              <a:t>Фото 13</a:t>
-            </a:r>
-          </a:p>
-          <a:p>
-            <a:pPr marL="0" indent="0">
-              <a:buNone/>
-            </a:pPr>
-            <a:endParaRPr lang="ru-RU" dirty="0"/>
+              <a:t>Фото 2.9</a:t>
+            </a:r>
           </a:p>
         </p:txBody>
       </p:sp>
     </p:spTree>
     <p:extLst>
       <p:ext uri="{BB962C8B-B14F-4D97-AF65-F5344CB8AC3E}">
-        <p14:creationId xmlns:p14="http://schemas.microsoft.com/office/powerpoint/2010/main" val="3787303583"/>
+        <p14:creationId xmlns:p14="http://schemas.microsoft.com/office/powerpoint/2010/main" val="2892399004"/>
       </p:ext>
     </p:extLst>
   </p:cSld>
@@ -4198,7 +4262,7 @@
           <p:cNvPr id="2" name="Заголовок 1">
             <a:extLst>
               <a:ext uri="{FF2B5EF4-FFF2-40B4-BE49-F238E27FC236}">
-                <a16:creationId xmlns:a16="http://schemas.microsoft.com/office/drawing/2014/main" id="{AFB2C89E-1D72-CF47-1D23-9C601B968A65}"/>
+                <a16:creationId xmlns:a16="http://schemas.microsoft.com/office/drawing/2014/main" id="{1D430A16-A4B6-BCB3-AAF6-1E3ABD92BEBC}"/>
               </a:ext>
             </a:extLst>
           </p:cNvPr>
@@ -4216,57 +4280,52 @@
           <a:p>
             <a:r>
               <a:rPr lang="ru-RU" dirty="0"/>
-              <a:t>Пара № 4 Оптика</a:t>
-            </a:r>
-          </a:p>
-        </p:txBody>
-      </p:sp>
-      <p:sp>
-        <p:nvSpPr>
-          <p:cNvPr id="3" name="Объект 2">
-            <a:extLst>
-              <a:ext uri="{FF2B5EF4-FFF2-40B4-BE49-F238E27FC236}">
-                <a16:creationId xmlns:a16="http://schemas.microsoft.com/office/drawing/2014/main" id="{E0E2F0BB-65DC-7AA9-AD4B-4E3F28A27478}"/>
-              </a:ext>
-            </a:extLst>
-          </p:cNvPr>
-          <p:cNvSpPr>
-            <a:spLocks noGrp="1"/>
-          </p:cNvSpPr>
+              <a:t>2.10. Фильм</a:t>
+            </a:r>
+          </a:p>
+        </p:txBody>
+      </p:sp>
+      <p:pic>
+        <p:nvPicPr>
+          <p:cNvPr id="6" name="Объект 5">
+            <a:extLst>
+              <a:ext uri="{FF2B5EF4-FFF2-40B4-BE49-F238E27FC236}">
+                <a16:creationId xmlns:a16="http://schemas.microsoft.com/office/drawing/2014/main" id="{07A692D3-B2E9-5FD5-1782-15C7574D311C}"/>
+              </a:ext>
+            </a:extLst>
+          </p:cNvPr>
+          <p:cNvPicPr>
+            <a:picLocks noGrp="1" noChangeAspect="1"/>
+          </p:cNvPicPr>
           <p:nvPr>
             <p:ph sz="half" idx="1"/>
           </p:nvPr>
-        </p:nvSpPr>
-        <p:spPr/>
-        <p:txBody>
-          <a:bodyPr/>
-          <a:lstStyle/>
-          <a:p>
-            <a:r>
-              <a:rPr lang="ru-RU" dirty="0"/>
-              <a:t>Найдите подсказу,</a:t>
-            </a:r>
-          </a:p>
-          <a:p>
-            <a:r>
-              <a:rPr lang="ru-RU" dirty="0"/>
-              <a:t>Воспользуйтесь фонариком</a:t>
-            </a:r>
-          </a:p>
-          <a:p>
-            <a:r>
-              <a:rPr lang="ru-RU" dirty="0"/>
-              <a:t>На бумаге написать место для задания</a:t>
-            </a:r>
-          </a:p>
-        </p:txBody>
-      </p:sp>
+        </p:nvPicPr>
+        <p:blipFill>
+          <a:blip r:embed="rId2" cstate="print">
+            <a:extLst>
+              <a:ext uri="{28A0092B-C50C-407E-A947-70E740481C1C}">
+                <a14:useLocalDpi xmlns:a14="http://schemas.microsoft.com/office/drawing/2010/main" val="0"/>
+              </a:ext>
+            </a:extLst>
+          </a:blip>
+          <a:stretch>
+            <a:fillRect/>
+          </a:stretch>
+        </p:blipFill>
+        <p:spPr>
+          <a:xfrm>
+            <a:off x="371475" y="1045029"/>
+            <a:ext cx="2200903" cy="1875857"/>
+          </a:xfrm>
+        </p:spPr>
+      </p:pic>
       <p:sp>
         <p:nvSpPr>
           <p:cNvPr id="4" name="Объект 3">
             <a:extLst>
               <a:ext uri="{FF2B5EF4-FFF2-40B4-BE49-F238E27FC236}">
-                <a16:creationId xmlns:a16="http://schemas.microsoft.com/office/drawing/2014/main" id="{CFC6EC81-EC82-F16F-EF53-DC7169763137}"/>
+                <a16:creationId xmlns:a16="http://schemas.microsoft.com/office/drawing/2014/main" id="{7ED3838D-50F1-99E9-81E3-8A92756C7ADB}"/>
               </a:ext>
             </a:extLst>
           </p:cNvPr>
@@ -4283,25 +4342,41 @@
           <a:lstStyle/>
           <a:p>
             <a:r>
-              <a:rPr lang="ru-RU" dirty="0"/>
-              <a:t>Введите букву:</a:t>
-            </a:r>
-          </a:p>
-          <a:p>
-            <a:r>
-              <a:rPr lang="ru-RU" dirty="0"/>
-              <a:t>Верный ответ:</a:t>
+              <a:rPr lang="ru-RU" dirty="0">
+                <a:solidFill>
+                  <a:srgbClr val="002060"/>
+                </a:solidFill>
+              </a:rPr>
+              <a:t>Введите цифру</a:t>
+            </a:r>
+          </a:p>
+          <a:p>
+            <a:r>
+              <a:rPr lang="ru-RU" dirty="0"/>
+              <a:t>Ответ: 9</a:t>
             </a:r>
           </a:p>
           <a:p>
             <a:endParaRPr lang="ru-RU" dirty="0"/>
+          </a:p>
+          <a:p>
+            <a:endParaRPr lang="ru-RU" dirty="0"/>
+          </a:p>
+          <a:p>
+            <a:endParaRPr lang="ru-RU" dirty="0"/>
+          </a:p>
+          <a:p>
+            <a:r>
+              <a:rPr lang="ru-RU" dirty="0"/>
+              <a:t>Фото 2.10</a:t>
+            </a:r>
           </a:p>
         </p:txBody>
       </p:sp>
     </p:spTree>
     <p:extLst>
       <p:ext uri="{BB962C8B-B14F-4D97-AF65-F5344CB8AC3E}">
-        <p14:creationId xmlns:p14="http://schemas.microsoft.com/office/powerpoint/2010/main" val="405418919"/>
+        <p14:creationId xmlns:p14="http://schemas.microsoft.com/office/powerpoint/2010/main" val="1610535775"/>
       </p:ext>
     </p:extLst>
   </p:cSld>
@@ -4333,7 +4408,7 @@
           <p:cNvPr id="2" name="Заголовок 1">
             <a:extLst>
               <a:ext uri="{FF2B5EF4-FFF2-40B4-BE49-F238E27FC236}">
-                <a16:creationId xmlns:a16="http://schemas.microsoft.com/office/drawing/2014/main" id="{A7C64400-6BDB-D951-D10A-0F643D8B52D6}"/>
+                <a16:creationId xmlns:a16="http://schemas.microsoft.com/office/drawing/2014/main" id="{B23D2FCE-923F-90EA-2B4C-20940DFCB333}"/>
               </a:ext>
             </a:extLst>
           </p:cNvPr>
@@ -4346,12 +4421,14 @@
         </p:nvSpPr>
         <p:spPr/>
         <p:txBody>
-          <a:bodyPr/>
-          <a:lstStyle/>
-          <a:p>
-            <a:r>
-              <a:rPr lang="ru-RU" dirty="0"/>
-              <a:t>Пара № 5 Процессы и аппараты</a:t>
+          <a:bodyPr>
+            <a:normAutofit/>
+          </a:bodyPr>
+          <a:lstStyle/>
+          <a:p>
+            <a:r>
+              <a:rPr lang="ru-RU" dirty="0"/>
+              <a:t>2.11 Глаз</a:t>
             </a:r>
           </a:p>
         </p:txBody>
@@ -4361,7 +4438,7 @@
           <p:cNvPr id="3" name="Объект 2">
             <a:extLst>
               <a:ext uri="{FF2B5EF4-FFF2-40B4-BE49-F238E27FC236}">
-                <a16:creationId xmlns:a16="http://schemas.microsoft.com/office/drawing/2014/main" id="{356A24C9-3100-D321-0629-C2EED2BA96FC}"/>
+                <a16:creationId xmlns:a16="http://schemas.microsoft.com/office/drawing/2014/main" id="{844EA21F-DF3F-EC6A-5835-FBA71BF671AF}"/>
               </a:ext>
             </a:extLst>
           </p:cNvPr>
@@ -4379,13 +4456,45 @@
           <a:p>
             <a:r>
               <a:rPr lang="ru-RU" dirty="0"/>
-              <a:t>Подсказка- Чайник</a:t>
-            </a:r>
-          </a:p>
-          <a:p>
-            <a:r>
-              <a:rPr lang="ru-RU" dirty="0"/>
-              <a:t>Азбука Морзе</a:t>
+              <a:t>Какой врач диагностирует и лечит органы зрения:</a:t>
+            </a:r>
+          </a:p>
+          <a:p>
+            <a:r>
+              <a:rPr lang="ru-RU" dirty="0"/>
+              <a:t>1. О</a:t>
+            </a:r>
+            <a:r>
+              <a:rPr lang="ru-RU" b="0" i="0" dirty="0">
+                <a:effectLst/>
+                <a:latin typeface="Lato" panose="020B0604020202020204" pitchFamily="34" charset="0"/>
+              </a:rPr>
+              <a:t>ториноларинголог</a:t>
+            </a:r>
+            <a:endParaRPr lang="ru-RU" dirty="0"/>
+          </a:p>
+          <a:p>
+            <a:r>
+              <a:rPr lang="ru-RU" dirty="0"/>
+              <a:t>2. Офтальмолог</a:t>
+            </a:r>
+          </a:p>
+          <a:p>
+            <a:r>
+              <a:rPr lang="ru-RU" dirty="0"/>
+              <a:t>3. Анестезиолог</a:t>
+            </a:r>
+          </a:p>
+          <a:p>
+            <a:r>
+              <a:rPr lang="ru-RU" dirty="0"/>
+              <a:t>4. Эндокринолог</a:t>
+            </a:r>
+          </a:p>
+          <a:p>
+            <a:r>
+              <a:rPr lang="ru-RU" dirty="0"/>
+              <a:t>5. Ортопед</a:t>
             </a:r>
           </a:p>
         </p:txBody>
@@ -4395,7 +4504,7 @@
           <p:cNvPr id="4" name="Объект 3">
             <a:extLst>
               <a:ext uri="{FF2B5EF4-FFF2-40B4-BE49-F238E27FC236}">
-                <a16:creationId xmlns:a16="http://schemas.microsoft.com/office/drawing/2014/main" id="{60107761-B0C4-977E-854D-6448AF18826E}"/>
+                <a16:creationId xmlns:a16="http://schemas.microsoft.com/office/drawing/2014/main" id="{D7D15E22-D590-E91F-2B16-A36093EA2000}"/>
               </a:ext>
             </a:extLst>
           </p:cNvPr>
@@ -4412,31 +4521,26 @@
           <a:lstStyle/>
           <a:p>
             <a:r>
-              <a:rPr lang="ru-RU" dirty="0"/>
-              <a:t>Угадайте брэнд автомобиля/техники</a:t>
-            </a:r>
-          </a:p>
-          <a:p>
-            <a:r>
-              <a:rPr lang="ru-RU" dirty="0"/>
-              <a:t>Введите букву:</a:t>
-            </a:r>
-          </a:p>
-          <a:p>
-            <a:r>
-              <a:rPr lang="ru-RU" dirty="0"/>
-              <a:t>Верный ответ:</a:t>
-            </a:r>
-          </a:p>
-          <a:p>
-            <a:endParaRPr lang="ru-RU" dirty="0"/>
+              <a:rPr lang="ru-RU" dirty="0">
+                <a:solidFill>
+                  <a:srgbClr val="002060"/>
+                </a:solidFill>
+              </a:rPr>
+              <a:t>Введите номер:</a:t>
+            </a:r>
+          </a:p>
+          <a:p>
+            <a:r>
+              <a:rPr lang="ru-RU" dirty="0"/>
+              <a:t>Верный ответ: 2</a:t>
+            </a:r>
           </a:p>
         </p:txBody>
       </p:sp>
     </p:spTree>
     <p:extLst>
       <p:ext uri="{BB962C8B-B14F-4D97-AF65-F5344CB8AC3E}">
-        <p14:creationId xmlns:p14="http://schemas.microsoft.com/office/powerpoint/2010/main" val="1826964257"/>
+        <p14:creationId xmlns:p14="http://schemas.microsoft.com/office/powerpoint/2010/main" val="4278275051"/>
       </p:ext>
     </p:extLst>
   </p:cSld>
@@ -4468,7 +4572,7 @@
           <p:cNvPr id="2" name="Заголовок 1">
             <a:extLst>
               <a:ext uri="{FF2B5EF4-FFF2-40B4-BE49-F238E27FC236}">
-                <a16:creationId xmlns:a16="http://schemas.microsoft.com/office/drawing/2014/main" id="{2BA4BD39-1BE1-F968-E4B9-72D9B02B6C7E}"/>
+                <a16:creationId xmlns:a16="http://schemas.microsoft.com/office/drawing/2014/main" id="{6B175BA9-0222-66BA-120F-22E0CB40B49B}"/>
               </a:ext>
             </a:extLst>
           </p:cNvPr>
@@ -4486,7 +4590,7 @@
           <a:p>
             <a:r>
               <a:rPr lang="ru-RU" dirty="0"/>
-              <a:t>Пара №6 Лингвистика</a:t>
+              <a:t>Расшифруйте ответ абонента</a:t>
             </a:r>
           </a:p>
         </p:txBody>
@@ -4496,7 +4600,7 @@
           <p:cNvPr id="3" name="Объект 2">
             <a:extLst>
               <a:ext uri="{FF2B5EF4-FFF2-40B4-BE49-F238E27FC236}">
-                <a16:creationId xmlns:a16="http://schemas.microsoft.com/office/drawing/2014/main" id="{6227E0FE-550A-6D54-500E-E31FC53454F1}"/>
+                <a16:creationId xmlns:a16="http://schemas.microsoft.com/office/drawing/2014/main" id="{886D4AE5-D5A8-2F83-018C-71F5233B421E}"/>
               </a:ext>
             </a:extLst>
           </p:cNvPr>
@@ -4509,179 +4613,10 @@
         </p:nvSpPr>
         <p:spPr/>
         <p:txBody>
-          <a:bodyPr>
-            <a:normAutofit fontScale="85000" lnSpcReduction="10000"/>
-          </a:bodyPr>
-          <a:lstStyle/>
-          <a:p>
-            <a:r>
-              <a:rPr lang="ru-RU" b="1" i="0" dirty="0">
-                <a:solidFill>
-                  <a:srgbClr val="000000"/>
-                </a:solidFill>
-                <a:effectLst/>
-                <a:latin typeface="Times New Roman" panose="02020603050405020304" pitchFamily="18" charset="0"/>
-              </a:rPr>
-              <a:t>Найди подсказку в </a:t>
-            </a:r>
-            <a:r>
-              <a:rPr lang="ru-RU" b="1" i="0" dirty="0" err="1">
-                <a:solidFill>
-                  <a:srgbClr val="000000"/>
-                </a:solidFill>
-                <a:effectLst/>
-                <a:latin typeface="Times New Roman" panose="02020603050405020304" pitchFamily="18" charset="0"/>
-              </a:rPr>
-              <a:t>Lounge</a:t>
-            </a:r>
-            <a:r>
-              <a:rPr lang="ru-RU" b="1" i="0" dirty="0">
-                <a:solidFill>
-                  <a:srgbClr val="000000"/>
-                </a:solidFill>
-                <a:effectLst/>
-                <a:latin typeface="Times New Roman" panose="02020603050405020304" pitchFamily="18" charset="0"/>
-              </a:rPr>
-              <a:t> зоне</a:t>
-            </a:r>
-            <a:br>
-              <a:rPr lang="ru-RU" b="1" i="0" dirty="0">
-                <a:solidFill>
-                  <a:srgbClr val="000000"/>
-                </a:solidFill>
-                <a:effectLst/>
-                <a:latin typeface="Times New Roman" panose="02020603050405020304" pitchFamily="18" charset="0"/>
-              </a:rPr>
-            </a:br>
-            <a:br>
-              <a:rPr lang="ru-RU" b="1" i="0" dirty="0">
-                <a:solidFill>
-                  <a:srgbClr val="000000"/>
-                </a:solidFill>
-                <a:effectLst/>
-                <a:latin typeface="Times New Roman" panose="02020603050405020304" pitchFamily="18" charset="0"/>
-              </a:rPr>
-            </a:br>
-            <a:r>
-              <a:rPr lang="ru-RU" b="1" i="0" dirty="0">
-                <a:solidFill>
-                  <a:srgbClr val="000000"/>
-                </a:solidFill>
-                <a:effectLst/>
-                <a:latin typeface="Times New Roman" panose="02020603050405020304" pitchFamily="18" charset="0"/>
-              </a:rPr>
-              <a:t>Из стекла или фарфора,</a:t>
-            </a:r>
-            <a:br>
-              <a:rPr lang="ru-RU" b="1" i="0" dirty="0">
-                <a:solidFill>
-                  <a:srgbClr val="000000"/>
-                </a:solidFill>
-                <a:effectLst/>
-                <a:latin typeface="Times New Roman" panose="02020603050405020304" pitchFamily="18" charset="0"/>
-              </a:rPr>
-            </a:br>
-            <a:r>
-              <a:rPr lang="ru-RU" b="1" i="0" dirty="0">
-                <a:solidFill>
-                  <a:srgbClr val="000000"/>
-                </a:solidFill>
-                <a:effectLst/>
-                <a:latin typeface="Times New Roman" panose="02020603050405020304" pitchFamily="18" charset="0"/>
-              </a:rPr>
-              <a:t>А вокруг неё приборы.</a:t>
-            </a:r>
-            <a:br>
-              <a:rPr lang="ru-RU" b="1" i="0" dirty="0">
-                <a:solidFill>
-                  <a:srgbClr val="000000"/>
-                </a:solidFill>
-                <a:effectLst/>
-                <a:latin typeface="Times New Roman" panose="02020603050405020304" pitchFamily="18" charset="0"/>
-              </a:rPr>
-            </a:br>
-            <a:r>
-              <a:rPr lang="ru-RU" b="1" i="0" dirty="0">
-                <a:solidFill>
-                  <a:srgbClr val="000000"/>
-                </a:solidFill>
-                <a:effectLst/>
-                <a:latin typeface="Times New Roman" panose="02020603050405020304" pitchFamily="18" charset="0"/>
-              </a:rPr>
-              <a:t>Она – столовая посуда,</a:t>
-            </a:r>
-            <a:br>
-              <a:rPr lang="ru-RU" b="1" i="0" dirty="0">
-                <a:solidFill>
-                  <a:srgbClr val="000000"/>
-                </a:solidFill>
-                <a:effectLst/>
-                <a:latin typeface="Times New Roman" panose="02020603050405020304" pitchFamily="18" charset="0"/>
-              </a:rPr>
-            </a:br>
-            <a:r>
-              <a:rPr lang="ru-RU" b="1" i="0" dirty="0">
-                <a:solidFill>
-                  <a:srgbClr val="000000"/>
-                </a:solidFill>
-                <a:effectLst/>
-                <a:latin typeface="Times New Roman" panose="02020603050405020304" pitchFamily="18" charset="0"/>
-              </a:rPr>
-              <a:t>И нужна она повсюду.</a:t>
-            </a:r>
-            <a:br>
-              <a:rPr lang="ru-RU" b="1" i="0" dirty="0">
-                <a:solidFill>
-                  <a:srgbClr val="000000"/>
-                </a:solidFill>
-                <a:effectLst/>
-                <a:latin typeface="Times New Roman" panose="02020603050405020304" pitchFamily="18" charset="0"/>
-              </a:rPr>
-            </a:br>
-            <a:br>
-              <a:rPr lang="ru-RU" b="1" i="0" dirty="0">
-                <a:solidFill>
-                  <a:srgbClr val="000000"/>
-                </a:solidFill>
-                <a:effectLst/>
-                <a:latin typeface="Times New Roman" panose="02020603050405020304" pitchFamily="18" charset="0"/>
-              </a:rPr>
-            </a:br>
-            <a:r>
-              <a:rPr lang="ru-RU" b="1" i="0" dirty="0">
-                <a:solidFill>
-                  <a:srgbClr val="000000"/>
-                </a:solidFill>
-                <a:effectLst/>
-                <a:latin typeface="Times New Roman" panose="02020603050405020304" pitchFamily="18" charset="0"/>
-              </a:rPr>
-              <a:t>Угадайте слово-там</a:t>
-            </a:r>
-          </a:p>
-          <a:p>
-            <a:pPr marL="0" indent="0">
-              <a:buNone/>
-            </a:pPr>
-            <a:r>
-              <a:rPr lang="ru-RU" dirty="0"/>
-              <a:t>Языковая форма, ограниченная литературными канонами</a:t>
-            </a:r>
-          </a:p>
-          <a:p>
-            <a:pPr marL="0" indent="0">
-              <a:buNone/>
-            </a:pPr>
-            <a:endParaRPr lang="ru-RU" dirty="0"/>
-          </a:p>
-          <a:p>
-            <a:r>
-              <a:rPr lang="en-US" dirty="0"/>
-              <a:t>QR </a:t>
-            </a:r>
-            <a:r>
-              <a:rPr lang="ru-RU" dirty="0"/>
-              <a:t>код - Акростих</a:t>
-            </a:r>
+          <a:bodyPr/>
+          <a:lstStyle/>
+          <a:p>
+            <a:endParaRPr lang="ru-RU"/>
           </a:p>
         </p:txBody>
       </p:sp>
@@ -4690,7 +4625,7 @@
           <p:cNvPr id="4" name="Объект 3">
             <a:extLst>
               <a:ext uri="{FF2B5EF4-FFF2-40B4-BE49-F238E27FC236}">
-                <a16:creationId xmlns:a16="http://schemas.microsoft.com/office/drawing/2014/main" id="{6BC0FD2A-96B5-83D7-47BB-48B5086C3BD4}"/>
+                <a16:creationId xmlns:a16="http://schemas.microsoft.com/office/drawing/2014/main" id="{1339A29E-DD21-5F8F-F04B-95D9241FF8C7}"/>
               </a:ext>
             </a:extLst>
           </p:cNvPr>
@@ -4703,22 +4638,26 @@
         </p:nvSpPr>
         <p:spPr/>
         <p:txBody>
-          <a:bodyPr>
-            <a:normAutofit fontScale="85000" lnSpcReduction="10000"/>
-          </a:bodyPr>
-          <a:lstStyle/>
-          <a:p>
-            <a:pPr marL="0" indent="0">
-              <a:buNone/>
-            </a:pPr>
-            <a:endParaRPr lang="ru-RU" dirty="0"/>
+          <a:bodyPr/>
+          <a:lstStyle/>
+          <a:p>
+            <a:r>
+              <a:rPr lang="ru-RU" dirty="0"/>
+              <a:t>Введите букву:</a:t>
+            </a:r>
+          </a:p>
+          <a:p>
+            <a:r>
+              <a:rPr lang="ru-RU" dirty="0"/>
+              <a:t>Верный ответ:</a:t>
+            </a:r>
           </a:p>
         </p:txBody>
       </p:sp>
     </p:spTree>
     <p:extLst>
       <p:ext uri="{BB962C8B-B14F-4D97-AF65-F5344CB8AC3E}">
-        <p14:creationId xmlns:p14="http://schemas.microsoft.com/office/powerpoint/2010/main" val="2220702880"/>
+        <p14:creationId xmlns:p14="http://schemas.microsoft.com/office/powerpoint/2010/main" val="301932839"/>
       </p:ext>
     </p:extLst>
   </p:cSld>
@@ -4750,7 +4689,7 @@
           <p:cNvPr id="2" name="Заголовок 1">
             <a:extLst>
               <a:ext uri="{FF2B5EF4-FFF2-40B4-BE49-F238E27FC236}">
-                <a16:creationId xmlns:a16="http://schemas.microsoft.com/office/drawing/2014/main" id="{7B81FF81-848C-E80F-A395-FE21A9FC631C}"/>
+                <a16:creationId xmlns:a16="http://schemas.microsoft.com/office/drawing/2014/main" id="{0E3E2327-F05B-59E3-A4F7-CDE3A3B72548}"/>
               </a:ext>
             </a:extLst>
           </p:cNvPr>
@@ -4764,16 +4703,18 @@
         <p:spPr>
           <a:xfrm>
             <a:off x="405051" y="589242"/>
-            <a:ext cx="4590574" cy="701971"/>
+            <a:ext cx="4590574" cy="869275"/>
           </a:xfrm>
         </p:spPr>
         <p:txBody>
-          <a:bodyPr/>
-          <a:lstStyle/>
-          <a:p>
-            <a:r>
-              <a:rPr lang="ru-RU" dirty="0"/>
-              <a:t>Пара №2*</a:t>
+          <a:bodyPr>
+            <a:normAutofit fontScale="90000"/>
+          </a:bodyPr>
+          <a:lstStyle/>
+          <a:p>
+            <a:r>
+              <a:rPr lang="ru-RU" dirty="0"/>
+              <a:t>Семинар №1 Основы философии</a:t>
             </a:r>
           </a:p>
         </p:txBody>
@@ -4783,7 +4724,7 @@
           <p:cNvPr id="3" name="Подзаголовок 2">
             <a:extLst>
               <a:ext uri="{FF2B5EF4-FFF2-40B4-BE49-F238E27FC236}">
-                <a16:creationId xmlns:a16="http://schemas.microsoft.com/office/drawing/2014/main" id="{5960ED07-2094-F46D-BB58-C61686CD7BA7}"/>
+                <a16:creationId xmlns:a16="http://schemas.microsoft.com/office/drawing/2014/main" id="{9811E927-9015-66F4-7AF2-8810DFBB6303}"/>
               </a:ext>
             </a:extLst>
           </p:cNvPr>
@@ -4796,27 +4737,60 @@
         </p:nvSpPr>
         <p:spPr>
           <a:xfrm>
-            <a:off x="675085" y="1467059"/>
-            <a:ext cx="4050506" cy="1934308"/>
+            <a:off x="675085" y="1891071"/>
+            <a:ext cx="4050506" cy="1334450"/>
           </a:xfrm>
         </p:spPr>
         <p:txBody>
-          <a:bodyPr anchor="ctr">
+          <a:bodyPr>
             <a:normAutofit/>
           </a:bodyPr>
           <a:lstStyle/>
           <a:p>
             <a:r>
-              <a:rPr lang="ru-RU" sz="3190" dirty="0"/>
-              <a:t>Дискретная математика</a:t>
-            </a:r>
+              <a:rPr lang="ru-RU" sz="1200" dirty="0">
+                <a:latin typeface="Comic Sans MS" panose="030F0702030302020204" pitchFamily="66" charset="0"/>
+              </a:rPr>
+              <a:t>Существует много вопросов, которые мы оставляем без ответов.</a:t>
+            </a:r>
+            <a:br>
+              <a:rPr lang="ru-RU" sz="1200" dirty="0">
+                <a:latin typeface="Comic Sans MS" panose="030F0702030302020204" pitchFamily="66" charset="0"/>
+              </a:rPr>
+            </a:br>
+            <a:r>
+              <a:rPr lang="ru-RU" sz="1200" dirty="0">
+                <a:latin typeface="Comic Sans MS" panose="030F0702030302020204" pitchFamily="66" charset="0"/>
+              </a:rPr>
+              <a:t>Но философы- это другое дело. </a:t>
+            </a:r>
+          </a:p>
+          <a:p>
+            <a:r>
+              <a:rPr lang="ru-RU" sz="1200" dirty="0">
+                <a:latin typeface="Comic Sans MS" panose="030F0702030302020204" pitchFamily="66" charset="0"/>
+              </a:rPr>
+              <a:t>Они должны хотя бы попытаться докопаться до истины.</a:t>
+            </a:r>
+            <a:br>
+              <a:rPr lang="ru-RU" sz="1200" dirty="0">
+                <a:latin typeface="Comic Sans MS" panose="030F0702030302020204" pitchFamily="66" charset="0"/>
+              </a:rPr>
+            </a:br>
+            <a:r>
+              <a:rPr lang="ru-RU" sz="1200" dirty="0">
+                <a:latin typeface="Comic Sans MS" panose="030F0702030302020204" pitchFamily="66" charset="0"/>
+              </a:rPr>
+              <a:t>Какой мыслитель попробовал найти ответ на один из вопросов?</a:t>
+            </a:r>
+            <a:endParaRPr lang="ru-RU" dirty="0"/>
           </a:p>
         </p:txBody>
       </p:sp>
     </p:spTree>
     <p:extLst>
       <p:ext uri="{BB962C8B-B14F-4D97-AF65-F5344CB8AC3E}">
-        <p14:creationId xmlns:p14="http://schemas.microsoft.com/office/powerpoint/2010/main" val="2660768764"/>
+        <p14:creationId xmlns:p14="http://schemas.microsoft.com/office/powerpoint/2010/main" val="1532917856"/>
       </p:ext>
     </p:extLst>
   </p:cSld>
@@ -4848,7 +4822,7 @@
           <p:cNvPr id="2" name="Заголовок 1">
             <a:extLst>
               <a:ext uri="{FF2B5EF4-FFF2-40B4-BE49-F238E27FC236}">
-                <a16:creationId xmlns:a16="http://schemas.microsoft.com/office/drawing/2014/main" id="{FE3560F5-0DF8-534B-1855-9CF6BDA58FCB}"/>
+                <a16:creationId xmlns:a16="http://schemas.microsoft.com/office/drawing/2014/main" id="{0A027E40-7FED-06C3-8E72-467E83EB5E3B}"/>
               </a:ext>
             </a:extLst>
           </p:cNvPr>
@@ -4861,185 +4835,115 @@
         </p:nvSpPr>
         <p:spPr/>
         <p:txBody>
-          <a:bodyPr/>
-          <a:lstStyle/>
-          <a:p>
-            <a:r>
-              <a:rPr lang="ru-RU" dirty="0"/>
-              <a:t>Пара № 6 Лингвистика</a:t>
-            </a:r>
-          </a:p>
-        </p:txBody>
-      </p:sp>
-      <p:sp>
-        <p:nvSpPr>
-          <p:cNvPr id="3" name="Объект 2">
-            <a:extLst>
-              <a:ext uri="{FF2B5EF4-FFF2-40B4-BE49-F238E27FC236}">
-                <a16:creationId xmlns:a16="http://schemas.microsoft.com/office/drawing/2014/main" id="{ADE2C3FA-70CE-48B1-4109-387A59259A02}"/>
-              </a:ext>
-            </a:extLst>
-          </p:cNvPr>
-          <p:cNvSpPr>
-            <a:spLocks noGrp="1"/>
-          </p:cNvSpPr>
+          <a:bodyPr>
+            <a:normAutofit fontScale="90000"/>
+          </a:bodyPr>
+          <a:lstStyle/>
+          <a:p>
+            <a:r>
+              <a:rPr lang="ru-RU" dirty="0"/>
+              <a:t>Лабораторная работа №3 </a:t>
+            </a:r>
+            <a:br>
+              <a:rPr lang="ru-RU" dirty="0"/>
+            </a:br>
+            <a:r>
+              <a:rPr lang="ru-RU" b="1" dirty="0"/>
+              <a:t>Основы криптографии</a:t>
+            </a:r>
+            <a:br>
+              <a:rPr lang="ru-RU" dirty="0"/>
+            </a:br>
+            <a:endParaRPr lang="ru-RU" dirty="0"/>
+          </a:p>
+        </p:txBody>
+      </p:sp>
+      <p:pic>
+        <p:nvPicPr>
+          <p:cNvPr id="6" name="Объект 5">
+            <a:extLst>
+              <a:ext uri="{FF2B5EF4-FFF2-40B4-BE49-F238E27FC236}">
+                <a16:creationId xmlns:a16="http://schemas.microsoft.com/office/drawing/2014/main" id="{68458BC0-94A5-FEC6-51C1-209628F16A42}"/>
+              </a:ext>
+            </a:extLst>
+          </p:cNvPr>
+          <p:cNvPicPr>
+            <a:picLocks noGrp="1" noChangeAspect="1"/>
+          </p:cNvPicPr>
           <p:nvPr>
             <p:ph sz="half" idx="1"/>
           </p:nvPr>
-        </p:nvSpPr>
+        </p:nvPicPr>
+        <p:blipFill>
+          <a:blip r:embed="rId2">
+            <a:extLst>
+              <a:ext uri="{28A0092B-C50C-407E-A947-70E740481C1C}">
+                <a14:useLocalDpi xmlns:a14="http://schemas.microsoft.com/office/drawing/2010/main" val="0"/>
+              </a:ext>
+            </a:extLst>
+          </a:blip>
+          <a:stretch>
+            <a:fillRect/>
+          </a:stretch>
+        </p:blipFill>
         <p:spPr>
           <a:xfrm>
-            <a:off x="371297" y="958453"/>
-            <a:ext cx="2783885" cy="2284452"/>
+            <a:off x="371475" y="958454"/>
+            <a:ext cx="2295525" cy="2116342"/>
           </a:xfrm>
         </p:spPr>
-        <p:txBody>
-          <a:bodyPr>
-            <a:normAutofit fontScale="92500" lnSpcReduction="20000"/>
-          </a:bodyPr>
-          <a:lstStyle/>
-          <a:p>
-            <a:r>
-              <a:rPr lang="ru-RU" b="0" i="0" dirty="0">
-                <a:solidFill>
-                  <a:srgbClr val="000000"/>
-                </a:solidFill>
-                <a:effectLst/>
-                <a:latin typeface="Roboto" panose="02000000000000000000" pitchFamily="2" charset="0"/>
-              </a:rPr>
-              <a:t>Довольно именем известна я своим;</a:t>
-            </a:r>
-            <a:br>
-              <a:rPr lang="ru-RU" dirty="0"/>
-            </a:br>
-            <a:r>
-              <a:rPr lang="ru-RU" b="0" i="0" dirty="0">
-                <a:solidFill>
-                  <a:srgbClr val="000000"/>
-                </a:solidFill>
-                <a:effectLst/>
-                <a:latin typeface="Roboto" panose="02000000000000000000" pitchFamily="2" charset="0"/>
-              </a:rPr>
-              <a:t>Равно клянётся плут и непорочный им,</a:t>
-            </a:r>
-            <a:br>
-              <a:rPr lang="ru-RU" dirty="0"/>
-            </a:br>
-            <a:r>
-              <a:rPr lang="ru-RU" b="0" i="0" dirty="0">
-                <a:solidFill>
-                  <a:srgbClr val="000000"/>
-                </a:solidFill>
-                <a:effectLst/>
-                <a:latin typeface="Roboto" panose="02000000000000000000" pitchFamily="2" charset="0"/>
-              </a:rPr>
-              <a:t>Утехой в бедствиях всего бываю боле,</a:t>
-            </a:r>
-            <a:br>
-              <a:rPr lang="ru-RU" dirty="0"/>
-            </a:br>
-            <a:r>
-              <a:rPr lang="ru-RU" b="0" i="0" dirty="0">
-                <a:solidFill>
-                  <a:srgbClr val="000000"/>
-                </a:solidFill>
-                <a:effectLst/>
-                <a:latin typeface="Roboto" panose="02000000000000000000" pitchFamily="2" charset="0"/>
-              </a:rPr>
-              <a:t>Жизнь сладостней при мне и в самой лучшей доле.</a:t>
-            </a:r>
-            <a:br>
-              <a:rPr lang="ru-RU" dirty="0"/>
-            </a:br>
-            <a:r>
-              <a:rPr lang="ru-RU" b="0" i="0" dirty="0">
-                <a:solidFill>
-                  <a:srgbClr val="000000"/>
-                </a:solidFill>
-                <a:effectLst/>
-                <a:latin typeface="Roboto" panose="02000000000000000000" pitchFamily="2" charset="0"/>
-              </a:rPr>
-              <a:t>Блаженству чистых душ могу служить одна,</a:t>
-            </a:r>
-            <a:br>
-              <a:rPr lang="ru-RU" dirty="0"/>
-            </a:br>
-            <a:r>
-              <a:rPr lang="ru-RU" b="0" i="0" dirty="0">
-                <a:solidFill>
-                  <a:srgbClr val="000000"/>
-                </a:solidFill>
-                <a:effectLst/>
-                <a:latin typeface="Roboto" panose="02000000000000000000" pitchFamily="2" charset="0"/>
-              </a:rPr>
-              <a:t>А меж злодеями — не быть я создан</a:t>
-            </a:r>
-          </a:p>
-          <a:p>
-            <a:r>
-              <a:rPr lang="ru-RU" dirty="0">
-                <a:solidFill>
-                  <a:srgbClr val="000000"/>
-                </a:solidFill>
-                <a:latin typeface="Roboto" panose="02000000000000000000" pitchFamily="2" charset="0"/>
-              </a:rPr>
-              <a:t>Расшифруйте слово</a:t>
-            </a:r>
-            <a:r>
-              <a:rPr lang="ru-RU" b="0" i="0" dirty="0">
-                <a:solidFill>
-                  <a:srgbClr val="000000"/>
-                </a:solidFill>
-                <a:effectLst/>
-                <a:latin typeface="Roboto" panose="02000000000000000000" pitchFamily="2" charset="0"/>
-              </a:rPr>
-              <a:t>.</a:t>
+      </p:pic>
+      <p:sp>
+        <p:nvSpPr>
+          <p:cNvPr id="4" name="Объект 3">
+            <a:extLst>
+              <a:ext uri="{FF2B5EF4-FFF2-40B4-BE49-F238E27FC236}">
+                <a16:creationId xmlns:a16="http://schemas.microsoft.com/office/drawing/2014/main" id="{20B479E2-1633-378B-58A1-69EBFF41A4E2}"/>
+              </a:ext>
+            </a:extLst>
+          </p:cNvPr>
+          <p:cNvSpPr>
+            <a:spLocks noGrp="1"/>
+          </p:cNvSpPr>
+          <p:nvPr>
+            <p:ph sz="half" idx="2"/>
+          </p:nvPr>
+        </p:nvSpPr>
+        <p:spPr/>
+        <p:txBody>
+          <a:bodyPr/>
+          <a:lstStyle/>
+          <a:p>
+            <a:r>
+              <a:rPr lang="ru-RU" dirty="0"/>
+              <a:t>Найдите задание в угаданном слове:</a:t>
+            </a:r>
+          </a:p>
+          <a:p>
+            <a:r>
+              <a:rPr lang="ru-RU" dirty="0"/>
+              <a:t>Верный ответ</a:t>
+            </a:r>
+            <a:r>
+              <a:rPr lang="ru-RU"/>
+              <a:t>: Холодильник</a:t>
             </a:r>
             <a:endParaRPr lang="ru-RU" dirty="0"/>
           </a:p>
-        </p:txBody>
-      </p:sp>
-      <p:sp>
-        <p:nvSpPr>
-          <p:cNvPr id="4" name="Объект 3">
-            <a:extLst>
-              <a:ext uri="{FF2B5EF4-FFF2-40B4-BE49-F238E27FC236}">
-                <a16:creationId xmlns:a16="http://schemas.microsoft.com/office/drawing/2014/main" id="{C41D7331-BFF8-BACE-A57E-16D9EBABC531}"/>
-              </a:ext>
-            </a:extLst>
-          </p:cNvPr>
-          <p:cNvSpPr>
-            <a:spLocks noGrp="1"/>
-          </p:cNvSpPr>
-          <p:nvPr>
-            <p:ph sz="half" idx="2"/>
-          </p:nvPr>
-        </p:nvSpPr>
-        <p:spPr>
-          <a:xfrm>
-            <a:off x="3245618" y="958453"/>
-            <a:ext cx="1783761" cy="2284452"/>
-          </a:xfrm>
-        </p:spPr>
-        <p:txBody>
-          <a:bodyPr>
-            <a:normAutofit fontScale="92500" lnSpcReduction="20000"/>
-          </a:bodyPr>
-          <a:lstStyle/>
-          <a:p>
-            <a:r>
-              <a:rPr lang="ru-RU" dirty="0"/>
-              <a:t>Введите слово:</a:t>
-            </a:r>
-          </a:p>
-          <a:p>
-            <a:r>
-              <a:rPr lang="ru-RU" dirty="0"/>
-              <a:t>Верный ответ: Дружба</a:t>
+          <a:p>
+            <a:r>
+              <a:rPr lang="ru-RU" dirty="0"/>
+              <a:t>Задание для Календаря</a:t>
             </a:r>
           </a:p>
           <a:p>
             <a:endParaRPr lang="ru-RU" dirty="0"/>
+          </a:p>
+          <a:p>
+            <a:r>
+              <a:rPr lang="ru-RU" dirty="0"/>
+              <a:t>Фото 13</a:t>
+            </a:r>
           </a:p>
           <a:p>
             <a:pPr marL="0" indent="0">
@@ -5052,7 +4956,7 @@
     </p:spTree>
     <p:extLst>
       <p:ext uri="{BB962C8B-B14F-4D97-AF65-F5344CB8AC3E}">
-        <p14:creationId xmlns:p14="http://schemas.microsoft.com/office/powerpoint/2010/main" val="3755422650"/>
+        <p14:creationId xmlns:p14="http://schemas.microsoft.com/office/powerpoint/2010/main" val="3787303583"/>
       </p:ext>
     </p:extLst>
   </p:cSld>
@@ -5084,7 +4988,7 @@
           <p:cNvPr id="2" name="Заголовок 1">
             <a:extLst>
               <a:ext uri="{FF2B5EF4-FFF2-40B4-BE49-F238E27FC236}">
-                <a16:creationId xmlns:a16="http://schemas.microsoft.com/office/drawing/2014/main" id="{A91BA214-EFAE-0276-D0C9-DF8F1ADCA7DE}"/>
+                <a16:creationId xmlns:a16="http://schemas.microsoft.com/office/drawing/2014/main" id="{886DDD8C-3CE0-0213-7C89-42841A94FC06}"/>
               </a:ext>
             </a:extLst>
           </p:cNvPr>
@@ -5102,7 +5006,7 @@
           <a:p>
             <a:r>
               <a:rPr lang="ru-RU" dirty="0"/>
-              <a:t>Пара № 7 Материаловедение</a:t>
+              <a:t>Задание в календаре</a:t>
             </a:r>
           </a:p>
         </p:txBody>
@@ -5112,7 +5016,7 @@
           <p:cNvPr id="3" name="Объект 2">
             <a:extLst>
               <a:ext uri="{FF2B5EF4-FFF2-40B4-BE49-F238E27FC236}">
-                <a16:creationId xmlns:a16="http://schemas.microsoft.com/office/drawing/2014/main" id="{8940BA48-6CFE-87C6-E3CB-062DF9A9E04E}"/>
+                <a16:creationId xmlns:a16="http://schemas.microsoft.com/office/drawing/2014/main" id="{FAA42A2B-B3EF-AE46-523E-CB1056C29B48}"/>
               </a:ext>
             </a:extLst>
           </p:cNvPr>
@@ -5123,14 +5027,55 @@
             <p:ph sz="half" idx="1"/>
           </p:nvPr>
         </p:nvSpPr>
-        <p:spPr/>
-        <p:txBody>
-          <a:bodyPr/>
-          <a:lstStyle/>
-          <a:p>
-            <a:r>
-              <a:rPr lang="ru-RU" dirty="0"/>
-              <a:t>Одежда</a:t>
+        <p:spPr>
+          <a:xfrm>
+            <a:off x="371297" y="773723"/>
+            <a:ext cx="2295287" cy="2469182"/>
+          </a:xfrm>
+        </p:spPr>
+        <p:txBody>
+          <a:bodyPr>
+            <a:normAutofit/>
+          </a:bodyPr>
+          <a:lstStyle/>
+          <a:p>
+            <a:r>
+              <a:rPr lang="ru-RU" b="1" dirty="0">
+                <a:solidFill>
+                  <a:srgbClr val="C00000"/>
+                </a:solidFill>
+              </a:rPr>
+              <a:t>Пн2, Чт1, Вс3,Ср2, Чт1, Чт3,Чт3,Чт5,Вт1,Вс1, Вс3,Чт1,Пт1,Вт2,Сб2</a:t>
+            </a:r>
+          </a:p>
+          <a:p>
+            <a:r>
+              <a:rPr lang="ru-RU" dirty="0"/>
+              <a:t>Приложение №1</a:t>
+            </a:r>
+          </a:p>
+          <a:p>
+            <a:r>
+              <a:rPr lang="ru-RU" sz="1000" dirty="0"/>
+              <a:t>Русский алфавит и номера букв</a:t>
+            </a:r>
+          </a:p>
+          <a:p>
+            <a:r>
+              <a:rPr lang="ru-RU" dirty="0"/>
+              <a:t>Приложение №2</a:t>
+            </a:r>
+          </a:p>
+          <a:p>
+            <a:r>
+              <a:rPr lang="ru-RU" sz="900" dirty="0"/>
+              <a:t>Календарь: декабрь 2022г</a:t>
+            </a:r>
+          </a:p>
+          <a:p>
+            <a:r>
+              <a:rPr lang="ru-RU" dirty="0"/>
+              <a:t>Ответ: Карманные грабли-расчёска</a:t>
             </a:r>
           </a:p>
         </p:txBody>
@@ -5140,7 +5085,7 @@
           <p:cNvPr id="4" name="Объект 3">
             <a:extLst>
               <a:ext uri="{FF2B5EF4-FFF2-40B4-BE49-F238E27FC236}">
-                <a16:creationId xmlns:a16="http://schemas.microsoft.com/office/drawing/2014/main" id="{230D6A6D-CBDD-8D31-85E8-65A81A874C88}"/>
+                <a16:creationId xmlns:a16="http://schemas.microsoft.com/office/drawing/2014/main" id="{D59B3CA2-EA69-8719-CBBB-1DF89B5A7A4B}"/>
               </a:ext>
             </a:extLst>
           </p:cNvPr>
@@ -5153,29 +5098,34 @@
         </p:nvSpPr>
         <p:spPr/>
         <p:txBody>
-          <a:bodyPr/>
-          <a:lstStyle/>
-          <a:p>
-            <a:r>
-              <a:rPr lang="ru-RU" dirty="0"/>
-              <a:t>Введите букву:</a:t>
-            </a:r>
-          </a:p>
-          <a:p>
-            <a:r>
-              <a:rPr lang="ru-RU" dirty="0"/>
-              <a:t>Верный ответ:</a:t>
+          <a:bodyPr>
+            <a:normAutofit/>
+          </a:bodyPr>
+          <a:lstStyle/>
+          <a:p>
+            <a:r>
+              <a:rPr lang="ru-RU" dirty="0"/>
+              <a:t>Ведите количество букв в метафоре:</a:t>
             </a:r>
           </a:p>
           <a:p>
             <a:endParaRPr lang="ru-RU" dirty="0"/>
+          </a:p>
+          <a:p>
+            <a:endParaRPr lang="ru-RU" dirty="0"/>
+          </a:p>
+          <a:p>
+            <a:r>
+              <a:rPr lang="ru-RU" dirty="0"/>
+              <a:t>Верный ответ: 8</a:t>
+            </a:r>
           </a:p>
         </p:txBody>
       </p:sp>
     </p:spTree>
     <p:extLst>
       <p:ext uri="{BB962C8B-B14F-4D97-AF65-F5344CB8AC3E}">
-        <p14:creationId xmlns:p14="http://schemas.microsoft.com/office/powerpoint/2010/main" val="3628495549"/>
+        <p14:creationId xmlns:p14="http://schemas.microsoft.com/office/powerpoint/2010/main" val="3219944019"/>
       </p:ext>
     </p:extLst>
   </p:cSld>
@@ -5207,7 +5157,7 @@
           <p:cNvPr id="2" name="Заголовок 1">
             <a:extLst>
               <a:ext uri="{FF2B5EF4-FFF2-40B4-BE49-F238E27FC236}">
-                <a16:creationId xmlns:a16="http://schemas.microsoft.com/office/drawing/2014/main" id="{AEA8F201-110E-8230-EC43-3A0688130E2D}"/>
+                <a16:creationId xmlns:a16="http://schemas.microsoft.com/office/drawing/2014/main" id="{66B20022-B153-649E-D4FE-71F5E8A35641}"/>
               </a:ext>
             </a:extLst>
           </p:cNvPr>
@@ -5227,86 +5177,48 @@
           <a:p>
             <a:r>
               <a:rPr lang="ru-RU" dirty="0"/>
-              <a:t>Пара №8 Информационно-коммуникационные технологии</a:t>
-            </a:r>
-          </a:p>
-        </p:txBody>
-      </p:sp>
-      <p:sp>
-        <p:nvSpPr>
-          <p:cNvPr id="3" name="Объект 2">
-            <a:extLst>
-              <a:ext uri="{FF2B5EF4-FFF2-40B4-BE49-F238E27FC236}">
-                <a16:creationId xmlns:a16="http://schemas.microsoft.com/office/drawing/2014/main" id="{92CC0EB4-814F-8FB0-54C6-C54252B907A7}"/>
-              </a:ext>
-            </a:extLst>
-          </p:cNvPr>
-          <p:cNvSpPr>
-            <a:spLocks noGrp="1"/>
-          </p:cNvSpPr>
-          <p:nvPr>
-            <p:ph sz="half" idx="1"/>
-          </p:nvPr>
-        </p:nvSpPr>
-        <p:spPr/>
-        <p:txBody>
-          <a:bodyPr/>
-          <a:lstStyle/>
-          <a:p>
-            <a:r>
-              <a:rPr lang="ru-RU" dirty="0"/>
-              <a:t>В приведенных текстах некоторые идущие подряд буквы нескольких слов образуют термины, связанные с информатикой и компьютерами</a:t>
-            </a:r>
-          </a:p>
-          <a:p>
-            <a:r>
-              <a:rPr lang="ru-RU" dirty="0"/>
-              <a:t>Найдите эти термины</a:t>
-            </a:r>
-          </a:p>
-        </p:txBody>
-      </p:sp>
-      <p:sp>
-        <p:nvSpPr>
-          <p:cNvPr id="4" name="Объект 3">
-            <a:extLst>
-              <a:ext uri="{FF2B5EF4-FFF2-40B4-BE49-F238E27FC236}">
-                <a16:creationId xmlns:a16="http://schemas.microsoft.com/office/drawing/2014/main" id="{08331EEC-D24E-6C32-3D1B-95C453044C52}"/>
-              </a:ext>
-            </a:extLst>
-          </p:cNvPr>
-          <p:cNvSpPr>
-            <a:spLocks noGrp="1"/>
-          </p:cNvSpPr>
-          <p:nvPr>
-            <p:ph sz="half" idx="2"/>
-          </p:nvPr>
-        </p:nvSpPr>
-        <p:spPr/>
-        <p:txBody>
-          <a:bodyPr/>
-          <a:lstStyle/>
-          <a:p>
-            <a:r>
-              <a:rPr lang="ru-RU" dirty="0"/>
-              <a:t>Введите букву:</a:t>
-            </a:r>
-          </a:p>
-          <a:p>
-            <a:r>
-              <a:rPr lang="ru-RU" dirty="0"/>
-              <a:t>Верный ответ:</a:t>
-            </a:r>
-          </a:p>
-          <a:p>
+              <a:t>Приложение №1</a:t>
+            </a:r>
+            <a:br>
+              <a:rPr lang="ru-RU" dirty="0"/>
+            </a:br>
             <a:endParaRPr lang="ru-RU" dirty="0"/>
           </a:p>
         </p:txBody>
       </p:sp>
+      <p:pic>
+        <p:nvPicPr>
+          <p:cNvPr id="5" name="Объект 4">
+            <a:extLst>
+              <a:ext uri="{FF2B5EF4-FFF2-40B4-BE49-F238E27FC236}">
+                <a16:creationId xmlns:a16="http://schemas.microsoft.com/office/drawing/2014/main" id="{2CB6002B-EE09-2BF1-2C8B-78AB5B52807C}"/>
+              </a:ext>
+            </a:extLst>
+          </p:cNvPr>
+          <p:cNvPicPr>
+            <a:picLocks noGrp="1" noChangeAspect="1"/>
+          </p:cNvPicPr>
+          <p:nvPr>
+            <p:ph idx="1"/>
+          </p:nvPr>
+        </p:nvPicPr>
+        <p:blipFill>
+          <a:blip r:embed="rId2"/>
+          <a:stretch>
+            <a:fillRect/>
+          </a:stretch>
+        </p:blipFill>
+        <p:spPr>
+          <a:xfrm>
+            <a:off x="1177391" y="828221"/>
+            <a:ext cx="3176520" cy="2284413"/>
+          </a:xfrm>
+        </p:spPr>
+      </p:pic>
     </p:spTree>
     <p:extLst>
       <p:ext uri="{BB962C8B-B14F-4D97-AF65-F5344CB8AC3E}">
-        <p14:creationId xmlns:p14="http://schemas.microsoft.com/office/powerpoint/2010/main" val="274532454"/>
+        <p14:creationId xmlns:p14="http://schemas.microsoft.com/office/powerpoint/2010/main" val="946204326"/>
       </p:ext>
     </p:extLst>
   </p:cSld>
@@ -5338,7 +5250,7 @@
           <p:cNvPr id="2" name="Заголовок 1">
             <a:extLst>
               <a:ext uri="{FF2B5EF4-FFF2-40B4-BE49-F238E27FC236}">
-                <a16:creationId xmlns:a16="http://schemas.microsoft.com/office/drawing/2014/main" id="{E579EA19-3CB9-D85F-D328-98118F994CD2}"/>
+                <a16:creationId xmlns:a16="http://schemas.microsoft.com/office/drawing/2014/main" id="{AFB2C89E-1D72-CF47-1D23-9C601B968A65}"/>
               </a:ext>
             </a:extLst>
           </p:cNvPr>
@@ -5356,7 +5268,7 @@
           <a:p>
             <a:r>
               <a:rPr lang="ru-RU" dirty="0"/>
-              <a:t>Задания</a:t>
+              <a:t>Практическое занятие № 4 Оптика</a:t>
             </a:r>
           </a:p>
         </p:txBody>
@@ -5366,7 +5278,7 @@
           <p:cNvPr id="3" name="Объект 2">
             <a:extLst>
               <a:ext uri="{FF2B5EF4-FFF2-40B4-BE49-F238E27FC236}">
-                <a16:creationId xmlns:a16="http://schemas.microsoft.com/office/drawing/2014/main" id="{BEE21537-DE8A-3059-445B-21B54DED5F37}"/>
+                <a16:creationId xmlns:a16="http://schemas.microsoft.com/office/drawing/2014/main" id="{E0E2F0BB-65DC-7AA9-AD4B-4E3F28A27478}"/>
               </a:ext>
             </a:extLst>
           </p:cNvPr>
@@ -5379,38 +5291,24 @@
         </p:nvSpPr>
         <p:spPr/>
         <p:txBody>
-          <a:bodyPr>
-            <a:normAutofit fontScale="85000" lnSpcReduction="10000"/>
-          </a:bodyPr>
-          <a:lstStyle/>
-          <a:p>
-            <a:r>
-              <a:rPr lang="ru-RU" dirty="0"/>
-              <a:t>1.Потом они торжествовали и радовались как дети</a:t>
-            </a:r>
-          </a:p>
-          <a:p>
-            <a:r>
-              <a:rPr lang="ru-RU" dirty="0"/>
-              <a:t>2.Этот старинный комод ему достался в наследство от бабушки</a:t>
-            </a:r>
-          </a:p>
-          <a:p>
-            <a:r>
-              <a:rPr lang="ru-RU" dirty="0"/>
-              <a:t>3. По просьбе хозяина квартиры мы шкаф сдвинули в угол</a:t>
-            </a:r>
-          </a:p>
-          <a:p>
-            <a:r>
-              <a:rPr lang="ru-RU" dirty="0"/>
-              <a:t>4. Река Днепр интересна тем, сто на ней имеются несколько гидроэлектростанций</a:t>
-            </a:r>
-          </a:p>
-          <a:p>
-            <a:r>
-              <a:rPr lang="ru-RU" dirty="0"/>
-              <a:t>5. Несмотря на это его феска не раз падала с головы</a:t>
+          <a:bodyPr/>
+          <a:lstStyle/>
+          <a:p>
+            <a:r>
+              <a:rPr lang="ru-RU" dirty="0"/>
+              <a:t>Найдите подсказу,</a:t>
+            </a:r>
+          </a:p>
+          <a:p>
+            <a:r>
+              <a:rPr lang="ru-RU" dirty="0"/>
+              <a:t>Воспользуйтесь фонариком</a:t>
+            </a:r>
+          </a:p>
+          <a:p>
+            <a:r>
+              <a:rPr lang="ru-RU" dirty="0"/>
+              <a:t>На бумаге написать место для задания</a:t>
             </a:r>
           </a:p>
         </p:txBody>
@@ -5420,7 +5318,7 @@
           <p:cNvPr id="4" name="Объект 3">
             <a:extLst>
               <a:ext uri="{FF2B5EF4-FFF2-40B4-BE49-F238E27FC236}">
-                <a16:creationId xmlns:a16="http://schemas.microsoft.com/office/drawing/2014/main" id="{5D87556C-09AA-8808-5444-4972B7047698}"/>
+                <a16:creationId xmlns:a16="http://schemas.microsoft.com/office/drawing/2014/main" id="{CFC6EC81-EC82-F16F-EF53-DC7169763137}"/>
               </a:ext>
             </a:extLst>
           </p:cNvPr>
@@ -5433,46 +5331,30 @@
         </p:nvSpPr>
         <p:spPr/>
         <p:txBody>
-          <a:bodyPr>
-            <a:normAutofit fontScale="85000" lnSpcReduction="10000"/>
-          </a:bodyPr>
-          <a:lstStyle/>
-          <a:p>
-            <a:r>
-              <a:rPr lang="ru-RU" dirty="0"/>
-              <a:t>1. Монитор</a:t>
-            </a:r>
-          </a:p>
-          <a:p>
-            <a:r>
-              <a:rPr lang="ru-RU" dirty="0"/>
-              <a:t>2. Модем</a:t>
-            </a:r>
-          </a:p>
-          <a:p>
-            <a:r>
-              <a:rPr lang="ru-RU" dirty="0"/>
-              <a:t>3. Мышка</a:t>
-            </a:r>
-          </a:p>
-          <a:p>
-            <a:r>
-              <a:rPr lang="ru-RU" dirty="0"/>
-              <a:t>4. Принтер</a:t>
-            </a:r>
-          </a:p>
-          <a:p>
-            <a:r>
-              <a:rPr lang="ru-RU" dirty="0"/>
-              <a:t>5. Сканер</a:t>
-            </a:r>
+          <a:bodyPr/>
+          <a:lstStyle/>
+          <a:p>
+            <a:r>
+              <a:rPr lang="ru-RU"/>
+              <a:t>Введите термин :</a:t>
+            </a:r>
+            <a:endParaRPr lang="ru-RU" dirty="0"/>
+          </a:p>
+          <a:p>
+            <a:r>
+              <a:rPr lang="ru-RU" dirty="0"/>
+              <a:t>Верный ответ:</a:t>
+            </a:r>
+          </a:p>
+          <a:p>
+            <a:endParaRPr lang="ru-RU" dirty="0"/>
           </a:p>
         </p:txBody>
       </p:sp>
     </p:spTree>
     <p:extLst>
       <p:ext uri="{BB962C8B-B14F-4D97-AF65-F5344CB8AC3E}">
-        <p14:creationId xmlns:p14="http://schemas.microsoft.com/office/powerpoint/2010/main" val="72635497"/>
+        <p14:creationId xmlns:p14="http://schemas.microsoft.com/office/powerpoint/2010/main" val="405418919"/>
       </p:ext>
     </p:extLst>
   </p:cSld>
@@ -5504,6 +5386,2460 @@
           <p:cNvPr id="2" name="Заголовок 1">
             <a:extLst>
               <a:ext uri="{FF2B5EF4-FFF2-40B4-BE49-F238E27FC236}">
+                <a16:creationId xmlns:a16="http://schemas.microsoft.com/office/drawing/2014/main" id="{A7C64400-6BDB-D951-D10A-0F643D8B52D6}"/>
+              </a:ext>
+            </a:extLst>
+          </p:cNvPr>
+          <p:cNvSpPr>
+            <a:spLocks noGrp="1"/>
+          </p:cNvSpPr>
+          <p:nvPr>
+            <p:ph type="title"/>
+          </p:nvPr>
+        </p:nvSpPr>
+        <p:spPr/>
+        <p:txBody>
+          <a:bodyPr/>
+          <a:lstStyle/>
+          <a:p>
+            <a:r>
+              <a:rPr lang="ru-RU" dirty="0"/>
+              <a:t>Пара № 5 Процессы и аппараты</a:t>
+            </a:r>
+          </a:p>
+        </p:txBody>
+      </p:sp>
+      <p:sp>
+        <p:nvSpPr>
+          <p:cNvPr id="3" name="Объект 2">
+            <a:extLst>
+              <a:ext uri="{FF2B5EF4-FFF2-40B4-BE49-F238E27FC236}">
+                <a16:creationId xmlns:a16="http://schemas.microsoft.com/office/drawing/2014/main" id="{356A24C9-3100-D321-0629-C2EED2BA96FC}"/>
+              </a:ext>
+            </a:extLst>
+          </p:cNvPr>
+          <p:cNvSpPr>
+            <a:spLocks noGrp="1"/>
+          </p:cNvSpPr>
+          <p:nvPr>
+            <p:ph sz="half" idx="1"/>
+          </p:nvPr>
+        </p:nvSpPr>
+        <p:spPr/>
+        <p:txBody>
+          <a:bodyPr/>
+          <a:lstStyle/>
+          <a:p>
+            <a:r>
+              <a:rPr lang="ru-RU" dirty="0"/>
+              <a:t>Найди подсказку</a:t>
+            </a:r>
+          </a:p>
+        </p:txBody>
+      </p:sp>
+      <p:sp>
+        <p:nvSpPr>
+          <p:cNvPr id="4" name="Объект 3">
+            <a:extLst>
+              <a:ext uri="{FF2B5EF4-FFF2-40B4-BE49-F238E27FC236}">
+                <a16:creationId xmlns:a16="http://schemas.microsoft.com/office/drawing/2014/main" id="{60107761-B0C4-977E-854D-6448AF18826E}"/>
+              </a:ext>
+            </a:extLst>
+          </p:cNvPr>
+          <p:cNvSpPr>
+            <a:spLocks noGrp="1"/>
+          </p:cNvSpPr>
+          <p:nvPr>
+            <p:ph sz="half" idx="2"/>
+          </p:nvPr>
+        </p:nvSpPr>
+        <p:spPr/>
+        <p:txBody>
+          <a:bodyPr/>
+          <a:lstStyle/>
+          <a:p>
+            <a:r>
+              <a:rPr lang="ru-RU" dirty="0"/>
+              <a:t>Угадайте брэнд автомобиля/техники</a:t>
+            </a:r>
+          </a:p>
+          <a:p>
+            <a:r>
+              <a:rPr lang="ru-RU" dirty="0"/>
+              <a:t>Введите слово:</a:t>
+            </a:r>
+          </a:p>
+          <a:p>
+            <a:r>
+              <a:rPr lang="ru-RU" dirty="0"/>
+              <a:t>Верный ответ: </a:t>
+            </a:r>
+            <a:r>
+              <a:rPr lang="ru-RU" dirty="0" err="1"/>
+              <a:t>Сяоми</a:t>
+            </a:r>
+            <a:endParaRPr lang="ru-RU" dirty="0"/>
+          </a:p>
+          <a:p>
+            <a:endParaRPr lang="ru-RU" dirty="0"/>
+          </a:p>
+        </p:txBody>
+      </p:sp>
+      <p:pic>
+        <p:nvPicPr>
+          <p:cNvPr id="6" name="Рисунок 5">
+            <a:extLst>
+              <a:ext uri="{FF2B5EF4-FFF2-40B4-BE49-F238E27FC236}">
+                <a16:creationId xmlns:a16="http://schemas.microsoft.com/office/drawing/2014/main" id="{E786B96F-9090-CE27-3830-E3A178364D2F}"/>
+              </a:ext>
+            </a:extLst>
+          </p:cNvPr>
+          <p:cNvPicPr>
+            <a:picLocks noChangeAspect="1"/>
+          </p:cNvPicPr>
+          <p:nvPr/>
+        </p:nvPicPr>
+        <p:blipFill>
+          <a:blip r:embed="rId2"/>
+          <a:stretch>
+            <a:fillRect/>
+          </a:stretch>
+        </p:blipFill>
+        <p:spPr>
+          <a:xfrm>
+            <a:off x="476805" y="1308320"/>
+            <a:ext cx="1748906" cy="1394688"/>
+          </a:xfrm>
+          <a:prstGeom prst="rect">
+            <a:avLst/>
+          </a:prstGeom>
+        </p:spPr>
+      </p:pic>
+    </p:spTree>
+    <p:extLst>
+      <p:ext uri="{BB962C8B-B14F-4D97-AF65-F5344CB8AC3E}">
+        <p14:creationId xmlns:p14="http://schemas.microsoft.com/office/powerpoint/2010/main" val="1826964257"/>
+      </p:ext>
+    </p:extLst>
+  </p:cSld>
+  <p:clrMapOvr>
+    <a:masterClrMapping/>
+  </p:clrMapOvr>
+</p:sld>
+</file>
+
+<file path=ppt/slides/slide25.xml><?xml version="1.0" encoding="utf-8"?>
+<p:sld xmlns:a="http://schemas.openxmlformats.org/drawingml/2006/main" xmlns:r="http://schemas.openxmlformats.org/officeDocument/2006/relationships" xmlns:p="http://schemas.openxmlformats.org/presentationml/2006/main">
+  <p:cSld>
+    <p:spTree>
+      <p:nvGrpSpPr>
+        <p:cNvPr id="1" name=""/>
+        <p:cNvGrpSpPr/>
+        <p:nvPr/>
+      </p:nvGrpSpPr>
+      <p:grpSpPr>
+        <a:xfrm>
+          <a:off x="0" y="0"/>
+          <a:ext cx="0" cy="0"/>
+          <a:chOff x="0" y="0"/>
+          <a:chExt cx="0" cy="0"/>
+        </a:xfrm>
+      </p:grpSpPr>
+      <p:sp>
+        <p:nvSpPr>
+          <p:cNvPr id="2" name="Заголовок 1">
+            <a:extLst>
+              <a:ext uri="{FF2B5EF4-FFF2-40B4-BE49-F238E27FC236}">
+                <a16:creationId xmlns:a16="http://schemas.microsoft.com/office/drawing/2014/main" id="{D4D44CC2-5D98-50F5-5771-FDAD0A7A316D}"/>
+              </a:ext>
+            </a:extLst>
+          </p:cNvPr>
+          <p:cNvSpPr>
+            <a:spLocks noGrp="1"/>
+          </p:cNvSpPr>
+          <p:nvPr>
+            <p:ph type="title"/>
+          </p:nvPr>
+        </p:nvSpPr>
+        <p:spPr/>
+        <p:txBody>
+          <a:bodyPr>
+            <a:normAutofit fontScale="90000"/>
+          </a:bodyPr>
+          <a:lstStyle/>
+          <a:p>
+            <a:r>
+              <a:rPr lang="ru-RU" dirty="0"/>
+              <a:t>Угадайте брэнд автомобиля/техники</a:t>
+            </a:r>
+            <a:br>
+              <a:rPr lang="ru-RU" dirty="0"/>
+            </a:br>
+            <a:endParaRPr lang="ru-RU" dirty="0"/>
+          </a:p>
+        </p:txBody>
+      </p:sp>
+      <p:sp>
+        <p:nvSpPr>
+          <p:cNvPr id="3" name="Объект 2">
+            <a:extLst>
+              <a:ext uri="{FF2B5EF4-FFF2-40B4-BE49-F238E27FC236}">
+                <a16:creationId xmlns:a16="http://schemas.microsoft.com/office/drawing/2014/main" id="{A8A65C13-725B-60BB-18AD-F53E05D8D60B}"/>
+              </a:ext>
+            </a:extLst>
+          </p:cNvPr>
+          <p:cNvSpPr>
+            <a:spLocks noGrp="1"/>
+          </p:cNvSpPr>
+          <p:nvPr>
+            <p:ph sz="half" idx="1"/>
+          </p:nvPr>
+        </p:nvSpPr>
+        <p:spPr/>
+        <p:txBody>
+          <a:bodyPr/>
+          <a:lstStyle/>
+          <a:p>
+            <a:pPr marL="0" indent="0">
+              <a:buNone/>
+            </a:pPr>
+            <a:r>
+              <a:rPr lang="ru-RU" dirty="0"/>
+              <a:t>   </a:t>
+            </a:r>
+          </a:p>
+          <a:p>
+            <a:pPr marL="0" indent="0">
+              <a:buNone/>
+            </a:pPr>
+            <a:endParaRPr lang="ru-RU" dirty="0"/>
+          </a:p>
+          <a:p>
+            <a:pPr marL="0" indent="0">
+              <a:buNone/>
+            </a:pPr>
+            <a:r>
+              <a:rPr lang="ru-RU" dirty="0"/>
+              <a:t>    . . . /._._/_ _ _/_ _/. .</a:t>
+            </a:r>
+          </a:p>
+        </p:txBody>
+      </p:sp>
+      <p:pic>
+        <p:nvPicPr>
+          <p:cNvPr id="8" name="Объект 7">
+            <a:extLst>
+              <a:ext uri="{FF2B5EF4-FFF2-40B4-BE49-F238E27FC236}">
+                <a16:creationId xmlns:a16="http://schemas.microsoft.com/office/drawing/2014/main" id="{A6549521-16F8-4AA5-C7B9-B57D8A757A9A}"/>
+              </a:ext>
+            </a:extLst>
+          </p:cNvPr>
+          <p:cNvPicPr>
+            <a:picLocks noGrp="1" noChangeAspect="1"/>
+          </p:cNvPicPr>
+          <p:nvPr>
+            <p:ph sz="half" idx="2"/>
+          </p:nvPr>
+        </p:nvPicPr>
+        <p:blipFill>
+          <a:blip r:embed="rId2"/>
+          <a:stretch>
+            <a:fillRect/>
+          </a:stretch>
+        </p:blipFill>
+        <p:spPr>
+          <a:xfrm>
+            <a:off x="2733913" y="999812"/>
+            <a:ext cx="2295525" cy="2095080"/>
+          </a:xfrm>
+        </p:spPr>
+      </p:pic>
+    </p:spTree>
+    <p:extLst>
+      <p:ext uri="{BB962C8B-B14F-4D97-AF65-F5344CB8AC3E}">
+        <p14:creationId xmlns:p14="http://schemas.microsoft.com/office/powerpoint/2010/main" val="3461264873"/>
+      </p:ext>
+    </p:extLst>
+  </p:cSld>
+  <p:clrMapOvr>
+    <a:masterClrMapping/>
+  </p:clrMapOvr>
+</p:sld>
+</file>
+
+<file path=ppt/slides/slide26.xml><?xml version="1.0" encoding="utf-8"?>
+<p:sld xmlns:a="http://schemas.openxmlformats.org/drawingml/2006/main" xmlns:r="http://schemas.openxmlformats.org/officeDocument/2006/relationships" xmlns:p="http://schemas.openxmlformats.org/presentationml/2006/main">
+  <p:cSld>
+    <p:spTree>
+      <p:nvGrpSpPr>
+        <p:cNvPr id="1" name=""/>
+        <p:cNvGrpSpPr/>
+        <p:nvPr/>
+      </p:nvGrpSpPr>
+      <p:grpSpPr>
+        <a:xfrm>
+          <a:off x="0" y="0"/>
+          <a:ext cx="0" cy="0"/>
+          <a:chOff x="0" y="0"/>
+          <a:chExt cx="0" cy="0"/>
+        </a:xfrm>
+      </p:grpSpPr>
+      <p:sp>
+        <p:nvSpPr>
+          <p:cNvPr id="2" name="Заголовок 1">
+            <a:extLst>
+              <a:ext uri="{FF2B5EF4-FFF2-40B4-BE49-F238E27FC236}">
+                <a16:creationId xmlns:a16="http://schemas.microsoft.com/office/drawing/2014/main" id="{2BA4BD39-1BE1-F968-E4B9-72D9B02B6C7E}"/>
+              </a:ext>
+            </a:extLst>
+          </p:cNvPr>
+          <p:cNvSpPr>
+            <a:spLocks noGrp="1"/>
+          </p:cNvSpPr>
+          <p:nvPr>
+            <p:ph type="title"/>
+          </p:nvPr>
+        </p:nvSpPr>
+        <p:spPr/>
+        <p:txBody>
+          <a:bodyPr/>
+          <a:lstStyle/>
+          <a:p>
+            <a:r>
+              <a:rPr lang="ru-RU" dirty="0"/>
+              <a:t>Пара №6 Лингвистика</a:t>
+            </a:r>
+          </a:p>
+        </p:txBody>
+      </p:sp>
+      <p:sp>
+        <p:nvSpPr>
+          <p:cNvPr id="3" name="Объект 2">
+            <a:extLst>
+              <a:ext uri="{FF2B5EF4-FFF2-40B4-BE49-F238E27FC236}">
+                <a16:creationId xmlns:a16="http://schemas.microsoft.com/office/drawing/2014/main" id="{6227E0FE-550A-6D54-500E-E31FC53454F1}"/>
+              </a:ext>
+            </a:extLst>
+          </p:cNvPr>
+          <p:cNvSpPr>
+            <a:spLocks noGrp="1"/>
+          </p:cNvSpPr>
+          <p:nvPr>
+            <p:ph sz="half" idx="1"/>
+          </p:nvPr>
+        </p:nvSpPr>
+        <p:spPr/>
+        <p:txBody>
+          <a:bodyPr>
+            <a:normAutofit fontScale="85000" lnSpcReduction="10000"/>
+          </a:bodyPr>
+          <a:lstStyle/>
+          <a:p>
+            <a:r>
+              <a:rPr lang="ru-RU" b="1" i="0" dirty="0">
+                <a:solidFill>
+                  <a:srgbClr val="000000"/>
+                </a:solidFill>
+                <a:effectLst/>
+                <a:latin typeface="Times New Roman" panose="02020603050405020304" pitchFamily="18" charset="0"/>
+              </a:rPr>
+              <a:t>Найди подсказку в </a:t>
+            </a:r>
+            <a:r>
+              <a:rPr lang="ru-RU" b="1" i="0" dirty="0" err="1">
+                <a:solidFill>
+                  <a:srgbClr val="000000"/>
+                </a:solidFill>
+                <a:effectLst/>
+                <a:latin typeface="Times New Roman" panose="02020603050405020304" pitchFamily="18" charset="0"/>
+              </a:rPr>
+              <a:t>Lounge</a:t>
+            </a:r>
+            <a:r>
+              <a:rPr lang="ru-RU" b="1" i="0" dirty="0">
+                <a:solidFill>
+                  <a:srgbClr val="000000"/>
+                </a:solidFill>
+                <a:effectLst/>
+                <a:latin typeface="Times New Roman" panose="02020603050405020304" pitchFamily="18" charset="0"/>
+              </a:rPr>
+              <a:t> зоне</a:t>
+            </a:r>
+            <a:br>
+              <a:rPr lang="ru-RU" b="1" i="0" dirty="0">
+                <a:solidFill>
+                  <a:srgbClr val="000000"/>
+                </a:solidFill>
+                <a:effectLst/>
+                <a:latin typeface="Times New Roman" panose="02020603050405020304" pitchFamily="18" charset="0"/>
+              </a:rPr>
+            </a:br>
+            <a:br>
+              <a:rPr lang="ru-RU" b="1" i="0" dirty="0">
+                <a:solidFill>
+                  <a:srgbClr val="000000"/>
+                </a:solidFill>
+                <a:effectLst/>
+                <a:latin typeface="Times New Roman" panose="02020603050405020304" pitchFamily="18" charset="0"/>
+              </a:rPr>
+            </a:br>
+            <a:r>
+              <a:rPr lang="ru-RU" b="1" i="0" dirty="0">
+                <a:solidFill>
+                  <a:srgbClr val="000000"/>
+                </a:solidFill>
+                <a:effectLst/>
+                <a:latin typeface="Times New Roman" panose="02020603050405020304" pitchFamily="18" charset="0"/>
+              </a:rPr>
+              <a:t>Из стекла или фарфора,</a:t>
+            </a:r>
+            <a:br>
+              <a:rPr lang="ru-RU" b="1" i="0" dirty="0">
+                <a:solidFill>
+                  <a:srgbClr val="000000"/>
+                </a:solidFill>
+                <a:effectLst/>
+                <a:latin typeface="Times New Roman" panose="02020603050405020304" pitchFamily="18" charset="0"/>
+              </a:rPr>
+            </a:br>
+            <a:r>
+              <a:rPr lang="ru-RU" b="1" i="0" dirty="0">
+                <a:solidFill>
+                  <a:srgbClr val="000000"/>
+                </a:solidFill>
+                <a:effectLst/>
+                <a:latin typeface="Times New Roman" panose="02020603050405020304" pitchFamily="18" charset="0"/>
+              </a:rPr>
+              <a:t>А вокруг неё приборы.</a:t>
+            </a:r>
+            <a:br>
+              <a:rPr lang="ru-RU" b="1" i="0" dirty="0">
+                <a:solidFill>
+                  <a:srgbClr val="000000"/>
+                </a:solidFill>
+                <a:effectLst/>
+                <a:latin typeface="Times New Roman" panose="02020603050405020304" pitchFamily="18" charset="0"/>
+              </a:rPr>
+            </a:br>
+            <a:r>
+              <a:rPr lang="ru-RU" b="1" i="0" dirty="0">
+                <a:solidFill>
+                  <a:srgbClr val="000000"/>
+                </a:solidFill>
+                <a:effectLst/>
+                <a:latin typeface="Times New Roman" panose="02020603050405020304" pitchFamily="18" charset="0"/>
+              </a:rPr>
+              <a:t>Она – столовая посуда,</a:t>
+            </a:r>
+            <a:br>
+              <a:rPr lang="ru-RU" b="1" i="0" dirty="0">
+                <a:solidFill>
+                  <a:srgbClr val="000000"/>
+                </a:solidFill>
+                <a:effectLst/>
+                <a:latin typeface="Times New Roman" panose="02020603050405020304" pitchFamily="18" charset="0"/>
+              </a:rPr>
+            </a:br>
+            <a:r>
+              <a:rPr lang="ru-RU" b="1" i="0" dirty="0">
+                <a:solidFill>
+                  <a:srgbClr val="000000"/>
+                </a:solidFill>
+                <a:effectLst/>
+                <a:latin typeface="Times New Roman" panose="02020603050405020304" pitchFamily="18" charset="0"/>
+              </a:rPr>
+              <a:t>И нужна она повсюду.</a:t>
+            </a:r>
+            <a:br>
+              <a:rPr lang="ru-RU" b="1" i="0" dirty="0">
+                <a:solidFill>
+                  <a:srgbClr val="000000"/>
+                </a:solidFill>
+                <a:effectLst/>
+                <a:latin typeface="Times New Roman" panose="02020603050405020304" pitchFamily="18" charset="0"/>
+              </a:rPr>
+            </a:br>
+            <a:br>
+              <a:rPr lang="ru-RU" b="1" i="0" dirty="0">
+                <a:solidFill>
+                  <a:srgbClr val="000000"/>
+                </a:solidFill>
+                <a:effectLst/>
+                <a:latin typeface="Times New Roman" panose="02020603050405020304" pitchFamily="18" charset="0"/>
+              </a:rPr>
+            </a:br>
+            <a:r>
+              <a:rPr lang="ru-RU" b="1" i="0" dirty="0">
+                <a:solidFill>
+                  <a:srgbClr val="000000"/>
+                </a:solidFill>
+                <a:effectLst/>
+                <a:latin typeface="Times New Roman" panose="02020603050405020304" pitchFamily="18" charset="0"/>
+              </a:rPr>
+              <a:t>Угадайте слово-там</a:t>
+            </a:r>
+          </a:p>
+          <a:p>
+            <a:pPr marL="0" indent="0">
+              <a:buNone/>
+            </a:pPr>
+            <a:r>
+              <a:rPr lang="ru-RU" dirty="0"/>
+              <a:t>Языковая форма, ограниченная литературными канонами</a:t>
+            </a:r>
+          </a:p>
+          <a:p>
+            <a:pPr marL="0" indent="0">
+              <a:buNone/>
+            </a:pPr>
+            <a:endParaRPr lang="ru-RU" dirty="0"/>
+          </a:p>
+          <a:p>
+            <a:r>
+              <a:rPr lang="en-US" dirty="0"/>
+              <a:t>QR </a:t>
+            </a:r>
+            <a:r>
+              <a:rPr lang="ru-RU" dirty="0"/>
+              <a:t>код - Акростих</a:t>
+            </a:r>
+          </a:p>
+        </p:txBody>
+      </p:sp>
+      <p:sp>
+        <p:nvSpPr>
+          <p:cNvPr id="4" name="Объект 3">
+            <a:extLst>
+              <a:ext uri="{FF2B5EF4-FFF2-40B4-BE49-F238E27FC236}">
+                <a16:creationId xmlns:a16="http://schemas.microsoft.com/office/drawing/2014/main" id="{6BC0FD2A-96B5-83D7-47BB-48B5086C3BD4}"/>
+              </a:ext>
+            </a:extLst>
+          </p:cNvPr>
+          <p:cNvSpPr>
+            <a:spLocks noGrp="1"/>
+          </p:cNvSpPr>
+          <p:nvPr>
+            <p:ph sz="half" idx="2"/>
+          </p:nvPr>
+        </p:nvSpPr>
+        <p:spPr/>
+        <p:txBody>
+          <a:bodyPr>
+            <a:normAutofit fontScale="85000" lnSpcReduction="10000"/>
+          </a:bodyPr>
+          <a:lstStyle/>
+          <a:p>
+            <a:pPr marL="0" indent="0">
+              <a:buNone/>
+            </a:pPr>
+            <a:endParaRPr lang="ru-RU" dirty="0"/>
+          </a:p>
+        </p:txBody>
+      </p:sp>
+    </p:spTree>
+    <p:extLst>
+      <p:ext uri="{BB962C8B-B14F-4D97-AF65-F5344CB8AC3E}">
+        <p14:creationId xmlns:p14="http://schemas.microsoft.com/office/powerpoint/2010/main" val="2220702880"/>
+      </p:ext>
+    </p:extLst>
+  </p:cSld>
+  <p:clrMapOvr>
+    <a:masterClrMapping/>
+  </p:clrMapOvr>
+</p:sld>
+</file>
+
+<file path=ppt/slides/slide27.xml><?xml version="1.0" encoding="utf-8"?>
+<p:sld xmlns:a="http://schemas.openxmlformats.org/drawingml/2006/main" xmlns:r="http://schemas.openxmlformats.org/officeDocument/2006/relationships" xmlns:p="http://schemas.openxmlformats.org/presentationml/2006/main">
+  <p:cSld>
+    <p:spTree>
+      <p:nvGrpSpPr>
+        <p:cNvPr id="1" name=""/>
+        <p:cNvGrpSpPr/>
+        <p:nvPr/>
+      </p:nvGrpSpPr>
+      <p:grpSpPr>
+        <a:xfrm>
+          <a:off x="0" y="0"/>
+          <a:ext cx="0" cy="0"/>
+          <a:chOff x="0" y="0"/>
+          <a:chExt cx="0" cy="0"/>
+        </a:xfrm>
+      </p:grpSpPr>
+      <p:sp>
+        <p:nvSpPr>
+          <p:cNvPr id="2" name="Заголовок 1">
+            <a:extLst>
+              <a:ext uri="{FF2B5EF4-FFF2-40B4-BE49-F238E27FC236}">
+                <a16:creationId xmlns:a16="http://schemas.microsoft.com/office/drawing/2014/main" id="{FE3560F5-0DF8-534B-1855-9CF6BDA58FCB}"/>
+              </a:ext>
+            </a:extLst>
+          </p:cNvPr>
+          <p:cNvSpPr>
+            <a:spLocks noGrp="1"/>
+          </p:cNvSpPr>
+          <p:nvPr>
+            <p:ph type="title"/>
+          </p:nvPr>
+        </p:nvSpPr>
+        <p:spPr/>
+        <p:txBody>
+          <a:bodyPr/>
+          <a:lstStyle/>
+          <a:p>
+            <a:r>
+              <a:rPr lang="ru-RU" dirty="0"/>
+              <a:t>Пара № 6 Лингвистика</a:t>
+            </a:r>
+          </a:p>
+        </p:txBody>
+      </p:sp>
+      <p:sp>
+        <p:nvSpPr>
+          <p:cNvPr id="3" name="Объект 2">
+            <a:extLst>
+              <a:ext uri="{FF2B5EF4-FFF2-40B4-BE49-F238E27FC236}">
+                <a16:creationId xmlns:a16="http://schemas.microsoft.com/office/drawing/2014/main" id="{ADE2C3FA-70CE-48B1-4109-387A59259A02}"/>
+              </a:ext>
+            </a:extLst>
+          </p:cNvPr>
+          <p:cNvSpPr>
+            <a:spLocks noGrp="1"/>
+          </p:cNvSpPr>
+          <p:nvPr>
+            <p:ph sz="half" idx="1"/>
+          </p:nvPr>
+        </p:nvSpPr>
+        <p:spPr>
+          <a:xfrm>
+            <a:off x="371297" y="958453"/>
+            <a:ext cx="2783885" cy="2284452"/>
+          </a:xfrm>
+        </p:spPr>
+        <p:txBody>
+          <a:bodyPr>
+            <a:normAutofit fontScale="92500" lnSpcReduction="20000"/>
+          </a:bodyPr>
+          <a:lstStyle/>
+          <a:p>
+            <a:r>
+              <a:rPr lang="ru-RU" b="0" i="0" dirty="0">
+                <a:solidFill>
+                  <a:srgbClr val="000000"/>
+                </a:solidFill>
+                <a:effectLst/>
+                <a:latin typeface="Roboto" panose="02000000000000000000" pitchFamily="2" charset="0"/>
+              </a:rPr>
+              <a:t>Довольно именем известна я своим;</a:t>
+            </a:r>
+            <a:br>
+              <a:rPr lang="ru-RU" dirty="0"/>
+            </a:br>
+            <a:r>
+              <a:rPr lang="ru-RU" b="0" i="0" dirty="0">
+                <a:solidFill>
+                  <a:srgbClr val="000000"/>
+                </a:solidFill>
+                <a:effectLst/>
+                <a:latin typeface="Roboto" panose="02000000000000000000" pitchFamily="2" charset="0"/>
+              </a:rPr>
+              <a:t>Равно клянётся плут и непорочный им,</a:t>
+            </a:r>
+            <a:br>
+              <a:rPr lang="ru-RU" dirty="0"/>
+            </a:br>
+            <a:r>
+              <a:rPr lang="ru-RU" b="0" i="0" dirty="0">
+                <a:solidFill>
+                  <a:srgbClr val="000000"/>
+                </a:solidFill>
+                <a:effectLst/>
+                <a:latin typeface="Roboto" panose="02000000000000000000" pitchFamily="2" charset="0"/>
+              </a:rPr>
+              <a:t>Утехой в бедствиях всего бываю боле,</a:t>
+            </a:r>
+            <a:br>
+              <a:rPr lang="ru-RU" dirty="0"/>
+            </a:br>
+            <a:r>
+              <a:rPr lang="ru-RU" b="0" i="0" dirty="0">
+                <a:solidFill>
+                  <a:srgbClr val="000000"/>
+                </a:solidFill>
+                <a:effectLst/>
+                <a:latin typeface="Roboto" panose="02000000000000000000" pitchFamily="2" charset="0"/>
+              </a:rPr>
+              <a:t>Жизнь сладостней при мне и в самой лучшей доле.</a:t>
+            </a:r>
+            <a:br>
+              <a:rPr lang="ru-RU" dirty="0"/>
+            </a:br>
+            <a:r>
+              <a:rPr lang="ru-RU" b="0" i="0" dirty="0">
+                <a:solidFill>
+                  <a:srgbClr val="000000"/>
+                </a:solidFill>
+                <a:effectLst/>
+                <a:latin typeface="Roboto" panose="02000000000000000000" pitchFamily="2" charset="0"/>
+              </a:rPr>
+              <a:t>Блаженству чистых душ могу служить одна,</a:t>
+            </a:r>
+            <a:br>
+              <a:rPr lang="ru-RU" dirty="0"/>
+            </a:br>
+            <a:r>
+              <a:rPr lang="ru-RU" b="0" i="0" dirty="0">
+                <a:solidFill>
+                  <a:srgbClr val="000000"/>
+                </a:solidFill>
+                <a:effectLst/>
+                <a:latin typeface="Roboto" panose="02000000000000000000" pitchFamily="2" charset="0"/>
+              </a:rPr>
+              <a:t>А меж злодеями — не быть я создан</a:t>
+            </a:r>
+          </a:p>
+          <a:p>
+            <a:r>
+              <a:rPr lang="ru-RU" dirty="0">
+                <a:solidFill>
+                  <a:srgbClr val="000000"/>
+                </a:solidFill>
+                <a:latin typeface="Roboto" panose="02000000000000000000" pitchFamily="2" charset="0"/>
+              </a:rPr>
+              <a:t>Расшифруйте слово</a:t>
+            </a:r>
+            <a:r>
+              <a:rPr lang="ru-RU" b="0" i="0" dirty="0">
+                <a:solidFill>
+                  <a:srgbClr val="000000"/>
+                </a:solidFill>
+                <a:effectLst/>
+                <a:latin typeface="Roboto" panose="02000000000000000000" pitchFamily="2" charset="0"/>
+              </a:rPr>
+              <a:t>.</a:t>
+            </a:r>
+            <a:endParaRPr lang="ru-RU" dirty="0"/>
+          </a:p>
+        </p:txBody>
+      </p:sp>
+      <p:sp>
+        <p:nvSpPr>
+          <p:cNvPr id="4" name="Объект 3">
+            <a:extLst>
+              <a:ext uri="{FF2B5EF4-FFF2-40B4-BE49-F238E27FC236}">
+                <a16:creationId xmlns:a16="http://schemas.microsoft.com/office/drawing/2014/main" id="{C41D7331-BFF8-BACE-A57E-16D9EBABC531}"/>
+              </a:ext>
+            </a:extLst>
+          </p:cNvPr>
+          <p:cNvSpPr>
+            <a:spLocks noGrp="1"/>
+          </p:cNvSpPr>
+          <p:nvPr>
+            <p:ph sz="half" idx="2"/>
+          </p:nvPr>
+        </p:nvSpPr>
+        <p:spPr>
+          <a:xfrm>
+            <a:off x="3245618" y="958453"/>
+            <a:ext cx="1783761" cy="2284452"/>
+          </a:xfrm>
+        </p:spPr>
+        <p:txBody>
+          <a:bodyPr>
+            <a:normAutofit fontScale="92500" lnSpcReduction="20000"/>
+          </a:bodyPr>
+          <a:lstStyle/>
+          <a:p>
+            <a:r>
+              <a:rPr lang="ru-RU" dirty="0"/>
+              <a:t>Введите слово:</a:t>
+            </a:r>
+          </a:p>
+          <a:p>
+            <a:r>
+              <a:rPr lang="ru-RU" dirty="0"/>
+              <a:t>Верный ответ: Дружба</a:t>
+            </a:r>
+          </a:p>
+          <a:p>
+            <a:endParaRPr lang="ru-RU" dirty="0"/>
+          </a:p>
+          <a:p>
+            <a:pPr marL="0" indent="0">
+              <a:buNone/>
+            </a:pPr>
+            <a:endParaRPr lang="ru-RU" dirty="0"/>
+          </a:p>
+        </p:txBody>
+      </p:sp>
+    </p:spTree>
+    <p:extLst>
+      <p:ext uri="{BB962C8B-B14F-4D97-AF65-F5344CB8AC3E}">
+        <p14:creationId xmlns:p14="http://schemas.microsoft.com/office/powerpoint/2010/main" val="3755422650"/>
+      </p:ext>
+    </p:extLst>
+  </p:cSld>
+  <p:clrMapOvr>
+    <a:masterClrMapping/>
+  </p:clrMapOvr>
+</p:sld>
+</file>
+
+<file path=ppt/slides/slide28.xml><?xml version="1.0" encoding="utf-8"?>
+<p:sld xmlns:a="http://schemas.openxmlformats.org/drawingml/2006/main" xmlns:r="http://schemas.openxmlformats.org/officeDocument/2006/relationships" xmlns:p="http://schemas.openxmlformats.org/presentationml/2006/main">
+  <p:cSld>
+    <p:spTree>
+      <p:nvGrpSpPr>
+        <p:cNvPr id="1" name=""/>
+        <p:cNvGrpSpPr/>
+        <p:nvPr/>
+      </p:nvGrpSpPr>
+      <p:grpSpPr>
+        <a:xfrm>
+          <a:off x="0" y="0"/>
+          <a:ext cx="0" cy="0"/>
+          <a:chOff x="0" y="0"/>
+          <a:chExt cx="0" cy="0"/>
+        </a:xfrm>
+      </p:grpSpPr>
+      <p:sp>
+        <p:nvSpPr>
+          <p:cNvPr id="2" name="Заголовок 1">
+            <a:extLst>
+              <a:ext uri="{FF2B5EF4-FFF2-40B4-BE49-F238E27FC236}">
+                <a16:creationId xmlns:a16="http://schemas.microsoft.com/office/drawing/2014/main" id="{A91BA214-EFAE-0276-D0C9-DF8F1ADCA7DE}"/>
+              </a:ext>
+            </a:extLst>
+          </p:cNvPr>
+          <p:cNvSpPr>
+            <a:spLocks noGrp="1"/>
+          </p:cNvSpPr>
+          <p:nvPr>
+            <p:ph type="title"/>
+          </p:nvPr>
+        </p:nvSpPr>
+        <p:spPr>
+          <a:xfrm>
+            <a:off x="371297" y="191691"/>
+            <a:ext cx="4658082" cy="1340476"/>
+          </a:xfrm>
+        </p:spPr>
+        <p:txBody>
+          <a:bodyPr/>
+          <a:lstStyle/>
+          <a:p>
+            <a:r>
+              <a:rPr lang="ru-RU" b="1" dirty="0"/>
+              <a:t>Пара № 7 Материаловедение</a:t>
+            </a:r>
+            <a:br>
+              <a:rPr lang="ru-RU" dirty="0"/>
+            </a:br>
+            <a:r>
+              <a:rPr lang="ru-RU" dirty="0"/>
+              <a:t>Сопоставьте названия одежды</a:t>
+            </a:r>
+          </a:p>
+        </p:txBody>
+      </p:sp>
+      <p:pic>
+        <p:nvPicPr>
+          <p:cNvPr id="5" name="Объект 7">
+            <a:extLst>
+              <a:ext uri="{FF2B5EF4-FFF2-40B4-BE49-F238E27FC236}">
+                <a16:creationId xmlns:a16="http://schemas.microsoft.com/office/drawing/2014/main" id="{8CF425ED-BBB9-014C-B893-137B8DED0E2F}"/>
+              </a:ext>
+            </a:extLst>
+          </p:cNvPr>
+          <p:cNvPicPr>
+            <a:picLocks noGrp="1" noChangeAspect="1"/>
+          </p:cNvPicPr>
+          <p:nvPr>
+            <p:ph sz="half" idx="1"/>
+          </p:nvPr>
+        </p:nvPicPr>
+        <p:blipFill>
+          <a:blip r:embed="rId2"/>
+          <a:stretch>
+            <a:fillRect/>
+          </a:stretch>
+        </p:blipFill>
+        <p:spPr>
+          <a:xfrm>
+            <a:off x="197341" y="1800225"/>
+            <a:ext cx="1073602" cy="1332174"/>
+          </a:xfrm>
+          <a:prstGeom prst="rect">
+            <a:avLst/>
+          </a:prstGeom>
+        </p:spPr>
+      </p:pic>
+      <p:pic>
+        <p:nvPicPr>
+          <p:cNvPr id="7" name="Рисунок 6">
+            <a:extLst>
+              <a:ext uri="{FF2B5EF4-FFF2-40B4-BE49-F238E27FC236}">
+                <a16:creationId xmlns:a16="http://schemas.microsoft.com/office/drawing/2014/main" id="{A4FCA842-BAEA-D003-2281-801BEC3A2B77}"/>
+              </a:ext>
+            </a:extLst>
+          </p:cNvPr>
+          <p:cNvPicPr>
+            <a:picLocks noChangeAspect="1"/>
+          </p:cNvPicPr>
+          <p:nvPr/>
+        </p:nvPicPr>
+        <p:blipFill>
+          <a:blip r:embed="rId3"/>
+          <a:stretch>
+            <a:fillRect/>
+          </a:stretch>
+        </p:blipFill>
+        <p:spPr>
+          <a:xfrm flipH="1">
+            <a:off x="1348216" y="1726498"/>
+            <a:ext cx="695707" cy="1405901"/>
+          </a:xfrm>
+          <a:prstGeom prst="rect">
+            <a:avLst/>
+          </a:prstGeom>
+        </p:spPr>
+      </p:pic>
+      <p:pic>
+        <p:nvPicPr>
+          <p:cNvPr id="8" name="Рисунок 7">
+            <a:extLst>
+              <a:ext uri="{FF2B5EF4-FFF2-40B4-BE49-F238E27FC236}">
+                <a16:creationId xmlns:a16="http://schemas.microsoft.com/office/drawing/2014/main" id="{0F9EB861-F8FA-6C2B-0B30-C0ED99F5F1EA}"/>
+              </a:ext>
+            </a:extLst>
+          </p:cNvPr>
+          <p:cNvPicPr>
+            <a:picLocks noChangeAspect="1"/>
+          </p:cNvPicPr>
+          <p:nvPr/>
+        </p:nvPicPr>
+        <p:blipFill>
+          <a:blip r:embed="rId4"/>
+          <a:stretch>
+            <a:fillRect/>
+          </a:stretch>
+        </p:blipFill>
+        <p:spPr>
+          <a:xfrm>
+            <a:off x="3197142" y="1619464"/>
+            <a:ext cx="851938" cy="1383992"/>
+          </a:xfrm>
+          <a:prstGeom prst="rect">
+            <a:avLst/>
+          </a:prstGeom>
+        </p:spPr>
+      </p:pic>
+      <p:pic>
+        <p:nvPicPr>
+          <p:cNvPr id="9" name="Рисунок 8">
+            <a:extLst>
+              <a:ext uri="{FF2B5EF4-FFF2-40B4-BE49-F238E27FC236}">
+                <a16:creationId xmlns:a16="http://schemas.microsoft.com/office/drawing/2014/main" id="{A6CD0231-E6EB-5E1D-D642-1BD7F5A539A4}"/>
+              </a:ext>
+            </a:extLst>
+          </p:cNvPr>
+          <p:cNvPicPr>
+            <a:picLocks noChangeAspect="1"/>
+          </p:cNvPicPr>
+          <p:nvPr/>
+        </p:nvPicPr>
+        <p:blipFill>
+          <a:blip r:embed="rId5"/>
+          <a:stretch>
+            <a:fillRect/>
+          </a:stretch>
+        </p:blipFill>
+        <p:spPr>
+          <a:xfrm>
+            <a:off x="4259788" y="1532167"/>
+            <a:ext cx="841785" cy="1558585"/>
+          </a:xfrm>
+          <a:prstGeom prst="rect">
+            <a:avLst/>
+          </a:prstGeom>
+        </p:spPr>
+      </p:pic>
+      <p:pic>
+        <p:nvPicPr>
+          <p:cNvPr id="11" name="Рисунок 10">
+            <a:extLst>
+              <a:ext uri="{FF2B5EF4-FFF2-40B4-BE49-F238E27FC236}">
+                <a16:creationId xmlns:a16="http://schemas.microsoft.com/office/drawing/2014/main" id="{688D8DE2-630E-7E8B-6276-1ED8495B7E26}"/>
+              </a:ext>
+            </a:extLst>
+          </p:cNvPr>
+          <p:cNvPicPr>
+            <a:picLocks noChangeAspect="1"/>
+          </p:cNvPicPr>
+          <p:nvPr/>
+        </p:nvPicPr>
+        <p:blipFill>
+          <a:blip r:embed="rId6"/>
+          <a:stretch>
+            <a:fillRect/>
+          </a:stretch>
+        </p:blipFill>
+        <p:spPr>
+          <a:xfrm>
+            <a:off x="2254630" y="1726497"/>
+            <a:ext cx="851939" cy="1405901"/>
+          </a:xfrm>
+          <a:prstGeom prst="rect">
+            <a:avLst/>
+          </a:prstGeom>
+        </p:spPr>
+      </p:pic>
+    </p:spTree>
+    <p:extLst>
+      <p:ext uri="{BB962C8B-B14F-4D97-AF65-F5344CB8AC3E}">
+        <p14:creationId xmlns:p14="http://schemas.microsoft.com/office/powerpoint/2010/main" val="3628495549"/>
+      </p:ext>
+    </p:extLst>
+  </p:cSld>
+  <p:clrMapOvr>
+    <a:masterClrMapping/>
+  </p:clrMapOvr>
+</p:sld>
+</file>
+
+<file path=ppt/slides/slide29.xml><?xml version="1.0" encoding="utf-8"?>
+<p:sld xmlns:a="http://schemas.openxmlformats.org/drawingml/2006/main" xmlns:r="http://schemas.openxmlformats.org/officeDocument/2006/relationships" xmlns:p="http://schemas.openxmlformats.org/presentationml/2006/main">
+  <p:cSld>
+    <p:spTree>
+      <p:nvGrpSpPr>
+        <p:cNvPr id="1" name=""/>
+        <p:cNvGrpSpPr/>
+        <p:nvPr/>
+      </p:nvGrpSpPr>
+      <p:grpSpPr>
+        <a:xfrm>
+          <a:off x="0" y="0"/>
+          <a:ext cx="0" cy="0"/>
+          <a:chOff x="0" y="0"/>
+          <a:chExt cx="0" cy="0"/>
+        </a:xfrm>
+      </p:grpSpPr>
+      <p:sp>
+        <p:nvSpPr>
+          <p:cNvPr id="2" name="Заголовок 1">
+            <a:extLst>
+              <a:ext uri="{FF2B5EF4-FFF2-40B4-BE49-F238E27FC236}">
+                <a16:creationId xmlns:a16="http://schemas.microsoft.com/office/drawing/2014/main" id="{43E07E7E-912E-E6D2-D1E5-81269CA2E098}"/>
+              </a:ext>
+            </a:extLst>
+          </p:cNvPr>
+          <p:cNvSpPr>
+            <a:spLocks noGrp="1"/>
+          </p:cNvSpPr>
+          <p:nvPr>
+            <p:ph type="title"/>
+          </p:nvPr>
+        </p:nvSpPr>
+        <p:spPr/>
+        <p:txBody>
+          <a:bodyPr/>
+          <a:lstStyle/>
+          <a:p>
+            <a:r>
+              <a:rPr lang="ru-RU" dirty="0"/>
+              <a:t>Подбери названия к картинкам</a:t>
+            </a:r>
+          </a:p>
+        </p:txBody>
+      </p:sp>
+      <p:sp>
+        <p:nvSpPr>
+          <p:cNvPr id="3" name="Объект 2">
+            <a:extLst>
+              <a:ext uri="{FF2B5EF4-FFF2-40B4-BE49-F238E27FC236}">
+                <a16:creationId xmlns:a16="http://schemas.microsoft.com/office/drawing/2014/main" id="{7FEFDAFA-7D67-3D0E-C068-7FED357E05CB}"/>
+              </a:ext>
+            </a:extLst>
+          </p:cNvPr>
+          <p:cNvSpPr>
+            <a:spLocks noGrp="1"/>
+          </p:cNvSpPr>
+          <p:nvPr>
+            <p:ph sz="half" idx="1"/>
+          </p:nvPr>
+        </p:nvSpPr>
+        <p:spPr/>
+        <p:txBody>
+          <a:bodyPr/>
+          <a:lstStyle/>
+          <a:p>
+            <a:pPr marL="0" indent="0">
+              <a:buNone/>
+            </a:pPr>
+            <a:r>
+              <a:rPr lang="ru-RU" sz="1800" dirty="0">
+                <a:latin typeface="Comic Sans MS" panose="030F0702030302020204" pitchFamily="66" charset="0"/>
+              </a:rPr>
+              <a:t>1. </a:t>
+            </a:r>
+            <a:r>
+              <a:rPr lang="ru-RU" sz="1600" dirty="0">
+                <a:latin typeface="Comic Sans MS" panose="030F0702030302020204" pitchFamily="66" charset="0"/>
+              </a:rPr>
+              <a:t>Палаццо</a:t>
+            </a:r>
+          </a:p>
+          <a:p>
+            <a:pPr marL="0" indent="0">
+              <a:buNone/>
+            </a:pPr>
+            <a:r>
+              <a:rPr lang="ru-RU" sz="1600" dirty="0">
+                <a:latin typeface="Comic Sans MS" panose="030F0702030302020204" pitchFamily="66" charset="0"/>
+              </a:rPr>
+              <a:t>2. </a:t>
+            </a:r>
+            <a:r>
+              <a:rPr lang="ru-RU" sz="1600" dirty="0" err="1">
+                <a:latin typeface="Comic Sans MS" panose="030F0702030302020204" pitchFamily="66" charset="0"/>
+              </a:rPr>
+              <a:t>Честерфильд</a:t>
+            </a:r>
+            <a:endParaRPr lang="ru-RU" sz="1600" dirty="0">
+              <a:latin typeface="Comic Sans MS" panose="030F0702030302020204" pitchFamily="66" charset="0"/>
+            </a:endParaRPr>
+          </a:p>
+          <a:p>
+            <a:pPr marL="0" indent="0">
+              <a:buNone/>
+            </a:pPr>
+            <a:r>
+              <a:rPr lang="ru-RU" sz="1600" dirty="0">
+                <a:latin typeface="Comic Sans MS" panose="030F0702030302020204" pitchFamily="66" charset="0"/>
+              </a:rPr>
+              <a:t>3. Плиссе</a:t>
+            </a:r>
+          </a:p>
+          <a:p>
+            <a:pPr marL="0" indent="0">
+              <a:buNone/>
+            </a:pPr>
+            <a:r>
+              <a:rPr lang="ru-RU" sz="1600" dirty="0">
+                <a:latin typeface="Comic Sans MS" panose="030F0702030302020204" pitchFamily="66" charset="0"/>
+              </a:rPr>
+              <a:t>4. </a:t>
+            </a:r>
+            <a:r>
+              <a:rPr lang="ru-RU" sz="1600" dirty="0" err="1">
+                <a:latin typeface="Comic Sans MS" panose="030F0702030302020204" pitchFamily="66" charset="0"/>
+              </a:rPr>
+              <a:t>Чиносы</a:t>
+            </a:r>
+            <a:endParaRPr lang="ru-RU" sz="1600" dirty="0">
+              <a:latin typeface="Comic Sans MS" panose="030F0702030302020204" pitchFamily="66" charset="0"/>
+            </a:endParaRPr>
+          </a:p>
+          <a:p>
+            <a:pPr marL="0" indent="0">
+              <a:buNone/>
+            </a:pPr>
+            <a:r>
+              <a:rPr lang="ru-RU" sz="1600" dirty="0">
+                <a:latin typeface="Comic Sans MS" panose="030F0702030302020204" pitchFamily="66" charset="0"/>
+              </a:rPr>
+              <a:t>5. Анорак</a:t>
+            </a:r>
+          </a:p>
+          <a:p>
+            <a:endParaRPr lang="ru-RU" dirty="0"/>
+          </a:p>
+        </p:txBody>
+      </p:sp>
+      <p:sp>
+        <p:nvSpPr>
+          <p:cNvPr id="4" name="Объект 3">
+            <a:extLst>
+              <a:ext uri="{FF2B5EF4-FFF2-40B4-BE49-F238E27FC236}">
+                <a16:creationId xmlns:a16="http://schemas.microsoft.com/office/drawing/2014/main" id="{B97DFB3A-841F-133B-F92F-A5599670040B}"/>
+              </a:ext>
+            </a:extLst>
+          </p:cNvPr>
+          <p:cNvSpPr>
+            <a:spLocks noGrp="1"/>
+          </p:cNvSpPr>
+          <p:nvPr>
+            <p:ph sz="half" idx="2"/>
+          </p:nvPr>
+        </p:nvSpPr>
+        <p:spPr/>
+        <p:txBody>
+          <a:bodyPr/>
+          <a:lstStyle/>
+          <a:p>
+            <a:r>
+              <a:rPr lang="ru-RU" dirty="0"/>
+              <a:t>Верные ответы:</a:t>
+            </a:r>
+          </a:p>
+          <a:p>
+            <a:r>
+              <a:rPr lang="ru-RU" dirty="0"/>
+              <a:t>1-2</a:t>
+            </a:r>
+          </a:p>
+          <a:p>
+            <a:r>
+              <a:rPr lang="ru-RU" dirty="0"/>
+              <a:t>2-3</a:t>
+            </a:r>
+          </a:p>
+          <a:p>
+            <a:r>
+              <a:rPr lang="ru-RU" dirty="0"/>
+              <a:t>3-5</a:t>
+            </a:r>
+          </a:p>
+          <a:p>
+            <a:r>
+              <a:rPr lang="ru-RU" dirty="0"/>
+              <a:t>4-3</a:t>
+            </a:r>
+          </a:p>
+          <a:p>
+            <a:r>
+              <a:rPr lang="ru-RU" dirty="0"/>
+              <a:t>5-4</a:t>
+            </a:r>
+          </a:p>
+        </p:txBody>
+      </p:sp>
+    </p:spTree>
+    <p:extLst>
+      <p:ext uri="{BB962C8B-B14F-4D97-AF65-F5344CB8AC3E}">
+        <p14:creationId xmlns:p14="http://schemas.microsoft.com/office/powerpoint/2010/main" val="3123964736"/>
+      </p:ext>
+    </p:extLst>
+  </p:cSld>
+  <p:clrMapOvr>
+    <a:masterClrMapping/>
+  </p:clrMapOvr>
+</p:sld>
+</file>
+
+<file path=ppt/slides/slide3.xml><?xml version="1.0" encoding="utf-8"?>
+<p:sld xmlns:a="http://schemas.openxmlformats.org/drawingml/2006/main" xmlns:r="http://schemas.openxmlformats.org/officeDocument/2006/relationships" xmlns:p="http://schemas.openxmlformats.org/presentationml/2006/main">
+  <p:cSld>
+    <p:spTree>
+      <p:nvGrpSpPr>
+        <p:cNvPr id="1" name=""/>
+        <p:cNvGrpSpPr/>
+        <p:nvPr/>
+      </p:nvGrpSpPr>
+      <p:grpSpPr>
+        <a:xfrm>
+          <a:off x="0" y="0"/>
+          <a:ext cx="0" cy="0"/>
+          <a:chOff x="0" y="0"/>
+          <a:chExt cx="0" cy="0"/>
+        </a:xfrm>
+      </p:grpSpPr>
+      <p:sp>
+        <p:nvSpPr>
+          <p:cNvPr id="2" name="Заголовок 1">
+            <a:extLst>
+              <a:ext uri="{FF2B5EF4-FFF2-40B4-BE49-F238E27FC236}">
+                <a16:creationId xmlns:a16="http://schemas.microsoft.com/office/drawing/2014/main" id="{104BAE63-8A0C-B52C-C6A8-84A219D89E74}"/>
+              </a:ext>
+            </a:extLst>
+          </p:cNvPr>
+          <p:cNvSpPr>
+            <a:spLocks noGrp="1"/>
+          </p:cNvSpPr>
+          <p:nvPr>
+            <p:ph type="title"/>
+          </p:nvPr>
+        </p:nvSpPr>
+        <p:spPr>
+          <a:xfrm>
+            <a:off x="371297" y="111304"/>
+            <a:ext cx="4658082" cy="695921"/>
+          </a:xfrm>
+        </p:spPr>
+        <p:txBody>
+          <a:bodyPr>
+            <a:noAutofit/>
+          </a:bodyPr>
+          <a:lstStyle/>
+          <a:p>
+            <a:r>
+              <a:rPr lang="ru-RU" sz="1400" dirty="0"/>
+              <a:t>Введите номер вопроса через запятую</a:t>
+            </a:r>
+          </a:p>
+        </p:txBody>
+      </p:sp>
+      <p:pic>
+        <p:nvPicPr>
+          <p:cNvPr id="6" name="Объект 5">
+            <a:extLst>
+              <a:ext uri="{FF2B5EF4-FFF2-40B4-BE49-F238E27FC236}">
+                <a16:creationId xmlns:a16="http://schemas.microsoft.com/office/drawing/2014/main" id="{166AD511-1080-BFA1-CF2B-9883E7769F20}"/>
+              </a:ext>
+            </a:extLst>
+          </p:cNvPr>
+          <p:cNvPicPr>
+            <a:picLocks noGrp="1" noChangeAspect="1"/>
+          </p:cNvPicPr>
+          <p:nvPr>
+            <p:ph sz="half" idx="1"/>
+          </p:nvPr>
+        </p:nvPicPr>
+        <p:blipFill>
+          <a:blip r:embed="rId2"/>
+          <a:stretch>
+            <a:fillRect/>
+          </a:stretch>
+        </p:blipFill>
+        <p:spPr>
+          <a:xfrm>
+            <a:off x="371297" y="958850"/>
+            <a:ext cx="1098258" cy="1472852"/>
+          </a:xfrm>
+        </p:spPr>
+      </p:pic>
+      <p:pic>
+        <p:nvPicPr>
+          <p:cNvPr id="10" name="Объект 9">
+            <a:extLst>
+              <a:ext uri="{FF2B5EF4-FFF2-40B4-BE49-F238E27FC236}">
+                <a16:creationId xmlns:a16="http://schemas.microsoft.com/office/drawing/2014/main" id="{6F886CDC-6C3C-92F6-7585-EF76FB07926D}"/>
+              </a:ext>
+            </a:extLst>
+          </p:cNvPr>
+          <p:cNvPicPr>
+            <a:picLocks noGrp="1" noChangeAspect="1"/>
+          </p:cNvPicPr>
+          <p:nvPr>
+            <p:ph sz="half" idx="2"/>
+          </p:nvPr>
+        </p:nvPicPr>
+        <p:blipFill>
+          <a:blip r:embed="rId3"/>
+          <a:stretch>
+            <a:fillRect/>
+          </a:stretch>
+        </p:blipFill>
+        <p:spPr>
+          <a:xfrm>
+            <a:off x="2819180" y="982677"/>
+            <a:ext cx="1051730" cy="1425199"/>
+          </a:xfrm>
+        </p:spPr>
+      </p:pic>
+      <p:pic>
+        <p:nvPicPr>
+          <p:cNvPr id="8" name="Рисунок 7">
+            <a:extLst>
+              <a:ext uri="{FF2B5EF4-FFF2-40B4-BE49-F238E27FC236}">
+                <a16:creationId xmlns:a16="http://schemas.microsoft.com/office/drawing/2014/main" id="{44448817-D19C-CEC6-63F9-8FFBA6F882AC}"/>
+              </a:ext>
+            </a:extLst>
+          </p:cNvPr>
+          <p:cNvPicPr>
+            <a:picLocks noChangeAspect="1"/>
+          </p:cNvPicPr>
+          <p:nvPr/>
+        </p:nvPicPr>
+        <p:blipFill>
+          <a:blip r:embed="rId4"/>
+          <a:stretch>
+            <a:fillRect/>
+          </a:stretch>
+        </p:blipFill>
+        <p:spPr>
+          <a:xfrm>
+            <a:off x="1520875" y="982677"/>
+            <a:ext cx="1246985" cy="1425198"/>
+          </a:xfrm>
+          <a:prstGeom prst="rect">
+            <a:avLst/>
+          </a:prstGeom>
+        </p:spPr>
+      </p:pic>
+      <p:pic>
+        <p:nvPicPr>
+          <p:cNvPr id="16" name="Рисунок 15">
+            <a:extLst>
+              <a:ext uri="{FF2B5EF4-FFF2-40B4-BE49-F238E27FC236}">
+                <a16:creationId xmlns:a16="http://schemas.microsoft.com/office/drawing/2014/main" id="{6A01D0F9-8947-4353-6039-A6841178CA40}"/>
+              </a:ext>
+            </a:extLst>
+          </p:cNvPr>
+          <p:cNvPicPr>
+            <a:picLocks noChangeAspect="1"/>
+          </p:cNvPicPr>
+          <p:nvPr/>
+        </p:nvPicPr>
+        <p:blipFill>
+          <a:blip r:embed="rId5"/>
+          <a:stretch>
+            <a:fillRect/>
+          </a:stretch>
+        </p:blipFill>
+        <p:spPr>
+          <a:xfrm>
+            <a:off x="4000235" y="659628"/>
+            <a:ext cx="1143000" cy="352425"/>
+          </a:xfrm>
+          <a:prstGeom prst="rect">
+            <a:avLst/>
+          </a:prstGeom>
+        </p:spPr>
+      </p:pic>
+      <p:pic>
+        <p:nvPicPr>
+          <p:cNvPr id="18" name="Рисунок 17">
+            <a:extLst>
+              <a:ext uri="{FF2B5EF4-FFF2-40B4-BE49-F238E27FC236}">
+                <a16:creationId xmlns:a16="http://schemas.microsoft.com/office/drawing/2014/main" id="{DF819091-52BB-7F90-35B2-BDCCAFAFAB14}"/>
+              </a:ext>
+            </a:extLst>
+          </p:cNvPr>
+          <p:cNvPicPr>
+            <a:picLocks noChangeAspect="1"/>
+          </p:cNvPicPr>
+          <p:nvPr/>
+        </p:nvPicPr>
+        <p:blipFill>
+          <a:blip r:embed="rId6"/>
+          <a:stretch>
+            <a:fillRect/>
+          </a:stretch>
+        </p:blipFill>
+        <p:spPr>
+          <a:xfrm>
+            <a:off x="326555" y="549275"/>
+            <a:ext cx="1143000" cy="409575"/>
+          </a:xfrm>
+          <a:prstGeom prst="rect">
+            <a:avLst/>
+          </a:prstGeom>
+        </p:spPr>
+      </p:pic>
+      <p:pic>
+        <p:nvPicPr>
+          <p:cNvPr id="20" name="Рисунок 19">
+            <a:extLst>
+              <a:ext uri="{FF2B5EF4-FFF2-40B4-BE49-F238E27FC236}">
+                <a16:creationId xmlns:a16="http://schemas.microsoft.com/office/drawing/2014/main" id="{5C17FAD6-9224-00A4-756C-0F91DA31C67C}"/>
+              </a:ext>
+            </a:extLst>
+          </p:cNvPr>
+          <p:cNvPicPr>
+            <a:picLocks noChangeAspect="1"/>
+          </p:cNvPicPr>
+          <p:nvPr/>
+        </p:nvPicPr>
+        <p:blipFill>
+          <a:blip r:embed="rId7"/>
+          <a:stretch>
+            <a:fillRect/>
+          </a:stretch>
+        </p:blipFill>
+        <p:spPr>
+          <a:xfrm>
+            <a:off x="2778307" y="554037"/>
+            <a:ext cx="1133475" cy="400050"/>
+          </a:xfrm>
+          <a:prstGeom prst="rect">
+            <a:avLst/>
+          </a:prstGeom>
+        </p:spPr>
+      </p:pic>
+      <p:pic>
+        <p:nvPicPr>
+          <p:cNvPr id="22" name="Рисунок 21">
+            <a:extLst>
+              <a:ext uri="{FF2B5EF4-FFF2-40B4-BE49-F238E27FC236}">
+                <a16:creationId xmlns:a16="http://schemas.microsoft.com/office/drawing/2014/main" id="{15F1AEAE-CFAF-AC86-F3DC-F18EAF3EC414}"/>
+              </a:ext>
+            </a:extLst>
+          </p:cNvPr>
+          <p:cNvPicPr>
+            <a:picLocks noChangeAspect="1"/>
+          </p:cNvPicPr>
+          <p:nvPr/>
+        </p:nvPicPr>
+        <p:blipFill>
+          <a:blip r:embed="rId8"/>
+          <a:stretch>
+            <a:fillRect/>
+          </a:stretch>
+        </p:blipFill>
+        <p:spPr>
+          <a:xfrm>
+            <a:off x="1549672" y="573102"/>
+            <a:ext cx="1123950" cy="381000"/>
+          </a:xfrm>
+          <a:prstGeom prst="rect">
+            <a:avLst/>
+          </a:prstGeom>
+        </p:spPr>
+      </p:pic>
+      <p:pic>
+        <p:nvPicPr>
+          <p:cNvPr id="24" name="Рисунок 23">
+            <a:extLst>
+              <a:ext uri="{FF2B5EF4-FFF2-40B4-BE49-F238E27FC236}">
+                <a16:creationId xmlns:a16="http://schemas.microsoft.com/office/drawing/2014/main" id="{8C90FB4D-6389-C4B5-6FD9-817F1E86270F}"/>
+              </a:ext>
+            </a:extLst>
+          </p:cNvPr>
+          <p:cNvPicPr>
+            <a:picLocks noChangeAspect="1"/>
+          </p:cNvPicPr>
+          <p:nvPr/>
+        </p:nvPicPr>
+        <p:blipFill>
+          <a:blip r:embed="rId9"/>
+          <a:stretch>
+            <a:fillRect/>
+          </a:stretch>
+        </p:blipFill>
+        <p:spPr>
+          <a:xfrm>
+            <a:off x="3931121" y="1012053"/>
+            <a:ext cx="1296843" cy="1425199"/>
+          </a:xfrm>
+          <a:prstGeom prst="rect">
+            <a:avLst/>
+          </a:prstGeom>
+        </p:spPr>
+      </p:pic>
+    </p:spTree>
+    <p:extLst>
+      <p:ext uri="{BB962C8B-B14F-4D97-AF65-F5344CB8AC3E}">
+        <p14:creationId xmlns:p14="http://schemas.microsoft.com/office/powerpoint/2010/main" val="4038134425"/>
+      </p:ext>
+    </p:extLst>
+  </p:cSld>
+  <p:clrMapOvr>
+    <a:masterClrMapping/>
+  </p:clrMapOvr>
+</p:sld>
+</file>
+
+<file path=ppt/slides/slide30.xml><?xml version="1.0" encoding="utf-8"?>
+<p:sld xmlns:a="http://schemas.openxmlformats.org/drawingml/2006/main" xmlns:r="http://schemas.openxmlformats.org/officeDocument/2006/relationships" xmlns:p="http://schemas.openxmlformats.org/presentationml/2006/main">
+  <p:cSld>
+    <p:spTree>
+      <p:nvGrpSpPr>
+        <p:cNvPr id="1" name=""/>
+        <p:cNvGrpSpPr/>
+        <p:nvPr/>
+      </p:nvGrpSpPr>
+      <p:grpSpPr>
+        <a:xfrm>
+          <a:off x="0" y="0"/>
+          <a:ext cx="0" cy="0"/>
+          <a:chOff x="0" y="0"/>
+          <a:chExt cx="0" cy="0"/>
+        </a:xfrm>
+      </p:grpSpPr>
+      <p:sp>
+        <p:nvSpPr>
+          <p:cNvPr id="2" name="Заголовок 1">
+            <a:extLst>
+              <a:ext uri="{FF2B5EF4-FFF2-40B4-BE49-F238E27FC236}">
+                <a16:creationId xmlns:a16="http://schemas.microsoft.com/office/drawing/2014/main" id="{199C12ED-FB41-2043-6FA2-8804D1D891CA}"/>
+              </a:ext>
+            </a:extLst>
+          </p:cNvPr>
+          <p:cNvSpPr>
+            <a:spLocks noGrp="1"/>
+          </p:cNvSpPr>
+          <p:nvPr>
+            <p:ph type="title"/>
+          </p:nvPr>
+        </p:nvSpPr>
+        <p:spPr/>
+        <p:txBody>
+          <a:bodyPr>
+            <a:normAutofit fontScale="90000"/>
+          </a:bodyPr>
+          <a:lstStyle/>
+          <a:p>
+            <a:r>
+              <a:rPr lang="ru-RU" dirty="0"/>
+              <a:t>Сопоставьте состав названию материала</a:t>
+            </a:r>
+          </a:p>
+        </p:txBody>
+      </p:sp>
+      <p:pic>
+        <p:nvPicPr>
+          <p:cNvPr id="4" name="Объект 3">
+            <a:extLst>
+              <a:ext uri="{FF2B5EF4-FFF2-40B4-BE49-F238E27FC236}">
+                <a16:creationId xmlns:a16="http://schemas.microsoft.com/office/drawing/2014/main" id="{81F8C63C-7A05-CB1E-A3E2-F75C3AF0F940}"/>
+              </a:ext>
+            </a:extLst>
+          </p:cNvPr>
+          <p:cNvPicPr>
+            <a:picLocks noGrp="1" noChangeAspect="1"/>
+          </p:cNvPicPr>
+          <p:nvPr>
+            <p:ph idx="1"/>
+          </p:nvPr>
+        </p:nvPicPr>
+        <p:blipFill>
+          <a:blip r:embed="rId2"/>
+          <a:stretch>
+            <a:fillRect/>
+          </a:stretch>
+        </p:blipFill>
+        <p:spPr>
+          <a:xfrm>
+            <a:off x="406958" y="974020"/>
+            <a:ext cx="1465149" cy="1076543"/>
+          </a:xfrm>
+          <a:prstGeom prst="rect">
+            <a:avLst/>
+          </a:prstGeom>
+        </p:spPr>
+      </p:pic>
+      <p:pic>
+        <p:nvPicPr>
+          <p:cNvPr id="5" name="Рисунок 4">
+            <a:extLst>
+              <a:ext uri="{FF2B5EF4-FFF2-40B4-BE49-F238E27FC236}">
+                <a16:creationId xmlns:a16="http://schemas.microsoft.com/office/drawing/2014/main" id="{13CF375B-972D-8FDA-C10C-42FCCC126AEB}"/>
+              </a:ext>
+            </a:extLst>
+          </p:cNvPr>
+          <p:cNvPicPr>
+            <a:picLocks noChangeAspect="1"/>
+          </p:cNvPicPr>
+          <p:nvPr/>
+        </p:nvPicPr>
+        <p:blipFill>
+          <a:blip r:embed="rId3"/>
+          <a:stretch>
+            <a:fillRect/>
+          </a:stretch>
+        </p:blipFill>
+        <p:spPr>
+          <a:xfrm>
+            <a:off x="1967762" y="1017954"/>
+            <a:ext cx="1465149" cy="974586"/>
+          </a:xfrm>
+          <a:prstGeom prst="rect">
+            <a:avLst/>
+          </a:prstGeom>
+        </p:spPr>
+      </p:pic>
+      <p:pic>
+        <p:nvPicPr>
+          <p:cNvPr id="6" name="Рисунок 5">
+            <a:extLst>
+              <a:ext uri="{FF2B5EF4-FFF2-40B4-BE49-F238E27FC236}">
+                <a16:creationId xmlns:a16="http://schemas.microsoft.com/office/drawing/2014/main" id="{EDC98D3D-92F9-5764-07C8-53340E30509F}"/>
+              </a:ext>
+            </a:extLst>
+          </p:cNvPr>
+          <p:cNvPicPr>
+            <a:picLocks noChangeAspect="1"/>
+          </p:cNvPicPr>
+          <p:nvPr/>
+        </p:nvPicPr>
+        <p:blipFill>
+          <a:blip r:embed="rId4"/>
+          <a:stretch>
+            <a:fillRect/>
+          </a:stretch>
+        </p:blipFill>
+        <p:spPr>
+          <a:xfrm>
+            <a:off x="279091" y="2267642"/>
+            <a:ext cx="1633348" cy="1101193"/>
+          </a:xfrm>
+          <a:prstGeom prst="rect">
+            <a:avLst/>
+          </a:prstGeom>
+        </p:spPr>
+      </p:pic>
+      <p:pic>
+        <p:nvPicPr>
+          <p:cNvPr id="7" name="Рисунок 6">
+            <a:extLst>
+              <a:ext uri="{FF2B5EF4-FFF2-40B4-BE49-F238E27FC236}">
+                <a16:creationId xmlns:a16="http://schemas.microsoft.com/office/drawing/2014/main" id="{A9828518-F49C-5586-1089-9ADBB184D19A}"/>
+              </a:ext>
+            </a:extLst>
+          </p:cNvPr>
+          <p:cNvPicPr>
+            <a:picLocks noChangeAspect="1"/>
+          </p:cNvPicPr>
+          <p:nvPr/>
+        </p:nvPicPr>
+        <p:blipFill>
+          <a:blip r:embed="rId5"/>
+          <a:stretch>
+            <a:fillRect/>
+          </a:stretch>
+        </p:blipFill>
+        <p:spPr>
+          <a:xfrm>
+            <a:off x="2288250" y="2067618"/>
+            <a:ext cx="1144661" cy="1419920"/>
+          </a:xfrm>
+          <a:prstGeom prst="rect">
+            <a:avLst/>
+          </a:prstGeom>
+        </p:spPr>
+      </p:pic>
+      <p:pic>
+        <p:nvPicPr>
+          <p:cNvPr id="8" name="Объект 12">
+            <a:extLst>
+              <a:ext uri="{FF2B5EF4-FFF2-40B4-BE49-F238E27FC236}">
+                <a16:creationId xmlns:a16="http://schemas.microsoft.com/office/drawing/2014/main" id="{2ECFA138-896E-6FCF-418F-E3A6A07D3FD4}"/>
+              </a:ext>
+            </a:extLst>
+          </p:cNvPr>
+          <p:cNvPicPr>
+            <a:picLocks noChangeAspect="1"/>
+          </p:cNvPicPr>
+          <p:nvPr/>
+        </p:nvPicPr>
+        <p:blipFill>
+          <a:blip r:embed="rId6"/>
+          <a:stretch>
+            <a:fillRect/>
+          </a:stretch>
+        </p:blipFill>
+        <p:spPr>
+          <a:xfrm>
+            <a:off x="3779141" y="1275979"/>
+            <a:ext cx="1250238" cy="1583277"/>
+          </a:xfrm>
+          <a:prstGeom prst="rect">
+            <a:avLst/>
+          </a:prstGeom>
+        </p:spPr>
+      </p:pic>
+      <p:pic>
+        <p:nvPicPr>
+          <p:cNvPr id="10" name="Рисунок 9">
+            <a:extLst>
+              <a:ext uri="{FF2B5EF4-FFF2-40B4-BE49-F238E27FC236}">
+                <a16:creationId xmlns:a16="http://schemas.microsoft.com/office/drawing/2014/main" id="{D3CBA950-DD46-40F3-0BC6-EA630F94484C}"/>
+              </a:ext>
+            </a:extLst>
+          </p:cNvPr>
+          <p:cNvPicPr>
+            <a:picLocks noChangeAspect="1"/>
+          </p:cNvPicPr>
+          <p:nvPr/>
+        </p:nvPicPr>
+        <p:blipFill>
+          <a:blip r:embed="rId7"/>
+          <a:stretch>
+            <a:fillRect/>
+          </a:stretch>
+        </p:blipFill>
+        <p:spPr>
+          <a:xfrm>
+            <a:off x="536085" y="2067617"/>
+            <a:ext cx="1143000" cy="400050"/>
+          </a:xfrm>
+          <a:prstGeom prst="rect">
+            <a:avLst/>
+          </a:prstGeom>
+        </p:spPr>
+      </p:pic>
+      <p:pic>
+        <p:nvPicPr>
+          <p:cNvPr id="12" name="Рисунок 11">
+            <a:extLst>
+              <a:ext uri="{FF2B5EF4-FFF2-40B4-BE49-F238E27FC236}">
+                <a16:creationId xmlns:a16="http://schemas.microsoft.com/office/drawing/2014/main" id="{017DD89C-67D5-55DB-8C5A-FDCB76EE9AC7}"/>
+              </a:ext>
+            </a:extLst>
+          </p:cNvPr>
+          <p:cNvPicPr>
+            <a:picLocks noChangeAspect="1"/>
+          </p:cNvPicPr>
+          <p:nvPr/>
+        </p:nvPicPr>
+        <p:blipFill>
+          <a:blip r:embed="rId8"/>
+          <a:stretch>
+            <a:fillRect/>
+          </a:stretch>
+        </p:blipFill>
+        <p:spPr>
+          <a:xfrm>
+            <a:off x="769439" y="951808"/>
+            <a:ext cx="1143000" cy="381000"/>
+          </a:xfrm>
+          <a:prstGeom prst="rect">
+            <a:avLst/>
+          </a:prstGeom>
+        </p:spPr>
+      </p:pic>
+      <p:pic>
+        <p:nvPicPr>
+          <p:cNvPr id="14" name="Рисунок 13">
+            <a:extLst>
+              <a:ext uri="{FF2B5EF4-FFF2-40B4-BE49-F238E27FC236}">
+                <a16:creationId xmlns:a16="http://schemas.microsoft.com/office/drawing/2014/main" id="{35DF5EBF-CE43-A9A7-2A7D-E6B4FCDD5011}"/>
+              </a:ext>
+            </a:extLst>
+          </p:cNvPr>
+          <p:cNvPicPr>
+            <a:picLocks noChangeAspect="1"/>
+          </p:cNvPicPr>
+          <p:nvPr/>
+        </p:nvPicPr>
+        <p:blipFill>
+          <a:blip r:embed="rId9"/>
+          <a:stretch>
+            <a:fillRect/>
+          </a:stretch>
+        </p:blipFill>
+        <p:spPr>
+          <a:xfrm>
+            <a:off x="2218337" y="1992540"/>
+            <a:ext cx="1133475" cy="400050"/>
+          </a:xfrm>
+          <a:prstGeom prst="rect">
+            <a:avLst/>
+          </a:prstGeom>
+        </p:spPr>
+      </p:pic>
+      <p:pic>
+        <p:nvPicPr>
+          <p:cNvPr id="16" name="Рисунок 15">
+            <a:extLst>
+              <a:ext uri="{FF2B5EF4-FFF2-40B4-BE49-F238E27FC236}">
+                <a16:creationId xmlns:a16="http://schemas.microsoft.com/office/drawing/2014/main" id="{2724F7B5-3FA2-6667-96FB-7ED12F6275E4}"/>
+              </a:ext>
+            </a:extLst>
+          </p:cNvPr>
+          <p:cNvPicPr>
+            <a:picLocks noChangeAspect="1"/>
+          </p:cNvPicPr>
+          <p:nvPr/>
+        </p:nvPicPr>
+        <p:blipFill>
+          <a:blip r:embed="rId10"/>
+          <a:stretch>
+            <a:fillRect/>
+          </a:stretch>
+        </p:blipFill>
+        <p:spPr>
+          <a:xfrm>
+            <a:off x="3779141" y="1187101"/>
+            <a:ext cx="1133475" cy="390525"/>
+          </a:xfrm>
+          <a:prstGeom prst="rect">
+            <a:avLst/>
+          </a:prstGeom>
+        </p:spPr>
+      </p:pic>
+      <p:pic>
+        <p:nvPicPr>
+          <p:cNvPr id="18" name="Рисунок 17">
+            <a:extLst>
+              <a:ext uri="{FF2B5EF4-FFF2-40B4-BE49-F238E27FC236}">
+                <a16:creationId xmlns:a16="http://schemas.microsoft.com/office/drawing/2014/main" id="{47A204D1-46E6-2CE2-85A6-15A0276D2BA1}"/>
+              </a:ext>
+            </a:extLst>
+          </p:cNvPr>
+          <p:cNvPicPr>
+            <a:picLocks noChangeAspect="1"/>
+          </p:cNvPicPr>
+          <p:nvPr/>
+        </p:nvPicPr>
+        <p:blipFill>
+          <a:blip r:embed="rId11"/>
+          <a:stretch>
+            <a:fillRect/>
+          </a:stretch>
+        </p:blipFill>
+        <p:spPr>
+          <a:xfrm>
+            <a:off x="2138361" y="637307"/>
+            <a:ext cx="1123950" cy="400050"/>
+          </a:xfrm>
+          <a:prstGeom prst="rect">
+            <a:avLst/>
+          </a:prstGeom>
+        </p:spPr>
+      </p:pic>
+    </p:spTree>
+    <p:extLst>
+      <p:ext uri="{BB962C8B-B14F-4D97-AF65-F5344CB8AC3E}">
+        <p14:creationId xmlns:p14="http://schemas.microsoft.com/office/powerpoint/2010/main" val="2103331286"/>
+      </p:ext>
+    </p:extLst>
+  </p:cSld>
+  <p:clrMapOvr>
+    <a:masterClrMapping/>
+  </p:clrMapOvr>
+</p:sld>
+</file>
+
+<file path=ppt/slides/slide31.xml><?xml version="1.0" encoding="utf-8"?>
+<p:sld xmlns:a="http://schemas.openxmlformats.org/drawingml/2006/main" xmlns:r="http://schemas.openxmlformats.org/officeDocument/2006/relationships" xmlns:p="http://schemas.openxmlformats.org/presentationml/2006/main">
+  <p:cSld>
+    <p:spTree>
+      <p:nvGrpSpPr>
+        <p:cNvPr id="1" name=""/>
+        <p:cNvGrpSpPr/>
+        <p:nvPr/>
+      </p:nvGrpSpPr>
+      <p:grpSpPr>
+        <a:xfrm>
+          <a:off x="0" y="0"/>
+          <a:ext cx="0" cy="0"/>
+          <a:chOff x="0" y="0"/>
+          <a:chExt cx="0" cy="0"/>
+        </a:xfrm>
+      </p:grpSpPr>
+      <p:sp>
+        <p:nvSpPr>
+          <p:cNvPr id="2" name="Заголовок 1">
+            <a:extLst>
+              <a:ext uri="{FF2B5EF4-FFF2-40B4-BE49-F238E27FC236}">
+                <a16:creationId xmlns:a16="http://schemas.microsoft.com/office/drawing/2014/main" id="{699C0AC1-D1EE-3932-5EEF-76E8AC37DDF8}"/>
+              </a:ext>
+            </a:extLst>
+          </p:cNvPr>
+          <p:cNvSpPr>
+            <a:spLocks noGrp="1"/>
+          </p:cNvSpPr>
+          <p:nvPr>
+            <p:ph type="title"/>
+          </p:nvPr>
+        </p:nvSpPr>
+        <p:spPr/>
+        <p:txBody>
+          <a:bodyPr/>
+          <a:lstStyle/>
+          <a:p>
+            <a:r>
+              <a:rPr lang="ru-RU" dirty="0"/>
+              <a:t>Подбери состав к картинкам</a:t>
+            </a:r>
+          </a:p>
+        </p:txBody>
+      </p:sp>
+      <p:sp>
+        <p:nvSpPr>
+          <p:cNvPr id="3" name="Объект 2">
+            <a:extLst>
+              <a:ext uri="{FF2B5EF4-FFF2-40B4-BE49-F238E27FC236}">
+                <a16:creationId xmlns:a16="http://schemas.microsoft.com/office/drawing/2014/main" id="{D80EEF23-97C5-08A0-9A61-068DF3955C5F}"/>
+              </a:ext>
+            </a:extLst>
+          </p:cNvPr>
+          <p:cNvSpPr>
+            <a:spLocks noGrp="1"/>
+          </p:cNvSpPr>
+          <p:nvPr>
+            <p:ph sz="half" idx="1"/>
+          </p:nvPr>
+        </p:nvSpPr>
+        <p:spPr/>
+        <p:txBody>
+          <a:bodyPr/>
+          <a:lstStyle/>
+          <a:p>
+            <a:pPr marL="0" indent="0">
+              <a:buNone/>
+            </a:pPr>
+            <a:r>
+              <a:rPr lang="ru-RU" sz="1800" dirty="0">
+                <a:latin typeface="Comic Sans MS" panose="030F0702030302020204" pitchFamily="66" charset="0"/>
+              </a:rPr>
+              <a:t>1. </a:t>
+            </a:r>
+            <a:r>
+              <a:rPr lang="ru-RU" sz="1600" dirty="0" err="1">
+                <a:latin typeface="Comic Sans MS" panose="030F0702030302020204" pitchFamily="66" charset="0"/>
+              </a:rPr>
+              <a:t>Глина+песок</a:t>
+            </a:r>
+            <a:endParaRPr lang="ru-RU" sz="1600" dirty="0">
+              <a:latin typeface="Comic Sans MS" panose="030F0702030302020204" pitchFamily="66" charset="0"/>
+            </a:endParaRPr>
+          </a:p>
+          <a:p>
+            <a:pPr marL="0" indent="0">
+              <a:buNone/>
+            </a:pPr>
+            <a:r>
+              <a:rPr lang="ru-RU" sz="1600" dirty="0">
+                <a:latin typeface="Comic Sans MS" panose="030F0702030302020204" pitchFamily="66" charset="0"/>
+              </a:rPr>
+              <a:t>2. Стекло</a:t>
+            </a:r>
+          </a:p>
+          <a:p>
+            <a:pPr marL="0" indent="0">
+              <a:buNone/>
+            </a:pPr>
+            <a:r>
+              <a:rPr lang="ru-RU" sz="1600" dirty="0">
+                <a:latin typeface="Comic Sans MS" panose="030F0702030302020204" pitchFamily="66" charset="0"/>
+              </a:rPr>
+              <a:t>3. </a:t>
+            </a:r>
+            <a:r>
+              <a:rPr lang="ru-RU" sz="1600" dirty="0" err="1">
+                <a:latin typeface="Comic Sans MS" panose="030F0702030302020204" pitchFamily="66" charset="0"/>
+              </a:rPr>
+              <a:t>Железо+углерод</a:t>
+            </a:r>
+            <a:endParaRPr lang="ru-RU" sz="1600" dirty="0">
+              <a:latin typeface="Comic Sans MS" panose="030F0702030302020204" pitchFamily="66" charset="0"/>
+            </a:endParaRPr>
+          </a:p>
+          <a:p>
+            <a:pPr marL="0" indent="0">
+              <a:buNone/>
+            </a:pPr>
+            <a:r>
+              <a:rPr lang="ru-RU" sz="1600" dirty="0">
+                <a:latin typeface="Comic Sans MS" panose="030F0702030302020204" pitchFamily="66" charset="0"/>
+              </a:rPr>
+              <a:t>4. Смола</a:t>
+            </a:r>
+          </a:p>
+          <a:p>
+            <a:pPr marL="0" indent="0">
+              <a:buNone/>
+            </a:pPr>
+            <a:r>
+              <a:rPr lang="ru-RU" sz="1600" dirty="0">
+                <a:latin typeface="Comic Sans MS" panose="030F0702030302020204" pitchFamily="66" charset="0"/>
+              </a:rPr>
+              <a:t>5. </a:t>
+            </a:r>
+            <a:r>
+              <a:rPr lang="ru-RU" sz="1600" dirty="0" err="1">
+                <a:latin typeface="Comic Sans MS" panose="030F0702030302020204" pitchFamily="66" charset="0"/>
+              </a:rPr>
+              <a:t>Нефть+природный</a:t>
+            </a:r>
+            <a:r>
+              <a:rPr lang="ru-RU" sz="1600" dirty="0">
+                <a:latin typeface="Comic Sans MS" panose="030F0702030302020204" pitchFamily="66" charset="0"/>
+              </a:rPr>
+              <a:t> газ</a:t>
+            </a:r>
+          </a:p>
+          <a:p>
+            <a:endParaRPr lang="ru-RU" dirty="0"/>
+          </a:p>
+        </p:txBody>
+      </p:sp>
+      <p:sp>
+        <p:nvSpPr>
+          <p:cNvPr id="4" name="Объект 3">
+            <a:extLst>
+              <a:ext uri="{FF2B5EF4-FFF2-40B4-BE49-F238E27FC236}">
+                <a16:creationId xmlns:a16="http://schemas.microsoft.com/office/drawing/2014/main" id="{88B76E66-6110-5978-A94A-D74D895D16C5}"/>
+              </a:ext>
+            </a:extLst>
+          </p:cNvPr>
+          <p:cNvSpPr>
+            <a:spLocks noGrp="1"/>
+          </p:cNvSpPr>
+          <p:nvPr>
+            <p:ph sz="half" idx="2"/>
+          </p:nvPr>
+        </p:nvSpPr>
+        <p:spPr/>
+        <p:txBody>
+          <a:bodyPr/>
+          <a:lstStyle/>
+          <a:p>
+            <a:r>
+              <a:rPr lang="ru-RU" dirty="0"/>
+              <a:t>Верные ответы:</a:t>
+            </a:r>
+          </a:p>
+          <a:p>
+            <a:r>
+              <a:rPr lang="ru-RU" dirty="0"/>
+              <a:t>Канифоль-4</a:t>
+            </a:r>
+          </a:p>
+          <a:p>
+            <a:r>
+              <a:rPr lang="ru-RU" dirty="0"/>
+              <a:t>Сталь-3</a:t>
+            </a:r>
+          </a:p>
+          <a:p>
+            <a:r>
+              <a:rPr lang="ru-RU" dirty="0"/>
+              <a:t>Зеркало-2</a:t>
+            </a:r>
+          </a:p>
+          <a:p>
+            <a:r>
+              <a:rPr lang="ru-RU" dirty="0"/>
+              <a:t>Пластмассы-5</a:t>
+            </a:r>
+          </a:p>
+          <a:p>
+            <a:r>
+              <a:rPr lang="ru-RU" dirty="0"/>
+              <a:t>Кирпич-1</a:t>
+            </a:r>
+          </a:p>
+        </p:txBody>
+      </p:sp>
+    </p:spTree>
+    <p:extLst>
+      <p:ext uri="{BB962C8B-B14F-4D97-AF65-F5344CB8AC3E}">
+        <p14:creationId xmlns:p14="http://schemas.microsoft.com/office/powerpoint/2010/main" val="1718776993"/>
+      </p:ext>
+    </p:extLst>
+  </p:cSld>
+  <p:clrMapOvr>
+    <a:masterClrMapping/>
+  </p:clrMapOvr>
+</p:sld>
+</file>
+
+<file path=ppt/slides/slide32.xml><?xml version="1.0" encoding="utf-8"?>
+<p:sld xmlns:a="http://schemas.openxmlformats.org/drawingml/2006/main" xmlns:r="http://schemas.openxmlformats.org/officeDocument/2006/relationships" xmlns:p="http://schemas.openxmlformats.org/presentationml/2006/main">
+  <p:cSld>
+    <p:spTree>
+      <p:nvGrpSpPr>
+        <p:cNvPr id="1" name=""/>
+        <p:cNvGrpSpPr/>
+        <p:nvPr/>
+      </p:nvGrpSpPr>
+      <p:grpSpPr>
+        <a:xfrm>
+          <a:off x="0" y="0"/>
+          <a:ext cx="0" cy="0"/>
+          <a:chOff x="0" y="0"/>
+          <a:chExt cx="0" cy="0"/>
+        </a:xfrm>
+      </p:grpSpPr>
+      <p:sp>
+        <p:nvSpPr>
+          <p:cNvPr id="2" name="Заголовок 1">
+            <a:extLst>
+              <a:ext uri="{FF2B5EF4-FFF2-40B4-BE49-F238E27FC236}">
+                <a16:creationId xmlns:a16="http://schemas.microsoft.com/office/drawing/2014/main" id="{AEA8F201-110E-8230-EC43-3A0688130E2D}"/>
+              </a:ext>
+            </a:extLst>
+          </p:cNvPr>
+          <p:cNvSpPr>
+            <a:spLocks noGrp="1"/>
+          </p:cNvSpPr>
+          <p:nvPr>
+            <p:ph type="title"/>
+          </p:nvPr>
+        </p:nvSpPr>
+        <p:spPr/>
+        <p:txBody>
+          <a:bodyPr>
+            <a:normAutofit fontScale="90000"/>
+          </a:bodyPr>
+          <a:lstStyle/>
+          <a:p>
+            <a:r>
+              <a:rPr lang="ru-RU" dirty="0"/>
+              <a:t>Пара №8 Информационно-коммуникационные технологии</a:t>
+            </a:r>
+          </a:p>
+        </p:txBody>
+      </p:sp>
+      <p:sp>
+        <p:nvSpPr>
+          <p:cNvPr id="3" name="Объект 2">
+            <a:extLst>
+              <a:ext uri="{FF2B5EF4-FFF2-40B4-BE49-F238E27FC236}">
+                <a16:creationId xmlns:a16="http://schemas.microsoft.com/office/drawing/2014/main" id="{92CC0EB4-814F-8FB0-54C6-C54252B907A7}"/>
+              </a:ext>
+            </a:extLst>
+          </p:cNvPr>
+          <p:cNvSpPr>
+            <a:spLocks noGrp="1"/>
+          </p:cNvSpPr>
+          <p:nvPr>
+            <p:ph sz="half" idx="1"/>
+          </p:nvPr>
+        </p:nvSpPr>
+        <p:spPr/>
+        <p:txBody>
+          <a:bodyPr/>
+          <a:lstStyle/>
+          <a:p>
+            <a:r>
+              <a:rPr lang="ru-RU" dirty="0"/>
+              <a:t>В приведенных текстах некоторые идущие подряд буквы нескольких слов образуют термины, связанные с информатикой и компьютерами</a:t>
+            </a:r>
+          </a:p>
+          <a:p>
+            <a:r>
+              <a:rPr lang="ru-RU" dirty="0"/>
+              <a:t>Найдите эти термины</a:t>
+            </a:r>
+          </a:p>
+        </p:txBody>
+      </p:sp>
+      <p:sp>
+        <p:nvSpPr>
+          <p:cNvPr id="4" name="Объект 3">
+            <a:extLst>
+              <a:ext uri="{FF2B5EF4-FFF2-40B4-BE49-F238E27FC236}">
+                <a16:creationId xmlns:a16="http://schemas.microsoft.com/office/drawing/2014/main" id="{08331EEC-D24E-6C32-3D1B-95C453044C52}"/>
+              </a:ext>
+            </a:extLst>
+          </p:cNvPr>
+          <p:cNvSpPr>
+            <a:spLocks noGrp="1"/>
+          </p:cNvSpPr>
+          <p:nvPr>
+            <p:ph sz="half" idx="2"/>
+          </p:nvPr>
+        </p:nvSpPr>
+        <p:spPr/>
+        <p:txBody>
+          <a:bodyPr/>
+          <a:lstStyle/>
+          <a:p>
+            <a:pPr marL="0" indent="0">
+              <a:buNone/>
+            </a:pPr>
+            <a:endParaRPr lang="ru-RU" dirty="0"/>
+          </a:p>
+        </p:txBody>
+      </p:sp>
+    </p:spTree>
+    <p:extLst>
+      <p:ext uri="{BB962C8B-B14F-4D97-AF65-F5344CB8AC3E}">
+        <p14:creationId xmlns:p14="http://schemas.microsoft.com/office/powerpoint/2010/main" val="274532454"/>
+      </p:ext>
+    </p:extLst>
+  </p:cSld>
+  <p:clrMapOvr>
+    <a:masterClrMapping/>
+  </p:clrMapOvr>
+</p:sld>
+</file>
+
+<file path=ppt/slides/slide33.xml><?xml version="1.0" encoding="utf-8"?>
+<p:sld xmlns:a="http://schemas.openxmlformats.org/drawingml/2006/main" xmlns:r="http://schemas.openxmlformats.org/officeDocument/2006/relationships" xmlns:p="http://schemas.openxmlformats.org/presentationml/2006/main">
+  <p:cSld>
+    <p:spTree>
+      <p:nvGrpSpPr>
+        <p:cNvPr id="1" name=""/>
+        <p:cNvGrpSpPr/>
+        <p:nvPr/>
+      </p:nvGrpSpPr>
+      <p:grpSpPr>
+        <a:xfrm>
+          <a:off x="0" y="0"/>
+          <a:ext cx="0" cy="0"/>
+          <a:chOff x="0" y="0"/>
+          <a:chExt cx="0" cy="0"/>
+        </a:xfrm>
+      </p:grpSpPr>
+      <p:sp>
+        <p:nvSpPr>
+          <p:cNvPr id="2" name="Заголовок 1">
+            <a:extLst>
+              <a:ext uri="{FF2B5EF4-FFF2-40B4-BE49-F238E27FC236}">
+                <a16:creationId xmlns:a16="http://schemas.microsoft.com/office/drawing/2014/main" id="{E579EA19-3CB9-D85F-D328-98118F994CD2}"/>
+              </a:ext>
+            </a:extLst>
+          </p:cNvPr>
+          <p:cNvSpPr>
+            <a:spLocks noGrp="1"/>
+          </p:cNvSpPr>
+          <p:nvPr>
+            <p:ph type="title"/>
+          </p:nvPr>
+        </p:nvSpPr>
+        <p:spPr/>
+        <p:txBody>
+          <a:bodyPr/>
+          <a:lstStyle/>
+          <a:p>
+            <a:r>
+              <a:rPr lang="ru-RU" dirty="0"/>
+              <a:t>Введите термины</a:t>
+            </a:r>
+          </a:p>
+        </p:txBody>
+      </p:sp>
+      <p:sp>
+        <p:nvSpPr>
+          <p:cNvPr id="3" name="Объект 2">
+            <a:extLst>
+              <a:ext uri="{FF2B5EF4-FFF2-40B4-BE49-F238E27FC236}">
+                <a16:creationId xmlns:a16="http://schemas.microsoft.com/office/drawing/2014/main" id="{BEE21537-DE8A-3059-445B-21B54DED5F37}"/>
+              </a:ext>
+            </a:extLst>
+          </p:cNvPr>
+          <p:cNvSpPr>
+            <a:spLocks noGrp="1"/>
+          </p:cNvSpPr>
+          <p:nvPr>
+            <p:ph sz="half" idx="1"/>
+          </p:nvPr>
+        </p:nvSpPr>
+        <p:spPr/>
+        <p:txBody>
+          <a:bodyPr>
+            <a:normAutofit fontScale="85000" lnSpcReduction="10000"/>
+          </a:bodyPr>
+          <a:lstStyle/>
+          <a:p>
+            <a:r>
+              <a:rPr lang="ru-RU" dirty="0"/>
+              <a:t>1.Потом они торжествовали и радовались как дети</a:t>
+            </a:r>
+          </a:p>
+          <a:p>
+            <a:r>
+              <a:rPr lang="ru-RU" dirty="0"/>
+              <a:t>2.Этот старинный комод ему достался в наследство от бабушки</a:t>
+            </a:r>
+          </a:p>
+          <a:p>
+            <a:r>
+              <a:rPr lang="ru-RU" dirty="0"/>
+              <a:t>3. По просьбе хозяина квартиры мы шкаф сдвинули в угол</a:t>
+            </a:r>
+          </a:p>
+          <a:p>
+            <a:r>
+              <a:rPr lang="ru-RU" dirty="0"/>
+              <a:t>4. Река Днепр интересна тем, сто на ней имеются несколько гидроэлектростанций</a:t>
+            </a:r>
+          </a:p>
+          <a:p>
+            <a:r>
+              <a:rPr lang="ru-RU" dirty="0"/>
+              <a:t>5. Несмотря на это его феска не раз падала с головы</a:t>
+            </a:r>
+          </a:p>
+        </p:txBody>
+      </p:sp>
+      <p:sp>
+        <p:nvSpPr>
+          <p:cNvPr id="4" name="Объект 3">
+            <a:extLst>
+              <a:ext uri="{FF2B5EF4-FFF2-40B4-BE49-F238E27FC236}">
+                <a16:creationId xmlns:a16="http://schemas.microsoft.com/office/drawing/2014/main" id="{5D87556C-09AA-8808-5444-4972B7047698}"/>
+              </a:ext>
+            </a:extLst>
+          </p:cNvPr>
+          <p:cNvSpPr>
+            <a:spLocks noGrp="1"/>
+          </p:cNvSpPr>
+          <p:nvPr>
+            <p:ph sz="half" idx="2"/>
+          </p:nvPr>
+        </p:nvSpPr>
+        <p:spPr/>
+        <p:txBody>
+          <a:bodyPr>
+            <a:normAutofit fontScale="85000" lnSpcReduction="10000"/>
+          </a:bodyPr>
+          <a:lstStyle/>
+          <a:p>
+            <a:r>
+              <a:rPr lang="ru-RU" dirty="0"/>
+              <a:t>Верные ответы:</a:t>
+            </a:r>
+          </a:p>
+          <a:p>
+            <a:r>
+              <a:rPr lang="ru-RU" dirty="0"/>
+              <a:t>1. Монитор</a:t>
+            </a:r>
+          </a:p>
+          <a:p>
+            <a:r>
+              <a:rPr lang="ru-RU" dirty="0"/>
+              <a:t>2. Модем</a:t>
+            </a:r>
+          </a:p>
+          <a:p>
+            <a:r>
+              <a:rPr lang="ru-RU" dirty="0"/>
+              <a:t>3. Мышка</a:t>
+            </a:r>
+          </a:p>
+          <a:p>
+            <a:r>
+              <a:rPr lang="ru-RU" dirty="0"/>
+              <a:t>4. Принтер</a:t>
+            </a:r>
+          </a:p>
+          <a:p>
+            <a:r>
+              <a:rPr lang="ru-RU" dirty="0"/>
+              <a:t>5. Сканер</a:t>
+            </a:r>
+          </a:p>
+          <a:p>
+            <a:endParaRPr lang="ru-RU" dirty="0"/>
+          </a:p>
+          <a:p>
+            <a:endParaRPr lang="ru-RU" dirty="0"/>
+          </a:p>
+        </p:txBody>
+      </p:sp>
+    </p:spTree>
+    <p:extLst>
+      <p:ext uri="{BB962C8B-B14F-4D97-AF65-F5344CB8AC3E}">
+        <p14:creationId xmlns:p14="http://schemas.microsoft.com/office/powerpoint/2010/main" val="72635497"/>
+      </p:ext>
+    </p:extLst>
+  </p:cSld>
+  <p:clrMapOvr>
+    <a:masterClrMapping/>
+  </p:clrMapOvr>
+</p:sld>
+</file>
+
+<file path=ppt/slides/slide34.xml><?xml version="1.0" encoding="utf-8"?>
+<p:sld xmlns:a="http://schemas.openxmlformats.org/drawingml/2006/main" xmlns:r="http://schemas.openxmlformats.org/officeDocument/2006/relationships" xmlns:p="http://schemas.openxmlformats.org/presentationml/2006/main">
+  <p:cSld>
+    <p:spTree>
+      <p:nvGrpSpPr>
+        <p:cNvPr id="1" name=""/>
+        <p:cNvGrpSpPr/>
+        <p:nvPr/>
+      </p:nvGrpSpPr>
+      <p:grpSpPr>
+        <a:xfrm>
+          <a:off x="0" y="0"/>
+          <a:ext cx="0" cy="0"/>
+          <a:chOff x="0" y="0"/>
+          <a:chExt cx="0" cy="0"/>
+        </a:xfrm>
+      </p:grpSpPr>
+      <p:sp>
+        <p:nvSpPr>
+          <p:cNvPr id="2" name="Заголовок 1">
+            <a:extLst>
+              <a:ext uri="{FF2B5EF4-FFF2-40B4-BE49-F238E27FC236}">
                 <a16:creationId xmlns:a16="http://schemas.microsoft.com/office/drawing/2014/main" id="{44D06955-5274-6786-49A2-DE607A1FF5B0}"/>
               </a:ext>
             </a:extLst>
@@ -5620,7 +7956,7 @@
 </p:sld>
 </file>
 
-<file path=ppt/slides/slide25.xml><?xml version="1.0" encoding="utf-8"?>
+<file path=ppt/slides/slide35.xml><?xml version="1.0" encoding="utf-8"?>
 <p:sld xmlns:a="http://schemas.openxmlformats.org/drawingml/2006/main" xmlns:r="http://schemas.openxmlformats.org/officeDocument/2006/relationships" xmlns:p="http://schemas.openxmlformats.org/presentationml/2006/main">
   <p:cSld>
     <p:bg>
@@ -6240,157 +8576,6 @@
 </p:sld>
 </file>
 
-<file path=ppt/slides/slide3.xml><?xml version="1.0" encoding="utf-8"?>
-<p:sld xmlns:a="http://schemas.openxmlformats.org/drawingml/2006/main" xmlns:r="http://schemas.openxmlformats.org/officeDocument/2006/relationships" xmlns:p="http://schemas.openxmlformats.org/presentationml/2006/main">
-  <p:cSld>
-    <p:spTree>
-      <p:nvGrpSpPr>
-        <p:cNvPr id="1" name=""/>
-        <p:cNvGrpSpPr/>
-        <p:nvPr/>
-      </p:nvGrpSpPr>
-      <p:grpSpPr>
-        <a:xfrm>
-          <a:off x="0" y="0"/>
-          <a:ext cx="0" cy="0"/>
-          <a:chOff x="0" y="0"/>
-          <a:chExt cx="0" cy="0"/>
-        </a:xfrm>
-      </p:grpSpPr>
-      <p:sp>
-        <p:nvSpPr>
-          <p:cNvPr id="2" name="Заголовок 1">
-            <a:extLst>
-              <a:ext uri="{FF2B5EF4-FFF2-40B4-BE49-F238E27FC236}">
-                <a16:creationId xmlns:a16="http://schemas.microsoft.com/office/drawing/2014/main" id="{B97AF695-B85E-DD93-81AE-CE35F12BA0B7}"/>
-              </a:ext>
-            </a:extLst>
-          </p:cNvPr>
-          <p:cNvSpPr>
-            <a:spLocks noGrp="1"/>
-          </p:cNvSpPr>
-          <p:nvPr>
-            <p:ph type="title"/>
-          </p:nvPr>
-        </p:nvSpPr>
-        <p:spPr>
-          <a:xfrm>
-            <a:off x="371297" y="191691"/>
-            <a:ext cx="4658082" cy="1029184"/>
-          </a:xfrm>
-        </p:spPr>
-        <p:txBody>
-          <a:bodyPr>
-            <a:normAutofit/>
-          </a:bodyPr>
-          <a:lstStyle/>
-          <a:p>
-            <a:pPr algn="ctr"/>
-            <a:br>
-              <a:rPr lang="ru-RU" dirty="0"/>
-            </a:br>
-            <a:r>
-              <a:rPr lang="ru-RU" dirty="0"/>
-              <a:t>Пара №2 Дискретная математика</a:t>
-            </a:r>
-          </a:p>
-        </p:txBody>
-      </p:sp>
-      <p:sp>
-        <p:nvSpPr>
-          <p:cNvPr id="3" name="Объект 2">
-            <a:extLst>
-              <a:ext uri="{FF2B5EF4-FFF2-40B4-BE49-F238E27FC236}">
-                <a16:creationId xmlns:a16="http://schemas.microsoft.com/office/drawing/2014/main" id="{D814EDD8-85C9-A1A5-5643-5B476237428C}"/>
-              </a:ext>
-            </a:extLst>
-          </p:cNvPr>
-          <p:cNvSpPr>
-            <a:spLocks noGrp="1"/>
-          </p:cNvSpPr>
-          <p:nvPr>
-            <p:ph sz="half" idx="1"/>
-          </p:nvPr>
-        </p:nvSpPr>
-        <p:spPr>
-          <a:xfrm>
-            <a:off x="371297" y="1029956"/>
-            <a:ext cx="2295287" cy="2212949"/>
-          </a:xfrm>
-        </p:spPr>
-        <p:txBody>
-          <a:bodyPr/>
-          <a:lstStyle/>
-          <a:p>
-            <a:endParaRPr lang="ru-RU" dirty="0"/>
-          </a:p>
-          <a:p>
-            <a:r>
-              <a:rPr lang="ru-RU" dirty="0"/>
-              <a:t>Соберите цифры</a:t>
-            </a:r>
-          </a:p>
-          <a:p>
-            <a:r>
-              <a:rPr lang="ru-RU" dirty="0"/>
-              <a:t>последовательно</a:t>
-            </a:r>
-          </a:p>
-        </p:txBody>
-      </p:sp>
-      <p:sp>
-        <p:nvSpPr>
-          <p:cNvPr id="4" name="Объект 3">
-            <a:extLst>
-              <a:ext uri="{FF2B5EF4-FFF2-40B4-BE49-F238E27FC236}">
-                <a16:creationId xmlns:a16="http://schemas.microsoft.com/office/drawing/2014/main" id="{72BC5F1C-5554-92F6-EC3B-0D084F79A7A0}"/>
-              </a:ext>
-            </a:extLst>
-          </p:cNvPr>
-          <p:cNvSpPr>
-            <a:spLocks noGrp="1"/>
-          </p:cNvSpPr>
-          <p:nvPr>
-            <p:ph sz="half" idx="2"/>
-          </p:nvPr>
-        </p:nvSpPr>
-        <p:spPr>
-          <a:xfrm>
-            <a:off x="2734092" y="1029955"/>
-            <a:ext cx="2295287" cy="2212949"/>
-          </a:xfrm>
-        </p:spPr>
-        <p:txBody>
-          <a:bodyPr/>
-          <a:lstStyle/>
-          <a:p>
-            <a:endParaRPr lang="ru-RU" sz="1600" dirty="0"/>
-          </a:p>
-          <a:p>
-            <a:r>
-              <a:rPr lang="ru-RU" sz="1600" dirty="0"/>
-              <a:t>СУПЕР- БЛИЦ «ЦИФРЫ»</a:t>
-            </a:r>
-            <a:br>
-              <a:rPr lang="ru-RU" sz="1600" dirty="0"/>
-            </a:br>
-            <a:endParaRPr lang="ru-RU" dirty="0"/>
-          </a:p>
-        </p:txBody>
-      </p:sp>
-    </p:spTree>
-    <p:extLst>
-      <p:ext uri="{BB962C8B-B14F-4D97-AF65-F5344CB8AC3E}">
-        <p14:creationId xmlns:p14="http://schemas.microsoft.com/office/powerpoint/2010/main" val="896603684"/>
-      </p:ext>
-    </p:extLst>
-  </p:cSld>
-  <p:clrMapOvr>
-    <a:masterClrMapping/>
-  </p:clrMapOvr>
-</p:sld>
-</file>
-
 <file path=ppt/slides/slide4.xml><?xml version="1.0" encoding="utf-8"?>
 <p:sld xmlns:a="http://schemas.openxmlformats.org/drawingml/2006/main" xmlns:r="http://schemas.openxmlformats.org/officeDocument/2006/relationships" xmlns:p="http://schemas.openxmlformats.org/presentationml/2006/main">
   <p:cSld>
@@ -6410,117 +8595,84 @@
       </p:grpSpPr>
       <p:sp>
         <p:nvSpPr>
-          <p:cNvPr id="2" name="Заголовок 1">
-            <a:extLst>
-              <a:ext uri="{FF2B5EF4-FFF2-40B4-BE49-F238E27FC236}">
-                <a16:creationId xmlns:a16="http://schemas.microsoft.com/office/drawing/2014/main" id="{4222252A-8E13-CB8E-49D5-001319F4F9C8}"/>
-              </a:ext>
-            </a:extLst>
-          </p:cNvPr>
-          <p:cNvSpPr>
-            <a:spLocks noGrp="1"/>
-          </p:cNvSpPr>
-          <p:nvPr>
-            <p:ph type="title"/>
-          </p:nvPr>
-        </p:nvSpPr>
-        <p:spPr/>
-        <p:txBody>
-          <a:bodyPr/>
-          <a:lstStyle/>
-          <a:p>
-            <a:r>
-              <a:rPr lang="ru-RU" dirty="0"/>
-              <a:t>2.1 Прочти цифру</a:t>
-            </a:r>
-          </a:p>
-        </p:txBody>
-      </p:sp>
-      <p:sp>
-        <p:nvSpPr>
-          <p:cNvPr id="3" name="Объект 2">
-            <a:extLst>
-              <a:ext uri="{FF2B5EF4-FFF2-40B4-BE49-F238E27FC236}">
-                <a16:creationId xmlns:a16="http://schemas.microsoft.com/office/drawing/2014/main" id="{FC54CC8E-650B-DDF9-DB2D-B89623281BE3}"/>
-              </a:ext>
-            </a:extLst>
-          </p:cNvPr>
-          <p:cNvSpPr>
-            <a:spLocks noGrp="1"/>
-          </p:cNvSpPr>
-          <p:nvPr>
-            <p:ph sz="half" idx="1"/>
-          </p:nvPr>
-        </p:nvSpPr>
-        <p:spPr/>
-        <p:txBody>
-          <a:bodyPr/>
-          <a:lstStyle/>
-          <a:p>
-            <a:r>
-              <a:rPr lang="ru-RU" dirty="0"/>
-              <a:t>На стаканах указано слово, обозначающее цифру</a:t>
-            </a:r>
-          </a:p>
-        </p:txBody>
-      </p:sp>
-      <p:sp>
-        <p:nvSpPr>
-          <p:cNvPr id="4" name="Объект 3">
-            <a:extLst>
-              <a:ext uri="{FF2B5EF4-FFF2-40B4-BE49-F238E27FC236}">
-                <a16:creationId xmlns:a16="http://schemas.microsoft.com/office/drawing/2014/main" id="{4A2C408C-486C-1976-AA0C-7B313AA212D4}"/>
-              </a:ext>
-            </a:extLst>
-          </p:cNvPr>
-          <p:cNvSpPr>
-            <a:spLocks noGrp="1"/>
-          </p:cNvSpPr>
-          <p:nvPr>
-            <p:ph sz="half" idx="2"/>
-          </p:nvPr>
-        </p:nvSpPr>
-        <p:spPr/>
-        <p:txBody>
-          <a:bodyPr/>
-          <a:lstStyle/>
-          <a:p>
-            <a:r>
-              <a:rPr lang="ru-RU" dirty="0">
-                <a:solidFill>
-                  <a:srgbClr val="002060"/>
-                </a:solidFill>
+          <p:cNvPr id="3" name="TextBox 2">
+            <a:extLst>
+              <a:ext uri="{FF2B5EF4-FFF2-40B4-BE49-F238E27FC236}">
+                <a16:creationId xmlns:a16="http://schemas.microsoft.com/office/drawing/2014/main" id="{64C8200B-1839-F5C9-9638-42C44030589B}"/>
+              </a:ext>
+            </a:extLst>
+          </p:cNvPr>
+          <p:cNvSpPr txBox="1"/>
+          <p:nvPr/>
+        </p:nvSpPr>
+        <p:spPr>
+          <a:xfrm>
+            <a:off x="472273" y="1185614"/>
+            <a:ext cx="4577024" cy="1323439"/>
+          </a:xfrm>
+          <a:prstGeom prst="rect">
+            <a:avLst/>
+          </a:prstGeom>
+          <a:noFill/>
+        </p:spPr>
+        <p:txBody>
+          <a:bodyPr wrap="square">
+            <a:spAutoFit/>
+          </a:bodyPr>
+          <a:lstStyle/>
+          <a:p>
+            <a:pPr marL="457200" indent="-457200">
+              <a:buAutoNum type="arabicPeriod"/>
+            </a:pPr>
+            <a:r>
+              <a:rPr lang="ru-RU" sz="2000" dirty="0">
+                <a:latin typeface="Comic Sans MS" panose="030F0702030302020204" pitchFamily="66" charset="0"/>
               </a:rPr>
-              <a:t>Введите цифру:</a:t>
-            </a:r>
-          </a:p>
-          <a:p>
-            <a:r>
-              <a:rPr lang="ru-RU" dirty="0"/>
-              <a:t>Верный ответ: 8</a:t>
-            </a:r>
-          </a:p>
-          <a:p>
-            <a:endParaRPr lang="ru-RU" dirty="0"/>
-          </a:p>
-          <a:p>
-            <a:endParaRPr lang="ru-RU" dirty="0"/>
-          </a:p>
-          <a:p>
-            <a:r>
-              <a:rPr lang="ru-RU" dirty="0"/>
-              <a:t>Фото 2.1</a:t>
-            </a:r>
-          </a:p>
-          <a:p>
-            <a:endParaRPr lang="ru-RU" dirty="0"/>
+              <a:t>Что такое любовь?</a:t>
+            </a:r>
+          </a:p>
+          <a:p>
+            <a:pPr marL="342900" indent="-342900">
+              <a:buAutoNum type="arabicPeriod"/>
+            </a:pPr>
+            <a:r>
+              <a:rPr lang="ru-RU" sz="2000" dirty="0">
+                <a:latin typeface="Comic Sans MS" panose="030F0702030302020204" pitchFamily="66" charset="0"/>
+              </a:rPr>
+              <a:t>Как всё сделать вовремя?</a:t>
+            </a:r>
+          </a:p>
+          <a:p>
+            <a:pPr marL="342900" indent="-342900">
+              <a:buAutoNum type="arabicPeriod"/>
+            </a:pPr>
+            <a:r>
+              <a:rPr lang="ru-RU" sz="2000" dirty="0">
+                <a:latin typeface="Comic Sans MS" panose="030F0702030302020204" pitchFamily="66" charset="0"/>
+              </a:rPr>
+              <a:t>Можно ли знать всё на свете?</a:t>
+            </a:r>
+          </a:p>
+          <a:p>
+            <a:pPr marL="342900" indent="-342900">
+              <a:buAutoNum type="arabicPeriod"/>
+            </a:pPr>
+            <a:r>
+              <a:rPr lang="ru-RU" sz="2000" dirty="0">
+                <a:latin typeface="Comic Sans MS" panose="030F0702030302020204" pitchFamily="66" charset="0"/>
+              </a:rPr>
+              <a:t>Есть ли что-нибудь вечное?</a:t>
+            </a:r>
+            <a:endParaRPr lang="ru-RU" sz="1800" dirty="0">
+              <a:latin typeface="Comic Sans MS" panose="030F0702030302020204" pitchFamily="66" charset="0"/>
+            </a:endParaRPr>
           </a:p>
         </p:txBody>
       </p:sp>
     </p:spTree>
     <p:extLst>
       <p:ext uri="{BB962C8B-B14F-4D97-AF65-F5344CB8AC3E}">
-        <p14:creationId xmlns:p14="http://schemas.microsoft.com/office/powerpoint/2010/main" val="706266210"/>
+        <p14:creationId xmlns:p14="http://schemas.microsoft.com/office/powerpoint/2010/main" val="274303580"/>
       </p:ext>
     </p:extLst>
   </p:cSld>
@@ -6552,7 +8704,7 @@
           <p:cNvPr id="2" name="Заголовок 1">
             <a:extLst>
               <a:ext uri="{FF2B5EF4-FFF2-40B4-BE49-F238E27FC236}">
-                <a16:creationId xmlns:a16="http://schemas.microsoft.com/office/drawing/2014/main" id="{B4682474-7487-232A-1339-45B12124F085}"/>
+                <a16:creationId xmlns:a16="http://schemas.microsoft.com/office/drawing/2014/main" id="{EA6A3C4A-7D94-A35B-67C5-C13CC3E15501}"/>
               </a:ext>
             </a:extLst>
           </p:cNvPr>
@@ -6563,119 +8715,157 @@
             <p:ph type="title"/>
           </p:nvPr>
         </p:nvSpPr>
-        <p:spPr/>
+        <p:spPr>
+          <a:xfrm>
+            <a:off x="505534" y="115556"/>
+            <a:ext cx="4658082" cy="842897"/>
+          </a:xfrm>
+        </p:spPr>
         <p:txBody>
           <a:bodyPr>
-            <a:normAutofit/>
+            <a:normAutofit fontScale="90000"/>
           </a:bodyPr>
-          <a:lstStyle/>
-          <a:p>
-            <a:r>
-              <a:rPr lang="ru-RU" b="0" i="0" dirty="0">
-                <a:solidFill>
-                  <a:srgbClr val="000000"/>
-                </a:solidFill>
-                <a:effectLst/>
-                <a:latin typeface="Roboto" panose="02000000000000000000" pitchFamily="2" charset="0"/>
-              </a:rPr>
-              <a:t>2.2 Почтовый индекс</a:t>
-            </a:r>
-            <a:endParaRPr lang="ru-RU" dirty="0"/>
-          </a:p>
-        </p:txBody>
-      </p:sp>
-      <p:sp>
-        <p:nvSpPr>
-          <p:cNvPr id="3" name="Объект 2">
-            <a:extLst>
-              <a:ext uri="{FF2B5EF4-FFF2-40B4-BE49-F238E27FC236}">
-                <a16:creationId xmlns:a16="http://schemas.microsoft.com/office/drawing/2014/main" id="{7441872A-5980-E8A2-B924-5815DBA51972}"/>
-              </a:ext>
-            </a:extLst>
-          </p:cNvPr>
-          <p:cNvSpPr>
-            <a:spLocks noGrp="1"/>
-          </p:cNvSpPr>
-          <p:nvPr>
-            <p:ph sz="half" idx="1"/>
-          </p:nvPr>
-        </p:nvSpPr>
-        <p:spPr/>
-        <p:txBody>
-          <a:bodyPr/>
-          <a:lstStyle/>
-          <a:p>
-            <a:r>
-              <a:rPr lang="ru-RU" b="0" i="0" dirty="0">
-                <a:solidFill>
-                  <a:srgbClr val="000000"/>
-                </a:solidFill>
-                <a:effectLst/>
-                <a:latin typeface="Roboto" panose="02000000000000000000" pitchFamily="2" charset="0"/>
-              </a:rPr>
-              <a:t>Соединить точки согласно схемы на картинке</a:t>
-            </a:r>
-            <a:endParaRPr lang="ru-RU" dirty="0"/>
-          </a:p>
-        </p:txBody>
-      </p:sp>
-      <p:sp>
-        <p:nvSpPr>
-          <p:cNvPr id="4" name="Объект 3">
-            <a:extLst>
-              <a:ext uri="{FF2B5EF4-FFF2-40B4-BE49-F238E27FC236}">
-                <a16:creationId xmlns:a16="http://schemas.microsoft.com/office/drawing/2014/main" id="{EF9C28DB-8C9B-E85D-99BB-2A641088FE5B}"/>
-              </a:ext>
-            </a:extLst>
-          </p:cNvPr>
-          <p:cNvSpPr>
-            <a:spLocks noGrp="1"/>
-          </p:cNvSpPr>
-          <p:nvPr>
-            <p:ph sz="half" idx="2"/>
-          </p:nvPr>
-        </p:nvSpPr>
-        <p:spPr/>
-        <p:txBody>
-          <a:bodyPr/>
           <a:lstStyle/>
           <a:p>
             <a:r>
               <a:rPr lang="ru-RU" dirty="0">
                 <a:solidFill>
-                  <a:srgbClr val="002060"/>
+                  <a:schemeClr val="accent1">
+                    <a:lumMod val="75000"/>
+                  </a:schemeClr>
                 </a:solidFill>
               </a:rPr>
-              <a:t>Введите цифру:</a:t>
-            </a:r>
-          </a:p>
-          <a:p>
-            <a:r>
-              <a:rPr lang="ru-RU" dirty="0"/>
-              <a:t>Верный ответ: 9</a:t>
-            </a:r>
-          </a:p>
-          <a:p>
+              <a:t>Найдите подсказки в большом зале:</a:t>
+            </a:r>
+            <a:br>
+              <a:rPr lang="ru-RU" dirty="0">
+                <a:solidFill>
+                  <a:schemeClr val="accent1">
+                    <a:lumMod val="75000"/>
+                  </a:schemeClr>
+                </a:solidFill>
+              </a:rPr>
+            </a:br>
+            <a:r>
+              <a:rPr lang="ru-RU" dirty="0">
+                <a:solidFill>
+                  <a:schemeClr val="accent1">
+                    <a:lumMod val="75000"/>
+                  </a:schemeClr>
+                </a:solidFill>
+              </a:rPr>
+              <a:t>Пасть открыта-  зубы там, Пальцами по тем зубам</a:t>
+            </a:r>
+          </a:p>
+        </p:txBody>
+      </p:sp>
+      <p:sp>
+        <p:nvSpPr>
+          <p:cNvPr id="3" name="Объект 2">
+            <a:extLst>
+              <a:ext uri="{FF2B5EF4-FFF2-40B4-BE49-F238E27FC236}">
+                <a16:creationId xmlns:a16="http://schemas.microsoft.com/office/drawing/2014/main" id="{CEFA3CA5-EDAD-911F-05E8-5EECB04EFCF7}"/>
+              </a:ext>
+            </a:extLst>
+          </p:cNvPr>
+          <p:cNvSpPr>
+            <a:spLocks noGrp="1"/>
+          </p:cNvSpPr>
+          <p:nvPr>
+            <p:ph sz="half" idx="1"/>
+          </p:nvPr>
+        </p:nvSpPr>
+        <p:spPr/>
+        <p:txBody>
+          <a:bodyPr/>
+          <a:lstStyle/>
+          <a:p>
+            <a:r>
+              <a:rPr lang="ru-RU" dirty="0"/>
+              <a:t>1. Что такое любовь?</a:t>
+            </a:r>
+          </a:p>
+          <a:p>
+            <a:r>
+              <a:rPr lang="ru-RU" dirty="0"/>
+              <a:t>2. Есть ли что-нибудь вечное?</a:t>
+            </a:r>
+          </a:p>
+          <a:p>
+            <a:r>
+              <a:rPr lang="ru-RU" dirty="0"/>
+              <a:t>3. Можно ли знать всё на свете?</a:t>
+            </a:r>
+          </a:p>
+          <a:p>
+            <a:r>
+              <a:rPr lang="ru-RU" dirty="0"/>
+              <a:t>4. Как всё сделать вовремя?</a:t>
+            </a:r>
+          </a:p>
+        </p:txBody>
+      </p:sp>
+      <p:sp>
+        <p:nvSpPr>
+          <p:cNvPr id="4" name="Объект 3">
+            <a:extLst>
+              <a:ext uri="{FF2B5EF4-FFF2-40B4-BE49-F238E27FC236}">
+                <a16:creationId xmlns:a16="http://schemas.microsoft.com/office/drawing/2014/main" id="{25E287CE-C150-0037-A82D-BB4F7E01EFC9}"/>
+              </a:ext>
+            </a:extLst>
+          </p:cNvPr>
+          <p:cNvSpPr>
+            <a:spLocks noGrp="1"/>
+          </p:cNvSpPr>
+          <p:nvPr>
+            <p:ph sz="half" idx="2"/>
+          </p:nvPr>
+        </p:nvSpPr>
+        <p:spPr/>
+        <p:txBody>
+          <a:bodyPr/>
+          <a:lstStyle/>
+          <a:p>
+            <a:r>
+              <a:rPr lang="ru-RU" dirty="0"/>
+              <a:t>Кто из философов ответил на вопросы Верный ответ:</a:t>
+            </a:r>
+          </a:p>
+          <a:p>
+            <a:r>
+              <a:rPr lang="ru-RU" dirty="0"/>
+              <a:t>1. Сократ</a:t>
+            </a:r>
+          </a:p>
+          <a:p>
+            <a:r>
+              <a:rPr lang="ru-RU" dirty="0"/>
+              <a:t>2. Гераклит</a:t>
+            </a:r>
+          </a:p>
+          <a:p>
+            <a:r>
+              <a:rPr lang="ru-RU" dirty="0"/>
+              <a:t>3. </a:t>
+            </a:r>
+            <a:r>
+              <a:rPr lang="ru-RU" dirty="0" err="1"/>
+              <a:t>Лао-цзы</a:t>
+            </a:r>
             <a:endParaRPr lang="ru-RU" dirty="0"/>
           </a:p>
           <a:p>
-            <a:endParaRPr lang="ru-RU" dirty="0"/>
-          </a:p>
-          <a:p>
-            <a:r>
-              <a:rPr lang="ru-RU" dirty="0"/>
-              <a:t>Фото 2.2</a:t>
-            </a:r>
-          </a:p>
-          <a:p>
-            <a:endParaRPr lang="ru-RU" dirty="0"/>
+            <a:r>
+              <a:rPr lang="ru-RU" dirty="0"/>
+              <a:t>4. Эйнштейн</a:t>
+            </a:r>
           </a:p>
         </p:txBody>
       </p:sp>
     </p:spTree>
     <p:extLst>
       <p:ext uri="{BB962C8B-B14F-4D97-AF65-F5344CB8AC3E}">
-        <p14:creationId xmlns:p14="http://schemas.microsoft.com/office/powerpoint/2010/main" val="1191958297"/>
+        <p14:creationId xmlns:p14="http://schemas.microsoft.com/office/powerpoint/2010/main" val="1565736178"/>
       </p:ext>
     </p:extLst>
   </p:cSld>
@@ -6707,7 +8897,7 @@
           <p:cNvPr id="2" name="Заголовок 1">
             <a:extLst>
               <a:ext uri="{FF2B5EF4-FFF2-40B4-BE49-F238E27FC236}">
-                <a16:creationId xmlns:a16="http://schemas.microsoft.com/office/drawing/2014/main" id="{01AB8F84-4EAF-7E08-4468-1ED94AEE5CFD}"/>
+                <a16:creationId xmlns:a16="http://schemas.microsoft.com/office/drawing/2014/main" id="{B97AF695-B85E-DD93-81AE-CE35F12BA0B7}"/>
               </a:ext>
             </a:extLst>
           </p:cNvPr>
@@ -6718,179 +8908,122 @@
             <p:ph type="title"/>
           </p:nvPr>
         </p:nvSpPr>
-        <p:spPr/>
-        <p:txBody>
-          <a:bodyPr/>
-          <a:lstStyle/>
-          <a:p>
-            <a:r>
-              <a:rPr lang="ru-RU" dirty="0"/>
-              <a:t>2.3 Кто спрятался на картинке</a:t>
-            </a:r>
-          </a:p>
-        </p:txBody>
-      </p:sp>
-      <p:sp>
-        <p:nvSpPr>
-          <p:cNvPr id="3" name="Объект 2">
-            <a:extLst>
-              <a:ext uri="{FF2B5EF4-FFF2-40B4-BE49-F238E27FC236}">
-                <a16:creationId xmlns:a16="http://schemas.microsoft.com/office/drawing/2014/main" id="{87D79F4E-101B-2300-0119-A8CFB44E1497}"/>
-              </a:ext>
-            </a:extLst>
-          </p:cNvPr>
-          <p:cNvSpPr>
-            <a:spLocks noGrp="1"/>
-          </p:cNvSpPr>
-          <p:nvPr>
-            <p:ph sz="half" idx="1"/>
-          </p:nvPr>
-        </p:nvSpPr>
-        <p:spPr/>
-        <p:txBody>
-          <a:bodyPr/>
-          <a:lstStyle/>
-          <a:p>
-            <a:endParaRPr lang="ru-RU" dirty="0"/>
-          </a:p>
-        </p:txBody>
-      </p:sp>
-      <p:sp>
-        <p:nvSpPr>
-          <p:cNvPr id="4" name="Объект 3">
-            <a:extLst>
-              <a:ext uri="{FF2B5EF4-FFF2-40B4-BE49-F238E27FC236}">
-                <a16:creationId xmlns:a16="http://schemas.microsoft.com/office/drawing/2014/main" id="{525E49E3-4299-DCA6-9F8B-375FB2902048}"/>
-              </a:ext>
-            </a:extLst>
-          </p:cNvPr>
-          <p:cNvSpPr>
-            <a:spLocks noGrp="1"/>
-          </p:cNvSpPr>
-          <p:nvPr>
-            <p:ph sz="half" idx="2"/>
-          </p:nvPr>
-        </p:nvSpPr>
-        <p:spPr/>
-        <p:txBody>
-          <a:bodyPr/>
-          <a:lstStyle/>
-          <a:p>
-            <a:r>
-              <a:rPr lang="ru-RU" dirty="0"/>
-              <a:t>Введите 2-ю букву в виде цифры:</a:t>
-            </a:r>
-          </a:p>
-          <a:p>
-            <a:r>
-              <a:rPr lang="ru-RU" dirty="0"/>
-              <a:t>Верный ответ: О</a:t>
-            </a:r>
-          </a:p>
-          <a:p>
-            <a:endParaRPr lang="ru-RU" dirty="0"/>
-          </a:p>
-          <a:p>
-            <a:endParaRPr lang="ru-RU" dirty="0"/>
-          </a:p>
-          <a:p>
-            <a:r>
-              <a:rPr lang="ru-RU" dirty="0"/>
-              <a:t>Фото </a:t>
-            </a:r>
-            <a:r>
-              <a:rPr lang="en-US" dirty="0" err="1"/>
-              <a:t>jj</a:t>
-            </a:r>
-            <a:endParaRPr lang="ru-RU" dirty="0"/>
-          </a:p>
-        </p:txBody>
-      </p:sp>
-      <p:sp>
-        <p:nvSpPr>
-          <p:cNvPr id="5" name="AutoShape 2" descr="Кто тут спрятался ?">
-            <a:extLst>
-              <a:ext uri="{FF2B5EF4-FFF2-40B4-BE49-F238E27FC236}">
-                <a16:creationId xmlns:a16="http://schemas.microsoft.com/office/drawing/2014/main" id="{05E661C1-AA6B-9D01-AD8F-03A63D4A8133}"/>
-              </a:ext>
-            </a:extLst>
-          </p:cNvPr>
-          <p:cNvSpPr>
-            <a:spLocks noChangeAspect="1" noChangeArrowheads="1"/>
-          </p:cNvSpPr>
-          <p:nvPr/>
-        </p:nvSpPr>
-        <p:spPr bwMode="auto">
-          <a:xfrm>
-            <a:off x="2547938" y="1647825"/>
-            <a:ext cx="304800" cy="304800"/>
-          </a:xfrm>
-          <a:prstGeom prst="rect">
-            <a:avLst/>
-          </a:prstGeom>
-          <a:noFill/>
-          <a:extLst>
-            <a:ext uri="{909E8E84-426E-40DD-AFC4-6F175D3DCCD1}">
-              <a14:hiddenFill xmlns:a14="http://schemas.microsoft.com/office/drawing/2010/main">
-                <a:solidFill>
-                  <a:srgbClr val="FFFFFF"/>
-                </a:solidFill>
-              </a14:hiddenFill>
-            </a:ext>
-          </a:extLst>
-        </p:spPr>
-        <p:txBody>
-          <a:bodyPr vert="horz" wrap="square" lIns="91440" tIns="45720" rIns="91440" bIns="45720" numCol="1" anchor="t" anchorCtr="0" compatLnSpc="1">
-            <a:prstTxWarp prst="textNoShape">
-              <a:avLst/>
-            </a:prstTxWarp>
-          </a:bodyPr>
-          <a:lstStyle/>
-          <a:p>
-            <a:endParaRPr lang="ru-RU"/>
-          </a:p>
-        </p:txBody>
-      </p:sp>
-      <p:pic>
-        <p:nvPicPr>
-          <p:cNvPr id="7" name="Рисунок 6">
-            <a:extLst>
-              <a:ext uri="{FF2B5EF4-FFF2-40B4-BE49-F238E27FC236}">
-                <a16:creationId xmlns:a16="http://schemas.microsoft.com/office/drawing/2014/main" id="{F130479B-1151-7A81-CFE6-899B8FAAA079}"/>
-              </a:ext>
-            </a:extLst>
-          </p:cNvPr>
-          <p:cNvPicPr>
-            <a:picLocks noChangeAspect="1"/>
-          </p:cNvPicPr>
-          <p:nvPr/>
-        </p:nvPicPr>
-        <p:blipFill>
-          <a:blip r:embed="rId2" cstate="print">
-            <a:extLst>
-              <a:ext uri="{28A0092B-C50C-407E-A947-70E740481C1C}">
-                <a14:useLocalDpi xmlns:a14="http://schemas.microsoft.com/office/drawing/2010/main" val="0"/>
-              </a:ext>
-            </a:extLst>
-          </a:blip>
-          <a:stretch>
-            <a:fillRect/>
-          </a:stretch>
-        </p:blipFill>
         <p:spPr>
           <a:xfrm>
-            <a:off x="303788" y="958453"/>
-            <a:ext cx="2362795" cy="2111318"/>
+            <a:off x="371297" y="191691"/>
+            <a:ext cx="4658082" cy="1029184"/>
           </a:xfrm>
-          <a:prstGeom prst="rect">
-            <a:avLst/>
-          </a:prstGeom>
         </p:spPr>
-      </p:pic>
+        <p:txBody>
+          <a:bodyPr>
+            <a:normAutofit fontScale="90000"/>
+          </a:bodyPr>
+          <a:lstStyle/>
+          <a:p>
+            <a:pPr algn="ctr"/>
+            <a:br>
+              <a:rPr lang="ru-RU" dirty="0"/>
+            </a:br>
+            <a:r>
+              <a:rPr lang="ru-RU" dirty="0"/>
+              <a:t>Коллоквиум №2 </a:t>
+            </a:r>
+            <a:br>
+              <a:rPr lang="ru-RU" dirty="0"/>
+            </a:br>
+            <a:r>
+              <a:rPr lang="ru-RU" b="1" dirty="0"/>
+              <a:t>Дискретная математика</a:t>
+            </a:r>
+          </a:p>
+        </p:txBody>
+      </p:sp>
+      <p:sp>
+        <p:nvSpPr>
+          <p:cNvPr id="3" name="Объект 2">
+            <a:extLst>
+              <a:ext uri="{FF2B5EF4-FFF2-40B4-BE49-F238E27FC236}">
+                <a16:creationId xmlns:a16="http://schemas.microsoft.com/office/drawing/2014/main" id="{D814EDD8-85C9-A1A5-5643-5B476237428C}"/>
+              </a:ext>
+            </a:extLst>
+          </p:cNvPr>
+          <p:cNvSpPr>
+            <a:spLocks noGrp="1"/>
+          </p:cNvSpPr>
+          <p:nvPr>
+            <p:ph sz="half" idx="1"/>
+          </p:nvPr>
+        </p:nvSpPr>
+        <p:spPr>
+          <a:xfrm>
+            <a:off x="371297" y="1029956"/>
+            <a:ext cx="2295287" cy="2212949"/>
+          </a:xfrm>
+        </p:spPr>
+        <p:txBody>
+          <a:bodyPr/>
+          <a:lstStyle/>
+          <a:p>
+            <a:endParaRPr lang="ru-RU" dirty="0"/>
+          </a:p>
+          <a:p>
+            <a:r>
+              <a:rPr lang="ru-RU" dirty="0"/>
+              <a:t>Соберите цифры</a:t>
+            </a:r>
+          </a:p>
+          <a:p>
+            <a:r>
+              <a:rPr lang="ru-RU" dirty="0"/>
+              <a:t>последовательно</a:t>
+            </a:r>
+          </a:p>
+        </p:txBody>
+      </p:sp>
+      <p:sp>
+        <p:nvSpPr>
+          <p:cNvPr id="4" name="Объект 3">
+            <a:extLst>
+              <a:ext uri="{FF2B5EF4-FFF2-40B4-BE49-F238E27FC236}">
+                <a16:creationId xmlns:a16="http://schemas.microsoft.com/office/drawing/2014/main" id="{72BC5F1C-5554-92F6-EC3B-0D084F79A7A0}"/>
+              </a:ext>
+            </a:extLst>
+          </p:cNvPr>
+          <p:cNvSpPr>
+            <a:spLocks noGrp="1"/>
+          </p:cNvSpPr>
+          <p:nvPr>
+            <p:ph sz="half" idx="2"/>
+          </p:nvPr>
+        </p:nvSpPr>
+        <p:spPr>
+          <a:xfrm>
+            <a:off x="2734092" y="1029955"/>
+            <a:ext cx="2295287" cy="2212949"/>
+          </a:xfrm>
+        </p:spPr>
+        <p:txBody>
+          <a:bodyPr/>
+          <a:lstStyle/>
+          <a:p>
+            <a:endParaRPr lang="ru-RU" sz="1600" dirty="0"/>
+          </a:p>
+          <a:p>
+            <a:r>
+              <a:rPr lang="ru-RU" sz="1600" dirty="0"/>
+              <a:t>СУПЕР- БЛИЦ «ЦИФРЫ»</a:t>
+            </a:r>
+            <a:br>
+              <a:rPr lang="ru-RU" sz="1600" dirty="0"/>
+            </a:br>
+            <a:endParaRPr lang="ru-RU" dirty="0"/>
+          </a:p>
+        </p:txBody>
+      </p:sp>
     </p:spTree>
     <p:extLst>
       <p:ext uri="{BB962C8B-B14F-4D97-AF65-F5344CB8AC3E}">
-        <p14:creationId xmlns:p14="http://schemas.microsoft.com/office/powerpoint/2010/main" val="571749152"/>
+        <p14:creationId xmlns:p14="http://schemas.microsoft.com/office/powerpoint/2010/main" val="896603684"/>
       </p:ext>
     </p:extLst>
   </p:cSld>
@@ -6922,7 +9055,7 @@
           <p:cNvPr id="2" name="Заголовок 1">
             <a:extLst>
               <a:ext uri="{FF2B5EF4-FFF2-40B4-BE49-F238E27FC236}">
-                <a16:creationId xmlns:a16="http://schemas.microsoft.com/office/drawing/2014/main" id="{72333C66-AC34-4E01-1684-9EC83D6B9223}"/>
+                <a16:creationId xmlns:a16="http://schemas.microsoft.com/office/drawing/2014/main" id="{4222252A-8E13-CB8E-49D5-001319F4F9C8}"/>
               </a:ext>
             </a:extLst>
           </p:cNvPr>
@@ -6940,7 +9073,7 @@
           <a:p>
             <a:r>
               <a:rPr lang="ru-RU" dirty="0"/>
-              <a:t>2.4 Чебурашка</a:t>
+              <a:t>2.1 Прочти цифру</a:t>
             </a:r>
           </a:p>
         </p:txBody>
@@ -6950,7 +9083,7 @@
           <p:cNvPr id="3" name="Объект 2">
             <a:extLst>
               <a:ext uri="{FF2B5EF4-FFF2-40B4-BE49-F238E27FC236}">
-                <a16:creationId xmlns:a16="http://schemas.microsoft.com/office/drawing/2014/main" id="{DC0C1D0E-2428-BB48-676D-8C072F6EA5B8}"/>
+                <a16:creationId xmlns:a16="http://schemas.microsoft.com/office/drawing/2014/main" id="{FC54CC8E-650B-DDF9-DB2D-B89623281BE3}"/>
               </a:ext>
             </a:extLst>
           </p:cNvPr>
@@ -6968,11 +9101,8 @@
           <a:p>
             <a:r>
               <a:rPr lang="ru-RU" dirty="0"/>
-              <a:t>Не заглядывая в мешок, найдите фигурку Чебурашки</a:t>
-            </a:r>
-          </a:p>
-          <a:p>
-            <a:endParaRPr lang="ru-RU" dirty="0"/>
+              <a:t>На стаканах указано слово, обозначающее цифру</a:t>
+            </a:r>
           </a:p>
         </p:txBody>
       </p:sp>
@@ -6981,7 +9111,7 @@
           <p:cNvPr id="4" name="Объект 3">
             <a:extLst>
               <a:ext uri="{FF2B5EF4-FFF2-40B4-BE49-F238E27FC236}">
-                <a16:creationId xmlns:a16="http://schemas.microsoft.com/office/drawing/2014/main" id="{A99049D8-9907-7D79-6E5E-615B1DF77864}"/>
+                <a16:creationId xmlns:a16="http://schemas.microsoft.com/office/drawing/2014/main" id="{4A2C408C-486C-1976-AA0C-7B313AA212D4}"/>
               </a:ext>
             </a:extLst>
           </p:cNvPr>
@@ -7009,7 +9139,7 @@
           <a:p>
             <a:r>
               <a:rPr lang="ru-RU" dirty="0"/>
-              <a:t>Верный ответ: 4</a:t>
+              <a:t>Верный ответ: 8</a:t>
             </a:r>
           </a:p>
           <a:p>
@@ -7019,59 +9149,20 @@
             <a:endParaRPr lang="ru-RU" dirty="0"/>
           </a:p>
           <a:p>
+            <a:r>
+              <a:rPr lang="ru-RU" dirty="0"/>
+              <a:t>Фото 2.1</a:t>
+            </a:r>
+          </a:p>
+          <a:p>
             <a:endParaRPr lang="ru-RU" dirty="0"/>
           </a:p>
-          <a:p>
-            <a:r>
-              <a:rPr lang="ru-RU" dirty="0"/>
-              <a:t>Фото 2.4</a:t>
-            </a:r>
-          </a:p>
-          <a:p>
-            <a:endParaRPr lang="ru-RU" dirty="0"/>
-          </a:p>
-        </p:txBody>
-      </p:sp>
-      <p:pic>
-        <p:nvPicPr>
-          <p:cNvPr id="6" name="Рисунок 5">
-            <a:extLst>
-              <a:ext uri="{FF2B5EF4-FFF2-40B4-BE49-F238E27FC236}">
-                <a16:creationId xmlns:a16="http://schemas.microsoft.com/office/drawing/2014/main" id="{1B68538F-9B37-E612-BD86-2C948D28B83E}"/>
-              </a:ext>
-            </a:extLst>
-          </p:cNvPr>
-          <p:cNvPicPr>
-            <a:picLocks noChangeAspect="1"/>
-          </p:cNvPicPr>
-          <p:nvPr/>
-        </p:nvPicPr>
-        <p:blipFill>
-          <a:blip r:embed="rId2" cstate="print">
-            <a:extLst>
-              <a:ext uri="{28A0092B-C50C-407E-A947-70E740481C1C}">
-                <a14:useLocalDpi xmlns:a14="http://schemas.microsoft.com/office/drawing/2010/main" val="0"/>
-              </a:ext>
-            </a:extLst>
-          </a:blip>
-          <a:stretch>
-            <a:fillRect/>
-          </a:stretch>
-        </p:blipFill>
-        <p:spPr>
-          <a:xfrm>
-            <a:off x="545202" y="1647930"/>
-            <a:ext cx="1871426" cy="1594975"/>
-          </a:xfrm>
-          <a:prstGeom prst="rect">
-            <a:avLst/>
-          </a:prstGeom>
-        </p:spPr>
-      </p:pic>
+        </p:txBody>
+      </p:sp>
     </p:spTree>
     <p:extLst>
       <p:ext uri="{BB962C8B-B14F-4D97-AF65-F5344CB8AC3E}">
-        <p14:creationId xmlns:p14="http://schemas.microsoft.com/office/powerpoint/2010/main" val="2121371112"/>
+        <p14:creationId xmlns:p14="http://schemas.microsoft.com/office/powerpoint/2010/main" val="706266210"/>
       </p:ext>
     </p:extLst>
   </p:cSld>
@@ -7103,7 +9194,7 @@
           <p:cNvPr id="2" name="Заголовок 1">
             <a:extLst>
               <a:ext uri="{FF2B5EF4-FFF2-40B4-BE49-F238E27FC236}">
-                <a16:creationId xmlns:a16="http://schemas.microsoft.com/office/drawing/2014/main" id="{70AB0A78-E228-E71F-2F41-28743072942C}"/>
+                <a16:creationId xmlns:a16="http://schemas.microsoft.com/office/drawing/2014/main" id="{B4682474-7487-232A-1339-45B12124F085}"/>
               </a:ext>
             </a:extLst>
           </p:cNvPr>
@@ -7116,13 +9207,22 @@
         </p:nvSpPr>
         <p:spPr/>
         <p:txBody>
-          <a:bodyPr/>
-          <a:lstStyle/>
-          <a:p>
-            <a:r>
-              <a:rPr lang="ru-RU" dirty="0"/>
-              <a:t>2.5. Загадка</a:t>
-            </a:r>
+          <a:bodyPr>
+            <a:normAutofit/>
+          </a:bodyPr>
+          <a:lstStyle/>
+          <a:p>
+            <a:r>
+              <a:rPr lang="ru-RU" b="0" i="0" dirty="0">
+                <a:solidFill>
+                  <a:srgbClr val="000000"/>
+                </a:solidFill>
+                <a:effectLst/>
+                <a:latin typeface="Roboto" panose="02000000000000000000" pitchFamily="2" charset="0"/>
+              </a:rPr>
+              <a:t>2.2 Почтовый индекс</a:t>
+            </a:r>
+            <a:endParaRPr lang="ru-RU" dirty="0"/>
           </a:p>
         </p:txBody>
       </p:sp>
@@ -7131,7 +9231,7 @@
           <p:cNvPr id="3" name="Объект 2">
             <a:extLst>
               <a:ext uri="{FF2B5EF4-FFF2-40B4-BE49-F238E27FC236}">
-                <a16:creationId xmlns:a16="http://schemas.microsoft.com/office/drawing/2014/main" id="{776902D7-DB2C-FAC0-72B7-6B0EFC46E1C9}"/>
+                <a16:creationId xmlns:a16="http://schemas.microsoft.com/office/drawing/2014/main" id="{7441872A-5980-E8A2-B924-5815DBA51972}"/>
               </a:ext>
             </a:extLst>
           </p:cNvPr>
@@ -7148,15 +9248,27 @@
           <a:lstStyle/>
           <a:p>
             <a:r>
-              <a:rPr lang="ru-RU" dirty="0"/>
-              <a:t>Он не значит ничего,</a:t>
-            </a:r>
-          </a:p>
-          <a:p>
-            <a:r>
-              <a:rPr lang="ru-RU" dirty="0"/>
-              <a:t>Но нельзя и без него</a:t>
-            </a:r>
+              <a:rPr lang="ru-RU" b="0" i="0" dirty="0">
+                <a:solidFill>
+                  <a:srgbClr val="000000"/>
+                </a:solidFill>
+                <a:effectLst/>
+                <a:latin typeface="Roboto" panose="02000000000000000000" pitchFamily="2" charset="0"/>
+              </a:rPr>
+              <a:t>Соедините точки согласно схемы на картинке</a:t>
+            </a:r>
+          </a:p>
+          <a:p>
+            <a:endParaRPr lang="ru-RU" b="0" i="0" dirty="0">
+              <a:solidFill>
+                <a:srgbClr val="000000"/>
+              </a:solidFill>
+              <a:effectLst/>
+              <a:latin typeface="Roboto" panose="02000000000000000000" pitchFamily="2" charset="0"/>
+            </a:endParaRPr>
+          </a:p>
+          <a:p>
+            <a:endParaRPr lang="ru-RU" dirty="0"/>
           </a:p>
         </p:txBody>
       </p:sp>
@@ -7165,7 +9277,7 @@
           <p:cNvPr id="4" name="Объект 3">
             <a:extLst>
               <a:ext uri="{FF2B5EF4-FFF2-40B4-BE49-F238E27FC236}">
-                <a16:creationId xmlns:a16="http://schemas.microsoft.com/office/drawing/2014/main" id="{EBC405DB-F3B7-FD2A-FD3F-4B3E89F6D5D4}"/>
+                <a16:creationId xmlns:a16="http://schemas.microsoft.com/office/drawing/2014/main" id="{EF9C28DB-8C9B-E85D-99BB-2A641088FE5B}"/>
               </a:ext>
             </a:extLst>
           </p:cNvPr>
@@ -7191,17 +9303,74 @@
             </a:r>
           </a:p>
           <a:p>
-            <a:r>
-              <a:rPr lang="ru-RU" dirty="0"/>
-              <a:t>Верный ответ: 0</a:t>
-            </a:r>
-          </a:p>
-        </p:txBody>
-      </p:sp>
+            <a:endParaRPr lang="ru-RU" dirty="0"/>
+          </a:p>
+          <a:p>
+            <a:endParaRPr lang="ru-RU" dirty="0"/>
+          </a:p>
+          <a:p>
+            <a:endParaRPr lang="ru-RU" dirty="0"/>
+          </a:p>
+          <a:p>
+            <a:endParaRPr lang="ru-RU" dirty="0"/>
+          </a:p>
+          <a:p>
+            <a:endParaRPr lang="ru-RU" dirty="0"/>
+          </a:p>
+          <a:p>
+            <a:endParaRPr lang="ru-RU" dirty="0"/>
+          </a:p>
+          <a:p>
+            <a:r>
+              <a:rPr lang="ru-RU" dirty="0"/>
+              <a:t>Верный ответ: 9</a:t>
+            </a:r>
+          </a:p>
+          <a:p>
+            <a:endParaRPr lang="ru-RU" dirty="0"/>
+          </a:p>
+          <a:p>
+            <a:endParaRPr lang="ru-RU" dirty="0"/>
+          </a:p>
+          <a:p>
+            <a:endParaRPr lang="ru-RU" dirty="0"/>
+          </a:p>
+        </p:txBody>
+      </p:sp>
+      <p:pic>
+        <p:nvPicPr>
+          <p:cNvPr id="7" name="Рисунок 6">
+            <a:extLst>
+              <a:ext uri="{FF2B5EF4-FFF2-40B4-BE49-F238E27FC236}">
+                <a16:creationId xmlns:a16="http://schemas.microsoft.com/office/drawing/2014/main" id="{4DCE94C1-5F48-DFD1-AD20-B29D76BE056F}"/>
+              </a:ext>
+            </a:extLst>
+          </p:cNvPr>
+          <p:cNvPicPr>
+            <a:picLocks noChangeAspect="1"/>
+          </p:cNvPicPr>
+          <p:nvPr/>
+        </p:nvPicPr>
+        <p:blipFill>
+          <a:blip r:embed="rId2"/>
+          <a:stretch>
+            <a:fillRect/>
+          </a:stretch>
+        </p:blipFill>
+        <p:spPr>
+          <a:xfrm>
+            <a:off x="520767" y="1636206"/>
+            <a:ext cx="4180607" cy="1038766"/>
+          </a:xfrm>
+          <a:prstGeom prst="rect">
+            <a:avLst/>
+          </a:prstGeom>
+        </p:spPr>
+      </p:pic>
     </p:spTree>
     <p:extLst>
       <p:ext uri="{BB962C8B-B14F-4D97-AF65-F5344CB8AC3E}">
-        <p14:creationId xmlns:p14="http://schemas.microsoft.com/office/powerpoint/2010/main" val="2806410618"/>
+        <p14:creationId xmlns:p14="http://schemas.microsoft.com/office/powerpoint/2010/main" val="1191958297"/>
       </p:ext>
     </p:extLst>
   </p:cSld>
@@ -7233,7 +9402,7 @@
           <p:cNvPr id="2" name="Заголовок 1">
             <a:extLst>
               <a:ext uri="{FF2B5EF4-FFF2-40B4-BE49-F238E27FC236}">
-                <a16:creationId xmlns:a16="http://schemas.microsoft.com/office/drawing/2014/main" id="{742C4D59-4F87-BD7F-CC5D-82AAAB87EA59}"/>
+                <a16:creationId xmlns:a16="http://schemas.microsoft.com/office/drawing/2014/main" id="{FE0C50AC-D5CA-1FB6-542C-84ABDCB56F2C}"/>
               </a:ext>
             </a:extLst>
           </p:cNvPr>
@@ -7246,96 +9415,67 @@
         </p:nvSpPr>
         <p:spPr/>
         <p:txBody>
-          <a:bodyPr/>
-          <a:lstStyle/>
-          <a:p>
-            <a:r>
-              <a:rPr lang="ru-RU" dirty="0"/>
-              <a:t>2.6. Сколько звуков в слове</a:t>
-            </a:r>
-          </a:p>
-        </p:txBody>
-      </p:sp>
-      <p:sp>
-        <p:nvSpPr>
-          <p:cNvPr id="3" name="Объект 2">
-            <a:extLst>
-              <a:ext uri="{FF2B5EF4-FFF2-40B4-BE49-F238E27FC236}">
-                <a16:creationId xmlns:a16="http://schemas.microsoft.com/office/drawing/2014/main" id="{E5866384-C420-4BD2-F6F6-8CBCEE0E7326}"/>
-              </a:ext>
-            </a:extLst>
-          </p:cNvPr>
-          <p:cNvSpPr>
-            <a:spLocks noGrp="1"/>
-          </p:cNvSpPr>
-          <p:nvPr>
-            <p:ph sz="half" idx="1"/>
-          </p:nvPr>
-        </p:nvSpPr>
+          <a:bodyPr>
+            <a:normAutofit fontScale="90000"/>
+          </a:bodyPr>
+          <a:lstStyle/>
+          <a:p>
+            <a:r>
+              <a:rPr lang="ru-RU" b="0" i="0" dirty="0">
+                <a:solidFill>
+                  <a:srgbClr val="000000"/>
+                </a:solidFill>
+                <a:effectLst/>
+                <a:latin typeface="Roboto" panose="02000000000000000000" pitchFamily="2" charset="0"/>
+              </a:rPr>
+              <a:t>Соедините точки согласно схемы на картинке</a:t>
+            </a:r>
+            <a:br>
+              <a:rPr lang="ru-RU" b="0" i="0" dirty="0">
+                <a:solidFill>
+                  <a:srgbClr val="000000"/>
+                </a:solidFill>
+                <a:effectLst/>
+                <a:latin typeface="Roboto" panose="02000000000000000000" pitchFamily="2" charset="0"/>
+              </a:rPr>
+            </a:br>
+            <a:endParaRPr lang="ru-RU" dirty="0"/>
+          </a:p>
+        </p:txBody>
+      </p:sp>
+      <p:pic>
+        <p:nvPicPr>
+          <p:cNvPr id="5" name="Объект 4">
+            <a:extLst>
+              <a:ext uri="{FF2B5EF4-FFF2-40B4-BE49-F238E27FC236}">
+                <a16:creationId xmlns:a16="http://schemas.microsoft.com/office/drawing/2014/main" id="{A14F79E6-A5EE-0782-B6E8-8AD144D615C1}"/>
+              </a:ext>
+            </a:extLst>
+          </p:cNvPr>
+          <p:cNvPicPr>
+            <a:picLocks noGrp="1" noChangeAspect="1"/>
+          </p:cNvPicPr>
+          <p:nvPr>
+            <p:ph idx="1"/>
+          </p:nvPr>
+        </p:nvPicPr>
+        <p:blipFill>
+          <a:blip r:embed="rId2"/>
+          <a:stretch>
+            <a:fillRect/>
+          </a:stretch>
+        </p:blipFill>
         <p:spPr>
           <a:xfrm>
-            <a:off x="65315" y="958453"/>
-            <a:ext cx="2601270" cy="2284452"/>
+            <a:off x="877200" y="958850"/>
+            <a:ext cx="3646274" cy="2284413"/>
           </a:xfrm>
         </p:spPr>
-        <p:txBody>
-          <a:bodyPr anchor="ctr">
-            <a:normAutofit/>
-          </a:bodyPr>
-          <a:lstStyle/>
-          <a:p>
-            <a:pPr marL="720092" lvl="3" indent="0">
-              <a:buNone/>
-            </a:pPr>
-            <a:r>
-              <a:rPr lang="ru-RU" sz="5000" dirty="0"/>
-              <a:t>СИЯЮ</a:t>
-            </a:r>
-          </a:p>
-        </p:txBody>
-      </p:sp>
-      <p:sp>
-        <p:nvSpPr>
-          <p:cNvPr id="4" name="Объект 3">
-            <a:extLst>
-              <a:ext uri="{FF2B5EF4-FFF2-40B4-BE49-F238E27FC236}">
-                <a16:creationId xmlns:a16="http://schemas.microsoft.com/office/drawing/2014/main" id="{F90AFAA8-D1F0-C2AB-B119-7786975C4D77}"/>
-              </a:ext>
-            </a:extLst>
-          </p:cNvPr>
-          <p:cNvSpPr>
-            <a:spLocks noGrp="1"/>
-          </p:cNvSpPr>
-          <p:nvPr>
-            <p:ph sz="half" idx="2"/>
-          </p:nvPr>
-        </p:nvSpPr>
-        <p:spPr/>
-        <p:txBody>
-          <a:bodyPr/>
-          <a:lstStyle/>
-          <a:p>
-            <a:r>
-              <a:rPr lang="ru-RU" dirty="0">
-                <a:solidFill>
-                  <a:srgbClr val="002060"/>
-                </a:solidFill>
-              </a:rPr>
-              <a:t>Введите кол-во:</a:t>
-            </a:r>
-          </a:p>
-          <a:p>
-            <a:r>
-              <a:rPr lang="ru-RU" dirty="0"/>
-              <a:t>Верный ответ: 6</a:t>
-            </a:r>
-          </a:p>
-        </p:txBody>
-      </p:sp>
+      </p:pic>
     </p:spTree>
     <p:extLst>
       <p:ext uri="{BB962C8B-B14F-4D97-AF65-F5344CB8AC3E}">
-        <p14:creationId xmlns:p14="http://schemas.microsoft.com/office/powerpoint/2010/main" val="3320051594"/>
+        <p14:creationId xmlns:p14="http://schemas.microsoft.com/office/powerpoint/2010/main" val="4055052751"/>
       </p:ext>
     </p:extLst>
   </p:cSld>
